--- a/presentation/introduction_to_javascript-based_simulation.pptx
+++ b/presentation/introduction_to_javascript-based_simulation.pptx
@@ -5,7 +5,7 @@
     <p:sldMasterId id="2147483648" r:id="rId1"/>
   </p:sldMasterIdLst>
   <p:notesMasterIdLst>
-    <p:notesMasterId r:id="rId91"/>
+    <p:notesMasterId r:id="rId90"/>
   </p:notesMasterIdLst>
   <p:sldIdLst>
     <p:sldId id="256" r:id="rId2"/>
@@ -83,20 +83,19 @@
     <p:sldId id="334" r:id="rId74"/>
     <p:sldId id="335" r:id="rId75"/>
     <p:sldId id="343" r:id="rId76"/>
-    <p:sldId id="337" r:id="rId77"/>
-    <p:sldId id="338" r:id="rId78"/>
-    <p:sldId id="339" r:id="rId79"/>
-    <p:sldId id="340" r:id="rId80"/>
-    <p:sldId id="341" r:id="rId81"/>
-    <p:sldId id="348" r:id="rId82"/>
-    <p:sldId id="349" r:id="rId83"/>
-    <p:sldId id="351" r:id="rId84"/>
-    <p:sldId id="352" r:id="rId85"/>
-    <p:sldId id="415" r:id="rId86"/>
-    <p:sldId id="357" r:id="rId87"/>
-    <p:sldId id="358" r:id="rId88"/>
-    <p:sldId id="366" r:id="rId89"/>
-    <p:sldId id="403" r:id="rId90"/>
+    <p:sldId id="416" r:id="rId77"/>
+    <p:sldId id="337" r:id="rId78"/>
+    <p:sldId id="338" r:id="rId79"/>
+    <p:sldId id="339" r:id="rId80"/>
+    <p:sldId id="340" r:id="rId81"/>
+    <p:sldId id="341" r:id="rId82"/>
+    <p:sldId id="415" r:id="rId83"/>
+    <p:sldId id="357" r:id="rId84"/>
+    <p:sldId id="358" r:id="rId85"/>
+    <p:sldId id="366" r:id="rId86"/>
+    <p:sldId id="403" r:id="rId87"/>
+    <p:sldId id="351" r:id="rId88"/>
+    <p:sldId id="352" r:id="rId89"/>
   </p:sldIdLst>
   <p:sldSz cx="12192000" cy="6858000"/>
   <p:notesSz cx="6858000" cy="9144000"/>
@@ -296,7 +295,7 @@
           <a:p>
             <a:fld id="{39A81339-E853-40E9-96C2-3169D1229503}" type="datetimeFigureOut">
               <a:rPr lang="en-US" smtClean="0"/>
-              <a:t>7/21/2019</a:t>
+              <a:t>7/25/2019</a:t>
             </a:fld>
             <a:endParaRPr lang="en-US"/>
           </a:p>
@@ -783,7 +782,7 @@
           <a:p>
             <a:fld id="{9D363655-C0D8-4594-9311-3D89DD65F2C5}" type="datetime1">
               <a:rPr lang="en-US" smtClean="0"/>
-              <a:t>7/21/2019</a:t>
+              <a:t>7/25/2019</a:t>
             </a:fld>
             <a:endParaRPr lang="en-US"/>
           </a:p>
@@ -953,7 +952,7 @@
           <a:p>
             <a:fld id="{BC41EEA5-8801-4D6F-968C-33B67344310A}" type="datetime1">
               <a:rPr lang="en-US" smtClean="0"/>
-              <a:t>7/21/2019</a:t>
+              <a:t>7/25/2019</a:t>
             </a:fld>
             <a:endParaRPr lang="en-US"/>
           </a:p>
@@ -1133,7 +1132,7 @@
           <a:p>
             <a:fld id="{E0DDA876-6B77-44AB-ABE6-A51E839C6996}" type="datetime1">
               <a:rPr lang="en-US" smtClean="0"/>
-              <a:t>7/21/2019</a:t>
+              <a:t>7/25/2019</a:t>
             </a:fld>
             <a:endParaRPr lang="en-US"/>
           </a:p>
@@ -1307,7 +1306,7 @@
           <a:p>
             <a:fld id="{5466A0B4-B19F-47A2-AA70-CC1C7FFC6C60}" type="datetime1">
               <a:rPr lang="en-US" smtClean="0"/>
-              <a:t>7/21/2019</a:t>
+              <a:t>7/25/2019</a:t>
             </a:fld>
             <a:endParaRPr lang="en-US"/>
           </a:p>
@@ -1553,7 +1552,7 @@
           <a:p>
             <a:fld id="{F5526E16-D3A8-4580-8136-819D04F2E6C7}" type="datetime1">
               <a:rPr lang="en-US" smtClean="0"/>
-              <a:t>7/21/2019</a:t>
+              <a:t>7/25/2019</a:t>
             </a:fld>
             <a:endParaRPr lang="en-US"/>
           </a:p>
@@ -1789,7 +1788,7 @@
           <a:p>
             <a:fld id="{5EDE31C6-2FEA-4BF4-AFC6-1BC741160121}" type="datetime1">
               <a:rPr lang="en-US" smtClean="0"/>
-              <a:t>7/21/2019</a:t>
+              <a:t>7/25/2019</a:t>
             </a:fld>
             <a:endParaRPr lang="en-US"/>
           </a:p>
@@ -2160,7 +2159,7 @@
           <a:p>
             <a:fld id="{B4C9B076-83AA-4639-B24C-1032FEF07B63}" type="datetime1">
               <a:rPr lang="en-US" smtClean="0"/>
-              <a:t>7/21/2019</a:t>
+              <a:t>7/25/2019</a:t>
             </a:fld>
             <a:endParaRPr lang="en-US"/>
           </a:p>
@@ -2282,7 +2281,7 @@
           <a:p>
             <a:fld id="{E0E3E3EB-A75C-4EF2-99DE-2B052BA25FC0}" type="datetime1">
               <a:rPr lang="en-US" smtClean="0"/>
-              <a:t>7/21/2019</a:t>
+              <a:t>7/25/2019</a:t>
             </a:fld>
             <a:endParaRPr lang="en-US"/>
           </a:p>
@@ -2377,7 +2376,7 @@
           <a:p>
             <a:fld id="{5A30A1E5-EC1C-4814-A956-D0FEA7D5DFBF}" type="datetime1">
               <a:rPr lang="en-US" smtClean="0"/>
-              <a:t>7/21/2019</a:t>
+              <a:t>7/25/2019</a:t>
             </a:fld>
             <a:endParaRPr lang="en-US"/>
           </a:p>
@@ -2654,7 +2653,7 @@
           <a:p>
             <a:fld id="{A2E1DDBF-4DB8-4933-AD18-7765DFCA63EF}" type="datetime1">
               <a:rPr lang="en-US" smtClean="0"/>
-              <a:t>7/21/2019</a:t>
+              <a:t>7/25/2019</a:t>
             </a:fld>
             <a:endParaRPr lang="en-US"/>
           </a:p>
@@ -2907,7 +2906,7 @@
           <a:p>
             <a:fld id="{D1DD2F32-D7B9-4CE7-8295-6A4799CACCFF}" type="datetime1">
               <a:rPr lang="en-US" smtClean="0"/>
-              <a:t>7/21/2019</a:t>
+              <a:t>7/25/2019</a:t>
             </a:fld>
             <a:endParaRPr lang="en-US"/>
           </a:p>
@@ -3120,7 +3119,7 @@
           <a:p>
             <a:fld id="{43A93C0F-8EB6-4C72-8B62-97A4DBA736CD}" type="datetime1">
               <a:rPr lang="en-US" smtClean="0"/>
-              <a:t>7/21/2019</a:t>
+              <a:t>7/25/2019</a:t>
             </a:fld>
             <a:endParaRPr lang="en-US"/>
           </a:p>
@@ -3791,11 +3790,7 @@
           <a:p>
             <a:r>
               <a:rPr lang="en-US" dirty="0" smtClean="0"/>
-              <a:t>E</a:t>
-            </a:r>
-            <a:r>
-              <a:rPr lang="en-US" dirty="0" smtClean="0"/>
-              <a:t>nable to </a:t>
+              <a:t>Enable to </a:t>
             </a:r>
             <a:r>
               <a:rPr lang="en-US" dirty="0"/>
@@ -3843,17 +3838,8 @@
           <a:p>
             <a:r>
               <a:rPr lang="en-US" dirty="0" smtClean="0"/>
-              <a:t>Support System Dynamics, Agent Based and Discrete Event </a:t>
-            </a:r>
-            <a:r>
-              <a:rPr lang="en-US" dirty="0" smtClean="0"/>
-              <a:t>s</a:t>
-            </a:r>
-            <a:r>
-              <a:rPr lang="en-US" dirty="0" smtClean="0"/>
-              <a:t>imulation and a combination of them</a:t>
-            </a:r>
-            <a:endParaRPr lang="en-US" dirty="0" smtClean="0"/>
+              <a:t>Support System Dynamics, Agent Based and Discrete Event simulation and a combination of them</a:t>
+            </a:r>
           </a:p>
         </p:txBody>
       </p:sp>
@@ -4279,7 +4265,15 @@
             </a:r>
             <a:r>
               <a:rPr lang="en-US" dirty="0"/>
-              <a:t>tool that runs on the web </a:t>
+              <a:t>tool that runs </a:t>
+            </a:r>
+            <a:r>
+              <a:rPr lang="en-US" dirty="0" smtClean="0"/>
+              <a:t>in </a:t>
+            </a:r>
+            <a:r>
+              <a:rPr lang="en-US" dirty="0"/>
+              <a:t>the web </a:t>
             </a:r>
             <a:r>
               <a:rPr lang="en-US" dirty="0" smtClean="0"/>
@@ -6589,7 +6583,6 @@
               <a:rPr lang="en-US" dirty="0" smtClean="0"/>
               <a:t>Enabling Technologies</a:t>
             </a:r>
-            <a:endParaRPr lang="en-US" dirty="0" smtClean="0"/>
           </a:p>
           <a:p>
             <a:pPr lvl="1"/>
@@ -6611,7 +6604,6 @@
               <a:rPr lang="en-US" dirty="0" smtClean="0"/>
               <a:t>Advantages and Disadvantages</a:t>
             </a:r>
-            <a:endParaRPr lang="en-US" dirty="0" smtClean="0"/>
           </a:p>
           <a:p>
             <a:r>
@@ -6644,7 +6636,6 @@
               <a:rPr lang="en-US" dirty="0" smtClean="0"/>
               <a:t>Purchasing Model Implementations</a:t>
             </a:r>
-            <a:endParaRPr lang="en-US" dirty="0" smtClean="0"/>
           </a:p>
         </p:txBody>
       </p:sp>
@@ -6763,29 +6754,13 @@
             </a:r>
             <a:r>
               <a:rPr lang="en-US" dirty="0" smtClean="0"/>
-              <a:t>(OES) </a:t>
-            </a:r>
-            <a:r>
-              <a:rPr lang="en-US" dirty="0" smtClean="0"/>
-              <a:t>paradigm</a:t>
-            </a:r>
-          </a:p>
-          <a:p>
-            <a:r>
-              <a:rPr lang="en-US" dirty="0" smtClean="0"/>
-              <a:t>The </a:t>
-            </a:r>
-            <a:r>
-              <a:rPr lang="en-US" dirty="0" smtClean="0"/>
-              <a:t>models </a:t>
-            </a:r>
-            <a:r>
-              <a:rPr lang="en-US" dirty="0" smtClean="0"/>
-              <a:t>is composed of two basic types </a:t>
-            </a:r>
-            <a:r>
-              <a:rPr lang="en-US" dirty="0" smtClean="0"/>
-              <a:t>of entities</a:t>
+              <a:t>(OES) paradigm</a:t>
+            </a:r>
+          </a:p>
+          <a:p>
+            <a:r>
+              <a:rPr lang="en-US" dirty="0" smtClean="0"/>
+              <a:t>The models is composed of two basic types of entities</a:t>
             </a:r>
           </a:p>
           <a:p>
@@ -6814,11 +6789,7 @@
             </a:r>
             <a:r>
               <a:rPr lang="en-US" dirty="0" smtClean="0"/>
-              <a:t> </a:t>
-            </a:r>
-            <a:r>
-              <a:rPr lang="en-US" dirty="0" smtClean="0"/>
-              <a:t>supports two forms of simulations</a:t>
+              <a:t> supports two forms of simulations</a:t>
             </a:r>
           </a:p>
           <a:p>
@@ -6983,7 +6954,6 @@
               <a:rPr lang="en-US" dirty="0" smtClean="0"/>
               <a:t>Enterprise delivers the quantity of products it has in stock and registers the remaining quantity as lost sales</a:t>
             </a:r>
-            <a:endParaRPr lang="en-US" dirty="0" smtClean="0"/>
           </a:p>
         </p:txBody>
       </p:sp>
@@ -7155,14 +7125,7 @@
                 <a:latin typeface="Courier New" panose="02070309020205020404" pitchFamily="49" charset="0"/>
                 <a:cs typeface="Courier New" panose="02070309020205020404" pitchFamily="49" charset="0"/>
               </a:rPr>
-              <a:t> clone </a:t>
-            </a:r>
-            <a:r>
-              <a:rPr lang="en-US" sz="1600" dirty="0">
-                <a:latin typeface="Courier New" panose="02070309020205020404" pitchFamily="49" charset="0"/>
-                <a:cs typeface="Courier New" panose="02070309020205020404" pitchFamily="49" charset="0"/>
-              </a:rPr>
-              <a:t>https://</a:t>
+              <a:t> clone https://</a:t>
             </a:r>
             <a:r>
               <a:rPr lang="en-US" sz="1600" dirty="0" smtClean="0">
@@ -9230,11 +9193,7 @@
           <a:p>
             <a:r>
               <a:rPr lang="en-US" dirty="0" smtClean="0"/>
-              <a:t>Web-based </a:t>
-            </a:r>
-            <a:r>
-              <a:rPr lang="en-US" dirty="0" smtClean="0"/>
-              <a:t>Simulation</a:t>
+              <a:t>Web-based Simulation</a:t>
             </a:r>
             <a:endParaRPr lang="en-US" dirty="0"/>
           </a:p>
@@ -9303,7 +9262,6 @@
               <a:rPr lang="en-US" dirty="0" smtClean="0"/>
               <a:t>are used to implement the interaction between</a:t>
             </a:r>
-            <a:endParaRPr lang="en-US" dirty="0" smtClean="0"/>
           </a:p>
           <a:p>
             <a:pPr lvl="1">
@@ -10418,11 +10376,7 @@
           <a:p>
             <a:r>
               <a:rPr lang="en-US" dirty="0" smtClean="0"/>
-              <a:t>Simulation Time </a:t>
-            </a:r>
-            <a:r>
-              <a:rPr lang="en-US" dirty="0" smtClean="0"/>
-              <a:t>Progression (simulation.js)</a:t>
+              <a:t>Simulation Time Progression (simulation.js)</a:t>
             </a:r>
             <a:endParaRPr lang="en-US" dirty="0"/>
           </a:p>
@@ -11725,11 +11679,7 @@
           <a:p>
             <a:r>
               <a:rPr lang="en-US" dirty="0" smtClean="0"/>
-              <a:t>Object types are defined in the form of </a:t>
-            </a:r>
-            <a:r>
-              <a:rPr lang="en-US" dirty="0" smtClean="0"/>
-              <a:t>classes</a:t>
+              <a:t>Object types are defined in the form of classes</a:t>
             </a:r>
           </a:p>
           <a:p>
@@ -11793,28 +11743,67 @@
                 <a:latin typeface="Courier New" panose="02070309020205020404" pitchFamily="49" charset="0"/>
                 <a:cs typeface="Courier New" panose="02070309020205020404" pitchFamily="49" charset="0"/>
               </a:rPr>
-              <a:t> </a:t>
+              <a:t> = new </a:t>
+            </a:r>
+            <a:r>
+              <a:rPr lang="en-US" sz="1200" dirty="0" err="1" smtClean="0">
+                <a:latin typeface="Courier New" panose="02070309020205020404" pitchFamily="49" charset="0"/>
+                <a:cs typeface="Courier New" panose="02070309020205020404" pitchFamily="49" charset="0"/>
+              </a:rPr>
+              <a:t>cLASS</a:t>
             </a:r>
             <a:r>
               <a:rPr lang="en-US" sz="1200" dirty="0" smtClean="0">
                 <a:latin typeface="Courier New" panose="02070309020205020404" pitchFamily="49" charset="0"/>
                 <a:cs typeface="Courier New" panose="02070309020205020404" pitchFamily="49" charset="0"/>
               </a:rPr>
-              <a:t>= new </a:t>
+              <a:t>( {</a:t>
+            </a:r>
+          </a:p>
+          <a:p>
+            <a:r>
+              <a:rPr lang="en-US" sz="1200" dirty="0" smtClean="0">
+                <a:latin typeface="Courier New" panose="02070309020205020404" pitchFamily="49" charset="0"/>
+                <a:cs typeface="Courier New" panose="02070309020205020404" pitchFamily="49" charset="0"/>
+              </a:rPr>
+              <a:t>  Name: “</a:t>
+            </a:r>
+            <a:r>
+              <a:rPr lang="en-US" sz="1200" b="1" dirty="0" smtClean="0">
+                <a:latin typeface="Courier New" panose="02070309020205020404" pitchFamily="49" charset="0"/>
+                <a:cs typeface="Courier New" panose="02070309020205020404" pitchFamily="49" charset="0"/>
+              </a:rPr>
+              <a:t>Consumer</a:t>
+            </a:r>
+            <a:r>
+              <a:rPr lang="en-US" sz="1200" dirty="0" smtClean="0">
+                <a:latin typeface="Courier New" panose="02070309020205020404" pitchFamily="49" charset="0"/>
+                <a:cs typeface="Courier New" panose="02070309020205020404" pitchFamily="49" charset="0"/>
+              </a:rPr>
+              <a:t>",</a:t>
+            </a:r>
+          </a:p>
+          <a:p>
+            <a:r>
+              <a:rPr lang="en-US" sz="1200" dirty="0" smtClean="0">
+                <a:latin typeface="Courier New" panose="02070309020205020404" pitchFamily="49" charset="0"/>
+                <a:cs typeface="Courier New" panose="02070309020205020404" pitchFamily="49" charset="0"/>
+              </a:rPr>
+              <a:t>  </a:t>
             </a:r>
             <a:r>
               <a:rPr lang="en-US" sz="1200" dirty="0" err="1" smtClean="0">
                 <a:latin typeface="Courier New" panose="02070309020205020404" pitchFamily="49" charset="0"/>
                 <a:cs typeface="Courier New" panose="02070309020205020404" pitchFamily="49" charset="0"/>
               </a:rPr>
-              <a:t>cLASS</a:t>
+              <a:t>shortLabel</a:t>
             </a:r>
             <a:r>
               <a:rPr lang="en-US" sz="1200" dirty="0" smtClean="0">
                 <a:latin typeface="Courier New" panose="02070309020205020404" pitchFamily="49" charset="0"/>
                 <a:cs typeface="Courier New" panose="02070309020205020404" pitchFamily="49" charset="0"/>
               </a:rPr>
-              <a:t>( {</a:t>
+              <a:t>: “Consumer",</a:t>
             </a:r>
           </a:p>
           <a:p>
@@ -11823,21 +11812,28 @@
                 <a:latin typeface="Courier New" panose="02070309020205020404" pitchFamily="49" charset="0"/>
                 <a:cs typeface="Courier New" panose="02070309020205020404" pitchFamily="49" charset="0"/>
               </a:rPr>
-              <a:t>  Name: </a:t>
+              <a:t>  </a:t>
+            </a:r>
+            <a:r>
+              <a:rPr lang="en-US" sz="1200" dirty="0" err="1" smtClean="0">
+                <a:latin typeface="Courier New" panose="02070309020205020404" pitchFamily="49" charset="0"/>
+                <a:cs typeface="Courier New" panose="02070309020205020404" pitchFamily="49" charset="0"/>
+              </a:rPr>
+              <a:t>supertypeName</a:t>
             </a:r>
             <a:r>
               <a:rPr lang="en-US" sz="1200" dirty="0" smtClean="0">
                 <a:latin typeface="Courier New" panose="02070309020205020404" pitchFamily="49" charset="0"/>
                 <a:cs typeface="Courier New" panose="02070309020205020404" pitchFamily="49" charset="0"/>
               </a:rPr>
-              <a:t>“</a:t>
-            </a:r>
-            <a:r>
-              <a:rPr lang="en-US" sz="1200" b="1" dirty="0" smtClean="0">
-                <a:latin typeface="Courier New" panose="02070309020205020404" pitchFamily="49" charset="0"/>
-                <a:cs typeface="Courier New" panose="02070309020205020404" pitchFamily="49" charset="0"/>
-              </a:rPr>
-              <a:t>Consumer</a:t>
+              <a:t>: "</a:t>
+            </a:r>
+            <a:r>
+              <a:rPr lang="en-US" sz="1200" dirty="0" err="1" smtClean="0">
+                <a:latin typeface="Courier New" panose="02070309020205020404" pitchFamily="49" charset="0"/>
+                <a:cs typeface="Courier New" panose="02070309020205020404" pitchFamily="49" charset="0"/>
+              </a:rPr>
+              <a:t>oBJECT</a:t>
             </a:r>
             <a:r>
               <a:rPr lang="en-US" sz="1200" dirty="0" smtClean="0">
@@ -11846,10 +11842,6 @@
               </a:rPr>
               <a:t>",</a:t>
             </a:r>
-            <a:endParaRPr lang="en-US" sz="1200" dirty="0" smtClean="0">
-              <a:latin typeface="Courier New" panose="02070309020205020404" pitchFamily="49" charset="0"/>
-              <a:cs typeface="Courier New" panose="02070309020205020404" pitchFamily="49" charset="0"/>
-            </a:endParaRPr>
           </a:p>
           <a:p>
             <a:r>
@@ -11859,288 +11851,189 @@
               </a:rPr>
               <a:t>  </a:t>
             </a:r>
+          </a:p>
+          <a:p>
+            <a:r>
+              <a:rPr lang="en-US" sz="1200" dirty="0" smtClean="0">
+                <a:latin typeface="Courier New" panose="02070309020205020404" pitchFamily="49" charset="0"/>
+                <a:cs typeface="Courier New" panose="02070309020205020404" pitchFamily="49" charset="0"/>
+              </a:rPr>
+              <a:t>  properties: {</a:t>
+            </a:r>
+          </a:p>
+          <a:p>
+            <a:r>
+              <a:rPr lang="en-US" sz="1200" dirty="0" smtClean="0">
+                <a:latin typeface="Courier New" panose="02070309020205020404" pitchFamily="49" charset="0"/>
+                <a:cs typeface="Courier New" panose="02070309020205020404" pitchFamily="49" charset="0"/>
+              </a:rPr>
+              <a:t>    “</a:t>
+            </a:r>
+            <a:r>
+              <a:rPr lang="en-US" sz="1200" b="1" dirty="0" err="1" smtClean="0">
+                <a:latin typeface="Courier New" panose="02070309020205020404" pitchFamily="49" charset="0"/>
+                <a:cs typeface="Courier New" panose="02070309020205020404" pitchFamily="49" charset="0"/>
+              </a:rPr>
+              <a:t>purchaseMin</a:t>
+            </a:r>
+            <a:r>
+              <a:rPr lang="en-US" sz="1200" dirty="0" smtClean="0">
+                <a:latin typeface="Courier New" panose="02070309020205020404" pitchFamily="49" charset="0"/>
+                <a:cs typeface="Courier New" panose="02070309020205020404" pitchFamily="49" charset="0"/>
+              </a:rPr>
+              <a:t>": { range: "</a:t>
+            </a:r>
             <a:r>
               <a:rPr lang="en-US" sz="1200" dirty="0" err="1" smtClean="0">
                 <a:latin typeface="Courier New" panose="02070309020205020404" pitchFamily="49" charset="0"/>
                 <a:cs typeface="Courier New" panose="02070309020205020404" pitchFamily="49" charset="0"/>
               </a:rPr>
-              <a:t>shortLabel</a:t>
+              <a:t>NonNegativeInteger</a:t>
             </a:r>
             <a:r>
               <a:rPr lang="en-US" sz="1200" dirty="0" smtClean="0">
                 <a:latin typeface="Courier New" panose="02070309020205020404" pitchFamily="49" charset="0"/>
                 <a:cs typeface="Courier New" panose="02070309020205020404" pitchFamily="49" charset="0"/>
               </a:rPr>
-              <a:t>: </a:t>
-            </a:r>
+              <a:t>", label: "Min Items Purchase" },</a:t>
+            </a:r>
+          </a:p>
+          <a:p>
             <a:r>
               <a:rPr lang="en-US" sz="1200" dirty="0" smtClean="0">
                 <a:latin typeface="Courier New" panose="02070309020205020404" pitchFamily="49" charset="0"/>
                 <a:cs typeface="Courier New" panose="02070309020205020404" pitchFamily="49" charset="0"/>
               </a:rPr>
-              <a:t>“Consumer",</a:t>
-            </a:r>
-            <a:endParaRPr lang="en-US" sz="1200" dirty="0" smtClean="0">
-              <a:latin typeface="Courier New" panose="02070309020205020404" pitchFamily="49" charset="0"/>
-              <a:cs typeface="Courier New" panose="02070309020205020404" pitchFamily="49" charset="0"/>
-            </a:endParaRPr>
-          </a:p>
-          <a:p>
+              <a:t>    “</a:t>
+            </a:r>
+            <a:r>
+              <a:rPr lang="en-US" sz="1200" b="1" dirty="0" err="1" smtClean="0">
+                <a:latin typeface="Courier New" panose="02070309020205020404" pitchFamily="49" charset="0"/>
+                <a:cs typeface="Courier New" panose="02070309020205020404" pitchFamily="49" charset="0"/>
+              </a:rPr>
+              <a:t>purchaseMax</a:t>
+            </a:r>
             <a:r>
               <a:rPr lang="en-US" sz="1200" dirty="0" smtClean="0">
                 <a:latin typeface="Courier New" panose="02070309020205020404" pitchFamily="49" charset="0"/>
                 <a:cs typeface="Courier New" panose="02070309020205020404" pitchFamily="49" charset="0"/>
               </a:rPr>
+              <a:t>": { range: "</a:t>
+            </a:r>
+            <a:r>
+              <a:rPr lang="en-US" sz="1200" dirty="0" err="1" smtClean="0">
+                <a:latin typeface="Courier New" panose="02070309020205020404" pitchFamily="49" charset="0"/>
+                <a:cs typeface="Courier New" panose="02070309020205020404" pitchFamily="49" charset="0"/>
+              </a:rPr>
+              <a:t>NonNegativeInteger</a:t>
+            </a:r>
+            <a:r>
+              <a:rPr lang="en-US" sz="1200" dirty="0" smtClean="0">
+                <a:latin typeface="Courier New" panose="02070309020205020404" pitchFamily="49" charset="0"/>
+                <a:cs typeface="Courier New" panose="02070309020205020404" pitchFamily="49" charset="0"/>
+              </a:rPr>
+              <a:t>", label: "Max Items Purchase" }</a:t>
+            </a:r>
+          </a:p>
+          <a:p>
+            <a:r>
+              <a:rPr lang="en-US" sz="1200" dirty="0" smtClean="0">
+                <a:latin typeface="Courier New" panose="02070309020205020404" pitchFamily="49" charset="0"/>
+                <a:cs typeface="Courier New" panose="02070309020205020404" pitchFamily="49" charset="0"/>
+              </a:rPr>
+              <a:t>  },</a:t>
+            </a:r>
+          </a:p>
+          <a:p>
+            <a:r>
+              <a:rPr lang="en-US" sz="1200" dirty="0" smtClean="0">
+                <a:latin typeface="Courier New" panose="02070309020205020404" pitchFamily="49" charset="0"/>
+                <a:cs typeface="Courier New" panose="02070309020205020404" pitchFamily="49" charset="0"/>
+              </a:rPr>
               <a:t>  </a:t>
             </a:r>
+          </a:p>
+          <a:p>
+            <a:r>
+              <a:rPr lang="en-US" sz="1200" dirty="0" smtClean="0">
+                <a:latin typeface="Courier New" panose="02070309020205020404" pitchFamily="49" charset="0"/>
+                <a:cs typeface="Courier New" panose="02070309020205020404" pitchFamily="49" charset="0"/>
+              </a:rPr>
+              <a:t>  methods: {</a:t>
+            </a:r>
+          </a:p>
+          <a:p>
+            <a:r>
+              <a:rPr lang="en-US" sz="1200" dirty="0" smtClean="0">
+                <a:latin typeface="Courier New" panose="02070309020205020404" pitchFamily="49" charset="0"/>
+                <a:cs typeface="Courier New" panose="02070309020205020404" pitchFamily="49" charset="0"/>
+              </a:rPr>
+              <a:t>    “</a:t>
+            </a:r>
+            <a:r>
+              <a:rPr lang="en-US" sz="1200" b="1" dirty="0" err="1" smtClean="0">
+                <a:latin typeface="Courier New" panose="02070309020205020404" pitchFamily="49" charset="0"/>
+                <a:cs typeface="Courier New" panose="02070309020205020404" pitchFamily="49" charset="0"/>
+              </a:rPr>
+              <a:t>decideOrder</a:t>
+            </a:r>
+            <a:r>
+              <a:rPr lang="en-US" sz="1200" dirty="0" smtClean="0">
+                <a:latin typeface="Courier New" panose="02070309020205020404" pitchFamily="49" charset="0"/>
+                <a:cs typeface="Courier New" panose="02070309020205020404" pitchFamily="49" charset="0"/>
+              </a:rPr>
+              <a:t>": function () {</a:t>
+            </a:r>
+          </a:p>
+          <a:p>
+            <a:r>
+              <a:rPr lang="en-US" sz="1200" dirty="0" smtClean="0">
+                <a:latin typeface="Courier New" panose="02070309020205020404" pitchFamily="49" charset="0"/>
+                <a:cs typeface="Courier New" panose="02070309020205020404" pitchFamily="49" charset="0"/>
+              </a:rPr>
+              <a:t>      return </a:t>
+            </a:r>
             <a:r>
               <a:rPr lang="en-US" sz="1200" dirty="0" err="1" smtClean="0">
                 <a:latin typeface="Courier New" panose="02070309020205020404" pitchFamily="49" charset="0"/>
                 <a:cs typeface="Courier New" panose="02070309020205020404" pitchFamily="49" charset="0"/>
               </a:rPr>
-              <a:t>supertypeName</a:t>
+              <a:t>rand.uniformInt</a:t>
             </a:r>
             <a:r>
               <a:rPr lang="en-US" sz="1200" dirty="0" smtClean="0">
                 <a:latin typeface="Courier New" panose="02070309020205020404" pitchFamily="49" charset="0"/>
                 <a:cs typeface="Courier New" panose="02070309020205020404" pitchFamily="49" charset="0"/>
               </a:rPr>
-              <a:t>: "</a:t>
+              <a:t>( </a:t>
             </a:r>
             <a:r>
               <a:rPr lang="en-US" sz="1200" dirty="0" err="1" smtClean="0">
                 <a:latin typeface="Courier New" panose="02070309020205020404" pitchFamily="49" charset="0"/>
                 <a:cs typeface="Courier New" panose="02070309020205020404" pitchFamily="49" charset="0"/>
               </a:rPr>
-              <a:t>oBJECT</a:t>
+              <a:t>this.purchaseMin</a:t>
             </a:r>
             <a:r>
               <a:rPr lang="en-US" sz="1200" dirty="0" smtClean="0">
                 <a:latin typeface="Courier New" panose="02070309020205020404" pitchFamily="49" charset="0"/>
                 <a:cs typeface="Courier New" panose="02070309020205020404" pitchFamily="49" charset="0"/>
               </a:rPr>
-              <a:t>",</a:t>
-            </a:r>
-          </a:p>
-          <a:p>
+              <a:t>, </a:t>
+            </a:r>
+            <a:r>
+              <a:rPr lang="en-US" sz="1200" dirty="0" err="1" smtClean="0">
+                <a:latin typeface="Courier New" panose="02070309020205020404" pitchFamily="49" charset="0"/>
+                <a:cs typeface="Courier New" panose="02070309020205020404" pitchFamily="49" charset="0"/>
+              </a:rPr>
+              <a:t>this.purchaseMax</a:t>
+            </a:r>
             <a:r>
               <a:rPr lang="en-US" sz="1200" dirty="0" smtClean="0">
                 <a:latin typeface="Courier New" panose="02070309020205020404" pitchFamily="49" charset="0"/>
                 <a:cs typeface="Courier New" panose="02070309020205020404" pitchFamily="49" charset="0"/>
               </a:rPr>
-              <a:t>  </a:t>
-            </a:r>
-          </a:p>
-          <a:p>
-            <a:r>
-              <a:rPr lang="en-US" sz="1200" dirty="0" smtClean="0">
-                <a:latin typeface="Courier New" panose="02070309020205020404" pitchFamily="49" charset="0"/>
-                <a:cs typeface="Courier New" panose="02070309020205020404" pitchFamily="49" charset="0"/>
-              </a:rPr>
-              <a:t>  properties: {</a:t>
-            </a:r>
-          </a:p>
-          <a:p>
-            <a:r>
-              <a:rPr lang="en-US" sz="1200" dirty="0" smtClean="0">
-                <a:latin typeface="Courier New" panose="02070309020205020404" pitchFamily="49" charset="0"/>
-                <a:cs typeface="Courier New" panose="02070309020205020404" pitchFamily="49" charset="0"/>
-              </a:rPr>
-              <a:t>    </a:t>
-            </a:r>
-            <a:r>
-              <a:rPr lang="en-US" sz="1200" dirty="0" smtClean="0">
-                <a:latin typeface="Courier New" panose="02070309020205020404" pitchFamily="49" charset="0"/>
-                <a:cs typeface="Courier New" panose="02070309020205020404" pitchFamily="49" charset="0"/>
-              </a:rPr>
-              <a:t>“</a:t>
-            </a:r>
-            <a:r>
-              <a:rPr lang="en-US" sz="1200" b="1" dirty="0" err="1" smtClean="0">
-                <a:latin typeface="Courier New" panose="02070309020205020404" pitchFamily="49" charset="0"/>
-                <a:cs typeface="Courier New" panose="02070309020205020404" pitchFamily="49" charset="0"/>
-              </a:rPr>
-              <a:t>purchaseMin</a:t>
-            </a:r>
-            <a:r>
-              <a:rPr lang="en-US" sz="1200" dirty="0" smtClean="0">
-                <a:latin typeface="Courier New" panose="02070309020205020404" pitchFamily="49" charset="0"/>
-                <a:cs typeface="Courier New" panose="02070309020205020404" pitchFamily="49" charset="0"/>
-              </a:rPr>
-              <a:t>": { range: "</a:t>
-            </a:r>
-            <a:r>
-              <a:rPr lang="en-US" sz="1200" dirty="0" err="1" smtClean="0">
-                <a:latin typeface="Courier New" panose="02070309020205020404" pitchFamily="49" charset="0"/>
-                <a:cs typeface="Courier New" panose="02070309020205020404" pitchFamily="49" charset="0"/>
-              </a:rPr>
-              <a:t>NonNegativeInteger</a:t>
-            </a:r>
-            <a:r>
-              <a:rPr lang="en-US" sz="1200" dirty="0" smtClean="0">
-                <a:latin typeface="Courier New" panose="02070309020205020404" pitchFamily="49" charset="0"/>
-                <a:cs typeface="Courier New" panose="02070309020205020404" pitchFamily="49" charset="0"/>
-              </a:rPr>
-              <a:t>", label: "Min Items Purchase" },</a:t>
-            </a:r>
-          </a:p>
-          <a:p>
-            <a:r>
-              <a:rPr lang="en-US" sz="1200" dirty="0" smtClean="0">
-                <a:latin typeface="Courier New" panose="02070309020205020404" pitchFamily="49" charset="0"/>
-                <a:cs typeface="Courier New" panose="02070309020205020404" pitchFamily="49" charset="0"/>
-              </a:rPr>
-              <a:t>    </a:t>
-            </a:r>
-            <a:r>
-              <a:rPr lang="en-US" sz="1200" dirty="0" smtClean="0">
-                <a:latin typeface="Courier New" panose="02070309020205020404" pitchFamily="49" charset="0"/>
-                <a:cs typeface="Courier New" panose="02070309020205020404" pitchFamily="49" charset="0"/>
-              </a:rPr>
-              <a:t>“</a:t>
-            </a:r>
-            <a:r>
-              <a:rPr lang="en-US" sz="1200" b="1" dirty="0" err="1" smtClean="0">
-                <a:latin typeface="Courier New" panose="02070309020205020404" pitchFamily="49" charset="0"/>
-                <a:cs typeface="Courier New" panose="02070309020205020404" pitchFamily="49" charset="0"/>
-              </a:rPr>
-              <a:t>purchaseMax</a:t>
-            </a:r>
-            <a:r>
-              <a:rPr lang="en-US" sz="1200" dirty="0" smtClean="0">
-                <a:latin typeface="Courier New" panose="02070309020205020404" pitchFamily="49" charset="0"/>
-                <a:cs typeface="Courier New" panose="02070309020205020404" pitchFamily="49" charset="0"/>
-              </a:rPr>
-              <a:t>": { range: "</a:t>
-            </a:r>
-            <a:r>
-              <a:rPr lang="en-US" sz="1200" dirty="0" err="1" smtClean="0">
-                <a:latin typeface="Courier New" panose="02070309020205020404" pitchFamily="49" charset="0"/>
-                <a:cs typeface="Courier New" panose="02070309020205020404" pitchFamily="49" charset="0"/>
-              </a:rPr>
-              <a:t>NonNegativeInteger</a:t>
-            </a:r>
-            <a:r>
-              <a:rPr lang="en-US" sz="1200" dirty="0" smtClean="0">
-                <a:latin typeface="Courier New" panose="02070309020205020404" pitchFamily="49" charset="0"/>
-                <a:cs typeface="Courier New" panose="02070309020205020404" pitchFamily="49" charset="0"/>
-              </a:rPr>
-              <a:t>", label: "Max Items Purchase" }</a:t>
-            </a:r>
-          </a:p>
-          <a:p>
-            <a:r>
-              <a:rPr lang="en-US" sz="1200" dirty="0" smtClean="0">
-                <a:latin typeface="Courier New" panose="02070309020205020404" pitchFamily="49" charset="0"/>
-                <a:cs typeface="Courier New" panose="02070309020205020404" pitchFamily="49" charset="0"/>
-              </a:rPr>
-              <a:t>  },</a:t>
-            </a:r>
-          </a:p>
-          <a:p>
-            <a:r>
-              <a:rPr lang="en-US" sz="1200" dirty="0" smtClean="0">
-                <a:latin typeface="Courier New" panose="02070309020205020404" pitchFamily="49" charset="0"/>
-                <a:cs typeface="Courier New" panose="02070309020205020404" pitchFamily="49" charset="0"/>
-              </a:rPr>
-              <a:t>  </a:t>
-            </a:r>
-          </a:p>
-          <a:p>
-            <a:r>
-              <a:rPr lang="en-US" sz="1200" dirty="0" smtClean="0">
-                <a:latin typeface="Courier New" panose="02070309020205020404" pitchFamily="49" charset="0"/>
-                <a:cs typeface="Courier New" panose="02070309020205020404" pitchFamily="49" charset="0"/>
-              </a:rPr>
-              <a:t>  methods: {</a:t>
-            </a:r>
-          </a:p>
-          <a:p>
-            <a:r>
-              <a:rPr lang="en-US" sz="1200" dirty="0" smtClean="0">
-                <a:latin typeface="Courier New" panose="02070309020205020404" pitchFamily="49" charset="0"/>
-                <a:cs typeface="Courier New" panose="02070309020205020404" pitchFamily="49" charset="0"/>
-              </a:rPr>
-              <a:t>    </a:t>
-            </a:r>
-            <a:r>
-              <a:rPr lang="en-US" sz="1200" dirty="0" smtClean="0">
-                <a:latin typeface="Courier New" panose="02070309020205020404" pitchFamily="49" charset="0"/>
-                <a:cs typeface="Courier New" panose="02070309020205020404" pitchFamily="49" charset="0"/>
-              </a:rPr>
-              <a:t>“</a:t>
-            </a:r>
-            <a:r>
-              <a:rPr lang="en-US" sz="1200" b="1" dirty="0" err="1" smtClean="0">
-                <a:latin typeface="Courier New" panose="02070309020205020404" pitchFamily="49" charset="0"/>
-                <a:cs typeface="Courier New" panose="02070309020205020404" pitchFamily="49" charset="0"/>
-              </a:rPr>
-              <a:t>decideOrder</a:t>
-            </a:r>
-            <a:r>
-              <a:rPr lang="en-US" sz="1200" dirty="0" smtClean="0">
-                <a:latin typeface="Courier New" panose="02070309020205020404" pitchFamily="49" charset="0"/>
-                <a:cs typeface="Courier New" panose="02070309020205020404" pitchFamily="49" charset="0"/>
-              </a:rPr>
-              <a:t>": function () {</a:t>
-            </a:r>
-          </a:p>
-          <a:p>
-            <a:r>
-              <a:rPr lang="en-US" sz="1200" dirty="0" smtClean="0">
-                <a:latin typeface="Courier New" panose="02070309020205020404" pitchFamily="49" charset="0"/>
-                <a:cs typeface="Courier New" panose="02070309020205020404" pitchFamily="49" charset="0"/>
-              </a:rPr>
-              <a:t>      return </a:t>
-            </a:r>
-            <a:r>
-              <a:rPr lang="en-US" sz="1200" dirty="0" err="1" smtClean="0">
-                <a:latin typeface="Courier New" panose="02070309020205020404" pitchFamily="49" charset="0"/>
-                <a:cs typeface="Courier New" panose="02070309020205020404" pitchFamily="49" charset="0"/>
-              </a:rPr>
-              <a:t>rand.uniformInt</a:t>
-            </a:r>
-            <a:r>
-              <a:rPr lang="en-US" sz="1200" dirty="0" smtClean="0">
-                <a:latin typeface="Courier New" panose="02070309020205020404" pitchFamily="49" charset="0"/>
-                <a:cs typeface="Courier New" panose="02070309020205020404" pitchFamily="49" charset="0"/>
-              </a:rPr>
-              <a:t>( </a:t>
-            </a:r>
-            <a:r>
-              <a:rPr lang="en-US" sz="1200" dirty="0" err="1" smtClean="0">
-                <a:latin typeface="Courier New" panose="02070309020205020404" pitchFamily="49" charset="0"/>
-                <a:cs typeface="Courier New" panose="02070309020205020404" pitchFamily="49" charset="0"/>
-              </a:rPr>
-              <a:t>this.purchaseMin</a:t>
-            </a:r>
-            <a:r>
-              <a:rPr lang="en-US" sz="1200" dirty="0" smtClean="0">
-                <a:latin typeface="Courier New" panose="02070309020205020404" pitchFamily="49" charset="0"/>
-                <a:cs typeface="Courier New" panose="02070309020205020404" pitchFamily="49" charset="0"/>
-              </a:rPr>
-              <a:t>, </a:t>
-            </a:r>
-            <a:r>
-              <a:rPr lang="en-US" sz="1200" dirty="0" err="1" smtClean="0">
-                <a:latin typeface="Courier New" panose="02070309020205020404" pitchFamily="49" charset="0"/>
-                <a:cs typeface="Courier New" panose="02070309020205020404" pitchFamily="49" charset="0"/>
-              </a:rPr>
-              <a:t>this.purchaseMax</a:t>
-            </a:r>
-            <a:r>
-              <a:rPr lang="en-US" sz="1200" dirty="0" smtClean="0">
-                <a:latin typeface="Courier New" panose="02070309020205020404" pitchFamily="49" charset="0"/>
-                <a:cs typeface="Courier New" panose="02070309020205020404" pitchFamily="49" charset="0"/>
-              </a:rPr>
-              <a:t> </a:t>
-            </a:r>
-            <a:r>
-              <a:rPr lang="en-US" sz="1200" dirty="0" smtClean="0">
-                <a:latin typeface="Courier New" panose="02070309020205020404" pitchFamily="49" charset="0"/>
-                <a:cs typeface="Courier New" panose="02070309020205020404" pitchFamily="49" charset="0"/>
-              </a:rPr>
-              <a:t>);</a:t>
+              <a:t> );</a:t>
             </a:r>
           </a:p>
           <a:p>
@@ -12205,11 +12098,7 @@
           <a:p>
             <a:r>
               <a:rPr lang="en-US" b="1" dirty="0" smtClean="0"/>
-              <a:t>Consumer </a:t>
-            </a:r>
-            <a:r>
-              <a:rPr lang="en-US" b="1" dirty="0" smtClean="0"/>
-              <a:t>Object Type class</a:t>
+              <a:t>Consumer Object Type class</a:t>
             </a:r>
             <a:endParaRPr lang="en-US" b="1" dirty="0"/>
           </a:p>
@@ -12781,11 +12670,7 @@
           <a:p>
             <a:r>
               <a:rPr lang="en-US" dirty="0" smtClean="0"/>
-              <a:t>Object types are defined in the form of </a:t>
-            </a:r>
-            <a:r>
-              <a:rPr lang="en-US" dirty="0" smtClean="0"/>
-              <a:t>classes</a:t>
+              <a:t>Object types are defined in the form of classes</a:t>
             </a:r>
           </a:p>
           <a:p>
@@ -12849,6 +12734,167 @@
                 <a:latin typeface="Courier New" panose="02070309020205020404" pitchFamily="49" charset="0"/>
                 <a:cs typeface="Courier New" panose="02070309020205020404" pitchFamily="49" charset="0"/>
               </a:rPr>
+              <a:t> = new </a:t>
+            </a:r>
+            <a:r>
+              <a:rPr lang="en-US" sz="1200" dirty="0" err="1" smtClean="0">
+                <a:latin typeface="Courier New" panose="02070309020205020404" pitchFamily="49" charset="0"/>
+                <a:cs typeface="Courier New" panose="02070309020205020404" pitchFamily="49" charset="0"/>
+              </a:rPr>
+              <a:t>cLASS</a:t>
+            </a:r>
+            <a:r>
+              <a:rPr lang="en-US" sz="1200" dirty="0" smtClean="0">
+                <a:latin typeface="Courier New" panose="02070309020205020404" pitchFamily="49" charset="0"/>
+                <a:cs typeface="Courier New" panose="02070309020205020404" pitchFamily="49" charset="0"/>
+              </a:rPr>
+              <a:t>( {</a:t>
+            </a:r>
+          </a:p>
+          <a:p>
+            <a:r>
+              <a:rPr lang="en-US" sz="1200" dirty="0" smtClean="0">
+                <a:latin typeface="Courier New" panose="02070309020205020404" pitchFamily="49" charset="0"/>
+                <a:cs typeface="Courier New" panose="02070309020205020404" pitchFamily="49" charset="0"/>
+              </a:rPr>
+              <a:t>  Name: “</a:t>
+            </a:r>
+            <a:r>
+              <a:rPr lang="en-US" sz="1200" b="1" dirty="0" smtClean="0">
+                <a:latin typeface="Courier New" panose="02070309020205020404" pitchFamily="49" charset="0"/>
+                <a:cs typeface="Courier New" panose="02070309020205020404" pitchFamily="49" charset="0"/>
+              </a:rPr>
+              <a:t>Enterprise</a:t>
+            </a:r>
+            <a:r>
+              <a:rPr lang="en-US" sz="1200" dirty="0" smtClean="0">
+                <a:latin typeface="Courier New" panose="02070309020205020404" pitchFamily="49" charset="0"/>
+                <a:cs typeface="Courier New" panose="02070309020205020404" pitchFamily="49" charset="0"/>
+              </a:rPr>
+              <a:t>",</a:t>
+            </a:r>
+          </a:p>
+          <a:p>
+            <a:r>
+              <a:rPr lang="en-US" sz="1200" dirty="0" smtClean="0">
+                <a:latin typeface="Courier New" panose="02070309020205020404" pitchFamily="49" charset="0"/>
+                <a:cs typeface="Courier New" panose="02070309020205020404" pitchFamily="49" charset="0"/>
+              </a:rPr>
+              <a:t>  </a:t>
+            </a:r>
+            <a:r>
+              <a:rPr lang="en-US" sz="1200" dirty="0" err="1" smtClean="0">
+                <a:latin typeface="Courier New" panose="02070309020205020404" pitchFamily="49" charset="0"/>
+                <a:cs typeface="Courier New" panose="02070309020205020404" pitchFamily="49" charset="0"/>
+              </a:rPr>
+              <a:t>shortLabel</a:t>
+            </a:r>
+            <a:r>
+              <a:rPr lang="en-US" sz="1200" dirty="0" smtClean="0">
+                <a:latin typeface="Courier New" panose="02070309020205020404" pitchFamily="49" charset="0"/>
+                <a:cs typeface="Courier New" panose="02070309020205020404" pitchFamily="49" charset="0"/>
+              </a:rPr>
+              <a:t>: “Enterprise",</a:t>
+            </a:r>
+          </a:p>
+          <a:p>
+            <a:r>
+              <a:rPr lang="en-US" sz="1200" dirty="0" smtClean="0">
+                <a:latin typeface="Courier New" panose="02070309020205020404" pitchFamily="49" charset="0"/>
+                <a:cs typeface="Courier New" panose="02070309020205020404" pitchFamily="49" charset="0"/>
+              </a:rPr>
+              <a:t>  </a:t>
+            </a:r>
+            <a:r>
+              <a:rPr lang="en-US" sz="1200" dirty="0" err="1" smtClean="0">
+                <a:latin typeface="Courier New" panose="02070309020205020404" pitchFamily="49" charset="0"/>
+                <a:cs typeface="Courier New" panose="02070309020205020404" pitchFamily="49" charset="0"/>
+              </a:rPr>
+              <a:t>supertypeName</a:t>
+            </a:r>
+            <a:r>
+              <a:rPr lang="en-US" sz="1200" dirty="0" smtClean="0">
+                <a:latin typeface="Courier New" panose="02070309020205020404" pitchFamily="49" charset="0"/>
+                <a:cs typeface="Courier New" panose="02070309020205020404" pitchFamily="49" charset="0"/>
+              </a:rPr>
+              <a:t>: "</a:t>
+            </a:r>
+            <a:r>
+              <a:rPr lang="en-US" sz="1200" dirty="0" err="1" smtClean="0">
+                <a:latin typeface="Courier New" panose="02070309020205020404" pitchFamily="49" charset="0"/>
+                <a:cs typeface="Courier New" panose="02070309020205020404" pitchFamily="49" charset="0"/>
+              </a:rPr>
+              <a:t>oBJECT</a:t>
+            </a:r>
+            <a:r>
+              <a:rPr lang="en-US" sz="1200" dirty="0" smtClean="0">
+                <a:latin typeface="Courier New" panose="02070309020205020404" pitchFamily="49" charset="0"/>
+                <a:cs typeface="Courier New" panose="02070309020205020404" pitchFamily="49" charset="0"/>
+              </a:rPr>
+              <a:t>",</a:t>
+            </a:r>
+          </a:p>
+          <a:p>
+            <a:r>
+              <a:rPr lang="en-US" sz="1200" dirty="0" smtClean="0">
+                <a:latin typeface="Courier New" panose="02070309020205020404" pitchFamily="49" charset="0"/>
+                <a:cs typeface="Courier New" panose="02070309020205020404" pitchFamily="49" charset="0"/>
+              </a:rPr>
+              <a:t>  </a:t>
+            </a:r>
+          </a:p>
+          <a:p>
+            <a:r>
+              <a:rPr lang="en-US" sz="1200" dirty="0" smtClean="0">
+                <a:latin typeface="Courier New" panose="02070309020205020404" pitchFamily="49" charset="0"/>
+                <a:cs typeface="Courier New" panose="02070309020205020404" pitchFamily="49" charset="0"/>
+              </a:rPr>
+              <a:t>  properties: {</a:t>
+            </a:r>
+          </a:p>
+          <a:p>
+            <a:r>
+              <a:rPr lang="en-US" sz="1200" dirty="0" smtClean="0">
+                <a:latin typeface="Courier New" panose="02070309020205020404" pitchFamily="49" charset="0"/>
+                <a:cs typeface="Courier New" panose="02070309020205020404" pitchFamily="49" charset="0"/>
+              </a:rPr>
+              <a:t>    “</a:t>
+            </a:r>
+            <a:r>
+              <a:rPr lang="en-US" sz="1200" b="1" dirty="0" err="1" smtClean="0">
+                <a:latin typeface="Courier New" panose="02070309020205020404" pitchFamily="49" charset="0"/>
+                <a:cs typeface="Courier New" panose="02070309020205020404" pitchFamily="49" charset="0"/>
+              </a:rPr>
+              <a:t>inventoryLevel</a:t>
+            </a:r>
+            <a:r>
+              <a:rPr lang="en-US" sz="1200" dirty="0" smtClean="0">
+                <a:latin typeface="Courier New" panose="02070309020205020404" pitchFamily="49" charset="0"/>
+                <a:cs typeface="Courier New" panose="02070309020205020404" pitchFamily="49" charset="0"/>
+              </a:rPr>
+              <a:t>": { range: "</a:t>
+            </a:r>
+            <a:r>
+              <a:rPr lang="en-US" sz="1200" dirty="0" err="1" smtClean="0">
+                <a:latin typeface="Courier New" panose="02070309020205020404" pitchFamily="49" charset="0"/>
+                <a:cs typeface="Courier New" panose="02070309020205020404" pitchFamily="49" charset="0"/>
+              </a:rPr>
+              <a:t>NonNegativeInteger</a:t>
+            </a:r>
+            <a:r>
+              <a:rPr lang="en-US" sz="1200" dirty="0" smtClean="0">
+                <a:latin typeface="Courier New" panose="02070309020205020404" pitchFamily="49" charset="0"/>
+                <a:cs typeface="Courier New" panose="02070309020205020404" pitchFamily="49" charset="0"/>
+              </a:rPr>
+              <a:t>", label: “Inventory Level" },</a:t>
+            </a:r>
+          </a:p>
+          <a:p>
+            <a:r>
+              <a:rPr lang="en-US" sz="1200" dirty="0">
+                <a:latin typeface="Courier New" panose="02070309020205020404" pitchFamily="49" charset="0"/>
+                <a:cs typeface="Courier New" panose="02070309020205020404" pitchFamily="49" charset="0"/>
+              </a:rPr>
               <a:t> </a:t>
             </a:r>
             <a:r>
@@ -12856,51 +12902,49 @@
                 <a:latin typeface="Courier New" panose="02070309020205020404" pitchFamily="49" charset="0"/>
                 <a:cs typeface="Courier New" panose="02070309020205020404" pitchFamily="49" charset="0"/>
               </a:rPr>
-              <a:t>= new </a:t>
-            </a:r>
-            <a:r>
-              <a:rPr lang="en-US" sz="1200" dirty="0" err="1" smtClean="0">
-                <a:latin typeface="Courier New" panose="02070309020205020404" pitchFamily="49" charset="0"/>
-                <a:cs typeface="Courier New" panose="02070309020205020404" pitchFamily="49" charset="0"/>
-              </a:rPr>
-              <a:t>cLASS</a:t>
+              <a:t>   </a:t>
+            </a:r>
+            <a:r>
+              <a:rPr lang="en-US" sz="1200" dirty="0">
+                <a:latin typeface="Courier New" panose="02070309020205020404" pitchFamily="49" charset="0"/>
+                <a:cs typeface="Courier New" panose="02070309020205020404" pitchFamily="49" charset="0"/>
+              </a:rPr>
+              <a:t>“</a:t>
+            </a:r>
+            <a:r>
+              <a:rPr lang="en-US" sz="1200" b="1" dirty="0" err="1" smtClean="0">
+                <a:latin typeface="Courier New" panose="02070309020205020404" pitchFamily="49" charset="0"/>
+                <a:cs typeface="Courier New" panose="02070309020205020404" pitchFamily="49" charset="0"/>
+              </a:rPr>
+              <a:t>productionRateMin</a:t>
             </a:r>
             <a:r>
               <a:rPr lang="en-US" sz="1200" dirty="0" smtClean="0">
                 <a:latin typeface="Courier New" panose="02070309020205020404" pitchFamily="49" charset="0"/>
                 <a:cs typeface="Courier New" panose="02070309020205020404" pitchFamily="49" charset="0"/>
               </a:rPr>
-              <a:t>( {</a:t>
-            </a:r>
-          </a:p>
-          <a:p>
-            <a:r>
-              <a:rPr lang="en-US" sz="1200" dirty="0" smtClean="0">
-                <a:latin typeface="Courier New" panose="02070309020205020404" pitchFamily="49" charset="0"/>
-                <a:cs typeface="Courier New" panose="02070309020205020404" pitchFamily="49" charset="0"/>
-              </a:rPr>
-              <a:t>  Name: </a:t>
-            </a:r>
-            <a:r>
-              <a:rPr lang="en-US" sz="1200" dirty="0" smtClean="0">
-                <a:latin typeface="Courier New" panose="02070309020205020404" pitchFamily="49" charset="0"/>
-                <a:cs typeface="Courier New" panose="02070309020205020404" pitchFamily="49" charset="0"/>
-              </a:rPr>
-              <a:t>“</a:t>
-            </a:r>
-            <a:r>
-              <a:rPr lang="en-US" sz="1200" b="1" dirty="0" smtClean="0">
-                <a:latin typeface="Courier New" panose="02070309020205020404" pitchFamily="49" charset="0"/>
-                <a:cs typeface="Courier New" panose="02070309020205020404" pitchFamily="49" charset="0"/>
-              </a:rPr>
-              <a:t>Enterprise</a:t>
-            </a:r>
-            <a:r>
-              <a:rPr lang="en-US" sz="1200" dirty="0" smtClean="0">
-                <a:latin typeface="Courier New" panose="02070309020205020404" pitchFamily="49" charset="0"/>
-                <a:cs typeface="Courier New" panose="02070309020205020404" pitchFamily="49" charset="0"/>
-              </a:rPr>
-              <a:t>",</a:t>
+              <a:t>": </a:t>
+            </a:r>
+            <a:r>
+              <a:rPr lang="en-US" sz="1200" dirty="0">
+                <a:latin typeface="Courier New" panose="02070309020205020404" pitchFamily="49" charset="0"/>
+                <a:cs typeface="Courier New" panose="02070309020205020404" pitchFamily="49" charset="0"/>
+              </a:rPr>
+              <a:t>{ range: "</a:t>
+            </a:r>
+            <a:r>
+              <a:rPr lang="en-US" sz="1200" dirty="0" err="1">
+                <a:latin typeface="Courier New" panose="02070309020205020404" pitchFamily="49" charset="0"/>
+                <a:cs typeface="Courier New" panose="02070309020205020404" pitchFamily="49" charset="0"/>
+              </a:rPr>
+              <a:t>NonNegativeInteger</a:t>
+            </a:r>
+            <a:r>
+              <a:rPr lang="en-US" sz="1200" dirty="0">
+                <a:latin typeface="Courier New" panose="02070309020205020404" pitchFamily="49" charset="0"/>
+                <a:cs typeface="Courier New" panose="02070309020205020404" pitchFamily="49" charset="0"/>
+              </a:rPr>
+              <a:t>", label: “Min Prod Rate" }</a:t>
             </a:r>
             <a:endParaRPr lang="en-US" sz="1200" dirty="0" smtClean="0">
               <a:latin typeface="Courier New" panose="02070309020205020404" pitchFamily="49" charset="0"/>
@@ -12913,272 +12957,35 @@
                 <a:latin typeface="Courier New" panose="02070309020205020404" pitchFamily="49" charset="0"/>
                 <a:cs typeface="Courier New" panose="02070309020205020404" pitchFamily="49" charset="0"/>
               </a:rPr>
-              <a:t>  </a:t>
+              <a:t>    “</a:t>
+            </a:r>
+            <a:r>
+              <a:rPr lang="en-US" sz="1200" b="1" dirty="0" err="1" smtClean="0">
+                <a:latin typeface="Courier New" panose="02070309020205020404" pitchFamily="49" charset="0"/>
+                <a:cs typeface="Courier New" panose="02070309020205020404" pitchFamily="49" charset="0"/>
+              </a:rPr>
+              <a:t>productionRateMax</a:t>
+            </a:r>
+            <a:r>
+              <a:rPr lang="en-US" sz="1200" dirty="0" smtClean="0">
+                <a:latin typeface="Courier New" panose="02070309020205020404" pitchFamily="49" charset="0"/>
+                <a:cs typeface="Courier New" panose="02070309020205020404" pitchFamily="49" charset="0"/>
+              </a:rPr>
+              <a:t>": { range: "</a:t>
             </a:r>
             <a:r>
               <a:rPr lang="en-US" sz="1200" dirty="0" err="1" smtClean="0">
                 <a:latin typeface="Courier New" panose="02070309020205020404" pitchFamily="49" charset="0"/>
                 <a:cs typeface="Courier New" panose="02070309020205020404" pitchFamily="49" charset="0"/>
               </a:rPr>
-              <a:t>shortLabel</a:t>
+              <a:t>NonNegativeInteger</a:t>
             </a:r>
             <a:r>
               <a:rPr lang="en-US" sz="1200" dirty="0" smtClean="0">
                 <a:latin typeface="Courier New" panose="02070309020205020404" pitchFamily="49" charset="0"/>
                 <a:cs typeface="Courier New" panose="02070309020205020404" pitchFamily="49" charset="0"/>
               </a:rPr>
-              <a:t>: </a:t>
-            </a:r>
-            <a:r>
-              <a:rPr lang="en-US" sz="1200" dirty="0" smtClean="0">
-                <a:latin typeface="Courier New" panose="02070309020205020404" pitchFamily="49" charset="0"/>
-                <a:cs typeface="Courier New" panose="02070309020205020404" pitchFamily="49" charset="0"/>
-              </a:rPr>
-              <a:t>“Enterprise",</a:t>
-            </a:r>
-            <a:endParaRPr lang="en-US" sz="1200" dirty="0" smtClean="0">
-              <a:latin typeface="Courier New" panose="02070309020205020404" pitchFamily="49" charset="0"/>
-              <a:cs typeface="Courier New" panose="02070309020205020404" pitchFamily="49" charset="0"/>
-            </a:endParaRPr>
-          </a:p>
-          <a:p>
-            <a:r>
-              <a:rPr lang="en-US" sz="1200" dirty="0" smtClean="0">
-                <a:latin typeface="Courier New" panose="02070309020205020404" pitchFamily="49" charset="0"/>
-                <a:cs typeface="Courier New" panose="02070309020205020404" pitchFamily="49" charset="0"/>
-              </a:rPr>
-              <a:t>  </a:t>
-            </a:r>
-            <a:r>
-              <a:rPr lang="en-US" sz="1200" dirty="0" err="1" smtClean="0">
-                <a:latin typeface="Courier New" panose="02070309020205020404" pitchFamily="49" charset="0"/>
-                <a:cs typeface="Courier New" panose="02070309020205020404" pitchFamily="49" charset="0"/>
-              </a:rPr>
-              <a:t>supertypeName</a:t>
-            </a:r>
-            <a:r>
-              <a:rPr lang="en-US" sz="1200" dirty="0" smtClean="0">
-                <a:latin typeface="Courier New" panose="02070309020205020404" pitchFamily="49" charset="0"/>
-                <a:cs typeface="Courier New" panose="02070309020205020404" pitchFamily="49" charset="0"/>
-              </a:rPr>
-              <a:t>: "</a:t>
-            </a:r>
-            <a:r>
-              <a:rPr lang="en-US" sz="1200" dirty="0" err="1" smtClean="0">
-                <a:latin typeface="Courier New" panose="02070309020205020404" pitchFamily="49" charset="0"/>
-                <a:cs typeface="Courier New" panose="02070309020205020404" pitchFamily="49" charset="0"/>
-              </a:rPr>
-              <a:t>oBJECT</a:t>
-            </a:r>
-            <a:r>
-              <a:rPr lang="en-US" sz="1200" dirty="0" smtClean="0">
-                <a:latin typeface="Courier New" panose="02070309020205020404" pitchFamily="49" charset="0"/>
-                <a:cs typeface="Courier New" panose="02070309020205020404" pitchFamily="49" charset="0"/>
-              </a:rPr>
-              <a:t>",</a:t>
-            </a:r>
-          </a:p>
-          <a:p>
-            <a:r>
-              <a:rPr lang="en-US" sz="1200" dirty="0" smtClean="0">
-                <a:latin typeface="Courier New" panose="02070309020205020404" pitchFamily="49" charset="0"/>
-                <a:cs typeface="Courier New" panose="02070309020205020404" pitchFamily="49" charset="0"/>
-              </a:rPr>
-              <a:t>  </a:t>
-            </a:r>
-          </a:p>
-          <a:p>
-            <a:r>
-              <a:rPr lang="en-US" sz="1200" dirty="0" smtClean="0">
-                <a:latin typeface="Courier New" panose="02070309020205020404" pitchFamily="49" charset="0"/>
-                <a:cs typeface="Courier New" panose="02070309020205020404" pitchFamily="49" charset="0"/>
-              </a:rPr>
-              <a:t>  properties: {</a:t>
-            </a:r>
-          </a:p>
-          <a:p>
-            <a:r>
-              <a:rPr lang="en-US" sz="1200" dirty="0" smtClean="0">
-                <a:latin typeface="Courier New" panose="02070309020205020404" pitchFamily="49" charset="0"/>
-                <a:cs typeface="Courier New" panose="02070309020205020404" pitchFamily="49" charset="0"/>
-              </a:rPr>
-              <a:t>    </a:t>
-            </a:r>
-            <a:r>
-              <a:rPr lang="en-US" sz="1200" dirty="0" smtClean="0">
-                <a:latin typeface="Courier New" panose="02070309020205020404" pitchFamily="49" charset="0"/>
-                <a:cs typeface="Courier New" panose="02070309020205020404" pitchFamily="49" charset="0"/>
-              </a:rPr>
-              <a:t>“</a:t>
-            </a:r>
-            <a:r>
-              <a:rPr lang="en-US" sz="1200" b="1" dirty="0" err="1" smtClean="0">
-                <a:latin typeface="Courier New" panose="02070309020205020404" pitchFamily="49" charset="0"/>
-                <a:cs typeface="Courier New" panose="02070309020205020404" pitchFamily="49" charset="0"/>
-              </a:rPr>
-              <a:t>inventoryLevel</a:t>
-            </a:r>
-            <a:r>
-              <a:rPr lang="en-US" sz="1200" dirty="0" smtClean="0">
-                <a:latin typeface="Courier New" panose="02070309020205020404" pitchFamily="49" charset="0"/>
-                <a:cs typeface="Courier New" panose="02070309020205020404" pitchFamily="49" charset="0"/>
-              </a:rPr>
-              <a:t>": </a:t>
-            </a:r>
-            <a:r>
-              <a:rPr lang="en-US" sz="1200" dirty="0" smtClean="0">
-                <a:latin typeface="Courier New" panose="02070309020205020404" pitchFamily="49" charset="0"/>
-                <a:cs typeface="Courier New" panose="02070309020205020404" pitchFamily="49" charset="0"/>
-              </a:rPr>
-              <a:t>{ range: "</a:t>
-            </a:r>
-            <a:r>
-              <a:rPr lang="en-US" sz="1200" dirty="0" err="1" smtClean="0">
-                <a:latin typeface="Courier New" panose="02070309020205020404" pitchFamily="49" charset="0"/>
-                <a:cs typeface="Courier New" panose="02070309020205020404" pitchFamily="49" charset="0"/>
-              </a:rPr>
-              <a:t>NonNegativeInteger</a:t>
-            </a:r>
-            <a:r>
-              <a:rPr lang="en-US" sz="1200" dirty="0" smtClean="0">
-                <a:latin typeface="Courier New" panose="02070309020205020404" pitchFamily="49" charset="0"/>
-                <a:cs typeface="Courier New" panose="02070309020205020404" pitchFamily="49" charset="0"/>
-              </a:rPr>
-              <a:t>", label: </a:t>
-            </a:r>
-            <a:r>
-              <a:rPr lang="en-US" sz="1200" dirty="0" smtClean="0">
-                <a:latin typeface="Courier New" panose="02070309020205020404" pitchFamily="49" charset="0"/>
-                <a:cs typeface="Courier New" panose="02070309020205020404" pitchFamily="49" charset="0"/>
-              </a:rPr>
-              <a:t>“Inventory Level" },</a:t>
-            </a:r>
-          </a:p>
-          <a:p>
-            <a:r>
-              <a:rPr lang="en-US" sz="1200" dirty="0">
-                <a:latin typeface="Courier New" panose="02070309020205020404" pitchFamily="49" charset="0"/>
-                <a:cs typeface="Courier New" panose="02070309020205020404" pitchFamily="49" charset="0"/>
-              </a:rPr>
-              <a:t> </a:t>
-            </a:r>
-            <a:r>
-              <a:rPr lang="en-US" sz="1200" dirty="0" smtClean="0">
-                <a:latin typeface="Courier New" panose="02070309020205020404" pitchFamily="49" charset="0"/>
-                <a:cs typeface="Courier New" panose="02070309020205020404" pitchFamily="49" charset="0"/>
-              </a:rPr>
-              <a:t>   </a:t>
-            </a:r>
-            <a:r>
-              <a:rPr lang="en-US" sz="1200" dirty="0">
-                <a:latin typeface="Courier New" panose="02070309020205020404" pitchFamily="49" charset="0"/>
-                <a:cs typeface="Courier New" panose="02070309020205020404" pitchFamily="49" charset="0"/>
-              </a:rPr>
-              <a:t>“</a:t>
-            </a:r>
-            <a:r>
-              <a:rPr lang="en-US" sz="1200" b="1" dirty="0" err="1" smtClean="0">
-                <a:latin typeface="Courier New" panose="02070309020205020404" pitchFamily="49" charset="0"/>
-                <a:cs typeface="Courier New" panose="02070309020205020404" pitchFamily="49" charset="0"/>
-              </a:rPr>
-              <a:t>productionRateMin</a:t>
-            </a:r>
-            <a:r>
-              <a:rPr lang="en-US" sz="1200" dirty="0" smtClean="0">
-                <a:latin typeface="Courier New" panose="02070309020205020404" pitchFamily="49" charset="0"/>
-                <a:cs typeface="Courier New" panose="02070309020205020404" pitchFamily="49" charset="0"/>
-              </a:rPr>
-              <a:t>": </a:t>
-            </a:r>
-            <a:r>
-              <a:rPr lang="en-US" sz="1200" dirty="0">
-                <a:latin typeface="Courier New" panose="02070309020205020404" pitchFamily="49" charset="0"/>
-                <a:cs typeface="Courier New" panose="02070309020205020404" pitchFamily="49" charset="0"/>
-              </a:rPr>
-              <a:t>{ range: "</a:t>
-            </a:r>
-            <a:r>
-              <a:rPr lang="en-US" sz="1200" dirty="0" err="1">
-                <a:latin typeface="Courier New" panose="02070309020205020404" pitchFamily="49" charset="0"/>
-                <a:cs typeface="Courier New" panose="02070309020205020404" pitchFamily="49" charset="0"/>
-              </a:rPr>
-              <a:t>NonNegativeInteger</a:t>
-            </a:r>
-            <a:r>
-              <a:rPr lang="en-US" sz="1200" dirty="0">
-                <a:latin typeface="Courier New" panose="02070309020205020404" pitchFamily="49" charset="0"/>
-                <a:cs typeface="Courier New" panose="02070309020205020404" pitchFamily="49" charset="0"/>
-              </a:rPr>
-              <a:t>", label: “Min Prod Rate" }</a:t>
-            </a:r>
-            <a:endParaRPr lang="en-US" sz="1200" dirty="0" smtClean="0">
-              <a:latin typeface="Courier New" panose="02070309020205020404" pitchFamily="49" charset="0"/>
-              <a:cs typeface="Courier New" panose="02070309020205020404" pitchFamily="49" charset="0"/>
-            </a:endParaRPr>
-          </a:p>
-          <a:p>
-            <a:r>
-              <a:rPr lang="en-US" sz="1200" dirty="0" smtClean="0">
-                <a:latin typeface="Courier New" panose="02070309020205020404" pitchFamily="49" charset="0"/>
-                <a:cs typeface="Courier New" panose="02070309020205020404" pitchFamily="49" charset="0"/>
-              </a:rPr>
-              <a:t>    </a:t>
-            </a:r>
-            <a:r>
-              <a:rPr lang="en-US" sz="1200" dirty="0" smtClean="0">
-                <a:latin typeface="Courier New" panose="02070309020205020404" pitchFamily="49" charset="0"/>
-                <a:cs typeface="Courier New" panose="02070309020205020404" pitchFamily="49" charset="0"/>
-              </a:rPr>
-              <a:t>“</a:t>
-            </a:r>
-            <a:r>
-              <a:rPr lang="en-US" sz="1200" b="1" dirty="0" err="1" smtClean="0">
-                <a:latin typeface="Courier New" panose="02070309020205020404" pitchFamily="49" charset="0"/>
-                <a:cs typeface="Courier New" panose="02070309020205020404" pitchFamily="49" charset="0"/>
-              </a:rPr>
-              <a:t>productionRateMax</a:t>
-            </a:r>
-            <a:r>
-              <a:rPr lang="en-US" sz="1200" dirty="0" smtClean="0">
-                <a:latin typeface="Courier New" panose="02070309020205020404" pitchFamily="49" charset="0"/>
-                <a:cs typeface="Courier New" panose="02070309020205020404" pitchFamily="49" charset="0"/>
-              </a:rPr>
-              <a:t>": </a:t>
-            </a:r>
-            <a:r>
-              <a:rPr lang="en-US" sz="1200" dirty="0" smtClean="0">
-                <a:latin typeface="Courier New" panose="02070309020205020404" pitchFamily="49" charset="0"/>
-                <a:cs typeface="Courier New" panose="02070309020205020404" pitchFamily="49" charset="0"/>
-              </a:rPr>
-              <a:t>{ range: "</a:t>
-            </a:r>
-            <a:r>
-              <a:rPr lang="en-US" sz="1200" dirty="0" err="1" smtClean="0">
-                <a:latin typeface="Courier New" panose="02070309020205020404" pitchFamily="49" charset="0"/>
-                <a:cs typeface="Courier New" panose="02070309020205020404" pitchFamily="49" charset="0"/>
-              </a:rPr>
-              <a:t>NonNegativeInteger</a:t>
-            </a:r>
-            <a:r>
-              <a:rPr lang="en-US" sz="1200" dirty="0" smtClean="0">
-                <a:latin typeface="Courier New" panose="02070309020205020404" pitchFamily="49" charset="0"/>
-                <a:cs typeface="Courier New" panose="02070309020205020404" pitchFamily="49" charset="0"/>
-              </a:rPr>
-              <a:t>", label: </a:t>
-            </a:r>
-            <a:r>
-              <a:rPr lang="en-US" sz="1200" dirty="0" smtClean="0">
-                <a:latin typeface="Courier New" panose="02070309020205020404" pitchFamily="49" charset="0"/>
-                <a:cs typeface="Courier New" panose="02070309020205020404" pitchFamily="49" charset="0"/>
-              </a:rPr>
-              <a:t>“Max Prod Rate" </a:t>
-            </a:r>
-            <a:r>
-              <a:rPr lang="en-US" sz="1200" dirty="0" smtClean="0">
-                <a:latin typeface="Courier New" panose="02070309020205020404" pitchFamily="49" charset="0"/>
-                <a:cs typeface="Courier New" panose="02070309020205020404" pitchFamily="49" charset="0"/>
-              </a:rPr>
-              <a:t>}</a:t>
+              <a:t>", label: “Max Prod Rate" }</a:t>
             </a:r>
           </a:p>
           <a:p>
@@ -13378,11 +13185,7 @@
           <a:p>
             <a:r>
               <a:rPr lang="en-US" b="1" dirty="0" smtClean="0"/>
-              <a:t>Enterprise </a:t>
-            </a:r>
-            <a:r>
-              <a:rPr lang="en-US" b="1" dirty="0" smtClean="0"/>
-              <a:t>Object Type class</a:t>
+              <a:t>Enterprise Object Type class</a:t>
             </a:r>
             <a:endParaRPr lang="en-US" b="1" dirty="0"/>
           </a:p>
@@ -14342,7 +14145,6 @@
               <a:rPr lang="en-US" dirty="0" smtClean="0"/>
               <a:t>computer’s web browser</a:t>
             </a:r>
-            <a:endParaRPr lang="en-US" dirty="0" smtClean="0"/>
           </a:p>
           <a:p>
             <a:pPr lvl="1">
@@ -14356,13 +14158,20 @@
             </a:r>
             <a:r>
               <a:rPr lang="en-US" dirty="0"/>
-              <a:t>: both components are executed in the server, while the web browser on the client computer works as an interface for submitting simulation jobs and displaying their </a:t>
+              <a:t>: both components are executed in the server, while the web browser </a:t>
+            </a:r>
+            <a:r>
+              <a:rPr lang="en-US" dirty="0" smtClean="0"/>
+              <a:t>in </a:t>
+            </a:r>
+            <a:r>
+              <a:rPr lang="en-US" dirty="0"/>
+              <a:t>the client computer works as an interface for submitting simulation jobs and displaying their </a:t>
             </a:r>
             <a:r>
               <a:rPr lang="en-US" dirty="0" smtClean="0"/>
               <a:t>results</a:t>
             </a:r>
-            <a:endParaRPr lang="en-US" dirty="0" smtClean="0"/>
           </a:p>
           <a:p>
             <a:pPr lvl="1">
@@ -14654,79 +14463,40 @@
                 <a:latin typeface="Courier New" panose="02070309020205020404" pitchFamily="49" charset="0"/>
                 <a:cs typeface="Courier New" panose="02070309020205020404" pitchFamily="49" charset="0"/>
               </a:rPr>
-              <a:t>/* </a:t>
+              <a:t>/* Object and Event types */</a:t>
+            </a:r>
+          </a:p>
+          <a:p>
+            <a:r>
+              <a:rPr lang="en-US" sz="1400" b="1" dirty="0" err="1" smtClean="0">
+                <a:latin typeface="Courier New" panose="02070309020205020404" pitchFamily="49" charset="0"/>
+                <a:cs typeface="Courier New" panose="02070309020205020404" pitchFamily="49" charset="0"/>
+              </a:rPr>
+              <a:t>sim.model.objectTypes</a:t>
+            </a:r>
+            <a:r>
+              <a:rPr lang="en-US" sz="1400" b="1" dirty="0" smtClean="0">
+                <a:latin typeface="Courier New" panose="02070309020205020404" pitchFamily="49" charset="0"/>
+                <a:cs typeface="Courier New" panose="02070309020205020404" pitchFamily="49" charset="0"/>
+              </a:rPr>
+              <a:t> = [ “Enterprise", “Consumer" ];</a:t>
+            </a:r>
+          </a:p>
+          <a:p>
+            <a:r>
+              <a:rPr lang="en-US" sz="1400" dirty="0" err="1" smtClean="0">
+                <a:latin typeface="Courier New" panose="02070309020205020404" pitchFamily="49" charset="0"/>
+                <a:cs typeface="Courier New" panose="02070309020205020404" pitchFamily="49" charset="0"/>
+              </a:rPr>
+              <a:t>sim.model.eventTypes</a:t>
             </a:r>
             <a:r>
               <a:rPr lang="en-US" sz="1400" dirty="0" smtClean="0">
                 <a:latin typeface="Courier New" panose="02070309020205020404" pitchFamily="49" charset="0"/>
                 <a:cs typeface="Courier New" panose="02070309020205020404" pitchFamily="49" charset="0"/>
               </a:rPr>
-              <a:t>Object and Event types </a:t>
-            </a:r>
-            <a:r>
-              <a:rPr lang="en-US" sz="1400" dirty="0" smtClean="0">
-                <a:latin typeface="Courier New" panose="02070309020205020404" pitchFamily="49" charset="0"/>
-                <a:cs typeface="Courier New" panose="02070309020205020404" pitchFamily="49" charset="0"/>
-              </a:rPr>
-              <a:t>*/</a:t>
-            </a:r>
-          </a:p>
-          <a:p>
-            <a:r>
-              <a:rPr lang="en-US" sz="1400" b="1" dirty="0" err="1" smtClean="0">
-                <a:latin typeface="Courier New" panose="02070309020205020404" pitchFamily="49" charset="0"/>
-                <a:cs typeface="Courier New" panose="02070309020205020404" pitchFamily="49" charset="0"/>
-              </a:rPr>
-              <a:t>sim.model.objectTypes</a:t>
-            </a:r>
-            <a:r>
-              <a:rPr lang="en-US" sz="1400" b="1" dirty="0" smtClean="0">
-                <a:latin typeface="Courier New" panose="02070309020205020404" pitchFamily="49" charset="0"/>
-                <a:cs typeface="Courier New" panose="02070309020205020404" pitchFamily="49" charset="0"/>
-              </a:rPr>
-              <a:t> = [ </a:t>
-            </a:r>
-            <a:r>
-              <a:rPr lang="en-US" sz="1400" b="1" dirty="0" smtClean="0">
-                <a:latin typeface="Courier New" panose="02070309020205020404" pitchFamily="49" charset="0"/>
-                <a:cs typeface="Courier New" panose="02070309020205020404" pitchFamily="49" charset="0"/>
-              </a:rPr>
-              <a:t>“Enterprise", “Consumer" </a:t>
-            </a:r>
-            <a:r>
-              <a:rPr lang="en-US" sz="1400" b="1" dirty="0" smtClean="0">
-                <a:latin typeface="Courier New" panose="02070309020205020404" pitchFamily="49" charset="0"/>
-                <a:cs typeface="Courier New" panose="02070309020205020404" pitchFamily="49" charset="0"/>
-              </a:rPr>
-              <a:t>];</a:t>
-            </a:r>
-          </a:p>
-          <a:p>
-            <a:r>
-              <a:rPr lang="en-US" sz="1400" dirty="0" err="1" smtClean="0">
-                <a:latin typeface="Courier New" panose="02070309020205020404" pitchFamily="49" charset="0"/>
-                <a:cs typeface="Courier New" panose="02070309020205020404" pitchFamily="49" charset="0"/>
-              </a:rPr>
-              <a:t>sim.model.eventTypes</a:t>
-            </a:r>
-            <a:r>
-              <a:rPr lang="en-US" sz="1400" dirty="0" smtClean="0">
-                <a:latin typeface="Courier New" panose="02070309020205020404" pitchFamily="49" charset="0"/>
-                <a:cs typeface="Courier New" panose="02070309020205020404" pitchFamily="49" charset="0"/>
-              </a:rPr>
-              <a:t> = </a:t>
-            </a:r>
-            <a:r>
-              <a:rPr lang="en-US" sz="1400" dirty="0" smtClean="0">
-                <a:latin typeface="Courier New" panose="02070309020205020404" pitchFamily="49" charset="0"/>
-                <a:cs typeface="Courier New" panose="02070309020205020404" pitchFamily="49" charset="0"/>
-              </a:rPr>
-              <a:t>[];</a:t>
-            </a:r>
-            <a:endParaRPr lang="en-US" sz="1400" dirty="0" smtClean="0">
-              <a:latin typeface="Courier New" panose="02070309020205020404" pitchFamily="49" charset="0"/>
-              <a:cs typeface="Courier New" panose="02070309020205020404" pitchFamily="49" charset="0"/>
-            </a:endParaRPr>
+              <a:t> = [];</a:t>
+            </a:r>
           </a:p>
         </p:txBody>
       </p:sp>
@@ -14800,15 +14570,7 @@
           <a:p>
             <a:r>
               <a:rPr lang="en-US" dirty="0" smtClean="0"/>
-              <a:t>Simulation </a:t>
-            </a:r>
-            <a:r>
-              <a:rPr lang="en-US" dirty="0" smtClean="0"/>
-              <a:t>Initial State </a:t>
-            </a:r>
-            <a:r>
-              <a:rPr lang="en-US" dirty="0" smtClean="0"/>
-              <a:t>(simulation.js)</a:t>
+              <a:t>Simulation Initial State (simulation.js)</a:t>
             </a:r>
             <a:endParaRPr lang="en-US" dirty="0"/>
           </a:p>
@@ -14831,13 +14593,8 @@
           <a:p>
             <a:r>
               <a:rPr lang="en-US" dirty="0" smtClean="0"/>
-              <a:t>D</a:t>
-            </a:r>
-            <a:r>
-              <a:rPr lang="en-US" dirty="0" smtClean="0"/>
-              <a:t>efine the objects created</a:t>
-            </a:r>
-            <a:endParaRPr lang="en-US" dirty="0" smtClean="0"/>
+              <a:t>Define the objects created</a:t>
+            </a:r>
           </a:p>
           <a:p>
             <a:r>
@@ -14918,114 +14675,72 @@
                 <a:latin typeface="Courier New" panose="02070309020205020404" pitchFamily="49" charset="0"/>
                 <a:cs typeface="Courier New" panose="02070309020205020404" pitchFamily="49" charset="0"/>
               </a:rPr>
-              <a:t>: </a:t>
+              <a:t>: “Enterprise", name: “enterprise", </a:t>
+            </a:r>
+            <a:r>
+              <a:rPr lang="en-US" sz="1200" b="1" dirty="0" err="1" smtClean="0">
+                <a:latin typeface="Courier New" panose="02070309020205020404" pitchFamily="49" charset="0"/>
+                <a:cs typeface="Courier New" panose="02070309020205020404" pitchFamily="49" charset="0"/>
+              </a:rPr>
+              <a:t>inventoryLevel</a:t>
             </a:r>
             <a:r>
               <a:rPr lang="en-US" sz="1200" b="1" dirty="0" smtClean="0">
                 <a:latin typeface="Courier New" panose="02070309020205020404" pitchFamily="49" charset="0"/>
                 <a:cs typeface="Courier New" panose="02070309020205020404" pitchFamily="49" charset="0"/>
               </a:rPr>
-              <a:t>“Enterprise", </a:t>
+              <a:t>: 0, </a:t>
+            </a:r>
+            <a:r>
+              <a:rPr lang="en-US" sz="1200" b="1" dirty="0" err="1" smtClean="0">
+                <a:latin typeface="Courier New" panose="02070309020205020404" pitchFamily="49" charset="0"/>
+                <a:cs typeface="Courier New" panose="02070309020205020404" pitchFamily="49" charset="0"/>
+              </a:rPr>
+              <a:t>productionRateMin</a:t>
             </a:r>
             <a:r>
               <a:rPr lang="en-US" sz="1200" b="1" dirty="0" smtClean="0">
                 <a:latin typeface="Courier New" panose="02070309020205020404" pitchFamily="49" charset="0"/>
                 <a:cs typeface="Courier New" panose="02070309020205020404" pitchFamily="49" charset="0"/>
               </a:rPr>
-              <a:t>name: </a:t>
+              <a:t>: 5, 	</a:t>
+            </a:r>
+            <a:r>
+              <a:rPr lang="en-US" sz="1200" b="1" dirty="0" err="1" smtClean="0">
+                <a:latin typeface="Courier New" panose="02070309020205020404" pitchFamily="49" charset="0"/>
+                <a:cs typeface="Courier New" panose="02070309020205020404" pitchFamily="49" charset="0"/>
+              </a:rPr>
+              <a:t>productionRateMax</a:t>
             </a:r>
             <a:r>
               <a:rPr lang="en-US" sz="1200" b="1" dirty="0" smtClean="0">
                 <a:latin typeface="Courier New" panose="02070309020205020404" pitchFamily="49" charset="0"/>
                 <a:cs typeface="Courier New" panose="02070309020205020404" pitchFamily="49" charset="0"/>
               </a:rPr>
-              <a:t>“enterprise", </a:t>
+              <a:t>: 15 },</a:t>
+            </a:r>
+          </a:p>
+          <a:p>
+            <a:r>
+              <a:rPr lang="en-US" sz="1200" b="1" dirty="0" smtClean="0">
+                <a:latin typeface="Courier New" panose="02070309020205020404" pitchFamily="49" charset="0"/>
+                <a:cs typeface="Courier New" panose="02070309020205020404" pitchFamily="49" charset="0"/>
+              </a:rPr>
+              <a:t>  "2": { </a:t>
             </a:r>
             <a:r>
               <a:rPr lang="en-US" sz="1200" b="1" dirty="0" err="1" smtClean="0">
                 <a:latin typeface="Courier New" panose="02070309020205020404" pitchFamily="49" charset="0"/>
                 <a:cs typeface="Courier New" panose="02070309020205020404" pitchFamily="49" charset="0"/>
               </a:rPr>
-              <a:t>inventoryLevel</a:t>
+              <a:t>typeName</a:t>
             </a:r>
             <a:r>
               <a:rPr lang="en-US" sz="1200" b="1" dirty="0" smtClean="0">
                 <a:latin typeface="Courier New" panose="02070309020205020404" pitchFamily="49" charset="0"/>
                 <a:cs typeface="Courier New" panose="02070309020205020404" pitchFamily="49" charset="0"/>
               </a:rPr>
-              <a:t>: 0, </a:t>
-            </a:r>
-            <a:r>
-              <a:rPr lang="en-US" sz="1200" b="1" dirty="0" err="1" smtClean="0">
-                <a:latin typeface="Courier New" panose="02070309020205020404" pitchFamily="49" charset="0"/>
-                <a:cs typeface="Courier New" panose="02070309020205020404" pitchFamily="49" charset="0"/>
-              </a:rPr>
-              <a:t>productionRateMin</a:t>
-            </a:r>
-            <a:r>
-              <a:rPr lang="en-US" sz="1200" b="1" dirty="0" smtClean="0">
-                <a:latin typeface="Courier New" panose="02070309020205020404" pitchFamily="49" charset="0"/>
-                <a:cs typeface="Courier New" panose="02070309020205020404" pitchFamily="49" charset="0"/>
-              </a:rPr>
-              <a:t>: 5, 	</a:t>
-            </a:r>
-            <a:r>
-              <a:rPr lang="en-US" sz="1200" b="1" dirty="0" err="1" smtClean="0">
-                <a:latin typeface="Courier New" panose="02070309020205020404" pitchFamily="49" charset="0"/>
-                <a:cs typeface="Courier New" panose="02070309020205020404" pitchFamily="49" charset="0"/>
-              </a:rPr>
-              <a:t>productionRateMax</a:t>
-            </a:r>
-            <a:r>
-              <a:rPr lang="en-US" sz="1200" b="1" dirty="0" smtClean="0">
-                <a:latin typeface="Courier New" panose="02070309020205020404" pitchFamily="49" charset="0"/>
-                <a:cs typeface="Courier New" panose="02070309020205020404" pitchFamily="49" charset="0"/>
-              </a:rPr>
-              <a:t>: 15 },</a:t>
-            </a:r>
-          </a:p>
-          <a:p>
-            <a:r>
-              <a:rPr lang="en-US" sz="1200" b="1" dirty="0" smtClean="0">
-                <a:latin typeface="Courier New" panose="02070309020205020404" pitchFamily="49" charset="0"/>
-                <a:cs typeface="Courier New" panose="02070309020205020404" pitchFamily="49" charset="0"/>
-              </a:rPr>
-              <a:t>  "2": { </a:t>
-            </a:r>
-            <a:r>
-              <a:rPr lang="en-US" sz="1200" b="1" dirty="0" err="1" smtClean="0">
-                <a:latin typeface="Courier New" panose="02070309020205020404" pitchFamily="49" charset="0"/>
-                <a:cs typeface="Courier New" panose="02070309020205020404" pitchFamily="49" charset="0"/>
-              </a:rPr>
-              <a:t>typeName</a:t>
-            </a:r>
-            <a:r>
-              <a:rPr lang="en-US" sz="1200" b="1" dirty="0" smtClean="0">
-                <a:latin typeface="Courier New" panose="02070309020205020404" pitchFamily="49" charset="0"/>
-                <a:cs typeface="Courier New" panose="02070309020205020404" pitchFamily="49" charset="0"/>
-              </a:rPr>
-              <a:t>: </a:t>
-            </a:r>
-            <a:r>
-              <a:rPr lang="en-US" sz="1200" b="1" dirty="0" smtClean="0">
-                <a:latin typeface="Courier New" panose="02070309020205020404" pitchFamily="49" charset="0"/>
-                <a:cs typeface="Courier New" panose="02070309020205020404" pitchFamily="49" charset="0"/>
-              </a:rPr>
-              <a:t>“Consumer",  </a:t>
-            </a:r>
-            <a:r>
-              <a:rPr lang="en-US" sz="1200" b="1" dirty="0" smtClean="0">
-                <a:latin typeface="Courier New" panose="02070309020205020404" pitchFamily="49" charset="0"/>
-                <a:cs typeface="Courier New" panose="02070309020205020404" pitchFamily="49" charset="0"/>
-              </a:rPr>
-              <a:t>name: </a:t>
-            </a:r>
-            <a:r>
-              <a:rPr lang="en-US" sz="1200" b="1" dirty="0" smtClean="0">
-                <a:latin typeface="Courier New" panose="02070309020205020404" pitchFamily="49" charset="0"/>
-                <a:cs typeface="Courier New" panose="02070309020205020404" pitchFamily="49" charset="0"/>
-              </a:rPr>
-              <a:t>“consumer", </a:t>
+              <a:t>: “Consumer",  name: “consumer", </a:t>
             </a:r>
             <a:r>
               <a:rPr lang="en-US" sz="1200" b="1" dirty="0" err="1" smtClean="0">
@@ -15203,15 +14918,7 @@
           <a:p>
             <a:r>
               <a:rPr lang="en-US" dirty="0" smtClean="0"/>
-              <a:t>Simulation </a:t>
-            </a:r>
-            <a:r>
-              <a:rPr lang="en-US" dirty="0" smtClean="0"/>
-              <a:t>Process </a:t>
-            </a:r>
-            <a:r>
-              <a:rPr lang="en-US" dirty="0" smtClean="0"/>
-              <a:t>(simulation.js)</a:t>
+              <a:t>Simulation Process (simulation.js)</a:t>
             </a:r>
             <a:endParaRPr lang="en-US" dirty="0"/>
           </a:p>
@@ -15816,15 +15523,7 @@
           <a:p>
             <a:r>
               <a:rPr lang="en-US" dirty="0" smtClean="0"/>
-              <a:t>Output Statistics </a:t>
-            </a:r>
-            <a:r>
-              <a:rPr lang="en-US" dirty="0" smtClean="0"/>
-              <a:t>(simulation.js</a:t>
-            </a:r>
-            <a:r>
-              <a:rPr lang="en-US" dirty="0" smtClean="0"/>
-              <a:t>)</a:t>
+              <a:t>Output Statistics (simulation.js)</a:t>
             </a:r>
             <a:endParaRPr lang="en-US" dirty="0"/>
           </a:p>
@@ -16266,10 +15965,6 @@
               </a:rPr>
               <a:t>};</a:t>
             </a:r>
-            <a:endParaRPr lang="en-US" sz="1400" dirty="0">
-              <a:latin typeface="Courier New" panose="02070309020205020404" pitchFamily="49" charset="0"/>
-              <a:cs typeface="Courier New" panose="02070309020205020404" pitchFamily="49" charset="0"/>
-            </a:endParaRPr>
           </a:p>
         </p:txBody>
       </p:sp>
@@ -16450,11 +16145,7 @@
             </a:pPr>
             <a:r>
               <a:rPr lang="en-US" dirty="0" smtClean="0"/>
-              <a:t>th</a:t>
-            </a:r>
-            <a:r>
-              <a:rPr lang="en-US" dirty="0" smtClean="0"/>
-              <a:t>e </a:t>
+              <a:t>the </a:t>
             </a:r>
             <a:r>
               <a:rPr lang="en-US" dirty="0"/>
@@ -16496,7 +16187,6 @@
               <a:rPr lang="en-US" dirty="0" smtClean="0"/>
               <a:t>to order a specific quantity of items from the Enterprise</a:t>
             </a:r>
-            <a:endParaRPr lang="en-US" dirty="0" smtClean="0"/>
           </a:p>
           <a:p>
             <a:pPr lvl="2">
@@ -16505,25 +16195,8 @@
             </a:pPr>
             <a:r>
               <a:rPr lang="en-US" dirty="0" smtClean="0"/>
-              <a:t>If </a:t>
-            </a:r>
-            <a:r>
-              <a:rPr lang="en-US" dirty="0" smtClean="0"/>
-              <a:t>the ordered </a:t>
-            </a:r>
-            <a:r>
-              <a:rPr lang="en-US" dirty="0" smtClean="0"/>
-              <a:t>quantity </a:t>
-            </a:r>
-            <a:r>
-              <a:rPr lang="en-US" dirty="0" smtClean="0"/>
-              <a:t>is in stock, the </a:t>
-            </a:r>
-            <a:r>
-              <a:rPr lang="en-US" dirty="0" smtClean="0"/>
-              <a:t>Enterprise delivers the quantity items to the Consumer and the order is fulfilled</a:t>
-            </a:r>
-            <a:endParaRPr lang="en-US" dirty="0" smtClean="0"/>
+              <a:t>If the ordered quantity is in stock, the Enterprise delivers the quantity items to the Consumer and the order is fulfilled</a:t>
+            </a:r>
           </a:p>
           <a:p>
             <a:pPr lvl="2">
@@ -16532,19 +16205,7 @@
             </a:pPr>
             <a:r>
               <a:rPr lang="en-US" dirty="0" smtClean="0"/>
-              <a:t>Otherwise, the </a:t>
-            </a:r>
-            <a:r>
-              <a:rPr lang="en-US" dirty="0" smtClean="0"/>
-              <a:t>Enterprise delivers the quantity of items in stock to the Consumer (</a:t>
-            </a:r>
-            <a:r>
-              <a:rPr lang="en-US" dirty="0" smtClean="0"/>
-              <a:t>i.e., order is partially fulfilled) </a:t>
-            </a:r>
-            <a:r>
-              <a:rPr lang="en-US" dirty="0" smtClean="0"/>
-              <a:t>and </a:t>
+              <a:t>Otherwise, the Enterprise delivers the quantity of items in stock to the Consumer (i.e., order is partially fulfilled) and </a:t>
             </a:r>
             <a:r>
               <a:rPr lang="en-US" dirty="0"/>
@@ -16941,13 +16602,8 @@
             </a:pPr>
             <a:r>
               <a:rPr lang="en-US" dirty="0" smtClean="0"/>
-              <a:t>We distinguish between two kinds of </a:t>
-            </a:r>
-            <a:r>
-              <a:rPr lang="en-US" dirty="0" smtClean="0"/>
-              <a:t>events</a:t>
-            </a:r>
-            <a:endParaRPr lang="en-US" dirty="0" smtClean="0"/>
+              <a:t>We distinguish between two kinds of events</a:t>
+            </a:r>
           </a:p>
           <a:p>
             <a:pPr lvl="1">
@@ -17109,28 +16765,44 @@
                 <a:latin typeface="Courier New" panose="02070309020205020404" pitchFamily="49" charset="0"/>
                 <a:cs typeface="Courier New" panose="02070309020205020404" pitchFamily="49" charset="0"/>
               </a:rPr>
-              <a:t> </a:t>
+              <a:t> = new </a:t>
+            </a:r>
+            <a:r>
+              <a:rPr lang="en-US" sz="1400" dirty="0" err="1" smtClean="0">
+                <a:latin typeface="Courier New" panose="02070309020205020404" pitchFamily="49" charset="0"/>
+                <a:cs typeface="Courier New" panose="02070309020205020404" pitchFamily="49" charset="0"/>
+              </a:rPr>
+              <a:t>cLASS</a:t>
             </a:r>
             <a:r>
               <a:rPr lang="en-US" sz="1400" dirty="0" smtClean="0">
                 <a:latin typeface="Courier New" panose="02070309020205020404" pitchFamily="49" charset="0"/>
                 <a:cs typeface="Courier New" panose="02070309020205020404" pitchFamily="49" charset="0"/>
               </a:rPr>
-              <a:t>= new </a:t>
+              <a:t>({</a:t>
+            </a:r>
+          </a:p>
+          <a:p>
+            <a:r>
+              <a:rPr lang="en-US" sz="1400" dirty="0" smtClean="0">
+                <a:latin typeface="Courier New" panose="02070309020205020404" pitchFamily="49" charset="0"/>
+                <a:cs typeface="Courier New" panose="02070309020205020404" pitchFamily="49" charset="0"/>
+              </a:rPr>
+              <a:t>  Name: “</a:t>
             </a:r>
             <a:r>
               <a:rPr lang="en-US" sz="1400" dirty="0" err="1" smtClean="0">
                 <a:latin typeface="Courier New" panose="02070309020205020404" pitchFamily="49" charset="0"/>
                 <a:cs typeface="Courier New" panose="02070309020205020404" pitchFamily="49" charset="0"/>
               </a:rPr>
-              <a:t>cLASS</a:t>
+              <a:t>DecidePurchase</a:t>
             </a:r>
             <a:r>
               <a:rPr lang="en-US" sz="1400" dirty="0" smtClean="0">
                 <a:latin typeface="Courier New" panose="02070309020205020404" pitchFamily="49" charset="0"/>
                 <a:cs typeface="Courier New" panose="02070309020205020404" pitchFamily="49" charset="0"/>
               </a:rPr>
-              <a:t>({</a:t>
+              <a:t>",</a:t>
             </a:r>
           </a:p>
           <a:p>
@@ -17139,21 +16811,28 @@
                 <a:latin typeface="Courier New" panose="02070309020205020404" pitchFamily="49" charset="0"/>
                 <a:cs typeface="Courier New" panose="02070309020205020404" pitchFamily="49" charset="0"/>
               </a:rPr>
-              <a:t>  Name: </a:t>
+              <a:t>  </a:t>
+            </a:r>
+            <a:r>
+              <a:rPr lang="en-US" sz="1400" dirty="0" err="1" smtClean="0">
+                <a:latin typeface="Courier New" panose="02070309020205020404" pitchFamily="49" charset="0"/>
+                <a:cs typeface="Courier New" panose="02070309020205020404" pitchFamily="49" charset="0"/>
+              </a:rPr>
+              <a:t>supertypeName</a:t>
             </a:r>
             <a:r>
               <a:rPr lang="en-US" sz="1400" dirty="0" smtClean="0">
                 <a:latin typeface="Courier New" panose="02070309020205020404" pitchFamily="49" charset="0"/>
                 <a:cs typeface="Courier New" panose="02070309020205020404" pitchFamily="49" charset="0"/>
               </a:rPr>
-              <a:t>“</a:t>
+              <a:t>: "</a:t>
             </a:r>
             <a:r>
               <a:rPr lang="en-US" sz="1400" dirty="0" err="1" smtClean="0">
                 <a:latin typeface="Courier New" panose="02070309020205020404" pitchFamily="49" charset="0"/>
                 <a:cs typeface="Courier New" panose="02070309020205020404" pitchFamily="49" charset="0"/>
               </a:rPr>
-              <a:t>DecidePurchase</a:t>
+              <a:t>eVENT</a:t>
             </a:r>
             <a:r>
               <a:rPr lang="en-US" sz="1400" dirty="0" smtClean="0">
@@ -17169,81 +16848,16 @@
                 <a:latin typeface="Courier New" panose="02070309020205020404" pitchFamily="49" charset="0"/>
                 <a:cs typeface="Courier New" panose="02070309020205020404" pitchFamily="49" charset="0"/>
               </a:rPr>
-              <a:t>  </a:t>
-            </a:r>
-            <a:r>
-              <a:rPr lang="en-US" sz="1400" dirty="0" err="1" smtClean="0">
-                <a:latin typeface="Courier New" panose="02070309020205020404" pitchFamily="49" charset="0"/>
-                <a:cs typeface="Courier New" panose="02070309020205020404" pitchFamily="49" charset="0"/>
-              </a:rPr>
-              <a:t>supertypeName</a:t>
-            </a:r>
+              <a:t>  properties: {</a:t>
+            </a:r>
+          </a:p>
+          <a:p>
             <a:r>
               <a:rPr lang="en-US" sz="1400" dirty="0" smtClean="0">
                 <a:latin typeface="Courier New" panose="02070309020205020404" pitchFamily="49" charset="0"/>
                 <a:cs typeface="Courier New" panose="02070309020205020404" pitchFamily="49" charset="0"/>
               </a:rPr>
-              <a:t>: "</a:t>
-            </a:r>
-            <a:r>
-              <a:rPr lang="en-US" sz="1400" dirty="0" err="1" smtClean="0">
-                <a:latin typeface="Courier New" panose="02070309020205020404" pitchFamily="49" charset="0"/>
-                <a:cs typeface="Courier New" panose="02070309020205020404" pitchFamily="49" charset="0"/>
-              </a:rPr>
-              <a:t>eVENT</a:t>
-            </a:r>
-            <a:r>
-              <a:rPr lang="en-US" sz="1400" dirty="0" smtClean="0">
-                <a:latin typeface="Courier New" panose="02070309020205020404" pitchFamily="49" charset="0"/>
-                <a:cs typeface="Courier New" panose="02070309020205020404" pitchFamily="49" charset="0"/>
-              </a:rPr>
-              <a:t>",</a:t>
-            </a:r>
-          </a:p>
-          <a:p>
-            <a:r>
-              <a:rPr lang="en-US" sz="1400" dirty="0" smtClean="0">
-                <a:latin typeface="Courier New" panose="02070309020205020404" pitchFamily="49" charset="0"/>
-                <a:cs typeface="Courier New" panose="02070309020205020404" pitchFamily="49" charset="0"/>
-              </a:rPr>
-              <a:t>  properties: {</a:t>
-            </a:r>
-          </a:p>
-          <a:p>
-            <a:r>
-              <a:rPr lang="en-US" sz="1400" dirty="0" smtClean="0">
-                <a:latin typeface="Courier New" panose="02070309020205020404" pitchFamily="49" charset="0"/>
-                <a:cs typeface="Courier New" panose="02070309020205020404" pitchFamily="49" charset="0"/>
-              </a:rPr>
-              <a:t>    </a:t>
-            </a:r>
-            <a:r>
-              <a:rPr lang="en-US" sz="1400" dirty="0" smtClean="0">
-                <a:latin typeface="Courier New" panose="02070309020205020404" pitchFamily="49" charset="0"/>
-                <a:cs typeface="Courier New" panose="02070309020205020404" pitchFamily="49" charset="0"/>
-              </a:rPr>
-              <a:t>“consumer": </a:t>
-            </a:r>
-            <a:r>
-              <a:rPr lang="en-US" sz="1400" dirty="0" smtClean="0">
-                <a:latin typeface="Courier New" panose="02070309020205020404" pitchFamily="49" charset="0"/>
-                <a:cs typeface="Courier New" panose="02070309020205020404" pitchFamily="49" charset="0"/>
-              </a:rPr>
-              <a:t>{ range: </a:t>
-            </a:r>
-            <a:r>
-              <a:rPr lang="en-US" sz="1400" dirty="0" smtClean="0">
-                <a:latin typeface="Courier New" panose="02070309020205020404" pitchFamily="49" charset="0"/>
-                <a:cs typeface="Courier New" panose="02070309020205020404" pitchFamily="49" charset="0"/>
-              </a:rPr>
-              <a:t>“Consumer“ </a:t>
-            </a:r>
-            <a:r>
-              <a:rPr lang="en-US" sz="1400" dirty="0" smtClean="0">
-                <a:latin typeface="Courier New" panose="02070309020205020404" pitchFamily="49" charset="0"/>
-                <a:cs typeface="Courier New" panose="02070309020205020404" pitchFamily="49" charset="0"/>
-              </a:rPr>
-              <a:t>}</a:t>
+              <a:t>    “consumer": { range: “Consumer“ }</a:t>
             </a:r>
           </a:p>
           <a:p>
@@ -17342,34 +16956,16 @@
                 <a:latin typeface="Courier New" panose="02070309020205020404" pitchFamily="49" charset="0"/>
                 <a:cs typeface="Courier New" panose="02070309020205020404" pitchFamily="49" charset="0"/>
               </a:rPr>
-              <a:t> </a:t>
-            </a:r>
-            <a:r>
-              <a:rPr lang="en-US" sz="1400" dirty="0" smtClean="0">
-                <a:latin typeface="Courier New" panose="02070309020205020404" pitchFamily="49" charset="0"/>
-                <a:cs typeface="Courier New" panose="02070309020205020404" pitchFamily="49" charset="0"/>
-              </a:rPr>
-              <a:t>= </a:t>
-            </a:r>
-            <a:r>
-              <a:rPr lang="en-US" sz="1400" dirty="0" smtClean="0">
-                <a:latin typeface="Courier New" panose="02070309020205020404" pitchFamily="49" charset="0"/>
-                <a:cs typeface="Courier New" panose="02070309020205020404" pitchFamily="49" charset="0"/>
-              </a:rPr>
-              <a:t>0;</a:t>
-            </a:r>
+              <a:t> = 0;</a:t>
+            </a:r>
+          </a:p>
+          <a:p>
             <a:endParaRPr lang="en-US" sz="1400" dirty="0" smtClean="0">
               <a:latin typeface="Courier New" panose="02070309020205020404" pitchFamily="49" charset="0"/>
               <a:cs typeface="Courier New" panose="02070309020205020404" pitchFamily="49" charset="0"/>
             </a:endParaRPr>
           </a:p>
           <a:p>
-            <a:endParaRPr lang="en-US" sz="1400" dirty="0" smtClean="0">
-              <a:latin typeface="Courier New" panose="02070309020205020404" pitchFamily="49" charset="0"/>
-              <a:cs typeface="Courier New" panose="02070309020205020404" pitchFamily="49" charset="0"/>
-            </a:endParaRPr>
-          </a:p>
-          <a:p>
             <a:r>
               <a:rPr lang="en-US" sz="1400" b="1" dirty="0" err="1" smtClean="0">
                 <a:latin typeface="Courier New" panose="02070309020205020404" pitchFamily="49" charset="0"/>
@@ -17382,14 +16978,7 @@
                 <a:latin typeface="Courier New" panose="02070309020205020404" pitchFamily="49" charset="0"/>
                 <a:cs typeface="Courier New" panose="02070309020205020404" pitchFamily="49" charset="0"/>
               </a:rPr>
-              <a:t> </a:t>
-            </a:r>
-            <a:r>
-              <a:rPr lang="en-US" sz="1400" dirty="0" smtClean="0">
-                <a:latin typeface="Courier New" panose="02070309020205020404" pitchFamily="49" charset="0"/>
-                <a:cs typeface="Courier New" panose="02070309020205020404" pitchFamily="49" charset="0"/>
-              </a:rPr>
-              <a:t>= function () {</a:t>
+              <a:t> = function () {</a:t>
             </a:r>
           </a:p>
           <a:p>
@@ -17890,10 +17479,6 @@
               </a:rPr>
               <a:t>}</a:t>
             </a:r>
-            <a:endParaRPr lang="en-US" sz="1200" dirty="0" smtClean="0">
-              <a:latin typeface="Courier New" panose="02070309020205020404" pitchFamily="49" charset="0"/>
-              <a:cs typeface="Courier New" panose="02070309020205020404" pitchFamily="49" charset="0"/>
-            </a:endParaRPr>
           </a:p>
         </p:txBody>
       </p:sp>
@@ -18137,49 +17722,77 @@
                 <a:latin typeface="Courier New" panose="02070309020205020404" pitchFamily="49" charset="0"/>
                 <a:cs typeface="Courier New" panose="02070309020205020404" pitchFamily="49" charset="0"/>
               </a:rPr>
-              <a:t> </a:t>
+              <a:t> = new </a:t>
+            </a:r>
+            <a:r>
+              <a:rPr lang="en-US" sz="1400" dirty="0" err="1" smtClean="0">
+                <a:latin typeface="Courier New" panose="02070309020205020404" pitchFamily="49" charset="0"/>
+                <a:cs typeface="Courier New" panose="02070309020205020404" pitchFamily="49" charset="0"/>
+              </a:rPr>
+              <a:t>cLASS</a:t>
             </a:r>
             <a:r>
               <a:rPr lang="en-US" sz="1400" dirty="0" smtClean="0">
                 <a:latin typeface="Courier New" panose="02070309020205020404" pitchFamily="49" charset="0"/>
                 <a:cs typeface="Courier New" panose="02070309020205020404" pitchFamily="49" charset="0"/>
               </a:rPr>
-              <a:t>= new </a:t>
+              <a:t>({</a:t>
+            </a:r>
+          </a:p>
+          <a:p>
+            <a:r>
+              <a:rPr lang="en-US" sz="1400" dirty="0" smtClean="0">
+                <a:latin typeface="Courier New" panose="02070309020205020404" pitchFamily="49" charset="0"/>
+                <a:cs typeface="Courier New" panose="02070309020205020404" pitchFamily="49" charset="0"/>
+              </a:rPr>
+              <a:t>  Name: “Purchase",</a:t>
+            </a:r>
+          </a:p>
+          <a:p>
+            <a:r>
+              <a:rPr lang="en-US" sz="1400" dirty="0" smtClean="0">
+                <a:latin typeface="Courier New" panose="02070309020205020404" pitchFamily="49" charset="0"/>
+                <a:cs typeface="Courier New" panose="02070309020205020404" pitchFamily="49" charset="0"/>
+              </a:rPr>
+              <a:t>  </a:t>
             </a:r>
             <a:r>
               <a:rPr lang="en-US" sz="1400" dirty="0" err="1" smtClean="0">
                 <a:latin typeface="Courier New" panose="02070309020205020404" pitchFamily="49" charset="0"/>
                 <a:cs typeface="Courier New" panose="02070309020205020404" pitchFamily="49" charset="0"/>
               </a:rPr>
-              <a:t>cLASS</a:t>
+              <a:t>supertypeName</a:t>
             </a:r>
             <a:r>
               <a:rPr lang="en-US" sz="1400" dirty="0" smtClean="0">
                 <a:latin typeface="Courier New" panose="02070309020205020404" pitchFamily="49" charset="0"/>
                 <a:cs typeface="Courier New" panose="02070309020205020404" pitchFamily="49" charset="0"/>
               </a:rPr>
-              <a:t>({</a:t>
-            </a:r>
-          </a:p>
-          <a:p>
+              <a:t>: "</a:t>
+            </a:r>
+            <a:r>
+              <a:rPr lang="en-US" sz="1400" dirty="0" err="1" smtClean="0">
+                <a:latin typeface="Courier New" panose="02070309020205020404" pitchFamily="49" charset="0"/>
+                <a:cs typeface="Courier New" panose="02070309020205020404" pitchFamily="49" charset="0"/>
+              </a:rPr>
+              <a:t>eVENT</a:t>
+            </a:r>
             <a:r>
               <a:rPr lang="en-US" sz="1400" dirty="0" smtClean="0">
                 <a:latin typeface="Courier New" panose="02070309020205020404" pitchFamily="49" charset="0"/>
                 <a:cs typeface="Courier New" panose="02070309020205020404" pitchFamily="49" charset="0"/>
               </a:rPr>
-              <a:t>  Name: </a:t>
-            </a:r>
+              <a:t>",</a:t>
+            </a:r>
+          </a:p>
+          <a:p>
             <a:r>
               <a:rPr lang="en-US" sz="1400" dirty="0" smtClean="0">
                 <a:latin typeface="Courier New" panose="02070309020205020404" pitchFamily="49" charset="0"/>
                 <a:cs typeface="Courier New" panose="02070309020205020404" pitchFamily="49" charset="0"/>
               </a:rPr>
-              <a:t>“Purchase",</a:t>
-            </a:r>
-            <a:endParaRPr lang="en-US" sz="1400" dirty="0" smtClean="0">
-              <a:latin typeface="Courier New" panose="02070309020205020404" pitchFamily="49" charset="0"/>
-              <a:cs typeface="Courier New" panose="02070309020205020404" pitchFamily="49" charset="0"/>
-            </a:endParaRPr>
+              <a:t>  properties: {</a:t>
+            </a:r>
           </a:p>
           <a:p>
             <a:r>
@@ -18187,81 +17800,7 @@
                 <a:latin typeface="Courier New" panose="02070309020205020404" pitchFamily="49" charset="0"/>
                 <a:cs typeface="Courier New" panose="02070309020205020404" pitchFamily="49" charset="0"/>
               </a:rPr>
-              <a:t>  </a:t>
-            </a:r>
-            <a:r>
-              <a:rPr lang="en-US" sz="1400" dirty="0" err="1" smtClean="0">
-                <a:latin typeface="Courier New" panose="02070309020205020404" pitchFamily="49" charset="0"/>
-                <a:cs typeface="Courier New" panose="02070309020205020404" pitchFamily="49" charset="0"/>
-              </a:rPr>
-              <a:t>supertypeName</a:t>
-            </a:r>
-            <a:r>
-              <a:rPr lang="en-US" sz="1400" dirty="0" smtClean="0">
-                <a:latin typeface="Courier New" panose="02070309020205020404" pitchFamily="49" charset="0"/>
-                <a:cs typeface="Courier New" panose="02070309020205020404" pitchFamily="49" charset="0"/>
-              </a:rPr>
-              <a:t>: "</a:t>
-            </a:r>
-            <a:r>
-              <a:rPr lang="en-US" sz="1400" dirty="0" err="1" smtClean="0">
-                <a:latin typeface="Courier New" panose="02070309020205020404" pitchFamily="49" charset="0"/>
-                <a:cs typeface="Courier New" panose="02070309020205020404" pitchFamily="49" charset="0"/>
-              </a:rPr>
-              <a:t>eVENT</a:t>
-            </a:r>
-            <a:r>
-              <a:rPr lang="en-US" sz="1400" dirty="0" smtClean="0">
-                <a:latin typeface="Courier New" panose="02070309020205020404" pitchFamily="49" charset="0"/>
-                <a:cs typeface="Courier New" panose="02070309020205020404" pitchFamily="49" charset="0"/>
-              </a:rPr>
-              <a:t>",</a:t>
-            </a:r>
-          </a:p>
-          <a:p>
-            <a:r>
-              <a:rPr lang="en-US" sz="1400" dirty="0" smtClean="0">
-                <a:latin typeface="Courier New" panose="02070309020205020404" pitchFamily="49" charset="0"/>
-                <a:cs typeface="Courier New" panose="02070309020205020404" pitchFamily="49" charset="0"/>
-              </a:rPr>
-              <a:t>  properties: {</a:t>
-            </a:r>
-          </a:p>
-          <a:p>
-            <a:r>
-              <a:rPr lang="en-US" sz="1400" dirty="0" smtClean="0">
-                <a:latin typeface="Courier New" panose="02070309020205020404" pitchFamily="49" charset="0"/>
-                <a:cs typeface="Courier New" panose="02070309020205020404" pitchFamily="49" charset="0"/>
-              </a:rPr>
-              <a:t>    </a:t>
-            </a:r>
-            <a:r>
-              <a:rPr lang="en-US" sz="1400" dirty="0" smtClean="0">
-                <a:latin typeface="Courier New" panose="02070309020205020404" pitchFamily="49" charset="0"/>
-                <a:cs typeface="Courier New" panose="02070309020205020404" pitchFamily="49" charset="0"/>
-              </a:rPr>
-              <a:t>“enterprise": </a:t>
-            </a:r>
-            <a:r>
-              <a:rPr lang="en-US" sz="1400" dirty="0" smtClean="0">
-                <a:latin typeface="Courier New" panose="02070309020205020404" pitchFamily="49" charset="0"/>
-                <a:cs typeface="Courier New" panose="02070309020205020404" pitchFamily="49" charset="0"/>
-              </a:rPr>
-              <a:t>{ range: </a:t>
-            </a:r>
-            <a:r>
-              <a:rPr lang="en-US" sz="1400" dirty="0" smtClean="0">
-                <a:latin typeface="Courier New" panose="02070309020205020404" pitchFamily="49" charset="0"/>
-                <a:cs typeface="Courier New" panose="02070309020205020404" pitchFamily="49" charset="0"/>
-              </a:rPr>
-              <a:t>“Enterprise“ </a:t>
-            </a:r>
-            <a:r>
-              <a:rPr lang="en-US" sz="1400" dirty="0" smtClean="0">
-                <a:latin typeface="Courier New" panose="02070309020205020404" pitchFamily="49" charset="0"/>
-                <a:cs typeface="Courier New" panose="02070309020205020404" pitchFamily="49" charset="0"/>
-              </a:rPr>
-              <a:t>}</a:t>
+              <a:t>    “enterprise": { range: “Enterprise“ }</a:t>
             </a:r>
           </a:p>
           <a:p>
@@ -18360,26 +17899,8 @@
                 <a:latin typeface="Courier New" panose="02070309020205020404" pitchFamily="49" charset="0"/>
                 <a:cs typeface="Courier New" panose="02070309020205020404" pitchFamily="49" charset="0"/>
               </a:rPr>
-              <a:t> </a:t>
-            </a:r>
-            <a:r>
-              <a:rPr lang="en-US" sz="1400" dirty="0" smtClean="0">
-                <a:latin typeface="Courier New" panose="02070309020205020404" pitchFamily="49" charset="0"/>
-                <a:cs typeface="Courier New" panose="02070309020205020404" pitchFamily="49" charset="0"/>
-              </a:rPr>
-              <a:t>= </a:t>
-            </a:r>
-            <a:r>
-              <a:rPr lang="en-US" sz="1400" dirty="0" smtClean="0">
-                <a:latin typeface="Courier New" panose="02070309020205020404" pitchFamily="49" charset="0"/>
-                <a:cs typeface="Courier New" panose="02070309020205020404" pitchFamily="49" charset="0"/>
-              </a:rPr>
-              <a:t>2;</a:t>
-            </a:r>
-            <a:endParaRPr lang="en-US" sz="1400" dirty="0" smtClean="0">
-              <a:latin typeface="Courier New" panose="02070309020205020404" pitchFamily="49" charset="0"/>
-              <a:cs typeface="Courier New" panose="02070309020205020404" pitchFamily="49" charset="0"/>
-            </a:endParaRPr>
+              <a:t> = 2;</a:t>
+            </a:r>
           </a:p>
         </p:txBody>
       </p:sp>
@@ -18942,10 +18463,6 @@
               </a:rPr>
               <a:t>}</a:t>
             </a:r>
-            <a:endParaRPr lang="en-US" sz="1200" dirty="0" smtClean="0">
-              <a:latin typeface="Courier New" panose="02070309020205020404" pitchFamily="49" charset="0"/>
-              <a:cs typeface="Courier New" panose="02070309020205020404" pitchFamily="49" charset="0"/>
-            </a:endParaRPr>
           </a:p>
         </p:txBody>
       </p:sp>
@@ -19325,51 +18842,23 @@
                 <a:latin typeface="Courier New" panose="02070309020205020404" pitchFamily="49" charset="0"/>
                 <a:cs typeface="Courier New" panose="02070309020205020404" pitchFamily="49" charset="0"/>
               </a:rPr>
-              <a:t>/* </a:t>
+              <a:t>/* Object and Event types */</a:t>
+            </a:r>
+          </a:p>
+          <a:p>
+            <a:r>
+              <a:rPr lang="en-US" sz="1400" dirty="0" err="1" smtClean="0">
+                <a:latin typeface="Courier New" panose="02070309020205020404" pitchFamily="49" charset="0"/>
+                <a:cs typeface="Courier New" panose="02070309020205020404" pitchFamily="49" charset="0"/>
+              </a:rPr>
+              <a:t>sim.model.objectTypes</a:t>
             </a:r>
             <a:r>
               <a:rPr lang="en-US" sz="1400" dirty="0" smtClean="0">
                 <a:latin typeface="Courier New" panose="02070309020205020404" pitchFamily="49" charset="0"/>
                 <a:cs typeface="Courier New" panose="02070309020205020404" pitchFamily="49" charset="0"/>
               </a:rPr>
-              <a:t>Object and Event types </a:t>
-            </a:r>
-            <a:r>
-              <a:rPr lang="en-US" sz="1400" dirty="0" smtClean="0">
-                <a:latin typeface="Courier New" panose="02070309020205020404" pitchFamily="49" charset="0"/>
-                <a:cs typeface="Courier New" panose="02070309020205020404" pitchFamily="49" charset="0"/>
-              </a:rPr>
-              <a:t>*/</a:t>
-            </a:r>
-          </a:p>
-          <a:p>
-            <a:r>
-              <a:rPr lang="en-US" sz="1400" dirty="0" err="1" smtClean="0">
-                <a:latin typeface="Courier New" panose="02070309020205020404" pitchFamily="49" charset="0"/>
-                <a:cs typeface="Courier New" panose="02070309020205020404" pitchFamily="49" charset="0"/>
-              </a:rPr>
-              <a:t>sim.model.objectTypes</a:t>
-            </a:r>
-            <a:r>
-              <a:rPr lang="en-US" sz="1400" dirty="0" smtClean="0">
-                <a:latin typeface="Courier New" panose="02070309020205020404" pitchFamily="49" charset="0"/>
-                <a:cs typeface="Courier New" panose="02070309020205020404" pitchFamily="49" charset="0"/>
-              </a:rPr>
-              <a:t> = [ </a:t>
-            </a:r>
-            <a:r>
-              <a:rPr lang="en-US" sz="1400" dirty="0" smtClean="0">
-                <a:latin typeface="Courier New" panose="02070309020205020404" pitchFamily="49" charset="0"/>
-                <a:cs typeface="Courier New" panose="02070309020205020404" pitchFamily="49" charset="0"/>
-              </a:rPr>
-              <a:t>“Enterprise", “Consumer" </a:t>
-            </a:r>
-            <a:r>
-              <a:rPr lang="en-US" sz="1400" dirty="0" smtClean="0">
-                <a:latin typeface="Courier New" panose="02070309020205020404" pitchFamily="49" charset="0"/>
-                <a:cs typeface="Courier New" panose="02070309020205020404" pitchFamily="49" charset="0"/>
-              </a:rPr>
-              <a:t>];</a:t>
+              <a:t> = [ “Enterprise", “Consumer" ];</a:t>
             </a:r>
           </a:p>
           <a:p>
@@ -19385,33 +18874,22 @@
                 <a:latin typeface="Courier New" panose="02070309020205020404" pitchFamily="49" charset="0"/>
                 <a:cs typeface="Courier New" panose="02070309020205020404" pitchFamily="49" charset="0"/>
               </a:rPr>
-              <a:t> = </a:t>
+              <a:t> = [ “</a:t>
+            </a:r>
+            <a:r>
+              <a:rPr lang="en-US" sz="1400" b="1" dirty="0" err="1" smtClean="0">
+                <a:latin typeface="Courier New" panose="02070309020205020404" pitchFamily="49" charset="0"/>
+                <a:cs typeface="Courier New" panose="02070309020205020404" pitchFamily="49" charset="0"/>
+              </a:rPr>
+              <a:t>DecidePurchase</a:t>
             </a:r>
             <a:r>
               <a:rPr lang="en-US" sz="1400" b="1" dirty="0" smtClean="0">
                 <a:latin typeface="Courier New" panose="02070309020205020404" pitchFamily="49" charset="0"/>
                 <a:cs typeface="Courier New" panose="02070309020205020404" pitchFamily="49" charset="0"/>
               </a:rPr>
-              <a:t>[ “</a:t>
-            </a:r>
-            <a:r>
-              <a:rPr lang="en-US" sz="1400" b="1" dirty="0" err="1" smtClean="0">
-                <a:latin typeface="Courier New" panose="02070309020205020404" pitchFamily="49" charset="0"/>
-                <a:cs typeface="Courier New" panose="02070309020205020404" pitchFamily="49" charset="0"/>
-              </a:rPr>
-              <a:t>DecidePurchase</a:t>
-            </a:r>
-            <a:r>
-              <a:rPr lang="en-US" sz="1400" b="1" dirty="0" smtClean="0">
-                <a:latin typeface="Courier New" panose="02070309020205020404" pitchFamily="49" charset="0"/>
-                <a:cs typeface="Courier New" panose="02070309020205020404" pitchFamily="49" charset="0"/>
-              </a:rPr>
               <a:t>”, “Purchase”, “Produce” ];</a:t>
             </a:r>
-            <a:endParaRPr lang="en-US" sz="1400" b="1" dirty="0" smtClean="0">
-              <a:latin typeface="Courier New" panose="02070309020205020404" pitchFamily="49" charset="0"/>
-              <a:cs typeface="Courier New" panose="02070309020205020404" pitchFamily="49" charset="0"/>
-            </a:endParaRPr>
           </a:p>
         </p:txBody>
       </p:sp>
@@ -19548,7 +19026,19 @@
             </a:r>
             <a:r>
               <a:rPr lang="en-US" sz="2400" b="1" dirty="0"/>
-              <a:t>simulation execution relies entirely on the client </a:t>
+              <a:t>simulation execution relies entirely </a:t>
+            </a:r>
+            <a:r>
+              <a:rPr lang="en-US" sz="2400" b="1" dirty="0"/>
+              <a:t>o</a:t>
+            </a:r>
+            <a:r>
+              <a:rPr lang="en-US" sz="2400" b="1" dirty="0" smtClean="0"/>
+              <a:t>n </a:t>
+            </a:r>
+            <a:r>
+              <a:rPr lang="en-US" sz="2400" b="1" dirty="0"/>
+              <a:t>the client </a:t>
             </a:r>
             <a:r>
               <a:rPr lang="en-US" sz="2400" dirty="0"/>
@@ -20122,15 +19612,7 @@
           <a:p>
             <a:r>
               <a:rPr lang="en-US" dirty="0" smtClean="0"/>
-              <a:t>Simulation </a:t>
-            </a:r>
-            <a:r>
-              <a:rPr lang="en-US" dirty="0" smtClean="0"/>
-              <a:t>Initial State </a:t>
-            </a:r>
-            <a:r>
-              <a:rPr lang="en-US" dirty="0" smtClean="0"/>
-              <a:t>(simulation.js)</a:t>
+              <a:t>Simulation Initial State (simulation.js)</a:t>
             </a:r>
             <a:endParaRPr lang="en-US" dirty="0"/>
           </a:p>
@@ -20153,13 +19635,8 @@
           <a:p>
             <a:r>
               <a:rPr lang="en-US" dirty="0" smtClean="0"/>
-              <a:t>D</a:t>
-            </a:r>
-            <a:r>
-              <a:rPr lang="en-US" dirty="0" smtClean="0"/>
-              <a:t>efine the objects created</a:t>
-            </a:r>
-            <a:endParaRPr lang="en-US" dirty="0" smtClean="0"/>
+              <a:t>Define the objects created</a:t>
+            </a:r>
           </a:p>
           <a:p>
             <a:r>
@@ -20240,114 +19717,72 @@
                 <a:latin typeface="Courier New" panose="02070309020205020404" pitchFamily="49" charset="0"/>
                 <a:cs typeface="Courier New" panose="02070309020205020404" pitchFamily="49" charset="0"/>
               </a:rPr>
-              <a:t>: </a:t>
+              <a:t>: “Enterprise", name: “enterprise", </a:t>
+            </a:r>
+            <a:r>
+              <a:rPr lang="en-US" sz="1200" dirty="0" err="1" smtClean="0">
+                <a:latin typeface="Courier New" panose="02070309020205020404" pitchFamily="49" charset="0"/>
+                <a:cs typeface="Courier New" panose="02070309020205020404" pitchFamily="49" charset="0"/>
+              </a:rPr>
+              <a:t>inventoryLevel</a:t>
             </a:r>
             <a:r>
               <a:rPr lang="en-US" sz="1200" dirty="0" smtClean="0">
                 <a:latin typeface="Courier New" panose="02070309020205020404" pitchFamily="49" charset="0"/>
                 <a:cs typeface="Courier New" panose="02070309020205020404" pitchFamily="49" charset="0"/>
               </a:rPr>
-              <a:t>“Enterprise", </a:t>
+              <a:t>: 0, </a:t>
+            </a:r>
+            <a:r>
+              <a:rPr lang="en-US" sz="1200" dirty="0" err="1" smtClean="0">
+                <a:latin typeface="Courier New" panose="02070309020205020404" pitchFamily="49" charset="0"/>
+                <a:cs typeface="Courier New" panose="02070309020205020404" pitchFamily="49" charset="0"/>
+              </a:rPr>
+              <a:t>productionRateMin</a:t>
             </a:r>
             <a:r>
               <a:rPr lang="en-US" sz="1200" dirty="0" smtClean="0">
                 <a:latin typeface="Courier New" panose="02070309020205020404" pitchFamily="49" charset="0"/>
                 <a:cs typeface="Courier New" panose="02070309020205020404" pitchFamily="49" charset="0"/>
               </a:rPr>
-              <a:t>name: </a:t>
+              <a:t>: 5, 	</a:t>
+            </a:r>
+            <a:r>
+              <a:rPr lang="en-US" sz="1200" dirty="0" err="1" smtClean="0">
+                <a:latin typeface="Courier New" panose="02070309020205020404" pitchFamily="49" charset="0"/>
+                <a:cs typeface="Courier New" panose="02070309020205020404" pitchFamily="49" charset="0"/>
+              </a:rPr>
+              <a:t>productionRateMax</a:t>
             </a:r>
             <a:r>
               <a:rPr lang="en-US" sz="1200" dirty="0" smtClean="0">
                 <a:latin typeface="Courier New" panose="02070309020205020404" pitchFamily="49" charset="0"/>
                 <a:cs typeface="Courier New" panose="02070309020205020404" pitchFamily="49" charset="0"/>
               </a:rPr>
-              <a:t>“enterprise", </a:t>
+              <a:t>: 15 },</a:t>
+            </a:r>
+          </a:p>
+          <a:p>
+            <a:r>
+              <a:rPr lang="en-US" sz="1200" dirty="0" smtClean="0">
+                <a:latin typeface="Courier New" panose="02070309020205020404" pitchFamily="49" charset="0"/>
+                <a:cs typeface="Courier New" panose="02070309020205020404" pitchFamily="49" charset="0"/>
+              </a:rPr>
+              <a:t>  "2": { </a:t>
             </a:r>
             <a:r>
               <a:rPr lang="en-US" sz="1200" dirty="0" err="1" smtClean="0">
                 <a:latin typeface="Courier New" panose="02070309020205020404" pitchFamily="49" charset="0"/>
                 <a:cs typeface="Courier New" panose="02070309020205020404" pitchFamily="49" charset="0"/>
               </a:rPr>
-              <a:t>inventoryLevel</a:t>
+              <a:t>typeName</a:t>
             </a:r>
             <a:r>
               <a:rPr lang="en-US" sz="1200" dirty="0" smtClean="0">
                 <a:latin typeface="Courier New" panose="02070309020205020404" pitchFamily="49" charset="0"/>
                 <a:cs typeface="Courier New" panose="02070309020205020404" pitchFamily="49" charset="0"/>
               </a:rPr>
-              <a:t>: 0, </a:t>
-            </a:r>
-            <a:r>
-              <a:rPr lang="en-US" sz="1200" dirty="0" err="1" smtClean="0">
-                <a:latin typeface="Courier New" panose="02070309020205020404" pitchFamily="49" charset="0"/>
-                <a:cs typeface="Courier New" panose="02070309020205020404" pitchFamily="49" charset="0"/>
-              </a:rPr>
-              <a:t>productionRateMin</a:t>
-            </a:r>
-            <a:r>
-              <a:rPr lang="en-US" sz="1200" dirty="0" smtClean="0">
-                <a:latin typeface="Courier New" panose="02070309020205020404" pitchFamily="49" charset="0"/>
-                <a:cs typeface="Courier New" panose="02070309020205020404" pitchFamily="49" charset="0"/>
-              </a:rPr>
-              <a:t>: 5, 	</a:t>
-            </a:r>
-            <a:r>
-              <a:rPr lang="en-US" sz="1200" dirty="0" err="1" smtClean="0">
-                <a:latin typeface="Courier New" panose="02070309020205020404" pitchFamily="49" charset="0"/>
-                <a:cs typeface="Courier New" panose="02070309020205020404" pitchFamily="49" charset="0"/>
-              </a:rPr>
-              <a:t>productionRateMax</a:t>
-            </a:r>
-            <a:r>
-              <a:rPr lang="en-US" sz="1200" dirty="0" smtClean="0">
-                <a:latin typeface="Courier New" panose="02070309020205020404" pitchFamily="49" charset="0"/>
-                <a:cs typeface="Courier New" panose="02070309020205020404" pitchFamily="49" charset="0"/>
-              </a:rPr>
-              <a:t>: 15 },</a:t>
-            </a:r>
-          </a:p>
-          <a:p>
-            <a:r>
-              <a:rPr lang="en-US" sz="1200" dirty="0" smtClean="0">
-                <a:latin typeface="Courier New" panose="02070309020205020404" pitchFamily="49" charset="0"/>
-                <a:cs typeface="Courier New" panose="02070309020205020404" pitchFamily="49" charset="0"/>
-              </a:rPr>
-              <a:t>  "2": { </a:t>
-            </a:r>
-            <a:r>
-              <a:rPr lang="en-US" sz="1200" dirty="0" err="1" smtClean="0">
-                <a:latin typeface="Courier New" panose="02070309020205020404" pitchFamily="49" charset="0"/>
-                <a:cs typeface="Courier New" panose="02070309020205020404" pitchFamily="49" charset="0"/>
-              </a:rPr>
-              <a:t>typeName</a:t>
-            </a:r>
-            <a:r>
-              <a:rPr lang="en-US" sz="1200" dirty="0" smtClean="0">
-                <a:latin typeface="Courier New" panose="02070309020205020404" pitchFamily="49" charset="0"/>
-                <a:cs typeface="Courier New" panose="02070309020205020404" pitchFamily="49" charset="0"/>
-              </a:rPr>
-              <a:t>: </a:t>
-            </a:r>
-            <a:r>
-              <a:rPr lang="en-US" sz="1200" dirty="0" smtClean="0">
-                <a:latin typeface="Courier New" panose="02070309020205020404" pitchFamily="49" charset="0"/>
-                <a:cs typeface="Courier New" panose="02070309020205020404" pitchFamily="49" charset="0"/>
-              </a:rPr>
-              <a:t>“Consumer",  </a:t>
-            </a:r>
-            <a:r>
-              <a:rPr lang="en-US" sz="1200" dirty="0" smtClean="0">
-                <a:latin typeface="Courier New" panose="02070309020205020404" pitchFamily="49" charset="0"/>
-                <a:cs typeface="Courier New" panose="02070309020205020404" pitchFamily="49" charset="0"/>
-              </a:rPr>
-              <a:t>name: </a:t>
-            </a:r>
-            <a:r>
-              <a:rPr lang="en-US" sz="1200" dirty="0" smtClean="0">
-                <a:latin typeface="Courier New" panose="02070309020205020404" pitchFamily="49" charset="0"/>
-                <a:cs typeface="Courier New" panose="02070309020205020404" pitchFamily="49" charset="0"/>
-              </a:rPr>
-              <a:t>“consumer", </a:t>
+              <a:t>: “Consumer",  name: “consumer", </a:t>
             </a:r>
             <a:r>
               <a:rPr lang="en-US" sz="1200" dirty="0" err="1" smtClean="0">
@@ -20415,22 +19850,80 @@
                 <a:latin typeface="Courier New" panose="02070309020205020404" pitchFamily="49" charset="0"/>
                 <a:cs typeface="Courier New" panose="02070309020205020404" pitchFamily="49" charset="0"/>
               </a:rPr>
-              <a:t> = </a:t>
-            </a:r>
+              <a:t> = [</a:t>
+            </a:r>
+          </a:p>
+          <a:p>
             <a:r>
               <a:rPr lang="en-US" sz="1200" b="1" dirty="0" smtClean="0">
                 <a:latin typeface="Courier New" panose="02070309020205020404" pitchFamily="49" charset="0"/>
                 <a:cs typeface="Courier New" panose="02070309020205020404" pitchFamily="49" charset="0"/>
               </a:rPr>
-              <a:t>[</a:t>
-            </a:r>
-          </a:p>
-          <a:p>
+              <a:t>  { </a:t>
+            </a:r>
+            <a:r>
+              <a:rPr lang="en-US" sz="1200" b="1" dirty="0" err="1">
+                <a:latin typeface="Courier New" panose="02070309020205020404" pitchFamily="49" charset="0"/>
+                <a:cs typeface="Courier New" panose="02070309020205020404" pitchFamily="49" charset="0"/>
+              </a:rPr>
+              <a:t>typeName</a:t>
+            </a:r>
+            <a:r>
+              <a:rPr lang="en-US" sz="1200" b="1" dirty="0">
+                <a:latin typeface="Courier New" panose="02070309020205020404" pitchFamily="49" charset="0"/>
+                <a:cs typeface="Courier New" panose="02070309020205020404" pitchFamily="49" charset="0"/>
+              </a:rPr>
+              <a:t>: </a:t>
+            </a:r>
             <a:r>
               <a:rPr lang="en-US" sz="1200" b="1" dirty="0" smtClean="0">
                 <a:latin typeface="Courier New" panose="02070309020205020404" pitchFamily="49" charset="0"/>
                 <a:cs typeface="Courier New" panose="02070309020205020404" pitchFamily="49" charset="0"/>
               </a:rPr>
+              <a:t>"Produce</a:t>
+            </a:r>
+            <a:r>
+              <a:rPr lang="en-US" sz="1200" b="1" dirty="0">
+                <a:latin typeface="Courier New" panose="02070309020205020404" pitchFamily="49" charset="0"/>
+                <a:cs typeface="Courier New" panose="02070309020205020404" pitchFamily="49" charset="0"/>
+              </a:rPr>
+              <a:t>", </a:t>
+            </a:r>
+            <a:r>
+              <a:rPr lang="en-US" sz="1200" b="1" dirty="0" err="1">
+                <a:latin typeface="Courier New" panose="02070309020205020404" pitchFamily="49" charset="0"/>
+                <a:cs typeface="Courier New" panose="02070309020205020404" pitchFamily="49" charset="0"/>
+              </a:rPr>
+              <a:t>occTime</a:t>
+            </a:r>
+            <a:r>
+              <a:rPr lang="en-US" sz="1200" b="1" dirty="0">
+                <a:latin typeface="Courier New" panose="02070309020205020404" pitchFamily="49" charset="0"/>
+                <a:cs typeface="Courier New" panose="02070309020205020404" pitchFamily="49" charset="0"/>
+              </a:rPr>
+              <a:t>: 1, </a:t>
+            </a:r>
+            <a:r>
+              <a:rPr lang="en-US" sz="1200" b="1" dirty="0" smtClean="0">
+                <a:latin typeface="Courier New" panose="02070309020205020404" pitchFamily="49" charset="0"/>
+                <a:cs typeface="Courier New" panose="02070309020205020404" pitchFamily="49" charset="0"/>
+              </a:rPr>
+              <a:t>enterprise: </a:t>
+            </a:r>
+            <a:r>
+              <a:rPr lang="en-US" sz="1200" b="1" dirty="0">
+                <a:latin typeface="Courier New" panose="02070309020205020404" pitchFamily="49" charset="0"/>
+                <a:cs typeface="Courier New" panose="02070309020205020404" pitchFamily="49" charset="0"/>
+              </a:rPr>
+              <a:t>1 },</a:t>
+            </a:r>
+          </a:p>
+          <a:p>
+            <a:r>
+              <a:rPr lang="en-US" sz="1200" b="1" dirty="0">
+                <a:latin typeface="Courier New" panose="02070309020205020404" pitchFamily="49" charset="0"/>
+                <a:cs typeface="Courier New" panose="02070309020205020404" pitchFamily="49" charset="0"/>
+              </a:rPr>
               <a:t>  { </a:t>
             </a:r>
             <a:r>
@@ -20452,14 +19945,21 @@
                 <a:latin typeface="Courier New" panose="02070309020205020404" pitchFamily="49" charset="0"/>
                 <a:cs typeface="Courier New" panose="02070309020205020404" pitchFamily="49" charset="0"/>
               </a:rPr>
-              <a:t>"Produce</a:t>
+              <a:t>“</a:t>
+            </a:r>
+            <a:r>
+              <a:rPr lang="en-US" sz="1200" b="1" dirty="0" err="1" smtClean="0">
+                <a:latin typeface="Courier New" panose="02070309020205020404" pitchFamily="49" charset="0"/>
+                <a:cs typeface="Courier New" panose="02070309020205020404" pitchFamily="49" charset="0"/>
+              </a:rPr>
+              <a:t>DecidePurchase</a:t>
             </a:r>
             <a:r>
               <a:rPr lang="en-US" sz="1200" b="1" dirty="0">
                 <a:latin typeface="Courier New" panose="02070309020205020404" pitchFamily="49" charset="0"/>
                 <a:cs typeface="Courier New" panose="02070309020205020404" pitchFamily="49" charset="0"/>
               </a:rPr>
-              <a:t>", </a:t>
+              <a:t>",  </a:t>
             </a:r>
             <a:r>
               <a:rPr lang="en-US" sz="1200" b="1" dirty="0" err="1">
@@ -20480,100 +19980,24 @@
                 <a:latin typeface="Courier New" panose="02070309020205020404" pitchFamily="49" charset="0"/>
                 <a:cs typeface="Courier New" panose="02070309020205020404" pitchFamily="49" charset="0"/>
               </a:rPr>
-              <a:t>enterprise: </a:t>
+              <a:t>consumer: </a:t>
             </a:r>
             <a:r>
               <a:rPr lang="en-US" sz="1200" b="1" dirty="0">
                 <a:latin typeface="Courier New" panose="02070309020205020404" pitchFamily="49" charset="0"/>
                 <a:cs typeface="Courier New" panose="02070309020205020404" pitchFamily="49" charset="0"/>
               </a:rPr>
-              <a:t>1 },</a:t>
-            </a:r>
-          </a:p>
-          <a:p>
-            <a:r>
-              <a:rPr lang="en-US" sz="1200" b="1" dirty="0">
-                <a:latin typeface="Courier New" panose="02070309020205020404" pitchFamily="49" charset="0"/>
-                <a:cs typeface="Courier New" panose="02070309020205020404" pitchFamily="49" charset="0"/>
-              </a:rPr>
-              <a:t>  { </a:t>
-            </a:r>
-            <a:r>
-              <a:rPr lang="en-US" sz="1200" b="1" dirty="0" err="1">
-                <a:latin typeface="Courier New" panose="02070309020205020404" pitchFamily="49" charset="0"/>
-                <a:cs typeface="Courier New" panose="02070309020205020404" pitchFamily="49" charset="0"/>
-              </a:rPr>
-              <a:t>typeName</a:t>
-            </a:r>
-            <a:r>
-              <a:rPr lang="en-US" sz="1200" b="1" dirty="0">
-                <a:latin typeface="Courier New" panose="02070309020205020404" pitchFamily="49" charset="0"/>
-                <a:cs typeface="Courier New" panose="02070309020205020404" pitchFamily="49" charset="0"/>
-              </a:rPr>
-              <a:t>: </a:t>
-            </a:r>
+              <a:t>2 }</a:t>
+            </a:r>
+          </a:p>
+          <a:p>
             <a:r>
               <a:rPr lang="en-US" sz="1200" b="1" dirty="0" smtClean="0">
                 <a:latin typeface="Courier New" panose="02070309020205020404" pitchFamily="49" charset="0"/>
                 <a:cs typeface="Courier New" panose="02070309020205020404" pitchFamily="49" charset="0"/>
               </a:rPr>
-              <a:t>“</a:t>
-            </a:r>
-            <a:r>
-              <a:rPr lang="en-US" sz="1200" b="1" dirty="0" err="1" smtClean="0">
-                <a:latin typeface="Courier New" panose="02070309020205020404" pitchFamily="49" charset="0"/>
-                <a:cs typeface="Courier New" panose="02070309020205020404" pitchFamily="49" charset="0"/>
-              </a:rPr>
-              <a:t>DecidePurchase</a:t>
-            </a:r>
-            <a:r>
-              <a:rPr lang="en-US" sz="1200" b="1" dirty="0">
-                <a:latin typeface="Courier New" panose="02070309020205020404" pitchFamily="49" charset="0"/>
-                <a:cs typeface="Courier New" panose="02070309020205020404" pitchFamily="49" charset="0"/>
-              </a:rPr>
-              <a:t>",  </a:t>
-            </a:r>
-            <a:r>
-              <a:rPr lang="en-US" sz="1200" b="1" dirty="0" err="1">
-                <a:latin typeface="Courier New" panose="02070309020205020404" pitchFamily="49" charset="0"/>
-                <a:cs typeface="Courier New" panose="02070309020205020404" pitchFamily="49" charset="0"/>
-              </a:rPr>
-              <a:t>occTime</a:t>
-            </a:r>
-            <a:r>
-              <a:rPr lang="en-US" sz="1200" b="1" dirty="0">
-                <a:latin typeface="Courier New" panose="02070309020205020404" pitchFamily="49" charset="0"/>
-                <a:cs typeface="Courier New" panose="02070309020205020404" pitchFamily="49" charset="0"/>
-              </a:rPr>
-              <a:t>: 1, </a:t>
-            </a:r>
-            <a:r>
-              <a:rPr lang="en-US" sz="1200" b="1" dirty="0" smtClean="0">
-                <a:latin typeface="Courier New" panose="02070309020205020404" pitchFamily="49" charset="0"/>
-                <a:cs typeface="Courier New" panose="02070309020205020404" pitchFamily="49" charset="0"/>
-              </a:rPr>
-              <a:t>consumer: </a:t>
-            </a:r>
-            <a:r>
-              <a:rPr lang="en-US" sz="1200" b="1" dirty="0">
-                <a:latin typeface="Courier New" panose="02070309020205020404" pitchFamily="49" charset="0"/>
-                <a:cs typeface="Courier New" panose="02070309020205020404" pitchFamily="49" charset="0"/>
-              </a:rPr>
-              <a:t>2 }</a:t>
-            </a:r>
-          </a:p>
-          <a:p>
-            <a:r>
-              <a:rPr lang="en-US" sz="1200" b="1" dirty="0" smtClean="0">
-                <a:latin typeface="Courier New" panose="02070309020205020404" pitchFamily="49" charset="0"/>
-                <a:cs typeface="Courier New" panose="02070309020205020404" pitchFamily="49" charset="0"/>
-              </a:rPr>
               <a:t>];</a:t>
             </a:r>
-            <a:endParaRPr lang="en-US" sz="1200" b="1" dirty="0" smtClean="0">
-              <a:latin typeface="Courier New" panose="02070309020205020404" pitchFamily="49" charset="0"/>
-              <a:cs typeface="Courier New" panose="02070309020205020404" pitchFamily="49" charset="0"/>
-            </a:endParaRPr>
           </a:p>
           <a:p>
             <a:endParaRPr lang="en-US" sz="1200" dirty="0" smtClean="0">
@@ -20939,7 +20363,6 @@
               <a:rPr lang="en-US" dirty="0" smtClean="0"/>
               <a:t>to order a specific quantity of items from one Enterprise</a:t>
             </a:r>
-            <a:endParaRPr lang="en-US" dirty="0" smtClean="0"/>
           </a:p>
           <a:p>
             <a:pPr lvl="2">
@@ -20948,25 +20371,8 @@
             </a:pPr>
             <a:r>
               <a:rPr lang="en-US" dirty="0" smtClean="0"/>
-              <a:t>If </a:t>
-            </a:r>
-            <a:r>
-              <a:rPr lang="en-US" dirty="0" smtClean="0"/>
-              <a:t>the ordered </a:t>
-            </a:r>
-            <a:r>
-              <a:rPr lang="en-US" dirty="0" smtClean="0"/>
-              <a:t>quantity </a:t>
-            </a:r>
-            <a:r>
-              <a:rPr lang="en-US" dirty="0" smtClean="0"/>
-              <a:t>is in stock, the </a:t>
-            </a:r>
-            <a:r>
-              <a:rPr lang="en-US" dirty="0" smtClean="0"/>
-              <a:t>Enterprise delivers the quantity items to the Consumer and the order is fulfilled</a:t>
-            </a:r>
-            <a:endParaRPr lang="en-US" dirty="0" smtClean="0"/>
+              <a:t>If the ordered quantity is in stock, the Enterprise delivers the quantity items to the Consumer and the order is fulfilled</a:t>
+            </a:r>
           </a:p>
           <a:p>
             <a:pPr lvl="2">
@@ -20975,19 +20381,7 @@
             </a:pPr>
             <a:r>
               <a:rPr lang="en-US" dirty="0" smtClean="0"/>
-              <a:t>Otherwise, the </a:t>
-            </a:r>
-            <a:r>
-              <a:rPr lang="en-US" dirty="0" smtClean="0"/>
-              <a:t>Enterprise delivers the quantity of items in stock to the Consumer (</a:t>
-            </a:r>
-            <a:r>
-              <a:rPr lang="en-US" dirty="0" smtClean="0"/>
-              <a:t>i.e., order is partially fulfilled) </a:t>
-            </a:r>
-            <a:r>
-              <a:rPr lang="en-US" dirty="0" smtClean="0"/>
-              <a:t>and </a:t>
+              <a:t>Otherwise, the Enterprise delivers the quantity of items in stock to the Consumer (i.e., order is partially fulfilled) and </a:t>
             </a:r>
             <a:r>
               <a:rPr lang="en-US" dirty="0"/>
@@ -21112,8 +20506,8 @@
               <a:t>Purchasing Model – Version </a:t>
             </a:r>
             <a:r>
-              <a:rPr lang="en-US" dirty="0" smtClean="0"/>
-              <a:t>2</a:t>
+              <a:rPr lang="en-US" dirty="0"/>
+              <a:t>3</a:t>
             </a:r>
             <a:endParaRPr lang="en-US" dirty="0"/>
           </a:p>
@@ -21232,7 +20626,7 @@
               <a:rPr lang="en-US" dirty="0" smtClean="0">
                 <a:hlinkClick r:id="rId4"/>
               </a:rPr>
-              <a:t>gnardin.github.io/PurchasingModel/02.html</a:t>
+              <a:t>gnardin.github.io/PurchasingModel/03.html</a:t>
             </a:r>
             <a:endParaRPr lang="en-US" dirty="0"/>
           </a:p>
@@ -21345,11 +20739,7 @@
           <a:p>
             <a:r>
               <a:rPr lang="en-US" dirty="0" smtClean="0"/>
-              <a:t>Global Variables (simulation.js</a:t>
-            </a:r>
-            <a:r>
-              <a:rPr lang="en-US" dirty="0" smtClean="0"/>
-              <a:t>)</a:t>
+              <a:t>Global Variables (simulation.js)</a:t>
             </a:r>
             <a:endParaRPr lang="en-US" dirty="0"/>
           </a:p>
@@ -21575,28 +20965,23 @@
                 <a:latin typeface="Courier New" panose="02070309020205020404" pitchFamily="49" charset="0"/>
                 <a:cs typeface="Courier New" panose="02070309020205020404" pitchFamily="49" charset="0"/>
               </a:rPr>
-              <a:t>sim.model.v.</a:t>
-            </a:r>
-            <a:r>
-              <a:rPr lang="en-US" sz="1400" b="1" dirty="0" err="1" smtClean="0">
-                <a:latin typeface="Courier New" panose="02070309020205020404" pitchFamily="49" charset="0"/>
-                <a:cs typeface="Courier New" panose="02070309020205020404" pitchFamily="49" charset="0"/>
-              </a:rPr>
-              <a:t>purchaseProb</a:t>
+              <a:t>sim.model.v.purchaseProb</a:t>
             </a:r>
             <a:r>
               <a:rPr lang="en-US" sz="1400" dirty="0" smtClean="0">
                 <a:latin typeface="Courier New" panose="02070309020205020404" pitchFamily="49" charset="0"/>
                 <a:cs typeface="Courier New" panose="02070309020205020404" pitchFamily="49" charset="0"/>
               </a:rPr>
-              <a:t> </a:t>
-            </a:r>
+              <a:t> = {</a:t>
+            </a:r>
+          </a:p>
+          <a:p>
             <a:r>
               <a:rPr lang="en-US" sz="1400" dirty="0" smtClean="0">
                 <a:latin typeface="Courier New" panose="02070309020205020404" pitchFamily="49" charset="0"/>
                 <a:cs typeface="Courier New" panose="02070309020205020404" pitchFamily="49" charset="0"/>
               </a:rPr>
-              <a:t>= {</a:t>
+              <a:t>  range: "Decimal",</a:t>
             </a:r>
           </a:p>
           <a:p>
@@ -21605,97 +20990,67 @@
                 <a:latin typeface="Courier New" panose="02070309020205020404" pitchFamily="49" charset="0"/>
                 <a:cs typeface="Courier New" panose="02070309020205020404" pitchFamily="49" charset="0"/>
               </a:rPr>
-              <a:t>  range: </a:t>
+              <a:t>  </a:t>
+            </a:r>
+            <a:r>
+              <a:rPr lang="en-US" sz="1400" dirty="0" err="1" smtClean="0">
+                <a:latin typeface="Courier New" panose="02070309020205020404" pitchFamily="49" charset="0"/>
+                <a:cs typeface="Courier New" panose="02070309020205020404" pitchFamily="49" charset="0"/>
+              </a:rPr>
+              <a:t>initialValue</a:t>
             </a:r>
             <a:r>
               <a:rPr lang="en-US" sz="1400" dirty="0" smtClean="0">
                 <a:latin typeface="Courier New" panose="02070309020205020404" pitchFamily="49" charset="0"/>
                 <a:cs typeface="Courier New" panose="02070309020205020404" pitchFamily="49" charset="0"/>
               </a:rPr>
-              <a:t>"Decimal</a:t>
-            </a:r>
+              <a:t>: 0.5,</a:t>
+            </a:r>
+          </a:p>
+          <a:p>
             <a:r>
               <a:rPr lang="en-US" sz="1400" dirty="0" smtClean="0">
                 <a:latin typeface="Courier New" panose="02070309020205020404" pitchFamily="49" charset="0"/>
                 <a:cs typeface="Courier New" panose="02070309020205020404" pitchFamily="49" charset="0"/>
               </a:rPr>
-              <a:t>",</a:t>
-            </a:r>
-          </a:p>
-          <a:p>
+              <a:t>  </a:t>
+            </a:r>
+            <a:r>
+              <a:rPr lang="en-US" sz="1400" dirty="0" err="1" smtClean="0">
+                <a:latin typeface="Courier New" panose="02070309020205020404" pitchFamily="49" charset="0"/>
+                <a:cs typeface="Courier New" panose="02070309020205020404" pitchFamily="49" charset="0"/>
+              </a:rPr>
+              <a:t>decimalPlaces</a:t>
+            </a:r>
             <a:r>
               <a:rPr lang="en-US" sz="1400" dirty="0" smtClean="0">
                 <a:latin typeface="Courier New" panose="02070309020205020404" pitchFamily="49" charset="0"/>
                 <a:cs typeface="Courier New" panose="02070309020205020404" pitchFamily="49" charset="0"/>
               </a:rPr>
-              <a:t>  </a:t>
+              <a:t>: 2,</a:t>
+            </a:r>
+          </a:p>
+          <a:p>
+            <a:r>
+              <a:rPr lang="en-US" sz="1400" dirty="0" smtClean="0">
+                <a:latin typeface="Courier New" panose="02070309020205020404" pitchFamily="49" charset="0"/>
+                <a:cs typeface="Courier New" panose="02070309020205020404" pitchFamily="49" charset="0"/>
+              </a:rPr>
+              <a:t>  label: "</a:t>
             </a:r>
             <a:r>
               <a:rPr lang="en-US" sz="1400" dirty="0" err="1" smtClean="0">
                 <a:latin typeface="Courier New" panose="02070309020205020404" pitchFamily="49" charset="0"/>
                 <a:cs typeface="Courier New" panose="02070309020205020404" pitchFamily="49" charset="0"/>
               </a:rPr>
-              <a:t>initialValue</a:t>
+              <a:t>Prob</a:t>
             </a:r>
             <a:r>
               <a:rPr lang="en-US" sz="1400" dirty="0" smtClean="0">
                 <a:latin typeface="Courier New" panose="02070309020205020404" pitchFamily="49" charset="0"/>
                 <a:cs typeface="Courier New" panose="02070309020205020404" pitchFamily="49" charset="0"/>
               </a:rPr>
-              <a:t>: 0.5,</a:t>
-            </a:r>
-          </a:p>
-          <a:p>
-            <a:r>
-              <a:rPr lang="en-US" sz="1400" dirty="0" smtClean="0">
-                <a:latin typeface="Courier New" panose="02070309020205020404" pitchFamily="49" charset="0"/>
-                <a:cs typeface="Courier New" panose="02070309020205020404" pitchFamily="49" charset="0"/>
-              </a:rPr>
-              <a:t>  </a:t>
-            </a:r>
-            <a:r>
-              <a:rPr lang="en-US" sz="1400" dirty="0" err="1" smtClean="0">
-                <a:latin typeface="Courier New" panose="02070309020205020404" pitchFamily="49" charset="0"/>
-                <a:cs typeface="Courier New" panose="02070309020205020404" pitchFamily="49" charset="0"/>
-              </a:rPr>
-              <a:t>decimalPlaces</a:t>
-            </a:r>
-            <a:r>
-              <a:rPr lang="en-US" sz="1400" dirty="0" smtClean="0">
-                <a:latin typeface="Courier New" panose="02070309020205020404" pitchFamily="49" charset="0"/>
-                <a:cs typeface="Courier New" panose="02070309020205020404" pitchFamily="49" charset="0"/>
-              </a:rPr>
-              <a:t>: 2,</a:t>
-            </a:r>
-          </a:p>
-          <a:p>
-            <a:r>
-              <a:rPr lang="en-US" sz="1400" dirty="0" smtClean="0">
-                <a:latin typeface="Courier New" panose="02070309020205020404" pitchFamily="49" charset="0"/>
-                <a:cs typeface="Courier New" panose="02070309020205020404" pitchFamily="49" charset="0"/>
-              </a:rPr>
-              <a:t>  label: "</a:t>
-            </a:r>
-            <a:r>
-              <a:rPr lang="en-US" sz="1400" dirty="0" err="1" smtClean="0">
-                <a:latin typeface="Courier New" panose="02070309020205020404" pitchFamily="49" charset="0"/>
-                <a:cs typeface="Courier New" panose="02070309020205020404" pitchFamily="49" charset="0"/>
-              </a:rPr>
-              <a:t>Prob</a:t>
-            </a:r>
-            <a:r>
-              <a:rPr lang="en-US" sz="1400" dirty="0" smtClean="0">
-                <a:latin typeface="Courier New" panose="02070309020205020404" pitchFamily="49" charset="0"/>
-                <a:cs typeface="Courier New" panose="02070309020205020404" pitchFamily="49" charset="0"/>
-              </a:rPr>
-              <a:t> Purchase </a:t>
-            </a:r>
-            <a:r>
-              <a:rPr lang="en-US" sz="1400" dirty="0" smtClean="0">
-                <a:latin typeface="Courier New" panose="02070309020205020404" pitchFamily="49" charset="0"/>
-                <a:cs typeface="Courier New" panose="02070309020205020404" pitchFamily="49" charset="0"/>
-              </a:rPr>
-              <a:t>Items“,</a:t>
+              <a:t> Purchase Items“,</a:t>
             </a:r>
           </a:p>
           <a:p>
@@ -21796,15 +21151,7 @@
           <a:p>
             <a:r>
               <a:rPr lang="en-US" dirty="0" smtClean="0"/>
-              <a:t>Simulation </a:t>
-            </a:r>
-            <a:r>
-              <a:rPr lang="en-US" dirty="0" smtClean="0"/>
-              <a:t>Initial State </a:t>
-            </a:r>
-            <a:r>
-              <a:rPr lang="en-US" dirty="0" smtClean="0"/>
-              <a:t>(simulation.js)</a:t>
+              <a:t>Simulation Initial State (simulation.js)</a:t>
             </a:r>
             <a:endParaRPr lang="en-US" dirty="0"/>
           </a:p>
@@ -21928,14 +21275,7 @@
                 <a:latin typeface="Courier New" panose="02070309020205020404" pitchFamily="49" charset="0"/>
                 <a:cs typeface="Courier New" panose="02070309020205020404" pitchFamily="49" charset="0"/>
               </a:rPr>
-              <a:t>//</a:t>
-            </a:r>
-            <a:r>
-              <a:rPr lang="en-US" sz="1200" dirty="0" smtClean="0">
-                <a:latin typeface="Courier New" panose="02070309020205020404" pitchFamily="49" charset="0"/>
-                <a:cs typeface="Courier New" panose="02070309020205020404" pitchFamily="49" charset="0"/>
-              </a:rPr>
-              <a:t>Initial Functions</a:t>
+              <a:t>//Initial Functions</a:t>
             </a:r>
           </a:p>
           <a:p>
@@ -23043,15 +22383,7 @@
           <a:p>
             <a:r>
               <a:rPr lang="en-US" dirty="0" smtClean="0"/>
-              <a:t>Output Statistics </a:t>
-            </a:r>
-            <a:r>
-              <a:rPr lang="en-US" dirty="0" smtClean="0"/>
-              <a:t>(simulation.js</a:t>
-            </a:r>
-            <a:r>
-              <a:rPr lang="en-US" dirty="0" smtClean="0"/>
-              <a:t>)</a:t>
+              <a:t>Output Statistics (simulation.js)</a:t>
             </a:r>
             <a:endParaRPr lang="en-US" dirty="0"/>
           </a:p>
@@ -23815,7 +23147,6 @@
               <a:rPr lang="en-US" b="1" dirty="0" smtClean="0"/>
               <a:t>the Enterprise with lowest price in its preferred list</a:t>
             </a:r>
-            <a:endParaRPr lang="en-US" b="1" dirty="0" smtClean="0"/>
           </a:p>
           <a:p>
             <a:pPr lvl="2">
@@ -23824,25 +23155,8 @@
             </a:pPr>
             <a:r>
               <a:rPr lang="en-US" dirty="0" smtClean="0"/>
-              <a:t>If </a:t>
-            </a:r>
-            <a:r>
-              <a:rPr lang="en-US" dirty="0" smtClean="0"/>
-              <a:t>the ordered </a:t>
-            </a:r>
-            <a:r>
-              <a:rPr lang="en-US" dirty="0" smtClean="0"/>
-              <a:t>quantity </a:t>
-            </a:r>
-            <a:r>
-              <a:rPr lang="en-US" dirty="0" smtClean="0"/>
-              <a:t>is in stock, the </a:t>
-            </a:r>
-            <a:r>
-              <a:rPr lang="en-US" dirty="0" smtClean="0"/>
-              <a:t>Enterprise delivers the quantity items to the Consumer and the order is fulfilled</a:t>
-            </a:r>
-            <a:endParaRPr lang="en-US" dirty="0" smtClean="0"/>
+              <a:t>If the ordered quantity is in stock, the Enterprise delivers the quantity items to the Consumer and the order is fulfilled</a:t>
+            </a:r>
           </a:p>
           <a:p>
             <a:pPr lvl="2">
@@ -23851,15 +23165,7 @@
             </a:pPr>
             <a:r>
               <a:rPr lang="en-US" dirty="0" smtClean="0"/>
-              <a:t>Otherwise, the </a:t>
-            </a:r>
-            <a:r>
-              <a:rPr lang="en-US" dirty="0" smtClean="0"/>
-              <a:t>Enterprise delivers the quantity of items in stock to the Consumer (</a:t>
-            </a:r>
-            <a:r>
-              <a:rPr lang="en-US" dirty="0" smtClean="0"/>
-              <a:t>i.e., order is partially fulfilled), the Enterprise registers </a:t>
+              <a:t>Otherwise, the Enterprise delivers the quantity of items in stock to the Consumer (i.e., order is partially fulfilled), the Enterprise registers </a:t>
             </a:r>
             <a:r>
               <a:rPr lang="en-US" dirty="0"/>
@@ -25112,11 +24418,7 @@
           <a:p>
             <a:r>
               <a:rPr lang="en-US" dirty="0" smtClean="0"/>
-              <a:t>Consumer Object </a:t>
-            </a:r>
-            <a:r>
-              <a:rPr lang="en-US" dirty="0" smtClean="0"/>
-              <a:t>Type</a:t>
+              <a:t>Consumer Object Type</a:t>
             </a:r>
             <a:endParaRPr lang="en-US" dirty="0"/>
           </a:p>
@@ -25313,28 +24615,14 @@
                 <a:latin typeface="Courier New" panose="02070309020205020404" pitchFamily="49" charset="0"/>
                 <a:cs typeface="Courier New" panose="02070309020205020404" pitchFamily="49" charset="0"/>
               </a:rPr>
-              <a:t>    </a:t>
-            </a:r>
-            <a:r>
-              <a:rPr lang="en-US" sz="1200" dirty="0" smtClean="0">
-                <a:latin typeface="Courier New" panose="02070309020205020404" pitchFamily="49" charset="0"/>
-                <a:cs typeface="Courier New" panose="02070309020205020404" pitchFamily="49" charset="0"/>
-              </a:rPr>
-              <a:t>“</a:t>
+              <a:t>    “</a:t>
             </a:r>
             <a:r>
               <a:rPr lang="en-US" sz="1200" dirty="0" err="1" smtClean="0">
                 <a:latin typeface="Courier New" panose="02070309020205020404" pitchFamily="49" charset="0"/>
                 <a:cs typeface="Courier New" panose="02070309020205020404" pitchFamily="49" charset="0"/>
               </a:rPr>
-              <a:t>p</a:t>
-            </a:r>
-            <a:r>
-              <a:rPr lang="en-US" sz="1200" dirty="0" err="1" smtClean="0">
-                <a:latin typeface="Courier New" panose="02070309020205020404" pitchFamily="49" charset="0"/>
-                <a:cs typeface="Courier New" panose="02070309020205020404" pitchFamily="49" charset="0"/>
-              </a:rPr>
-              <a:t>urchaseProb</a:t>
+              <a:t>purchaseProb</a:t>
             </a:r>
             <a:r>
               <a:rPr lang="en-US" sz="1200" dirty="0" smtClean="0">
@@ -25384,14 +24672,7 @@
                 <a:latin typeface="Courier New" panose="02070309020205020404" pitchFamily="49" charset="0"/>
                 <a:cs typeface="Courier New" panose="02070309020205020404" pitchFamily="49" charset="0"/>
               </a:rPr>
-              <a:t>    </a:t>
-            </a:r>
-            <a:r>
-              <a:rPr lang="en-US" sz="1200" dirty="0" smtClean="0">
-                <a:latin typeface="Courier New" panose="02070309020205020404" pitchFamily="49" charset="0"/>
-                <a:cs typeface="Courier New" panose="02070309020205020404" pitchFamily="49" charset="0"/>
-              </a:rPr>
-              <a:t>“</a:t>
+              <a:t>    “</a:t>
             </a:r>
             <a:r>
               <a:rPr lang="en-US" sz="1200" dirty="0" err="1" smtClean="0">
@@ -25434,14 +24715,7 @@
                 <a:latin typeface="Courier New" panose="02070309020205020404" pitchFamily="49" charset="0"/>
                 <a:cs typeface="Courier New" panose="02070309020205020404" pitchFamily="49" charset="0"/>
               </a:rPr>
-              <a:t>    </a:t>
-            </a:r>
-            <a:r>
-              <a:rPr lang="en-US" sz="1200" dirty="0" smtClean="0">
-                <a:latin typeface="Courier New" panose="02070309020205020404" pitchFamily="49" charset="0"/>
-                <a:cs typeface="Courier New" panose="02070309020205020404" pitchFamily="49" charset="0"/>
-              </a:rPr>
-              <a:t>“</a:t>
+              <a:t>    “</a:t>
             </a:r>
             <a:r>
               <a:rPr lang="en-US" sz="1200" dirty="0" err="1" smtClean="0">
@@ -25505,56 +24779,35 @@
                 <a:latin typeface="Courier New" panose="02070309020205020404" pitchFamily="49" charset="0"/>
                 <a:cs typeface="Courier New" panose="02070309020205020404" pitchFamily="49" charset="0"/>
               </a:rPr>
-              <a:t>": </a:t>
+              <a:t>": { range: “Enterprise", </a:t>
+            </a:r>
+            <a:r>
+              <a:rPr lang="en-US" sz="1200" b="1" dirty="0" err="1" smtClean="0">
+                <a:latin typeface="Courier New" panose="02070309020205020404" pitchFamily="49" charset="0"/>
+                <a:cs typeface="Courier New" panose="02070309020205020404" pitchFamily="49" charset="0"/>
+              </a:rPr>
+              <a:t>minCard</a:t>
             </a:r>
             <a:r>
               <a:rPr lang="en-US" sz="1200" b="1" dirty="0" smtClean="0">
                 <a:latin typeface="Courier New" panose="02070309020205020404" pitchFamily="49" charset="0"/>
                 <a:cs typeface="Courier New" panose="02070309020205020404" pitchFamily="49" charset="0"/>
               </a:rPr>
-              <a:t>{ range: </a:t>
+              <a:t>: 0, </a:t>
+            </a:r>
+            <a:r>
+              <a:rPr lang="en-US" sz="1200" b="1" dirty="0" err="1" smtClean="0">
+                <a:latin typeface="Courier New" panose="02070309020205020404" pitchFamily="49" charset="0"/>
+                <a:cs typeface="Courier New" panose="02070309020205020404" pitchFamily="49" charset="0"/>
+              </a:rPr>
+              <a:t>maxCard</a:t>
             </a:r>
             <a:r>
               <a:rPr lang="en-US" sz="1200" b="1" dirty="0" smtClean="0">
                 <a:latin typeface="Courier New" panose="02070309020205020404" pitchFamily="49" charset="0"/>
                 <a:cs typeface="Courier New" panose="02070309020205020404" pitchFamily="49" charset="0"/>
               </a:rPr>
-              <a:t>“Enterprise", </a:t>
-            </a:r>
-            <a:r>
-              <a:rPr lang="en-US" sz="1200" b="1" dirty="0" err="1" smtClean="0">
-                <a:latin typeface="Courier New" panose="02070309020205020404" pitchFamily="49" charset="0"/>
-                <a:cs typeface="Courier New" panose="02070309020205020404" pitchFamily="49" charset="0"/>
-              </a:rPr>
-              <a:t>minCard</a:t>
-            </a:r>
-            <a:r>
-              <a:rPr lang="en-US" sz="1200" b="1" dirty="0" smtClean="0">
-                <a:latin typeface="Courier New" panose="02070309020205020404" pitchFamily="49" charset="0"/>
-                <a:cs typeface="Courier New" panose="02070309020205020404" pitchFamily="49" charset="0"/>
-              </a:rPr>
-              <a:t>: 0, </a:t>
-            </a:r>
-            <a:r>
-              <a:rPr lang="en-US" sz="1200" b="1" dirty="0" err="1" smtClean="0">
-                <a:latin typeface="Courier New" panose="02070309020205020404" pitchFamily="49" charset="0"/>
-                <a:cs typeface="Courier New" panose="02070309020205020404" pitchFamily="49" charset="0"/>
-              </a:rPr>
-              <a:t>maxCard</a:t>
-            </a:r>
-            <a:r>
-              <a:rPr lang="en-US" sz="1200" b="1" dirty="0" smtClean="0">
-                <a:latin typeface="Courier New" panose="02070309020205020404" pitchFamily="49" charset="0"/>
-                <a:cs typeface="Courier New" panose="02070309020205020404" pitchFamily="49" charset="0"/>
-              </a:rPr>
-              <a:t>: Infinity </a:t>
-            </a:r>
-            <a:r>
-              <a:rPr lang="en-US" sz="1200" b="1" dirty="0" smtClean="0">
-                <a:latin typeface="Courier New" panose="02070309020205020404" pitchFamily="49" charset="0"/>
-                <a:cs typeface="Courier New" panose="02070309020205020404" pitchFamily="49" charset="0"/>
-              </a:rPr>
-              <a:t>}</a:t>
+              <a:t>: Infinity }</a:t>
             </a:r>
           </a:p>
           <a:p>
@@ -25588,21 +24841,7 @@
                 <a:latin typeface="Courier New" panose="02070309020205020404" pitchFamily="49" charset="0"/>
                 <a:cs typeface="Courier New" panose="02070309020205020404" pitchFamily="49" charset="0"/>
               </a:rPr>
-              <a:t> </a:t>
-            </a:r>
-            <a:r>
-              <a:rPr lang="en-US" sz="1200" dirty="0" smtClean="0">
-                <a:latin typeface="Courier New" panose="02070309020205020404" pitchFamily="49" charset="0"/>
-                <a:cs typeface="Courier New" panose="02070309020205020404" pitchFamily="49" charset="0"/>
-              </a:rPr>
-              <a:t> methods</a:t>
-            </a:r>
-            <a:r>
-              <a:rPr lang="en-US" sz="1200" dirty="0" smtClean="0">
-                <a:latin typeface="Courier New" panose="02070309020205020404" pitchFamily="49" charset="0"/>
-                <a:cs typeface="Courier New" panose="02070309020205020404" pitchFamily="49" charset="0"/>
-              </a:rPr>
-              <a:t>: {</a:t>
+              <a:t>  methods: {</a:t>
             </a:r>
           </a:p>
           <a:p>
@@ -25624,42 +24863,21 @@
                 <a:latin typeface="Courier New" panose="02070309020205020404" pitchFamily="49" charset="0"/>
                 <a:cs typeface="Courier New" panose="02070309020205020404" pitchFamily="49" charset="0"/>
               </a:rPr>
-              <a:t>   </a:t>
+              <a:t>   “</a:t>
+            </a:r>
+            <a:r>
+              <a:rPr lang="en-US" sz="1200" b="1" dirty="0" err="1" smtClean="0">
+                <a:latin typeface="Courier New" panose="02070309020205020404" pitchFamily="49" charset="0"/>
+                <a:cs typeface="Courier New" panose="02070309020205020404" pitchFamily="49" charset="0"/>
+              </a:rPr>
+              <a:t>decideEnterprise</a:t>
             </a:r>
             <a:r>
               <a:rPr lang="en-US" sz="1200" dirty="0" smtClean="0">
                 <a:latin typeface="Courier New" panose="02070309020205020404" pitchFamily="49" charset="0"/>
                 <a:cs typeface="Courier New" panose="02070309020205020404" pitchFamily="49" charset="0"/>
               </a:rPr>
-              <a:t>“</a:t>
-            </a:r>
-            <a:r>
-              <a:rPr lang="en-US" sz="1200" b="1" dirty="0" err="1" smtClean="0">
-                <a:latin typeface="Courier New" panose="02070309020205020404" pitchFamily="49" charset="0"/>
-                <a:cs typeface="Courier New" panose="02070309020205020404" pitchFamily="49" charset="0"/>
-              </a:rPr>
-              <a:t>d</a:t>
-            </a:r>
-            <a:r>
-              <a:rPr lang="en-US" sz="1200" b="1" dirty="0" err="1" smtClean="0">
-                <a:latin typeface="Courier New" panose="02070309020205020404" pitchFamily="49" charset="0"/>
-                <a:cs typeface="Courier New" panose="02070309020205020404" pitchFamily="49" charset="0"/>
-              </a:rPr>
-              <a:t>ecideEnterprise</a:t>
-            </a:r>
-            <a:r>
-              <a:rPr lang="en-US" sz="1200" dirty="0" smtClean="0">
-                <a:latin typeface="Courier New" panose="02070309020205020404" pitchFamily="49" charset="0"/>
-                <a:cs typeface="Courier New" panose="02070309020205020404" pitchFamily="49" charset="0"/>
-              </a:rPr>
-              <a:t>": </a:t>
-            </a:r>
-            <a:r>
-              <a:rPr lang="en-US" sz="1200" dirty="0" smtClean="0">
-                <a:latin typeface="Courier New" panose="02070309020205020404" pitchFamily="49" charset="0"/>
-                <a:cs typeface="Courier New" panose="02070309020205020404" pitchFamily="49" charset="0"/>
-              </a:rPr>
-              <a:t>function () {</a:t>
+              <a:t>": function () {</a:t>
             </a:r>
           </a:p>
           <a:p>
@@ -26041,14 +25259,7 @@
                 <a:latin typeface="Courier New" panose="02070309020205020404" pitchFamily="49" charset="0"/>
                 <a:cs typeface="Courier New" panose="02070309020205020404" pitchFamily="49" charset="0"/>
               </a:rPr>
-              <a:t>    </a:t>
-            </a:r>
-            <a:r>
-              <a:rPr lang="en-US" sz="1200" dirty="0" smtClean="0">
-                <a:latin typeface="Courier New" panose="02070309020205020404" pitchFamily="49" charset="0"/>
-                <a:cs typeface="Courier New" panose="02070309020205020404" pitchFamily="49" charset="0"/>
-              </a:rPr>
-              <a:t>}, ...</a:t>
+              <a:t>    }, ...</a:t>
             </a:r>
             <a:endParaRPr lang="en-US" sz="1200" dirty="0">
               <a:latin typeface="Courier New" panose="02070309020205020404" pitchFamily="49" charset="0"/>
@@ -26127,15 +25338,7 @@
           <a:p>
             <a:r>
               <a:rPr lang="en-US" dirty="0" smtClean="0"/>
-              <a:t>Output Statistics </a:t>
-            </a:r>
-            <a:r>
-              <a:rPr lang="en-US" dirty="0" smtClean="0"/>
-              <a:t>(simulation.js</a:t>
-            </a:r>
-            <a:r>
-              <a:rPr lang="en-US" dirty="0" smtClean="0"/>
-              <a:t>)</a:t>
+              <a:t>Output Statistics (simulation.js)</a:t>
             </a:r>
             <a:endParaRPr lang="en-US" dirty="0"/>
           </a:p>
@@ -29611,201 +28814,126 @@
         <p:spPr/>
         <p:txBody>
           <a:bodyPr>
-            <a:noAutofit/>
+            <a:normAutofit lnSpcReduction="10000"/>
           </a:bodyPr>
           <a:lstStyle/>
           <a:p>
             <a:r>
-              <a:rPr lang="en-US" sz="2400" dirty="0" smtClean="0"/>
+              <a:rPr lang="en-US" dirty="0" smtClean="0"/>
+              <a:t>JavaScript was developed in May 1995 by </a:t>
+            </a:r>
+            <a:r>
+              <a:rPr lang="en-US" i="1" dirty="0" smtClean="0"/>
+              <a:t>Brendan </a:t>
+            </a:r>
+            <a:r>
+              <a:rPr lang="en-US" i="1" dirty="0" err="1" smtClean="0"/>
+              <a:t>Eich</a:t>
+            </a:r>
+            <a:endParaRPr lang="en-US" i="1" dirty="0" smtClean="0"/>
+          </a:p>
+          <a:p>
+            <a:r>
+              <a:rPr lang="en-US" dirty="0" smtClean="0"/>
+              <a:t>JavaScript is a </a:t>
+            </a:r>
+            <a:r>
+              <a:rPr lang="en-US" b="1" dirty="0" smtClean="0"/>
+              <a:t>scripting language</a:t>
+            </a:r>
+          </a:p>
+          <a:p>
+            <a:pPr lvl="1">
+              <a:buFont typeface="Wingdings" panose="05000000000000000000" pitchFamily="2" charset="2"/>
+              <a:buChar char="§"/>
+            </a:pPr>
+            <a:r>
+              <a:rPr lang="en-US" dirty="0" smtClean="0"/>
+              <a:t>Lightweight programming language</a:t>
+            </a:r>
+          </a:p>
+          <a:p>
+            <a:pPr lvl="1">
+              <a:buFont typeface="Wingdings" panose="05000000000000000000" pitchFamily="2" charset="2"/>
+              <a:buChar char="§"/>
+            </a:pPr>
+            <a:r>
+              <a:rPr lang="en-US" dirty="0" smtClean="0"/>
+              <a:t>Programming code is embedded in HTML</a:t>
+            </a:r>
+          </a:p>
+          <a:p>
+            <a:pPr lvl="1">
+              <a:buFont typeface="Wingdings" panose="05000000000000000000" pitchFamily="2" charset="2"/>
+              <a:buChar char="§"/>
+            </a:pPr>
+            <a:r>
+              <a:rPr lang="en-US" dirty="0" smtClean="0"/>
+              <a:t>Can be executed by all modern web browsers</a:t>
+            </a:r>
+          </a:p>
+          <a:p>
+            <a:r>
+              <a:rPr lang="en-US" dirty="0" smtClean="0"/>
               <a:t>JavaScript is </a:t>
             </a:r>
             <a:r>
-              <a:rPr lang="en-US" sz="2400" b="1" dirty="0" smtClean="0"/>
-              <a:t>case-sensitive</a:t>
-            </a:r>
-            <a:r>
-              <a:rPr lang="en-US" sz="2400" dirty="0" smtClean="0"/>
-              <a:t>. Keywords are in lowercase</a:t>
-            </a:r>
-          </a:p>
-          <a:p>
-            <a:r>
-              <a:rPr lang="en-US" sz="2400" dirty="0" smtClean="0"/>
-              <a:t>Program statements are terminated by </a:t>
-            </a:r>
-            <a:r>
-              <a:rPr lang="en-US" sz="2400" b="1" dirty="0" smtClean="0"/>
-              <a:t>semicolons</a:t>
-            </a:r>
-          </a:p>
-          <a:p>
-            <a:r>
-              <a:rPr lang="en-US" sz="2400" dirty="0" smtClean="0"/>
-              <a:t>Curly brackets </a:t>
-            </a:r>
-            <a:r>
-              <a:rPr lang="en-US" sz="1800" dirty="0" smtClean="0"/>
-              <a:t>{...} </a:t>
-            </a:r>
-            <a:r>
-              <a:rPr lang="en-US" sz="2400" dirty="0" smtClean="0"/>
-              <a:t>are used to define </a:t>
-            </a:r>
-            <a:r>
-              <a:rPr lang="en-US" sz="2400" b="1" dirty="0" smtClean="0"/>
-              <a:t>statement blocks</a:t>
-            </a:r>
-          </a:p>
-          <a:p>
-            <a:r>
-              <a:rPr lang="en-US" sz="2400" dirty="0" smtClean="0"/>
-              <a:t>Program text between </a:t>
-            </a:r>
-            <a:r>
-              <a:rPr lang="en-US" sz="1800" dirty="0" smtClean="0">
-                <a:latin typeface="Courier New" panose="02070309020205020404" pitchFamily="49" charset="0"/>
-                <a:cs typeface="Courier New" panose="02070309020205020404" pitchFamily="49" charset="0"/>
-              </a:rPr>
-              <a:t>/*</a:t>
-            </a:r>
-            <a:r>
-              <a:rPr lang="en-US" sz="2400" dirty="0" smtClean="0"/>
-              <a:t> and </a:t>
-            </a:r>
-            <a:r>
-              <a:rPr lang="en-US" sz="1800" dirty="0" smtClean="0">
-                <a:latin typeface="Courier New" panose="02070309020205020404" pitchFamily="49" charset="0"/>
-                <a:cs typeface="Courier New" panose="02070309020205020404" pitchFamily="49" charset="0"/>
-              </a:rPr>
-              <a:t>*/</a:t>
-            </a:r>
-            <a:r>
-              <a:rPr lang="en-US" sz="2400" dirty="0" smtClean="0"/>
-              <a:t> or after </a:t>
-            </a:r>
-            <a:r>
-              <a:rPr lang="en-US" sz="1800" dirty="0" smtClean="0">
-                <a:latin typeface="Courier New" panose="02070309020205020404" pitchFamily="49" charset="0"/>
-                <a:cs typeface="Courier New" panose="02070309020205020404" pitchFamily="49" charset="0"/>
-              </a:rPr>
-              <a:t>//</a:t>
-            </a:r>
-            <a:r>
-              <a:rPr lang="en-US" sz="2400" dirty="0" smtClean="0"/>
-              <a:t> is treated as a </a:t>
-            </a:r>
-            <a:r>
-              <a:rPr lang="en-US" sz="2400" b="1" dirty="0" smtClean="0"/>
-              <a:t>comment</a:t>
-            </a:r>
-          </a:p>
-          <a:p>
-            <a:r>
-              <a:rPr lang="en-US" sz="2400" dirty="0" smtClean="0"/>
-              <a:t>Variables should be declared at the start of a function using the </a:t>
-            </a:r>
-            <a:r>
-              <a:rPr lang="en-US" sz="2000" dirty="0" err="1" smtClean="0">
-                <a:latin typeface="Courier New" panose="02070309020205020404" pitchFamily="49" charset="0"/>
-                <a:cs typeface="Courier New" panose="02070309020205020404" pitchFamily="49" charset="0"/>
-              </a:rPr>
-              <a:t>var</a:t>
-            </a:r>
-            <a:r>
-              <a:rPr lang="en-US" sz="2400" dirty="0" smtClean="0"/>
-              <a:t> keyword</a:t>
-            </a:r>
-          </a:p>
-          <a:p>
-            <a:r>
-              <a:rPr lang="en-US" sz="2400" dirty="0" smtClean="0"/>
-              <a:t> There are only two kinds of scope for variables: </a:t>
-            </a:r>
-            <a:r>
-              <a:rPr lang="en-US" sz="2000" b="1" dirty="0" smtClean="0"/>
-              <a:t>global scope</a:t>
-            </a:r>
-            <a:r>
-              <a:rPr lang="en-US" sz="2000" dirty="0" smtClean="0"/>
-              <a:t> and </a:t>
-            </a:r>
-            <a:r>
-              <a:rPr lang="en-US" sz="2000" b="1" dirty="0" smtClean="0"/>
-              <a:t>function scope</a:t>
-            </a:r>
-            <a:endParaRPr lang="en-US" sz="2000" dirty="0" smtClean="0"/>
-          </a:p>
-          <a:p>
-            <a:r>
-              <a:rPr lang="en-US" sz="2400" dirty="0" smtClean="0">
-                <a:latin typeface="Courier New" panose="02070309020205020404" pitchFamily="49" charset="0"/>
-                <a:cs typeface="Courier New" panose="02070309020205020404" pitchFamily="49" charset="0"/>
-              </a:rPr>
-              <a:t>=</a:t>
-            </a:r>
-            <a:r>
-              <a:rPr lang="en-US" sz="2400" dirty="0" smtClean="0"/>
-              <a:t> is used for assigning values to variables</a:t>
-            </a:r>
-          </a:p>
-          <a:p>
-            <a:r>
-              <a:rPr lang="en-US" sz="2400" dirty="0" smtClean="0"/>
-              <a:t>For testing the equality (or inequality) of two primitive data values, use the strict equality predicate === (and !==) instead of the == (and !=)</a:t>
-            </a:r>
-          </a:p>
-          <a:p>
-            <a:pPr marL="0" indent="0">
-              <a:buNone/>
-            </a:pPr>
-            <a:r>
-              <a:rPr lang="en-US" sz="2400" dirty="0" smtClean="0"/>
-              <a:t>	</a:t>
-            </a:r>
-            <a:r>
-              <a:rPr lang="en-US" sz="1800" dirty="0" smtClean="0">
-                <a:latin typeface="Courier New" panose="02070309020205020404" pitchFamily="49" charset="0"/>
-                <a:cs typeface="Courier New" panose="02070309020205020404" pitchFamily="49" charset="0"/>
-              </a:rPr>
-              <a:t>2 == “2”  </a:t>
-            </a:r>
-            <a:r>
-              <a:rPr lang="en-US" sz="2400" dirty="0" smtClean="0"/>
-              <a:t>(output </a:t>
-            </a:r>
-            <a:r>
-              <a:rPr lang="en-US" sz="1800" dirty="0">
-                <a:latin typeface="Courier New" panose="02070309020205020404" pitchFamily="49" charset="0"/>
-                <a:cs typeface="Courier New" panose="02070309020205020404" pitchFamily="49" charset="0"/>
-              </a:rPr>
-              <a:t>true</a:t>
-            </a:r>
-            <a:r>
-              <a:rPr lang="en-US" sz="2400" dirty="0" smtClean="0"/>
-              <a:t>)             </a:t>
-            </a:r>
-            <a:r>
-              <a:rPr lang="en-US" sz="1800" dirty="0">
-                <a:latin typeface="Courier New" panose="02070309020205020404" pitchFamily="49" charset="0"/>
-                <a:cs typeface="Courier New" panose="02070309020205020404" pitchFamily="49" charset="0"/>
-              </a:rPr>
-              <a:t>2 === “2” </a:t>
-            </a:r>
-            <a:r>
-              <a:rPr lang="en-US" sz="2400" dirty="0" smtClean="0"/>
-              <a:t>(output </a:t>
-            </a:r>
-            <a:r>
-              <a:rPr lang="en-US" sz="1800" dirty="0">
-                <a:latin typeface="Courier New" panose="02070309020205020404" pitchFamily="49" charset="0"/>
-                <a:cs typeface="Courier New" panose="02070309020205020404" pitchFamily="49" charset="0"/>
-              </a:rPr>
-              <a:t>false</a:t>
-            </a:r>
-            <a:r>
-              <a:rPr lang="en-US" sz="2400" dirty="0" smtClean="0"/>
-              <a:t>)</a:t>
-            </a:r>
+              <a:rPr lang="en-US" b="1" dirty="0" smtClean="0"/>
+              <a:t>weakly typed </a:t>
+            </a:r>
+            <a:r>
+              <a:rPr lang="en-US" dirty="0" smtClean="0"/>
+              <a:t>and </a:t>
+            </a:r>
+            <a:r>
+              <a:rPr lang="en-US" b="1" dirty="0" smtClean="0"/>
+              <a:t>dynamic</a:t>
+            </a:r>
+          </a:p>
+          <a:p>
+            <a:r>
+              <a:rPr lang="en-US" dirty="0" smtClean="0"/>
+              <a:t>JavaScript is </a:t>
+            </a:r>
+            <a:r>
+              <a:rPr lang="en-US" b="1" dirty="0" smtClean="0"/>
+              <a:t>object-oriented</a:t>
+            </a:r>
+            <a:r>
+              <a:rPr lang="en-US" dirty="0" smtClean="0"/>
+              <a:t>, but in a </a:t>
+            </a:r>
+            <a:r>
+              <a:rPr lang="en-US" i="1" dirty="0" smtClean="0"/>
+              <a:t>different</a:t>
+            </a:r>
+            <a:r>
+              <a:rPr lang="en-US" dirty="0" smtClean="0"/>
+              <a:t> way than </a:t>
+            </a:r>
+            <a:r>
+              <a:rPr lang="en-US" i="1" dirty="0" smtClean="0"/>
+              <a:t>classical OO languages</a:t>
+            </a:r>
+            <a:r>
+              <a:rPr lang="en-US" dirty="0" smtClean="0"/>
+              <a:t>, e.g.,</a:t>
+            </a:r>
+          </a:p>
+          <a:p>
+            <a:pPr lvl="1"/>
+            <a:r>
+              <a:rPr lang="en-US" dirty="0" smtClean="0"/>
+              <a:t>objects can be created directly without instantiating any class</a:t>
+            </a:r>
+          </a:p>
+          <a:p>
+            <a:pPr lvl="1"/>
+            <a:r>
+              <a:rPr lang="en-US" dirty="0" smtClean="0"/>
+              <a:t>properties can be added to an object or class definition at run-time</a:t>
+            </a:r>
+            <a:endParaRPr lang="en-US" dirty="0"/>
           </a:p>
         </p:txBody>
       </p:sp>
@@ -29835,7 +28963,7 @@
     </p:spTree>
     <p:extLst>
       <p:ext uri="{BB962C8B-B14F-4D97-AF65-F5344CB8AC3E}">
-        <p14:creationId xmlns:p14="http://schemas.microsoft.com/office/powerpoint/2010/main" val="2652291545"/>
+        <p14:creationId xmlns:p14="http://schemas.microsoft.com/office/powerpoint/2010/main" val="853629093"/>
       </p:ext>
     </p:extLst>
   </p:cSld>
@@ -29898,330 +29026,201 @@
         <p:spPr/>
         <p:txBody>
           <a:bodyPr>
-            <a:normAutofit/>
+            <a:noAutofit/>
           </a:bodyPr>
           <a:lstStyle/>
           <a:p>
             <a:r>
-              <a:rPr lang="en-US" dirty="0" smtClean="0"/>
-              <a:t>JavaScript  has only three  primitive  data  types</a:t>
-            </a:r>
-          </a:p>
-          <a:p>
-            <a:pPr lvl="1">
-              <a:buFont typeface="Wingdings" panose="05000000000000000000" pitchFamily="2" charset="2"/>
-              <a:buChar char="ü"/>
-            </a:pPr>
-            <a:r>
-              <a:rPr lang="en-US" sz="2000" dirty="0" smtClean="0">
-                <a:latin typeface="Courier New" panose="02070309020205020404" pitchFamily="49" charset="0"/>
-                <a:cs typeface="Courier New" panose="02070309020205020404" pitchFamily="49" charset="0"/>
-              </a:rPr>
-              <a:t>String</a:t>
-            </a:r>
-            <a:endParaRPr lang="en-US" sz="1600" dirty="0" smtClean="0">
-              <a:latin typeface="Courier New" panose="02070309020205020404" pitchFamily="49" charset="0"/>
-              <a:cs typeface="Courier New" panose="02070309020205020404" pitchFamily="49" charset="0"/>
-            </a:endParaRPr>
-          </a:p>
-          <a:p>
-            <a:pPr marL="457200" lvl="1" indent="0">
+              <a:rPr lang="en-US" sz="2400" dirty="0" smtClean="0"/>
+              <a:t>JavaScript is </a:t>
+            </a:r>
+            <a:r>
+              <a:rPr lang="en-US" sz="2400" b="1" dirty="0" smtClean="0"/>
+              <a:t>case-sensitive</a:t>
+            </a:r>
+            <a:r>
+              <a:rPr lang="en-US" sz="2400" dirty="0" smtClean="0"/>
+              <a:t>. Keywords are in lowercase</a:t>
+            </a:r>
+          </a:p>
+          <a:p>
+            <a:r>
+              <a:rPr lang="en-US" sz="2400" dirty="0" smtClean="0"/>
+              <a:t>Program statements are terminated by </a:t>
+            </a:r>
+            <a:r>
+              <a:rPr lang="en-US" sz="2400" b="1" dirty="0" smtClean="0"/>
+              <a:t>semicolons</a:t>
+            </a:r>
+          </a:p>
+          <a:p>
+            <a:r>
+              <a:rPr lang="en-US" sz="2400" dirty="0" smtClean="0"/>
+              <a:t>Curly brackets </a:t>
+            </a:r>
+            <a:r>
+              <a:rPr lang="en-US" sz="1800" dirty="0" smtClean="0"/>
+              <a:t>{...} </a:t>
+            </a:r>
+            <a:r>
+              <a:rPr lang="en-US" sz="2400" dirty="0" smtClean="0"/>
+              <a:t>are used to define </a:t>
+            </a:r>
+            <a:r>
+              <a:rPr lang="en-US" sz="2400" b="1" dirty="0" smtClean="0"/>
+              <a:t>statement blocks</a:t>
+            </a:r>
+          </a:p>
+          <a:p>
+            <a:r>
+              <a:rPr lang="en-US" sz="2400" dirty="0" smtClean="0"/>
+              <a:t>Program text between </a:t>
+            </a:r>
+            <a:r>
+              <a:rPr lang="en-US" sz="1800" dirty="0" smtClean="0">
+                <a:latin typeface="Courier New" panose="02070309020205020404" pitchFamily="49" charset="0"/>
+                <a:cs typeface="Courier New" panose="02070309020205020404" pitchFamily="49" charset="0"/>
+              </a:rPr>
+              <a:t>/*</a:t>
+            </a:r>
+            <a:r>
+              <a:rPr lang="en-US" sz="2400" dirty="0" smtClean="0"/>
+              <a:t> and </a:t>
+            </a:r>
+            <a:r>
+              <a:rPr lang="en-US" sz="1800" dirty="0" smtClean="0">
+                <a:latin typeface="Courier New" panose="02070309020205020404" pitchFamily="49" charset="0"/>
+                <a:cs typeface="Courier New" panose="02070309020205020404" pitchFamily="49" charset="0"/>
+              </a:rPr>
+              <a:t>*/</a:t>
+            </a:r>
+            <a:r>
+              <a:rPr lang="en-US" sz="2400" dirty="0" smtClean="0"/>
+              <a:t> or after </a:t>
+            </a:r>
+            <a:r>
+              <a:rPr lang="en-US" sz="1800" dirty="0" smtClean="0">
+                <a:latin typeface="Courier New" panose="02070309020205020404" pitchFamily="49" charset="0"/>
+                <a:cs typeface="Courier New" panose="02070309020205020404" pitchFamily="49" charset="0"/>
+              </a:rPr>
+              <a:t>//</a:t>
+            </a:r>
+            <a:r>
+              <a:rPr lang="en-US" sz="2400" dirty="0" smtClean="0"/>
+              <a:t> is treated as a </a:t>
+            </a:r>
+            <a:r>
+              <a:rPr lang="en-US" sz="2400" b="1" dirty="0" smtClean="0"/>
+              <a:t>comment</a:t>
+            </a:r>
+          </a:p>
+          <a:p>
+            <a:r>
+              <a:rPr lang="en-US" sz="2400" dirty="0" smtClean="0"/>
+              <a:t>Variables should be declared at the start of a function using the </a:t>
+            </a:r>
+            <a:r>
+              <a:rPr lang="en-US" sz="2000" dirty="0" err="1" smtClean="0">
+                <a:latin typeface="Courier New" panose="02070309020205020404" pitchFamily="49" charset="0"/>
+                <a:cs typeface="Courier New" panose="02070309020205020404" pitchFamily="49" charset="0"/>
+              </a:rPr>
+              <a:t>var</a:t>
+            </a:r>
+            <a:r>
+              <a:rPr lang="en-US" sz="2400" dirty="0" smtClean="0"/>
+              <a:t> keyword</a:t>
+            </a:r>
+          </a:p>
+          <a:p>
+            <a:r>
+              <a:rPr lang="en-US" sz="2400" dirty="0" smtClean="0"/>
+              <a:t> There are only two kinds of scope for variables: </a:t>
+            </a:r>
+            <a:r>
+              <a:rPr lang="en-US" sz="2000" b="1" dirty="0" smtClean="0"/>
+              <a:t>global scope</a:t>
+            </a:r>
+            <a:r>
+              <a:rPr lang="en-US" sz="2000" dirty="0" smtClean="0"/>
+              <a:t> and </a:t>
+            </a:r>
+            <a:r>
+              <a:rPr lang="en-US" sz="2000" b="1" dirty="0" smtClean="0"/>
+              <a:t>function scope</a:t>
+            </a:r>
+            <a:endParaRPr lang="en-US" sz="2000" dirty="0" smtClean="0"/>
+          </a:p>
+          <a:p>
+            <a:r>
+              <a:rPr lang="en-US" sz="2400" dirty="0" smtClean="0">
+                <a:latin typeface="Courier New" panose="02070309020205020404" pitchFamily="49" charset="0"/>
+                <a:cs typeface="Courier New" panose="02070309020205020404" pitchFamily="49" charset="0"/>
+              </a:rPr>
+              <a:t>=</a:t>
+            </a:r>
+            <a:r>
+              <a:rPr lang="en-US" sz="2400" dirty="0" smtClean="0"/>
+              <a:t> is used for assigning values to variables</a:t>
+            </a:r>
+          </a:p>
+          <a:p>
+            <a:r>
+              <a:rPr lang="en-US" sz="2400" dirty="0" smtClean="0"/>
+              <a:t>For testing the equality (or inequality) of two primitive data values, use the strict equality predicate === (and !==) instead of the == (and !=)</a:t>
+            </a:r>
+          </a:p>
+          <a:p>
+            <a:pPr marL="0" indent="0">
               <a:buNone/>
             </a:pPr>
             <a:r>
+              <a:rPr lang="en-US" sz="2400" dirty="0" smtClean="0"/>
+              <a:t>	</a:t>
+            </a:r>
+            <a:r>
               <a:rPr lang="en-US" sz="1800" dirty="0" smtClean="0">
                 <a:latin typeface="Courier New" panose="02070309020205020404" pitchFamily="49" charset="0"/>
                 <a:cs typeface="Courier New" panose="02070309020205020404" pitchFamily="49" charset="0"/>
               </a:rPr>
-              <a:t>	</a:t>
-            </a:r>
-            <a:r>
-              <a:rPr lang="en-US" sz="1600" dirty="0" err="1" smtClean="0">
-                <a:latin typeface="Courier New" panose="02070309020205020404" pitchFamily="49" charset="0"/>
-                <a:cs typeface="Courier New" panose="02070309020205020404" pitchFamily="49" charset="0"/>
-              </a:rPr>
-              <a:t>var</a:t>
-            </a:r>
-            <a:r>
-              <a:rPr lang="en-US" sz="1600" dirty="0" smtClean="0">
-                <a:latin typeface="Courier New" panose="02070309020205020404" pitchFamily="49" charset="0"/>
-                <a:cs typeface="Courier New" panose="02070309020205020404" pitchFamily="49" charset="0"/>
-              </a:rPr>
-              <a:t> single = ‘Just single quotes’;</a:t>
-            </a:r>
-          </a:p>
-          <a:p>
-            <a:pPr marL="457200" lvl="1" indent="0">
-              <a:buNone/>
-            </a:pPr>
-            <a:r>
-              <a:rPr lang="en-US" sz="1600" dirty="0">
-                <a:latin typeface="Courier New" panose="02070309020205020404" pitchFamily="49" charset="0"/>
-                <a:cs typeface="Courier New" panose="02070309020205020404" pitchFamily="49" charset="0"/>
-              </a:rPr>
-              <a:t>	</a:t>
-            </a:r>
-            <a:r>
-              <a:rPr lang="en-US" sz="1600" dirty="0" err="1" smtClean="0">
-                <a:latin typeface="Courier New" panose="02070309020205020404" pitchFamily="49" charset="0"/>
-                <a:cs typeface="Courier New" panose="02070309020205020404" pitchFamily="49" charset="0"/>
-              </a:rPr>
-              <a:t>var</a:t>
-            </a:r>
-            <a:r>
-              <a:rPr lang="en-US" sz="1600" dirty="0" smtClean="0">
-                <a:latin typeface="Courier New" panose="02070309020205020404" pitchFamily="49" charset="0"/>
-                <a:cs typeface="Courier New" panose="02070309020205020404" pitchFamily="49" charset="0"/>
-              </a:rPr>
-              <a:t> double = “Just double quotes”;</a:t>
-            </a:r>
-            <a:endParaRPr lang="en-US" sz="1800" dirty="0">
-              <a:latin typeface="Courier New" panose="02070309020205020404" pitchFamily="49" charset="0"/>
-              <a:cs typeface="Courier New" panose="02070309020205020404" pitchFamily="49" charset="0"/>
-            </a:endParaRPr>
-          </a:p>
-          <a:p>
-            <a:pPr lvl="1">
-              <a:buFont typeface="Wingdings" panose="05000000000000000000" pitchFamily="2" charset="2"/>
-              <a:buChar char="ü"/>
-            </a:pPr>
-            <a:r>
-              <a:rPr lang="en-US" sz="2000" dirty="0" smtClean="0">
-                <a:latin typeface="Courier New" panose="02070309020205020404" pitchFamily="49" charset="0"/>
-                <a:cs typeface="Courier New" panose="02070309020205020404" pitchFamily="49" charset="0"/>
-              </a:rPr>
-              <a:t>Number</a:t>
-            </a:r>
-            <a:endParaRPr lang="en-US" sz="1800" dirty="0" smtClean="0">
-              <a:latin typeface="Courier New" panose="02070309020205020404" pitchFamily="49" charset="0"/>
-              <a:cs typeface="Courier New" panose="02070309020205020404" pitchFamily="49" charset="0"/>
-            </a:endParaRPr>
-          </a:p>
-          <a:p>
-            <a:pPr marL="457200" lvl="1" indent="0">
-              <a:buNone/>
-            </a:pPr>
-            <a:r>
-              <a:rPr lang="en-US" dirty="0" smtClean="0"/>
-              <a:t>	</a:t>
-            </a:r>
-            <a:r>
-              <a:rPr lang="en-US" sz="1600" dirty="0" err="1" smtClean="0">
-                <a:latin typeface="Courier New" panose="02070309020205020404" pitchFamily="49" charset="0"/>
-                <a:cs typeface="Courier New" panose="02070309020205020404" pitchFamily="49" charset="0"/>
-              </a:rPr>
-              <a:t>var</a:t>
-            </a:r>
-            <a:r>
-              <a:rPr lang="en-US" sz="1600" dirty="0" smtClean="0">
-                <a:latin typeface="Courier New" panose="02070309020205020404" pitchFamily="49" charset="0"/>
-                <a:cs typeface="Courier New" panose="02070309020205020404" pitchFamily="49" charset="0"/>
-              </a:rPr>
-              <a:t> </a:t>
-            </a:r>
-            <a:r>
-              <a:rPr lang="en-US" sz="1600" dirty="0" err="1" smtClean="0">
-                <a:latin typeface="Courier New" panose="02070309020205020404" pitchFamily="49" charset="0"/>
-                <a:cs typeface="Courier New" panose="02070309020205020404" pitchFamily="49" charset="0"/>
-              </a:rPr>
-              <a:t>num</a:t>
-            </a:r>
-            <a:r>
-              <a:rPr lang="en-US" sz="1600" dirty="0" smtClean="0">
-                <a:latin typeface="Courier New" panose="02070309020205020404" pitchFamily="49" charset="0"/>
-                <a:cs typeface="Courier New" panose="02070309020205020404" pitchFamily="49" charset="0"/>
-              </a:rPr>
-              <a:t> = 10;</a:t>
-            </a:r>
-          </a:p>
-          <a:p>
-            <a:pPr marL="457200" lvl="1" indent="0">
-              <a:buNone/>
-            </a:pPr>
-            <a:r>
-              <a:rPr lang="en-US" sz="1600" dirty="0">
-                <a:latin typeface="Courier New" panose="02070309020205020404" pitchFamily="49" charset="0"/>
-                <a:cs typeface="Courier New" panose="02070309020205020404" pitchFamily="49" charset="0"/>
-              </a:rPr>
-              <a:t>	</a:t>
-            </a:r>
-            <a:r>
-              <a:rPr lang="en-US" sz="1600" dirty="0" err="1" smtClean="0">
-                <a:latin typeface="Courier New" panose="02070309020205020404" pitchFamily="49" charset="0"/>
-                <a:cs typeface="Courier New" panose="02070309020205020404" pitchFamily="49" charset="0"/>
-              </a:rPr>
-              <a:t>var</a:t>
-            </a:r>
-            <a:r>
-              <a:rPr lang="en-US" sz="1600" dirty="0" smtClean="0">
-                <a:latin typeface="Courier New" panose="02070309020205020404" pitchFamily="49" charset="0"/>
-                <a:cs typeface="Courier New" panose="02070309020205020404" pitchFamily="49" charset="0"/>
-              </a:rPr>
-              <a:t> decimal = 19.8;</a:t>
-            </a:r>
-            <a:endParaRPr lang="en-US" sz="1800" dirty="0">
-              <a:latin typeface="Courier New" panose="02070309020205020404" pitchFamily="49" charset="0"/>
-              <a:cs typeface="Courier New" panose="02070309020205020404" pitchFamily="49" charset="0"/>
-            </a:endParaRPr>
-          </a:p>
-          <a:p>
-            <a:pPr lvl="1">
-              <a:buFont typeface="Wingdings" panose="05000000000000000000" pitchFamily="2" charset="2"/>
-              <a:buChar char="ü"/>
-            </a:pPr>
-            <a:r>
-              <a:rPr lang="en-US" sz="1600" dirty="0" smtClean="0">
-                <a:latin typeface="Courier New" panose="02070309020205020404" pitchFamily="49" charset="0"/>
-                <a:cs typeface="Courier New" panose="02070309020205020404" pitchFamily="49" charset="0"/>
-              </a:rPr>
-              <a:t>Boolean</a:t>
-            </a:r>
-          </a:p>
-          <a:p>
-            <a:pPr marL="457200" lvl="1" indent="0">
-              <a:buNone/>
-            </a:pPr>
-            <a:r>
-              <a:rPr lang="en-US" sz="1600" dirty="0">
-                <a:latin typeface="Courier New" panose="02070309020205020404" pitchFamily="49" charset="0"/>
-                <a:cs typeface="Courier New" panose="02070309020205020404" pitchFamily="49" charset="0"/>
-              </a:rPr>
-              <a:t>	</a:t>
-            </a:r>
-            <a:r>
-              <a:rPr lang="en-US" sz="1600" dirty="0" err="1" smtClean="0">
-                <a:latin typeface="Courier New" panose="02070309020205020404" pitchFamily="49" charset="0"/>
-                <a:cs typeface="Courier New" panose="02070309020205020404" pitchFamily="49" charset="0"/>
-              </a:rPr>
-              <a:t>var</a:t>
-            </a:r>
-            <a:r>
-              <a:rPr lang="en-US" sz="1600" dirty="0" smtClean="0">
-                <a:latin typeface="Courier New" panose="02070309020205020404" pitchFamily="49" charset="0"/>
-                <a:cs typeface="Courier New" panose="02070309020205020404" pitchFamily="49" charset="0"/>
-              </a:rPr>
-              <a:t> stop = false;</a:t>
-            </a:r>
-          </a:p>
-          <a:p>
-            <a:pPr marL="457200" lvl="1" indent="0">
-              <a:buNone/>
-            </a:pPr>
-            <a:r>
-              <a:rPr lang="en-US" sz="1600" dirty="0">
-                <a:latin typeface="Courier New" panose="02070309020205020404" pitchFamily="49" charset="0"/>
-                <a:cs typeface="Courier New" panose="02070309020205020404" pitchFamily="49" charset="0"/>
-              </a:rPr>
-              <a:t>	</a:t>
-            </a:r>
-            <a:r>
-              <a:rPr lang="en-US" sz="1600" dirty="0" err="1" smtClean="0">
-                <a:latin typeface="Courier New" panose="02070309020205020404" pitchFamily="49" charset="0"/>
-                <a:cs typeface="Courier New" panose="02070309020205020404" pitchFamily="49" charset="0"/>
-              </a:rPr>
-              <a:t>var</a:t>
-            </a:r>
-            <a:r>
-              <a:rPr lang="en-US" sz="1600" dirty="0" smtClean="0">
-                <a:latin typeface="Courier New" panose="02070309020205020404" pitchFamily="49" charset="0"/>
-                <a:cs typeface="Courier New" panose="02070309020205020404" pitchFamily="49" charset="0"/>
-              </a:rPr>
-              <a:t> active = true;</a:t>
-            </a:r>
-          </a:p>
-          <a:p>
-            <a:pPr>
-              <a:spcBef>
-                <a:spcPts val="1200"/>
-              </a:spcBef>
-            </a:pPr>
-            <a:r>
-              <a:rPr lang="en-US" dirty="0" smtClean="0"/>
-              <a:t> To test the type of a variable holds </a:t>
-            </a:r>
-            <a:r>
-              <a:rPr lang="en-US" sz="2000" dirty="0" err="1" smtClean="0">
-                <a:latin typeface="Courier New" panose="02070309020205020404" pitchFamily="49" charset="0"/>
-                <a:cs typeface="Courier New" panose="02070309020205020404" pitchFamily="49" charset="0"/>
-              </a:rPr>
-              <a:t>typeof</a:t>
-            </a:r>
-            <a:r>
-              <a:rPr lang="en-US" sz="2000" dirty="0" smtClean="0">
-                <a:latin typeface="Courier New" panose="02070309020205020404" pitchFamily="49" charset="0"/>
-                <a:cs typeface="Courier New" panose="02070309020205020404" pitchFamily="49" charset="0"/>
-              </a:rPr>
-              <a:t>(…) </a:t>
-            </a:r>
-            <a:r>
-              <a:rPr lang="en-US" dirty="0" smtClean="0"/>
-              <a:t>function</a:t>
-            </a:r>
-          </a:p>
-          <a:p>
-            <a:pPr marL="0" indent="0">
-              <a:spcBef>
-                <a:spcPts val="1200"/>
-              </a:spcBef>
-              <a:buNone/>
-            </a:pPr>
-            <a:r>
-              <a:rPr lang="en-US" sz="2000" dirty="0">
-                <a:latin typeface="Courier New" panose="02070309020205020404" pitchFamily="49" charset="0"/>
-                <a:cs typeface="Courier New" panose="02070309020205020404" pitchFamily="49" charset="0"/>
-              </a:rPr>
-              <a:t>	</a:t>
-            </a:r>
-            <a:r>
-              <a:rPr lang="en-US" sz="2000" dirty="0" err="1" smtClean="0">
-                <a:latin typeface="Courier New" panose="02070309020205020404" pitchFamily="49" charset="0"/>
-                <a:cs typeface="Courier New" panose="02070309020205020404" pitchFamily="49" charset="0"/>
-              </a:rPr>
-              <a:t>typeof</a:t>
-            </a:r>
-            <a:r>
-              <a:rPr lang="en-US" sz="2000" dirty="0" smtClean="0">
-                <a:latin typeface="Courier New" panose="02070309020205020404" pitchFamily="49" charset="0"/>
-                <a:cs typeface="Courier New" panose="02070309020205020404" pitchFamily="49" charset="0"/>
-              </a:rPr>
-              <a:t>(</a:t>
-            </a:r>
-            <a:r>
-              <a:rPr lang="en-US" sz="2000" dirty="0" err="1" smtClean="0">
-                <a:latin typeface="Courier New" panose="02070309020205020404" pitchFamily="49" charset="0"/>
-                <a:cs typeface="Courier New" panose="02070309020205020404" pitchFamily="49" charset="0"/>
-              </a:rPr>
-              <a:t>num</a:t>
-            </a:r>
-            <a:r>
-              <a:rPr lang="en-US" sz="2000" dirty="0" smtClean="0">
-                <a:latin typeface="Courier New" panose="02070309020205020404" pitchFamily="49" charset="0"/>
-                <a:cs typeface="Courier New" panose="02070309020205020404" pitchFamily="49" charset="0"/>
-              </a:rPr>
+              <a:t>2 == “2”  </a:t>
+            </a:r>
+            <a:r>
+              <a:rPr lang="en-US" sz="2400" dirty="0" smtClean="0"/>
+              <a:t>(output </a:t>
+            </a:r>
+            <a:r>
+              <a:rPr lang="en-US" sz="1800" dirty="0">
+                <a:latin typeface="Courier New" panose="02070309020205020404" pitchFamily="49" charset="0"/>
+                <a:cs typeface="Courier New" panose="02070309020205020404" pitchFamily="49" charset="0"/>
+              </a:rPr>
+              <a:t>true</a:t>
+            </a:r>
+            <a:r>
+              <a:rPr lang="en-US" sz="2400" dirty="0" smtClean="0"/>
+              <a:t>)             </a:t>
+            </a:r>
+            <a:r>
+              <a:rPr lang="en-US" sz="1800" dirty="0">
+                <a:latin typeface="Courier New" panose="02070309020205020404" pitchFamily="49" charset="0"/>
+                <a:cs typeface="Courier New" panose="02070309020205020404" pitchFamily="49" charset="0"/>
+              </a:rPr>
+              <a:t>2 === “2” </a:t>
+            </a:r>
+            <a:r>
+              <a:rPr lang="en-US" sz="2400" dirty="0" smtClean="0"/>
+              <a:t>(output </a:t>
+            </a:r>
+            <a:r>
+              <a:rPr lang="en-US" sz="1800" dirty="0">
+                <a:latin typeface="Courier New" panose="02070309020205020404" pitchFamily="49" charset="0"/>
+                <a:cs typeface="Courier New" panose="02070309020205020404" pitchFamily="49" charset="0"/>
+              </a:rPr>
+              <a:t>false</a:t>
+            </a:r>
+            <a:r>
+              <a:rPr lang="en-US" sz="2400" dirty="0" smtClean="0"/>
               <a:t>)</a:t>
             </a:r>
-            <a:r>
-              <a:rPr lang="en-US" sz="2000" dirty="0" smtClean="0">
-                <a:cs typeface="Courier New" panose="02070309020205020404" pitchFamily="49" charset="0"/>
-              </a:rPr>
-              <a:t>   (output </a:t>
-            </a:r>
-            <a:r>
-              <a:rPr lang="en-US" sz="2000" dirty="0" smtClean="0">
-                <a:latin typeface="Courier New" panose="02070309020205020404" pitchFamily="49" charset="0"/>
-                <a:cs typeface="Courier New" panose="02070309020205020404" pitchFamily="49" charset="0"/>
-              </a:rPr>
-              <a:t>number</a:t>
-            </a:r>
-            <a:r>
-              <a:rPr lang="en-US" sz="2000" dirty="0" smtClean="0">
-                <a:cs typeface="Courier New" panose="02070309020205020404" pitchFamily="49" charset="0"/>
-              </a:rPr>
-              <a:t>)</a:t>
-            </a:r>
-            <a:endParaRPr lang="en-US" sz="2000" dirty="0">
-              <a:cs typeface="Courier New" panose="02070309020205020404" pitchFamily="49" charset="0"/>
-            </a:endParaRPr>
           </a:p>
         </p:txBody>
       </p:sp>
@@ -30251,7 +29250,7 @@
     </p:spTree>
     <p:extLst>
       <p:ext uri="{BB962C8B-B14F-4D97-AF65-F5344CB8AC3E}">
-        <p14:creationId xmlns:p14="http://schemas.microsoft.com/office/powerpoint/2010/main" val="2918851988"/>
+        <p14:creationId xmlns:p14="http://schemas.microsoft.com/office/powerpoint/2010/main" val="2652291545"/>
       </p:ext>
     </p:extLst>
   </p:cSld>
@@ -30320,14 +29319,11 @@
           <a:p>
             <a:r>
               <a:rPr lang="en-US" dirty="0" smtClean="0"/>
-              <a:t>JavaScript has essentially  three  reference  types</a:t>
+              <a:t>JavaScript  has only three  primitive  data  types</a:t>
             </a:r>
           </a:p>
           <a:p>
             <a:pPr lvl="1">
-              <a:spcBef>
-                <a:spcPts val="1800"/>
-              </a:spcBef>
               <a:buFont typeface="Wingdings" panose="05000000000000000000" pitchFamily="2" charset="2"/>
               <a:buChar char="ü"/>
             </a:pPr>
@@ -30336,20 +29332,12 @@
                 <a:latin typeface="Courier New" panose="02070309020205020404" pitchFamily="49" charset="0"/>
                 <a:cs typeface="Courier New" panose="02070309020205020404" pitchFamily="49" charset="0"/>
               </a:rPr>
-              <a:t>Object </a:t>
-            </a:r>
-            <a:r>
-              <a:rPr lang="en-US" sz="2000" dirty="0" smtClean="0">
-                <a:cs typeface="Courier New" panose="02070309020205020404" pitchFamily="49" charset="0"/>
-              </a:rPr>
-              <a:t>is a set of </a:t>
-            </a:r>
-            <a:r>
-              <a:rPr lang="en-US" sz="2000" b="1" dirty="0" smtClean="0">
-                <a:cs typeface="Courier New" panose="02070309020205020404" pitchFamily="49" charset="0"/>
-              </a:rPr>
-              <a:t>property-value-pairs</a:t>
-            </a:r>
+              <a:t>String</a:t>
+            </a:r>
+            <a:endParaRPr lang="en-US" sz="1600" dirty="0" smtClean="0">
+              <a:latin typeface="Courier New" panose="02070309020205020404" pitchFamily="49" charset="0"/>
+              <a:cs typeface="Courier New" panose="02070309020205020404" pitchFamily="49" charset="0"/>
+            </a:endParaRPr>
           </a:p>
           <a:p>
             <a:pPr marL="457200" lvl="1" indent="0">
@@ -30363,18 +29351,18 @@
               <a:t>	</a:t>
             </a:r>
             <a:r>
-              <a:rPr lang="en-US" sz="1800" dirty="0" err="1" smtClean="0">
+              <a:rPr lang="en-US" sz="1600" dirty="0" err="1" smtClean="0">
                 <a:latin typeface="Courier New" panose="02070309020205020404" pitchFamily="49" charset="0"/>
                 <a:cs typeface="Courier New" panose="02070309020205020404" pitchFamily="49" charset="0"/>
               </a:rPr>
               <a:t>var</a:t>
             </a:r>
             <a:r>
-              <a:rPr lang="en-US" sz="1800" dirty="0" smtClean="0">
-                <a:latin typeface="Courier New" panose="02070309020205020404" pitchFamily="49" charset="0"/>
-                <a:cs typeface="Courier New" panose="02070309020205020404" pitchFamily="49" charset="0"/>
-              </a:rPr>
-              <a:t> person1 = {</a:t>
+              <a:rPr lang="en-US" sz="1600" dirty="0" smtClean="0">
+                <a:latin typeface="Courier New" panose="02070309020205020404" pitchFamily="49" charset="0"/>
+                <a:cs typeface="Courier New" panose="02070309020205020404" pitchFamily="49" charset="0"/>
+              </a:rPr>
+              <a:t> single = ‘Just single quotes’;</a:t>
             </a:r>
           </a:p>
           <a:p>
@@ -30382,227 +29370,269 @@
               <a:buNone/>
             </a:pPr>
             <a:r>
-              <a:rPr lang="en-US" sz="1800" dirty="0" smtClean="0">
-                <a:latin typeface="Courier New" panose="02070309020205020404" pitchFamily="49" charset="0"/>
-                <a:cs typeface="Courier New" panose="02070309020205020404" pitchFamily="49" charset="0"/>
-              </a:rPr>
-              <a:t>	  </a:t>
-            </a:r>
-            <a:r>
-              <a:rPr lang="en-US" sz="1800" dirty="0" err="1" smtClean="0">
-                <a:latin typeface="Courier New" panose="02070309020205020404" pitchFamily="49" charset="0"/>
-                <a:cs typeface="Courier New" panose="02070309020205020404" pitchFamily="49" charset="0"/>
-              </a:rPr>
-              <a:t>lastName</a:t>
-            </a:r>
-            <a:r>
-              <a:rPr lang="en-US" sz="1800" dirty="0" smtClean="0">
-                <a:latin typeface="Courier New" panose="02070309020205020404" pitchFamily="49" charset="0"/>
-                <a:cs typeface="Courier New" panose="02070309020205020404" pitchFamily="49" charset="0"/>
-              </a:rPr>
-              <a:t>: “Smith”,</a:t>
-            </a:r>
-          </a:p>
-          <a:p>
-            <a:pPr marL="457200" lvl="1" indent="0">
-              <a:buNone/>
+              <a:rPr lang="en-US" sz="1600" dirty="0">
+                <a:latin typeface="Courier New" panose="02070309020205020404" pitchFamily="49" charset="0"/>
+                <a:cs typeface="Courier New" panose="02070309020205020404" pitchFamily="49" charset="0"/>
+              </a:rPr>
+              <a:t>	</a:t>
+            </a:r>
+            <a:r>
+              <a:rPr lang="en-US" sz="1600" dirty="0" err="1" smtClean="0">
+                <a:latin typeface="Courier New" panose="02070309020205020404" pitchFamily="49" charset="0"/>
+                <a:cs typeface="Courier New" panose="02070309020205020404" pitchFamily="49" charset="0"/>
+              </a:rPr>
+              <a:t>var</a:t>
+            </a:r>
+            <a:r>
+              <a:rPr lang="en-US" sz="1600" dirty="0" smtClean="0">
+                <a:latin typeface="Courier New" panose="02070309020205020404" pitchFamily="49" charset="0"/>
+                <a:cs typeface="Courier New" panose="02070309020205020404" pitchFamily="49" charset="0"/>
+              </a:rPr>
+              <a:t> double = “Just double quotes”;</a:t>
+            </a:r>
+            <a:endParaRPr lang="en-US" sz="1800" dirty="0">
+              <a:latin typeface="Courier New" panose="02070309020205020404" pitchFamily="49" charset="0"/>
+              <a:cs typeface="Courier New" panose="02070309020205020404" pitchFamily="49" charset="0"/>
+            </a:endParaRPr>
+          </a:p>
+          <a:p>
+            <a:pPr lvl="1">
+              <a:buFont typeface="Wingdings" panose="05000000000000000000" pitchFamily="2" charset="2"/>
+              <a:buChar char="ü"/>
             </a:pPr>
             <a:r>
-              <a:rPr lang="en-US" sz="1800" dirty="0">
-                <a:latin typeface="Courier New" panose="02070309020205020404" pitchFamily="49" charset="0"/>
-                <a:cs typeface="Courier New" panose="02070309020205020404" pitchFamily="49" charset="0"/>
-              </a:rPr>
-              <a:t>	 </a:t>
-            </a:r>
-            <a:r>
-              <a:rPr lang="en-US" sz="1800" dirty="0" smtClean="0">
-                <a:latin typeface="Courier New" panose="02070309020205020404" pitchFamily="49" charset="0"/>
-                <a:cs typeface="Courier New" panose="02070309020205020404" pitchFamily="49" charset="0"/>
-              </a:rPr>
-              <a:t> </a:t>
-            </a:r>
-            <a:r>
-              <a:rPr lang="en-US" sz="1800" dirty="0" err="1" smtClean="0">
-                <a:latin typeface="Courier New" panose="02070309020205020404" pitchFamily="49" charset="0"/>
-                <a:cs typeface="Courier New" panose="02070309020205020404" pitchFamily="49" charset="0"/>
-              </a:rPr>
-              <a:t>firstName</a:t>
-            </a:r>
-            <a:r>
-              <a:rPr lang="en-US" sz="1800" dirty="0" smtClean="0">
-                <a:latin typeface="Courier New" panose="02070309020205020404" pitchFamily="49" charset="0"/>
-                <a:cs typeface="Courier New" panose="02070309020205020404" pitchFamily="49" charset="0"/>
-              </a:rPr>
-              <a:t>: “John”</a:t>
-            </a:r>
-          </a:p>
-          <a:p>
-            <a:pPr marL="457200" lvl="1" indent="0">
-              <a:buNone/>
-            </a:pPr>
-            <a:r>
-              <a:rPr lang="en-US" sz="1800" dirty="0">
-                <a:latin typeface="Courier New" panose="02070309020205020404" pitchFamily="49" charset="0"/>
-                <a:cs typeface="Courier New" panose="02070309020205020404" pitchFamily="49" charset="0"/>
-              </a:rPr>
-              <a:t>	</a:t>
-            </a:r>
-            <a:r>
-              <a:rPr lang="en-US" sz="1800" dirty="0" smtClean="0">
-                <a:latin typeface="Courier New" panose="02070309020205020404" pitchFamily="49" charset="0"/>
-                <a:cs typeface="Courier New" panose="02070309020205020404" pitchFamily="49" charset="0"/>
-              </a:rPr>
-              <a:t>}</a:t>
-            </a:r>
-          </a:p>
-          <a:p>
-            <a:pPr marL="457200" lvl="1" indent="0">
-              <a:buNone/>
-            </a:pPr>
+              <a:rPr lang="en-US" sz="2000" dirty="0" smtClean="0">
+                <a:latin typeface="Courier New" panose="02070309020205020404" pitchFamily="49" charset="0"/>
+                <a:cs typeface="Courier New" panose="02070309020205020404" pitchFamily="49" charset="0"/>
+              </a:rPr>
+              <a:t>Number</a:t>
+            </a:r>
             <a:endParaRPr lang="en-US" sz="1800" dirty="0" smtClean="0">
               <a:latin typeface="Courier New" panose="02070309020205020404" pitchFamily="49" charset="0"/>
               <a:cs typeface="Courier New" panose="02070309020205020404" pitchFamily="49" charset="0"/>
             </a:endParaRPr>
           </a:p>
           <a:p>
+            <a:pPr marL="457200" lvl="1" indent="0">
+              <a:buNone/>
+            </a:pPr>
+            <a:r>
+              <a:rPr lang="en-US" dirty="0" smtClean="0"/>
+              <a:t>	</a:t>
+            </a:r>
+            <a:r>
+              <a:rPr lang="en-US" sz="1600" dirty="0" err="1" smtClean="0">
+                <a:latin typeface="Courier New" panose="02070309020205020404" pitchFamily="49" charset="0"/>
+                <a:cs typeface="Courier New" panose="02070309020205020404" pitchFamily="49" charset="0"/>
+              </a:rPr>
+              <a:t>var</a:t>
+            </a:r>
+            <a:r>
+              <a:rPr lang="en-US" sz="1600" dirty="0" smtClean="0">
+                <a:latin typeface="Courier New" panose="02070309020205020404" pitchFamily="49" charset="0"/>
+                <a:cs typeface="Courier New" panose="02070309020205020404" pitchFamily="49" charset="0"/>
+              </a:rPr>
+              <a:t> </a:t>
+            </a:r>
+            <a:r>
+              <a:rPr lang="en-US" sz="1600" dirty="0" err="1" smtClean="0">
+                <a:latin typeface="Courier New" panose="02070309020205020404" pitchFamily="49" charset="0"/>
+                <a:cs typeface="Courier New" panose="02070309020205020404" pitchFamily="49" charset="0"/>
+              </a:rPr>
+              <a:t>num</a:t>
+            </a:r>
+            <a:r>
+              <a:rPr lang="en-US" sz="1600" dirty="0" smtClean="0">
+                <a:latin typeface="Courier New" panose="02070309020205020404" pitchFamily="49" charset="0"/>
+                <a:cs typeface="Courier New" panose="02070309020205020404" pitchFamily="49" charset="0"/>
+              </a:rPr>
+              <a:t> = 10;</a:t>
+            </a:r>
+          </a:p>
+          <a:p>
+            <a:pPr marL="457200" lvl="1" indent="0">
+              <a:buNone/>
+            </a:pPr>
+            <a:r>
+              <a:rPr lang="en-US" sz="1600" dirty="0">
+                <a:latin typeface="Courier New" panose="02070309020205020404" pitchFamily="49" charset="0"/>
+                <a:cs typeface="Courier New" panose="02070309020205020404" pitchFamily="49" charset="0"/>
+              </a:rPr>
+              <a:t>	</a:t>
+            </a:r>
+            <a:r>
+              <a:rPr lang="en-US" sz="1600" dirty="0" err="1" smtClean="0">
+                <a:latin typeface="Courier New" panose="02070309020205020404" pitchFamily="49" charset="0"/>
+                <a:cs typeface="Courier New" panose="02070309020205020404" pitchFamily="49" charset="0"/>
+              </a:rPr>
+              <a:t>var</a:t>
+            </a:r>
+            <a:r>
+              <a:rPr lang="en-US" sz="1600" dirty="0" smtClean="0">
+                <a:latin typeface="Courier New" panose="02070309020205020404" pitchFamily="49" charset="0"/>
+                <a:cs typeface="Courier New" panose="02070309020205020404" pitchFamily="49" charset="0"/>
+              </a:rPr>
+              <a:t> decimal = 19.8;</a:t>
+            </a:r>
+            <a:endParaRPr lang="en-US" sz="1800" dirty="0">
+              <a:latin typeface="Courier New" panose="02070309020205020404" pitchFamily="49" charset="0"/>
+              <a:cs typeface="Courier New" panose="02070309020205020404" pitchFamily="49" charset="0"/>
+            </a:endParaRPr>
+          </a:p>
+          <a:p>
             <a:pPr lvl="1">
               <a:buFont typeface="Wingdings" panose="05000000000000000000" pitchFamily="2" charset="2"/>
-              <a:buChar char="§"/>
+              <a:buChar char="ü"/>
             </a:pPr>
             <a:r>
-              <a:rPr lang="en-US" sz="2000" dirty="0" smtClean="0">
-                <a:cs typeface="Courier New" panose="02070309020205020404" pitchFamily="49" charset="0"/>
-              </a:rPr>
-              <a:t>Properties can be accessed in two ways:</a:t>
-            </a:r>
-          </a:p>
-          <a:p>
-            <a:pPr marL="914400" lvl="2">
-              <a:buFont typeface="Wingdings" panose="05000000000000000000" pitchFamily="2" charset="2"/>
-              <a:buChar char="§"/>
-              <a:tabLst>
-                <a:tab pos="855663" algn="l"/>
-              </a:tabLst>
-            </a:pPr>
-            <a:r>
               <a:rPr lang="en-US" sz="1600" dirty="0" smtClean="0">
-                <a:cs typeface="Courier New" panose="02070309020205020404" pitchFamily="49" charset="0"/>
-              </a:rPr>
-              <a:t>Using the dot notation: </a:t>
-            </a:r>
-            <a:r>
-              <a:rPr lang="en-US" sz="1600" dirty="0" smtClean="0">
-                <a:latin typeface="Courier New" panose="02070309020205020404" pitchFamily="49" charset="0"/>
-                <a:cs typeface="Courier New" panose="02070309020205020404" pitchFamily="49" charset="0"/>
-              </a:rPr>
-              <a:t>person1.lastName = "Smith"</a:t>
-            </a:r>
-          </a:p>
-          <a:p>
-            <a:pPr marL="914400" lvl="2">
-              <a:buFont typeface="Wingdings" panose="05000000000000000000" pitchFamily="2" charset="2"/>
-              <a:buChar char="§"/>
-              <a:tabLst>
-                <a:tab pos="855663" algn="l"/>
-              </a:tabLst>
-            </a:pPr>
-            <a:r>
-              <a:rPr lang="en-US" sz="1600" dirty="0" smtClean="0">
-                <a:cs typeface="Courier New" panose="02070309020205020404" pitchFamily="49" charset="0"/>
-              </a:rPr>
-              <a:t>Using an "associative array" notation: </a:t>
-            </a:r>
-            <a:r>
-              <a:rPr lang="en-US" sz="1600" dirty="0" smtClean="0">
-                <a:latin typeface="Courier New" panose="02070309020205020404" pitchFamily="49" charset="0"/>
-                <a:cs typeface="Courier New" panose="02070309020205020404" pitchFamily="49" charset="0"/>
-              </a:rPr>
-              <a:t>person1["</a:t>
-            </a:r>
-            <a:r>
-              <a:rPr lang="en-US" sz="1600" dirty="0" err="1" smtClean="0">
-                <a:latin typeface="Courier New" panose="02070309020205020404" pitchFamily="49" charset="0"/>
-                <a:cs typeface="Courier New" panose="02070309020205020404" pitchFamily="49" charset="0"/>
-              </a:rPr>
-              <a:t>lastName</a:t>
-            </a:r>
-            <a:r>
-              <a:rPr lang="en-US" sz="1600" dirty="0" smtClean="0">
-                <a:latin typeface="Courier New" panose="02070309020205020404" pitchFamily="49" charset="0"/>
-                <a:cs typeface="Courier New" panose="02070309020205020404" pitchFamily="49" charset="0"/>
-              </a:rPr>
-              <a:t>"] = "Smith“</a:t>
-            </a:r>
-          </a:p>
-          <a:p>
-            <a:pPr lvl="1">
-              <a:buFont typeface="Wingdings" panose="05000000000000000000" pitchFamily="2" charset="2"/>
-              <a:buChar char="§"/>
-              <a:tabLst>
-                <a:tab pos="855663" algn="l"/>
-              </a:tabLst>
-            </a:pPr>
-            <a:r>
-              <a:rPr lang="en-US" sz="2000" dirty="0" smtClean="0">
-                <a:cs typeface="Courier New" panose="02070309020205020404" pitchFamily="49" charset="0"/>
-              </a:rPr>
-              <a:t>Looping over the keys of an object:</a:t>
+                <a:latin typeface="Courier New" panose="02070309020205020404" pitchFamily="49" charset="0"/>
+                <a:cs typeface="Courier New" panose="02070309020205020404" pitchFamily="49" charset="0"/>
+              </a:rPr>
+              <a:t>Boolean</a:t>
             </a:r>
           </a:p>
           <a:p>
             <a:pPr marL="457200" lvl="1" indent="0">
               <a:buNone/>
-              <a:tabLst>
-                <a:tab pos="855663" algn="l"/>
-              </a:tabLst>
             </a:pPr>
             <a:r>
+              <a:rPr lang="en-US" sz="1600" dirty="0">
+                <a:latin typeface="Courier New" panose="02070309020205020404" pitchFamily="49" charset="0"/>
+                <a:cs typeface="Courier New" panose="02070309020205020404" pitchFamily="49" charset="0"/>
+              </a:rPr>
+              <a:t>	</a:t>
+            </a:r>
+            <a:r>
+              <a:rPr lang="en-US" sz="1600" dirty="0" err="1" smtClean="0">
+                <a:latin typeface="Courier New" panose="02070309020205020404" pitchFamily="49" charset="0"/>
+                <a:cs typeface="Courier New" panose="02070309020205020404" pitchFamily="49" charset="0"/>
+              </a:rPr>
+              <a:t>var</a:t>
+            </a:r>
+            <a:r>
+              <a:rPr lang="en-US" sz="1600" dirty="0" smtClean="0">
+                <a:latin typeface="Courier New" panose="02070309020205020404" pitchFamily="49" charset="0"/>
+                <a:cs typeface="Courier New" panose="02070309020205020404" pitchFamily="49" charset="0"/>
+              </a:rPr>
+              <a:t> stop = false;</a:t>
+            </a:r>
+          </a:p>
+          <a:p>
+            <a:pPr marL="457200" lvl="1" indent="0">
+              <a:buNone/>
+            </a:pPr>
+            <a:r>
+              <a:rPr lang="en-US" sz="1600" dirty="0">
+                <a:latin typeface="Courier New" panose="02070309020205020404" pitchFamily="49" charset="0"/>
+                <a:cs typeface="Courier New" panose="02070309020205020404" pitchFamily="49" charset="0"/>
+              </a:rPr>
+              <a:t>	</a:t>
+            </a:r>
+            <a:r>
+              <a:rPr lang="en-US" sz="1600" dirty="0" err="1" smtClean="0">
+                <a:latin typeface="Courier New" panose="02070309020205020404" pitchFamily="49" charset="0"/>
+                <a:cs typeface="Courier New" panose="02070309020205020404" pitchFamily="49" charset="0"/>
+              </a:rPr>
+              <a:t>var</a:t>
+            </a:r>
+            <a:r>
+              <a:rPr lang="en-US" sz="1600" dirty="0" smtClean="0">
+                <a:latin typeface="Courier New" panose="02070309020205020404" pitchFamily="49" charset="0"/>
+                <a:cs typeface="Courier New" panose="02070309020205020404" pitchFamily="49" charset="0"/>
+              </a:rPr>
+              <a:t> active = true;</a:t>
+            </a:r>
+          </a:p>
+          <a:p>
+            <a:pPr>
+              <a:spcBef>
+                <a:spcPts val="1200"/>
+              </a:spcBef>
+            </a:pPr>
+            <a:r>
+              <a:rPr lang="en-US" dirty="0" smtClean="0"/>
+              <a:t> To test the type of a variable holds </a:t>
+            </a:r>
+            <a:r>
+              <a:rPr lang="en-US" sz="2000" dirty="0" err="1" smtClean="0">
+                <a:latin typeface="Courier New" panose="02070309020205020404" pitchFamily="49" charset="0"/>
+                <a:cs typeface="Courier New" panose="02070309020205020404" pitchFamily="49" charset="0"/>
+              </a:rPr>
+              <a:t>typeof</a:t>
+            </a:r>
+            <a:r>
+              <a:rPr lang="en-US" sz="2000" dirty="0" smtClean="0">
+                <a:latin typeface="Courier New" panose="02070309020205020404" pitchFamily="49" charset="0"/>
+                <a:cs typeface="Courier New" panose="02070309020205020404" pitchFamily="49" charset="0"/>
+              </a:rPr>
+              <a:t>(…) </a:t>
+            </a:r>
+            <a:r>
+              <a:rPr lang="en-US" dirty="0" smtClean="0"/>
+              <a:t>function</a:t>
+            </a:r>
+          </a:p>
+          <a:p>
+            <a:pPr marL="0" indent="0">
+              <a:spcBef>
+                <a:spcPts val="1200"/>
+              </a:spcBef>
+              <a:buNone/>
+            </a:pPr>
+            <a:r>
               <a:rPr lang="en-US" sz="2000" dirty="0">
+                <a:latin typeface="Courier New" panose="02070309020205020404" pitchFamily="49" charset="0"/>
                 <a:cs typeface="Courier New" panose="02070309020205020404" pitchFamily="49" charset="0"/>
               </a:rPr>
               <a:t>	</a:t>
             </a:r>
             <a:r>
-              <a:rPr lang="en-US" sz="1600" dirty="0" err="1" smtClean="0">
-                <a:latin typeface="Courier New" panose="02070309020205020404" pitchFamily="49" charset="0"/>
-                <a:cs typeface="Courier New" panose="02070309020205020404" pitchFamily="49" charset="0"/>
-              </a:rPr>
-              <a:t>Object.keys</a:t>
-            </a:r>
-            <a:r>
-              <a:rPr lang="en-US" sz="1600" dirty="0" smtClean="0">
-                <a:latin typeface="Courier New" panose="02070309020205020404" pitchFamily="49" charset="0"/>
-                <a:cs typeface="Courier New" panose="02070309020205020404" pitchFamily="49" charset="0"/>
-              </a:rPr>
-              <a:t>( person1 ).</a:t>
-            </a:r>
-            <a:r>
-              <a:rPr lang="en-US" sz="1600" dirty="0" err="1" smtClean="0">
-                <a:latin typeface="Courier New" panose="02070309020205020404" pitchFamily="49" charset="0"/>
-                <a:cs typeface="Courier New" panose="02070309020205020404" pitchFamily="49" charset="0"/>
-              </a:rPr>
-              <a:t>forEach</a:t>
-            </a:r>
-            <a:r>
-              <a:rPr lang="en-US" sz="1600" dirty="0" smtClean="0">
-                <a:latin typeface="Courier New" panose="02070309020205020404" pitchFamily="49" charset="0"/>
-                <a:cs typeface="Courier New" panose="02070309020205020404" pitchFamily="49" charset="0"/>
-              </a:rPr>
-              <a:t>( function ( </a:t>
-            </a:r>
-            <a:r>
-              <a:rPr lang="en-US" sz="1600" dirty="0" err="1" smtClean="0">
-                <a:latin typeface="Courier New" panose="02070309020205020404" pitchFamily="49" charset="0"/>
-                <a:cs typeface="Courier New" panose="02070309020205020404" pitchFamily="49" charset="0"/>
-              </a:rPr>
-              <a:t>objId</a:t>
-            </a:r>
-            <a:r>
-              <a:rPr lang="en-US" sz="1600" dirty="0" smtClean="0">
-                <a:latin typeface="Courier New" panose="02070309020205020404" pitchFamily="49" charset="0"/>
-                <a:cs typeface="Courier New" panose="02070309020205020404" pitchFamily="49" charset="0"/>
-              </a:rPr>
-              <a:t>) { ... } );</a:t>
+              <a:rPr lang="en-US" sz="2000" dirty="0" err="1" smtClean="0">
+                <a:latin typeface="Courier New" panose="02070309020205020404" pitchFamily="49" charset="0"/>
+                <a:cs typeface="Courier New" panose="02070309020205020404" pitchFamily="49" charset="0"/>
+              </a:rPr>
+              <a:t>typeof</a:t>
+            </a:r>
+            <a:r>
+              <a:rPr lang="en-US" sz="2000" dirty="0" smtClean="0">
+                <a:latin typeface="Courier New" panose="02070309020205020404" pitchFamily="49" charset="0"/>
+                <a:cs typeface="Courier New" panose="02070309020205020404" pitchFamily="49" charset="0"/>
+              </a:rPr>
+              <a:t>(</a:t>
+            </a:r>
+            <a:r>
+              <a:rPr lang="en-US" sz="2000" dirty="0" err="1" smtClean="0">
+                <a:latin typeface="Courier New" panose="02070309020205020404" pitchFamily="49" charset="0"/>
+                <a:cs typeface="Courier New" panose="02070309020205020404" pitchFamily="49" charset="0"/>
+              </a:rPr>
+              <a:t>num</a:t>
+            </a:r>
+            <a:r>
+              <a:rPr lang="en-US" sz="2000" dirty="0" smtClean="0">
+                <a:latin typeface="Courier New" panose="02070309020205020404" pitchFamily="49" charset="0"/>
+                <a:cs typeface="Courier New" panose="02070309020205020404" pitchFamily="49" charset="0"/>
+              </a:rPr>
+              <a:t>)</a:t>
+            </a:r>
+            <a:r>
+              <a:rPr lang="en-US" sz="2000" dirty="0" smtClean="0">
+                <a:cs typeface="Courier New" panose="02070309020205020404" pitchFamily="49" charset="0"/>
+              </a:rPr>
+              <a:t>   (output </a:t>
+            </a:r>
+            <a:r>
+              <a:rPr lang="en-US" sz="2000" dirty="0" smtClean="0">
+                <a:latin typeface="Courier New" panose="02070309020205020404" pitchFamily="49" charset="0"/>
+                <a:cs typeface="Courier New" panose="02070309020205020404" pitchFamily="49" charset="0"/>
+              </a:rPr>
+              <a:t>number</a:t>
+            </a:r>
+            <a:r>
+              <a:rPr lang="en-US" sz="2000" dirty="0" smtClean="0">
+                <a:cs typeface="Courier New" panose="02070309020205020404" pitchFamily="49" charset="0"/>
+              </a:rPr>
+              <a:t>)</a:t>
             </a:r>
             <a:endParaRPr lang="en-US" sz="2000" dirty="0">
               <a:cs typeface="Courier New" panose="02070309020205020404" pitchFamily="49" charset="0"/>
@@ -30636,7 +29666,7 @@
     </p:spTree>
     <p:extLst>
       <p:ext uri="{BB962C8B-B14F-4D97-AF65-F5344CB8AC3E}">
-        <p14:creationId xmlns:p14="http://schemas.microsoft.com/office/powerpoint/2010/main" val="328679874"/>
+        <p14:creationId xmlns:p14="http://schemas.microsoft.com/office/powerpoint/2010/main" val="2918851988"/>
       </p:ext>
     </p:extLst>
   </p:cSld>
@@ -30721,7 +29751,19 @@
                 <a:latin typeface="Courier New" panose="02070309020205020404" pitchFamily="49" charset="0"/>
                 <a:cs typeface="Courier New" panose="02070309020205020404" pitchFamily="49" charset="0"/>
               </a:rPr>
-              <a:t>Array</a:t>
+              <a:t>Object </a:t>
+            </a:r>
+            <a:r>
+              <a:rPr lang="en-US" sz="2000" dirty="0" smtClean="0">
+                <a:cs typeface="Courier New" panose="02070309020205020404" pitchFamily="49" charset="0"/>
+              </a:rPr>
+              <a:t>is a set of </a:t>
+            </a:r>
+            <a:r>
+              <a:rPr lang="en-US" sz="2000" b="1" dirty="0" smtClean="0">
+                <a:cs typeface="Courier New" panose="02070309020205020404" pitchFamily="49" charset="0"/>
+              </a:rPr>
+              <a:t>property-value-pairs</a:t>
             </a:r>
           </a:p>
           <a:p>
@@ -30747,7 +29789,85 @@
                 <a:latin typeface="Courier New" panose="02070309020205020404" pitchFamily="49" charset="0"/>
                 <a:cs typeface="Courier New" panose="02070309020205020404" pitchFamily="49" charset="0"/>
               </a:rPr>
-              <a:t> a1 = [1, 2, “Name”, true]</a:t>
+              <a:t> person1 = {</a:t>
+            </a:r>
+          </a:p>
+          <a:p>
+            <a:pPr marL="457200" lvl="1" indent="0">
+              <a:buNone/>
+            </a:pPr>
+            <a:r>
+              <a:rPr lang="en-US" sz="1800" dirty="0" smtClean="0">
+                <a:latin typeface="Courier New" panose="02070309020205020404" pitchFamily="49" charset="0"/>
+                <a:cs typeface="Courier New" panose="02070309020205020404" pitchFamily="49" charset="0"/>
+              </a:rPr>
+              <a:t>	  </a:t>
+            </a:r>
+            <a:r>
+              <a:rPr lang="en-US" sz="1800" dirty="0" err="1" smtClean="0">
+                <a:latin typeface="Courier New" panose="02070309020205020404" pitchFamily="49" charset="0"/>
+                <a:cs typeface="Courier New" panose="02070309020205020404" pitchFamily="49" charset="0"/>
+              </a:rPr>
+              <a:t>lastName</a:t>
+            </a:r>
+            <a:r>
+              <a:rPr lang="en-US" sz="1800" dirty="0" smtClean="0">
+                <a:latin typeface="Courier New" panose="02070309020205020404" pitchFamily="49" charset="0"/>
+                <a:cs typeface="Courier New" panose="02070309020205020404" pitchFamily="49" charset="0"/>
+              </a:rPr>
+              <a:t>: “Smith”,</a:t>
+            </a:r>
+          </a:p>
+          <a:p>
+            <a:pPr marL="457200" lvl="1" indent="0">
+              <a:buNone/>
+            </a:pPr>
+            <a:r>
+              <a:rPr lang="en-US" sz="1800" dirty="0">
+                <a:latin typeface="Courier New" panose="02070309020205020404" pitchFamily="49" charset="0"/>
+                <a:cs typeface="Courier New" panose="02070309020205020404" pitchFamily="49" charset="0"/>
+              </a:rPr>
+              <a:t>	 </a:t>
+            </a:r>
+            <a:r>
+              <a:rPr lang="en-US" sz="1800" dirty="0" smtClean="0">
+                <a:latin typeface="Courier New" panose="02070309020205020404" pitchFamily="49" charset="0"/>
+                <a:cs typeface="Courier New" panose="02070309020205020404" pitchFamily="49" charset="0"/>
+              </a:rPr>
+              <a:t> </a:t>
+            </a:r>
+            <a:r>
+              <a:rPr lang="en-US" sz="1800" dirty="0" err="1" smtClean="0">
+                <a:latin typeface="Courier New" panose="02070309020205020404" pitchFamily="49" charset="0"/>
+                <a:cs typeface="Courier New" panose="02070309020205020404" pitchFamily="49" charset="0"/>
+              </a:rPr>
+              <a:t>firstName</a:t>
+            </a:r>
+            <a:r>
+              <a:rPr lang="en-US" sz="1800" dirty="0" smtClean="0">
+                <a:latin typeface="Courier New" panose="02070309020205020404" pitchFamily="49" charset="0"/>
+                <a:cs typeface="Courier New" panose="02070309020205020404" pitchFamily="49" charset="0"/>
+              </a:rPr>
+              <a:t>: “John”</a:t>
+            </a:r>
+          </a:p>
+          <a:p>
+            <a:pPr marL="457200" lvl="1" indent="0">
+              <a:buNone/>
+            </a:pPr>
+            <a:r>
+              <a:rPr lang="en-US" sz="1800" dirty="0">
+                <a:latin typeface="Courier New" panose="02070309020205020404" pitchFamily="49" charset="0"/>
+                <a:cs typeface="Courier New" panose="02070309020205020404" pitchFamily="49" charset="0"/>
+              </a:rPr>
+              <a:t>	</a:t>
+            </a:r>
+            <a:r>
+              <a:rPr lang="en-US" sz="1800" dirty="0" smtClean="0">
+                <a:latin typeface="Courier New" panose="02070309020205020404" pitchFamily="49" charset="0"/>
+                <a:cs typeface="Courier New" panose="02070309020205020404" pitchFamily="49" charset="0"/>
+              </a:rPr>
+              <a:t>}</a:t>
             </a:r>
           </a:p>
           <a:p>
@@ -30755,6 +29875,7 @@
               <a:buNone/>
             </a:pPr>
             <a:endParaRPr lang="en-US" sz="1800" dirty="0" smtClean="0">
+              <a:latin typeface="Courier New" panose="02070309020205020404" pitchFamily="49" charset="0"/>
               <a:cs typeface="Courier New" panose="02070309020205020404" pitchFamily="49" charset="0"/>
             </a:endParaRPr>
           </a:p>
@@ -30767,114 +29888,138 @@
               <a:rPr lang="en-US" sz="2000" dirty="0" smtClean="0">
                 <a:cs typeface="Courier New" panose="02070309020205020404" pitchFamily="49" charset="0"/>
               </a:rPr>
-              <a:t>Index starts at 0</a:t>
-            </a:r>
-          </a:p>
-          <a:p>
-            <a:pPr marL="457200" lvl="1" indent="0">
-              <a:buNone/>
+              <a:t>Properties can be accessed in two ways:</a:t>
+            </a:r>
+          </a:p>
+          <a:p>
+            <a:pPr marL="914400" lvl="2">
+              <a:buFont typeface="Wingdings" panose="05000000000000000000" pitchFamily="2" charset="2"/>
+              <a:buChar char="§"/>
+              <a:tabLst>
+                <a:tab pos="855663" algn="l"/>
+              </a:tabLst>
             </a:pPr>
             <a:r>
-              <a:rPr lang="en-US" sz="2000" dirty="0">
-                <a:latin typeface="Courier New" panose="02070309020205020404" pitchFamily="49" charset="0"/>
-                <a:cs typeface="Courier New" panose="02070309020205020404" pitchFamily="49" charset="0"/>
-              </a:rPr>
-              <a:t>	</a:t>
-            </a:r>
-            <a:r>
-              <a:rPr lang="en-US" sz="1800" dirty="0" smtClean="0">
-                <a:latin typeface="Courier New" panose="02070309020205020404" pitchFamily="49" charset="0"/>
-                <a:cs typeface="Courier New" panose="02070309020205020404" pitchFamily="49" charset="0"/>
-              </a:rPr>
-              <a:t>a1[2] = “Name”</a:t>
-            </a:r>
-            <a:endParaRPr lang="en-US" sz="2000" dirty="0" smtClean="0">
-              <a:latin typeface="Courier New" panose="02070309020205020404" pitchFamily="49" charset="0"/>
-              <a:cs typeface="Courier New" panose="02070309020205020404" pitchFamily="49" charset="0"/>
-            </a:endParaRPr>
+              <a:rPr lang="en-US" sz="1600" dirty="0" smtClean="0">
+                <a:cs typeface="Courier New" panose="02070309020205020404" pitchFamily="49" charset="0"/>
+              </a:rPr>
+              <a:t>Using the dot notation: </a:t>
+            </a:r>
+            <a:r>
+              <a:rPr lang="en-US" sz="1600" dirty="0" smtClean="0">
+                <a:latin typeface="Courier New" panose="02070309020205020404" pitchFamily="49" charset="0"/>
+                <a:cs typeface="Courier New" panose="02070309020205020404" pitchFamily="49" charset="0"/>
+              </a:rPr>
+              <a:t>person1.lastName = "Smith"</a:t>
+            </a:r>
+          </a:p>
+          <a:p>
+            <a:pPr marL="914400" lvl="2">
+              <a:buFont typeface="Wingdings" panose="05000000000000000000" pitchFamily="2" charset="2"/>
+              <a:buChar char="§"/>
+              <a:tabLst>
+                <a:tab pos="855663" algn="l"/>
+              </a:tabLst>
+            </a:pPr>
+            <a:r>
+              <a:rPr lang="en-US" sz="1600" dirty="0" smtClean="0">
+                <a:cs typeface="Courier New" panose="02070309020205020404" pitchFamily="49" charset="0"/>
+              </a:rPr>
+              <a:t>Using an "associative array" notation: </a:t>
+            </a:r>
+            <a:r>
+              <a:rPr lang="en-US" sz="1600" dirty="0" smtClean="0">
+                <a:latin typeface="Courier New" panose="02070309020205020404" pitchFamily="49" charset="0"/>
+                <a:cs typeface="Courier New" panose="02070309020205020404" pitchFamily="49" charset="0"/>
+              </a:rPr>
+              <a:t>person1["</a:t>
+            </a:r>
+            <a:r>
+              <a:rPr lang="en-US" sz="1600" dirty="0" err="1" smtClean="0">
+                <a:latin typeface="Courier New" panose="02070309020205020404" pitchFamily="49" charset="0"/>
+                <a:cs typeface="Courier New" panose="02070309020205020404" pitchFamily="49" charset="0"/>
+              </a:rPr>
+              <a:t>lastName</a:t>
+            </a:r>
+            <a:r>
+              <a:rPr lang="en-US" sz="1600" dirty="0" smtClean="0">
+                <a:latin typeface="Courier New" panose="02070309020205020404" pitchFamily="49" charset="0"/>
+                <a:cs typeface="Courier New" panose="02070309020205020404" pitchFamily="49" charset="0"/>
+              </a:rPr>
+              <a:t>"] = "Smith“</a:t>
+            </a:r>
           </a:p>
           <a:p>
             <a:pPr lvl="1">
               <a:buFont typeface="Wingdings" panose="05000000000000000000" pitchFamily="2" charset="2"/>
               <a:buChar char="§"/>
+              <a:tabLst>
+                <a:tab pos="855663" algn="l"/>
+              </a:tabLst>
             </a:pPr>
             <a:r>
               <a:rPr lang="en-US" sz="2000" dirty="0" smtClean="0">
                 <a:cs typeface="Courier New" panose="02070309020205020404" pitchFamily="49" charset="0"/>
               </a:rPr>
-              <a:t>Array has a length property</a:t>
+              <a:t>Looping over the keys of an object:</a:t>
             </a:r>
           </a:p>
           <a:p>
             <a:pPr marL="457200" lvl="1" indent="0">
               <a:buNone/>
+              <a:tabLst>
+                <a:tab pos="855663" algn="l"/>
+              </a:tabLst>
             </a:pPr>
             <a:r>
               <a:rPr lang="en-US" sz="2000" dirty="0">
-                <a:latin typeface="Courier New" panose="02070309020205020404" pitchFamily="49" charset="0"/>
                 <a:cs typeface="Courier New" panose="02070309020205020404" pitchFamily="49" charset="0"/>
               </a:rPr>
               <a:t>	</a:t>
             </a:r>
             <a:r>
-              <a:rPr lang="en-US" sz="1800" dirty="0" smtClean="0">
-                <a:latin typeface="Courier New" panose="02070309020205020404" pitchFamily="49" charset="0"/>
-                <a:cs typeface="Courier New" panose="02070309020205020404" pitchFamily="49" charset="0"/>
-              </a:rPr>
-              <a:t>a1.length </a:t>
-            </a:r>
-            <a:r>
-              <a:rPr lang="en-US" sz="2000" dirty="0" smtClean="0">
-                <a:cs typeface="Courier New" panose="02070309020205020404" pitchFamily="49" charset="0"/>
-              </a:rPr>
-              <a:t>(output </a:t>
-            </a:r>
-            <a:r>
-              <a:rPr lang="en-US" sz="1800" dirty="0" smtClean="0">
-                <a:latin typeface="Courier New" panose="02070309020205020404" pitchFamily="49" charset="0"/>
-                <a:cs typeface="Courier New" panose="02070309020205020404" pitchFamily="49" charset="0"/>
-              </a:rPr>
-              <a:t>4</a:t>
-            </a:r>
-            <a:r>
-              <a:rPr lang="en-US" sz="2000" dirty="0" smtClean="0">
-                <a:cs typeface="Courier New" panose="02070309020205020404" pitchFamily="49" charset="0"/>
-              </a:rPr>
-              <a:t>)</a:t>
-            </a:r>
-          </a:p>
-          <a:p>
-            <a:pPr lvl="1">
-              <a:buFont typeface="Wingdings" panose="05000000000000000000" pitchFamily="2" charset="2"/>
-              <a:buChar char="§"/>
-            </a:pPr>
-            <a:r>
-              <a:rPr lang="en-US" sz="2000" dirty="0" smtClean="0">
-                <a:cs typeface="Courier New" panose="02070309020205020404" pitchFamily="49" charset="0"/>
-              </a:rPr>
-              <a:t>Arrays can grow dynamically</a:t>
-            </a:r>
-          </a:p>
-          <a:p>
-            <a:pPr marL="457200" lvl="1" indent="0">
-              <a:buNone/>
-            </a:pPr>
-            <a:r>
-              <a:rPr lang="en-US" sz="2000" dirty="0">
-                <a:latin typeface="Courier New" panose="02070309020205020404" pitchFamily="49" charset="0"/>
-                <a:cs typeface="Courier New" panose="02070309020205020404" pitchFamily="49" charset="0"/>
-              </a:rPr>
-              <a:t>	</a:t>
-            </a:r>
-            <a:r>
-              <a:rPr lang="en-US" sz="1800" dirty="0" smtClean="0">
-                <a:latin typeface="Courier New" panose="02070309020205020404" pitchFamily="49" charset="0"/>
-                <a:cs typeface="Courier New" panose="02070309020205020404" pitchFamily="49" charset="0"/>
-              </a:rPr>
-              <a:t>a1[6] = 7</a:t>
-            </a:r>
-            <a:endParaRPr lang="en-US" sz="2000" dirty="0" smtClean="0">
-              <a:latin typeface="Courier New" panose="02070309020205020404" pitchFamily="49" charset="0"/>
+              <a:rPr lang="en-US" sz="1600" dirty="0" err="1" smtClean="0">
+                <a:latin typeface="Courier New" panose="02070309020205020404" pitchFamily="49" charset="0"/>
+                <a:cs typeface="Courier New" panose="02070309020205020404" pitchFamily="49" charset="0"/>
+              </a:rPr>
+              <a:t>Object.keys</a:t>
+            </a:r>
+            <a:r>
+              <a:rPr lang="en-US" sz="1600" dirty="0" smtClean="0">
+                <a:latin typeface="Courier New" panose="02070309020205020404" pitchFamily="49" charset="0"/>
+                <a:cs typeface="Courier New" panose="02070309020205020404" pitchFamily="49" charset="0"/>
+              </a:rPr>
+              <a:t>( person1 ).</a:t>
+            </a:r>
+            <a:r>
+              <a:rPr lang="en-US" sz="1600" dirty="0" err="1" smtClean="0">
+                <a:latin typeface="Courier New" panose="02070309020205020404" pitchFamily="49" charset="0"/>
+                <a:cs typeface="Courier New" panose="02070309020205020404" pitchFamily="49" charset="0"/>
+              </a:rPr>
+              <a:t>forEach</a:t>
+            </a:r>
+            <a:r>
+              <a:rPr lang="en-US" sz="1600" dirty="0" smtClean="0">
+                <a:latin typeface="Courier New" panose="02070309020205020404" pitchFamily="49" charset="0"/>
+                <a:cs typeface="Courier New" panose="02070309020205020404" pitchFamily="49" charset="0"/>
+              </a:rPr>
+              <a:t>( function ( </a:t>
+            </a:r>
+            <a:r>
+              <a:rPr lang="en-US" sz="1600" dirty="0" err="1" smtClean="0">
+                <a:latin typeface="Courier New" panose="02070309020205020404" pitchFamily="49" charset="0"/>
+                <a:cs typeface="Courier New" panose="02070309020205020404" pitchFamily="49" charset="0"/>
+              </a:rPr>
+              <a:t>objId</a:t>
+            </a:r>
+            <a:r>
+              <a:rPr lang="en-US" sz="1600" dirty="0" smtClean="0">
+                <a:latin typeface="Courier New" panose="02070309020205020404" pitchFamily="49" charset="0"/>
+                <a:cs typeface="Courier New" panose="02070309020205020404" pitchFamily="49" charset="0"/>
+              </a:rPr>
+              <a:t>) { ... } );</a:t>
+            </a:r>
+            <a:endParaRPr lang="en-US" sz="2000" dirty="0">
               <a:cs typeface="Courier New" panose="02070309020205020404" pitchFamily="49" charset="0"/>
             </a:endParaRPr>
           </a:p>
@@ -30906,7 +30051,7 @@
     </p:spTree>
     <p:extLst>
       <p:ext uri="{BB962C8B-B14F-4D97-AF65-F5344CB8AC3E}">
-        <p14:creationId xmlns:p14="http://schemas.microsoft.com/office/powerpoint/2010/main" val="2560311150"/>
+        <p14:creationId xmlns:p14="http://schemas.microsoft.com/office/powerpoint/2010/main" val="328679874"/>
       </p:ext>
     </p:extLst>
   </p:cSld>
@@ -31021,7 +30166,6 @@
               <a:rPr lang="en-US" dirty="0" smtClean="0"/>
               <a:t>players</a:t>
             </a:r>
-            <a:endParaRPr lang="en-US" dirty="0" smtClean="0"/>
           </a:p>
           <a:p>
             <a:pPr>
@@ -31210,7 +30354,9 @@
         </p:nvSpPr>
         <p:spPr/>
         <p:txBody>
-          <a:bodyPr/>
+          <a:bodyPr>
+            <a:normAutofit/>
+          </a:bodyPr>
           <a:lstStyle/>
           <a:p>
             <a:r>
@@ -31231,7 +30377,7 @@
                 <a:latin typeface="Courier New" panose="02070309020205020404" pitchFamily="49" charset="0"/>
                 <a:cs typeface="Courier New" panose="02070309020205020404" pitchFamily="49" charset="0"/>
               </a:rPr>
-              <a:t>Function</a:t>
+              <a:t>Array</a:t>
             </a:r>
           </a:p>
           <a:p>
@@ -31239,61 +30385,32 @@
               <a:buNone/>
             </a:pPr>
             <a:r>
-              <a:rPr lang="en-US" sz="2000" dirty="0">
+              <a:rPr lang="en-US" sz="1800" dirty="0" smtClean="0">
                 <a:latin typeface="Courier New" panose="02070309020205020404" pitchFamily="49" charset="0"/>
                 <a:cs typeface="Courier New" panose="02070309020205020404" pitchFamily="49" charset="0"/>
               </a:rPr>
               <a:t>	</a:t>
             </a:r>
             <a:r>
-              <a:rPr lang="en-US" sz="1600" dirty="0" err="1" smtClean="0">
+              <a:rPr lang="en-US" sz="1800" dirty="0" err="1" smtClean="0">
                 <a:latin typeface="Courier New" panose="02070309020205020404" pitchFamily="49" charset="0"/>
                 <a:cs typeface="Courier New" panose="02070309020205020404" pitchFamily="49" charset="0"/>
               </a:rPr>
               <a:t>var</a:t>
             </a:r>
             <a:r>
-              <a:rPr lang="en-US" sz="1600" dirty="0" smtClean="0">
-                <a:latin typeface="Courier New" panose="02070309020205020404" pitchFamily="49" charset="0"/>
-                <a:cs typeface="Courier New" panose="02070309020205020404" pitchFamily="49" charset="0"/>
-              </a:rPr>
-              <a:t> </a:t>
-            </a:r>
-            <a:r>
-              <a:rPr lang="en-US" sz="1600" dirty="0" err="1" smtClean="0">
-                <a:latin typeface="Courier New" panose="02070309020205020404" pitchFamily="49" charset="0"/>
-                <a:cs typeface="Courier New" panose="02070309020205020404" pitchFamily="49" charset="0"/>
-              </a:rPr>
-              <a:t>myF</a:t>
-            </a:r>
-            <a:r>
-              <a:rPr lang="en-US" sz="1600" dirty="0" smtClean="0">
-                <a:latin typeface="Courier New" panose="02070309020205020404" pitchFamily="49" charset="0"/>
-                <a:cs typeface="Courier New" panose="02070309020205020404" pitchFamily="49" charset="0"/>
-              </a:rPr>
-              <a:t> = function </a:t>
-            </a:r>
-            <a:r>
-              <a:rPr lang="en-US" sz="1600" dirty="0" err="1" smtClean="0">
-                <a:latin typeface="Courier New" panose="02070309020205020404" pitchFamily="49" charset="0"/>
-                <a:cs typeface="Courier New" panose="02070309020205020404" pitchFamily="49" charset="0"/>
-              </a:rPr>
-              <a:t>theNameOfMyF</a:t>
-            </a:r>
-            <a:r>
-              <a:rPr lang="en-US" sz="1600" dirty="0" smtClean="0">
-                <a:latin typeface="Courier New" panose="02070309020205020404" pitchFamily="49" charset="0"/>
-                <a:cs typeface="Courier New" panose="02070309020205020404" pitchFamily="49" charset="0"/>
-              </a:rPr>
-              <a:t> () {...}</a:t>
+              <a:rPr lang="en-US" sz="1800" dirty="0" smtClean="0">
+                <a:latin typeface="Courier New" panose="02070309020205020404" pitchFamily="49" charset="0"/>
+                <a:cs typeface="Courier New" panose="02070309020205020404" pitchFamily="49" charset="0"/>
+              </a:rPr>
+              <a:t> a1 = [1, 2, “Name”, true]</a:t>
             </a:r>
           </a:p>
           <a:p>
             <a:pPr marL="457200" lvl="1" indent="0">
               <a:buNone/>
             </a:pPr>
-            <a:endParaRPr lang="en-US" sz="1600" dirty="0">
-              <a:latin typeface="Courier New" panose="02070309020205020404" pitchFamily="49" charset="0"/>
+            <a:endParaRPr lang="en-US" sz="1800" dirty="0" smtClean="0">
               <a:cs typeface="Courier New" panose="02070309020205020404" pitchFamily="49" charset="0"/>
             </a:endParaRPr>
           </a:p>
@@ -31306,8 +30423,31 @@
               <a:rPr lang="en-US" sz="2000" dirty="0" smtClean="0">
                 <a:cs typeface="Courier New" panose="02070309020205020404" pitchFamily="49" charset="0"/>
               </a:rPr>
-              <a:t>procedures are called “functions”, no matter if they return or not a value</a:t>
-            </a:r>
+              <a:t>Index starts at 0</a:t>
+            </a:r>
+          </a:p>
+          <a:p>
+            <a:pPr marL="457200" lvl="1" indent="0">
+              <a:buNone/>
+            </a:pPr>
+            <a:r>
+              <a:rPr lang="en-US" sz="2000" dirty="0">
+                <a:latin typeface="Courier New" panose="02070309020205020404" pitchFamily="49" charset="0"/>
+                <a:cs typeface="Courier New" panose="02070309020205020404" pitchFamily="49" charset="0"/>
+              </a:rPr>
+              <a:t>	</a:t>
+            </a:r>
+            <a:r>
+              <a:rPr lang="en-US" sz="1800" dirty="0" smtClean="0">
+                <a:latin typeface="Courier New" panose="02070309020205020404" pitchFamily="49" charset="0"/>
+                <a:cs typeface="Courier New" panose="02070309020205020404" pitchFamily="49" charset="0"/>
+              </a:rPr>
+              <a:t>a1[2] = “Name”</a:t>
+            </a:r>
+            <a:endParaRPr lang="en-US" sz="2000" dirty="0" smtClean="0">
+              <a:latin typeface="Courier New" panose="02070309020205020404" pitchFamily="49" charset="0"/>
+              <a:cs typeface="Courier New" panose="02070309020205020404" pitchFamily="49" charset="0"/>
+            </a:endParaRPr>
           </a:p>
           <a:p>
             <a:pPr lvl="1">
@@ -31315,16 +30455,48 @@
               <a:buChar char="§"/>
             </a:pPr>
             <a:r>
+              <a:rPr lang="en-US" sz="2000" dirty="0" smtClean="0">
+                <a:cs typeface="Courier New" panose="02070309020205020404" pitchFamily="49" charset="0"/>
+              </a:rPr>
+              <a:t>Array has a length property</a:t>
+            </a:r>
+          </a:p>
+          <a:p>
+            <a:pPr marL="457200" lvl="1" indent="0">
+              <a:buNone/>
+            </a:pPr>
+            <a:r>
               <a:rPr lang="en-US" sz="2000" dirty="0">
-                <a:cs typeface="Courier New" panose="02070309020205020404" pitchFamily="49" charset="0"/>
-              </a:rPr>
-              <a:t>f</a:t>
+                <a:latin typeface="Courier New" panose="02070309020205020404" pitchFamily="49" charset="0"/>
+                <a:cs typeface="Courier New" panose="02070309020205020404" pitchFamily="49" charset="0"/>
+              </a:rPr>
+              <a:t>	</a:t>
+            </a:r>
+            <a:r>
+              <a:rPr lang="en-US" sz="1800" dirty="0" smtClean="0">
+                <a:latin typeface="Courier New" panose="02070309020205020404" pitchFamily="49" charset="0"/>
+                <a:cs typeface="Courier New" panose="02070309020205020404" pitchFamily="49" charset="0"/>
+              </a:rPr>
+              <a:t>a1.length </a:t>
             </a:r>
             <a:r>
               <a:rPr lang="en-US" sz="2000" dirty="0" smtClean="0">
                 <a:cs typeface="Courier New" panose="02070309020205020404" pitchFamily="49" charset="0"/>
               </a:rPr>
-              <a:t>unctions can be stored in a variable</a:t>
+              <a:t>(output </a:t>
+            </a:r>
+            <a:r>
+              <a:rPr lang="en-US" sz="1800" dirty="0" smtClean="0">
+                <a:latin typeface="Courier New" panose="02070309020205020404" pitchFamily="49" charset="0"/>
+                <a:cs typeface="Courier New" panose="02070309020205020404" pitchFamily="49" charset="0"/>
+              </a:rPr>
+              <a:t>4</a:t>
+            </a:r>
+            <a:r>
+              <a:rPr lang="en-US" sz="2000" dirty="0" smtClean="0">
+                <a:cs typeface="Courier New" panose="02070309020205020404" pitchFamily="49" charset="0"/>
+              </a:rPr>
+              <a:t>)</a:t>
             </a:r>
           </a:p>
           <a:p>
@@ -31333,81 +30505,31 @@
               <a:buChar char="§"/>
             </a:pPr>
             <a:r>
+              <a:rPr lang="en-US" sz="2000" dirty="0" smtClean="0">
+                <a:cs typeface="Courier New" panose="02070309020205020404" pitchFamily="49" charset="0"/>
+              </a:rPr>
+              <a:t>Arrays can grow dynamically</a:t>
+            </a:r>
+          </a:p>
+          <a:p>
+            <a:pPr marL="457200" lvl="1" indent="0">
+              <a:buNone/>
+            </a:pPr>
+            <a:r>
               <a:rPr lang="en-US" sz="2000" dirty="0">
-                <a:cs typeface="Courier New" panose="02070309020205020404" pitchFamily="49" charset="0"/>
-              </a:rPr>
-              <a:t>c</a:t>
-            </a:r>
-            <a:r>
-              <a:rPr lang="en-US" sz="2000" dirty="0" smtClean="0">
-                <a:cs typeface="Courier New" panose="02070309020205020404" pitchFamily="49" charset="0"/>
-              </a:rPr>
-              <a:t>an be passed as arguments to functions</a:t>
-            </a:r>
-          </a:p>
-          <a:p>
-            <a:pPr lvl="1">
-              <a:buFont typeface="Wingdings" panose="05000000000000000000" pitchFamily="2" charset="2"/>
-              <a:buChar char="§"/>
-            </a:pPr>
-            <a:r>
-              <a:rPr lang="en-US" sz="2000" dirty="0">
-                <a:cs typeface="Courier New" panose="02070309020205020404" pitchFamily="49" charset="0"/>
-              </a:rPr>
-              <a:t>c</a:t>
-            </a:r>
-            <a:r>
-              <a:rPr lang="en-US" sz="2000" dirty="0" smtClean="0">
-                <a:cs typeface="Courier New" panose="02070309020205020404" pitchFamily="49" charset="0"/>
-              </a:rPr>
-              <a:t>an be returned by functions</a:t>
-            </a:r>
-          </a:p>
-          <a:p>
-            <a:pPr lvl="1">
-              <a:buFont typeface="Wingdings" panose="05000000000000000000" pitchFamily="2" charset="2"/>
-              <a:buChar char="§"/>
-            </a:pPr>
-            <a:r>
-              <a:rPr lang="en-US" sz="2000" dirty="0" smtClean="0">
-                <a:cs typeface="Courier New" panose="02070309020205020404" pitchFamily="49" charset="0"/>
-              </a:rPr>
-              <a:t>function name can be omitted (e.g., omit </a:t>
-            </a:r>
-            <a:r>
-              <a:rPr lang="en-US" sz="1600" dirty="0" err="1" smtClean="0">
-                <a:latin typeface="Courier New" panose="02070309020205020404" pitchFamily="49" charset="0"/>
-                <a:cs typeface="Courier New" panose="02070309020205020404" pitchFamily="49" charset="0"/>
-              </a:rPr>
-              <a:t>theNameOfMyF</a:t>
-            </a:r>
-            <a:r>
-              <a:rPr lang="en-US" sz="2000" dirty="0">
-                <a:cs typeface="Courier New" panose="02070309020205020404" pitchFamily="49" charset="0"/>
-              </a:rPr>
-              <a:t>)</a:t>
-            </a:r>
-            <a:r>
-              <a:rPr lang="en-US" sz="2000" dirty="0" smtClean="0">
-                <a:cs typeface="Courier New" panose="02070309020205020404" pitchFamily="49" charset="0"/>
-              </a:rPr>
-              <a:t>, then the function can be invoked using the variable it is assigned to, like </a:t>
-            </a:r>
-            <a:r>
-              <a:rPr lang="en-US" sz="1600" dirty="0" err="1" smtClean="0">
-                <a:latin typeface="Courier New" panose="02070309020205020404" pitchFamily="49" charset="0"/>
-                <a:cs typeface="Courier New" panose="02070309020205020404" pitchFamily="49" charset="0"/>
-              </a:rPr>
-              <a:t>myF</a:t>
-            </a:r>
-            <a:r>
-              <a:rPr lang="en-US" sz="1600" dirty="0" smtClean="0">
-                <a:latin typeface="Courier New" panose="02070309020205020404" pitchFamily="49" charset="0"/>
-                <a:cs typeface="Courier New" panose="02070309020205020404" pitchFamily="49" charset="0"/>
-              </a:rPr>
-              <a:t>()</a:t>
-            </a:r>
-            <a:endParaRPr lang="en-US" sz="1800" dirty="0">
+                <a:latin typeface="Courier New" panose="02070309020205020404" pitchFamily="49" charset="0"/>
+                <a:cs typeface="Courier New" panose="02070309020205020404" pitchFamily="49" charset="0"/>
+              </a:rPr>
+              <a:t>	</a:t>
+            </a:r>
+            <a:r>
+              <a:rPr lang="en-US" sz="1800" dirty="0" smtClean="0">
+                <a:latin typeface="Courier New" panose="02070309020205020404" pitchFamily="49" charset="0"/>
+                <a:cs typeface="Courier New" panose="02070309020205020404" pitchFamily="49" charset="0"/>
+              </a:rPr>
+              <a:t>a1[6] = 7</a:t>
+            </a:r>
+            <a:endParaRPr lang="en-US" sz="2000" dirty="0" smtClean="0">
               <a:latin typeface="Courier New" panose="02070309020205020404" pitchFamily="49" charset="0"/>
               <a:cs typeface="Courier New" panose="02070309020205020404" pitchFamily="49" charset="0"/>
             </a:endParaRPr>
@@ -31440,7 +30562,7 @@
     </p:spTree>
     <p:extLst>
       <p:ext uri="{BB962C8B-B14F-4D97-AF65-F5344CB8AC3E}">
-        <p14:creationId xmlns:p14="http://schemas.microsoft.com/office/powerpoint/2010/main" val="1550317787"/>
+        <p14:creationId xmlns:p14="http://schemas.microsoft.com/office/powerpoint/2010/main" val="2560311150"/>
       </p:ext>
     </p:extLst>
   </p:cSld>
@@ -31453,11 +30575,6 @@
 <file path=ppt/slides/slide81.xml><?xml version="1.0" encoding="utf-8"?>
 <p:sld xmlns:a="http://schemas.openxmlformats.org/drawingml/2006/main" xmlns:r="http://schemas.openxmlformats.org/officeDocument/2006/relationships" xmlns:p="http://schemas.openxmlformats.org/presentationml/2006/main">
   <p:cSld>
-    <p:bg>
-      <p:bgRef idx="1001">
-        <a:schemeClr val="bg1"/>
-      </p:bgRef>
-    </p:bg>
     <p:spTree>
       <p:nvGrpSpPr>
         <p:cNvPr id="1" name=""/>
@@ -31474,7 +30591,7 @@
       </p:grpSpPr>
       <p:sp>
         <p:nvSpPr>
-          <p:cNvPr id="4" name="Title 3"/>
+          <p:cNvPr id="2" name="Title 1"/>
           <p:cNvSpPr>
             <a:spLocks noGrp="1"/>
           </p:cNvSpPr>
@@ -31487,23 +30604,22 @@
           <a:bodyPr/>
           <a:lstStyle/>
           <a:p>
-            <a:pPr algn="ctr"/>
-            <a:r>
-              <a:rPr lang="en-US" b="1" dirty="0" smtClean="0"/>
-              <a:t>Schelling Segregation Model</a:t>
-            </a:r>
-            <a:endParaRPr lang="en-US" b="1" dirty="0"/>
-          </a:p>
-        </p:txBody>
-      </p:sp>
-      <p:sp>
-        <p:nvSpPr>
-          <p:cNvPr id="5" name="Text Placeholder 4"/>
+            <a:r>
+              <a:rPr lang="en-US" dirty="0" smtClean="0"/>
+              <a:t>Introduction to JavaScript</a:t>
+            </a:r>
+            <a:endParaRPr lang="en-US" dirty="0"/>
+          </a:p>
+        </p:txBody>
+      </p:sp>
+      <p:sp>
+        <p:nvSpPr>
+          <p:cNvPr id="3" name="Content Placeholder 2"/>
           <p:cNvSpPr>
             <a:spLocks noGrp="1"/>
           </p:cNvSpPr>
           <p:nvPr>
-            <p:ph type="body" idx="1"/>
+            <p:ph idx="1"/>
           </p:nvPr>
         </p:nvSpPr>
         <p:spPr/>
@@ -31511,13 +30627,210 @@
           <a:bodyPr/>
           <a:lstStyle/>
           <a:p>
-            <a:endParaRPr lang="en-US"/>
-          </a:p>
-        </p:txBody>
-      </p:sp>
-      <p:sp>
-        <p:nvSpPr>
-          <p:cNvPr id="2" name="Slide Number Placeholder 1"/>
+            <a:r>
+              <a:rPr lang="en-US" dirty="0" smtClean="0"/>
+              <a:t>JavaScript has essentially  three  reference  types</a:t>
+            </a:r>
+          </a:p>
+          <a:p>
+            <a:pPr lvl="1">
+              <a:spcBef>
+                <a:spcPts val="1800"/>
+              </a:spcBef>
+              <a:buFont typeface="Wingdings" panose="05000000000000000000" pitchFamily="2" charset="2"/>
+              <a:buChar char="ü"/>
+            </a:pPr>
+            <a:r>
+              <a:rPr lang="en-US" sz="2000" dirty="0" smtClean="0">
+                <a:latin typeface="Courier New" panose="02070309020205020404" pitchFamily="49" charset="0"/>
+                <a:cs typeface="Courier New" panose="02070309020205020404" pitchFamily="49" charset="0"/>
+              </a:rPr>
+              <a:t>Function</a:t>
+            </a:r>
+          </a:p>
+          <a:p>
+            <a:pPr marL="457200" lvl="1" indent="0">
+              <a:buNone/>
+            </a:pPr>
+            <a:r>
+              <a:rPr lang="en-US" sz="2000" dirty="0">
+                <a:latin typeface="Courier New" panose="02070309020205020404" pitchFamily="49" charset="0"/>
+                <a:cs typeface="Courier New" panose="02070309020205020404" pitchFamily="49" charset="0"/>
+              </a:rPr>
+              <a:t>	</a:t>
+            </a:r>
+            <a:r>
+              <a:rPr lang="en-US" sz="1600" dirty="0" err="1" smtClean="0">
+                <a:latin typeface="Courier New" panose="02070309020205020404" pitchFamily="49" charset="0"/>
+                <a:cs typeface="Courier New" panose="02070309020205020404" pitchFamily="49" charset="0"/>
+              </a:rPr>
+              <a:t>var</a:t>
+            </a:r>
+            <a:r>
+              <a:rPr lang="en-US" sz="1600" dirty="0" smtClean="0">
+                <a:latin typeface="Courier New" panose="02070309020205020404" pitchFamily="49" charset="0"/>
+                <a:cs typeface="Courier New" panose="02070309020205020404" pitchFamily="49" charset="0"/>
+              </a:rPr>
+              <a:t> </a:t>
+            </a:r>
+            <a:r>
+              <a:rPr lang="en-US" sz="1600" dirty="0" err="1" smtClean="0">
+                <a:latin typeface="Courier New" panose="02070309020205020404" pitchFamily="49" charset="0"/>
+                <a:cs typeface="Courier New" panose="02070309020205020404" pitchFamily="49" charset="0"/>
+              </a:rPr>
+              <a:t>myF</a:t>
+            </a:r>
+            <a:r>
+              <a:rPr lang="en-US" sz="1600" dirty="0" smtClean="0">
+                <a:latin typeface="Courier New" panose="02070309020205020404" pitchFamily="49" charset="0"/>
+                <a:cs typeface="Courier New" panose="02070309020205020404" pitchFamily="49" charset="0"/>
+              </a:rPr>
+              <a:t> = function </a:t>
+            </a:r>
+            <a:r>
+              <a:rPr lang="en-US" sz="1600" dirty="0" err="1" smtClean="0">
+                <a:latin typeface="Courier New" panose="02070309020205020404" pitchFamily="49" charset="0"/>
+                <a:cs typeface="Courier New" panose="02070309020205020404" pitchFamily="49" charset="0"/>
+              </a:rPr>
+              <a:t>theNameOfMyF</a:t>
+            </a:r>
+            <a:r>
+              <a:rPr lang="en-US" sz="1600" dirty="0" smtClean="0">
+                <a:latin typeface="Courier New" panose="02070309020205020404" pitchFamily="49" charset="0"/>
+                <a:cs typeface="Courier New" panose="02070309020205020404" pitchFamily="49" charset="0"/>
+              </a:rPr>
+              <a:t> () {...}</a:t>
+            </a:r>
+          </a:p>
+          <a:p>
+            <a:pPr marL="457200" lvl="1" indent="0">
+              <a:buNone/>
+            </a:pPr>
+            <a:endParaRPr lang="en-US" sz="1600" dirty="0">
+              <a:latin typeface="Courier New" panose="02070309020205020404" pitchFamily="49" charset="0"/>
+              <a:cs typeface="Courier New" panose="02070309020205020404" pitchFamily="49" charset="0"/>
+            </a:endParaRPr>
+          </a:p>
+          <a:p>
+            <a:pPr lvl="1">
+              <a:buFont typeface="Wingdings" panose="05000000000000000000" pitchFamily="2" charset="2"/>
+              <a:buChar char="§"/>
+            </a:pPr>
+            <a:r>
+              <a:rPr lang="en-US" sz="2000" dirty="0" smtClean="0">
+                <a:cs typeface="Courier New" panose="02070309020205020404" pitchFamily="49" charset="0"/>
+              </a:rPr>
+              <a:t>procedures are called “functions”, no matter if they return or not a value</a:t>
+            </a:r>
+          </a:p>
+          <a:p>
+            <a:pPr lvl="1">
+              <a:buFont typeface="Wingdings" panose="05000000000000000000" pitchFamily="2" charset="2"/>
+              <a:buChar char="§"/>
+            </a:pPr>
+            <a:r>
+              <a:rPr lang="en-US" sz="2000" dirty="0">
+                <a:cs typeface="Courier New" panose="02070309020205020404" pitchFamily="49" charset="0"/>
+              </a:rPr>
+              <a:t>f</a:t>
+            </a:r>
+            <a:r>
+              <a:rPr lang="en-US" sz="2000" dirty="0" smtClean="0">
+                <a:cs typeface="Courier New" panose="02070309020205020404" pitchFamily="49" charset="0"/>
+              </a:rPr>
+              <a:t>unctions can be stored in a variable</a:t>
+            </a:r>
+          </a:p>
+          <a:p>
+            <a:pPr lvl="1">
+              <a:buFont typeface="Wingdings" panose="05000000000000000000" pitchFamily="2" charset="2"/>
+              <a:buChar char="§"/>
+            </a:pPr>
+            <a:r>
+              <a:rPr lang="en-US" sz="2000" dirty="0">
+                <a:cs typeface="Courier New" panose="02070309020205020404" pitchFamily="49" charset="0"/>
+              </a:rPr>
+              <a:t>c</a:t>
+            </a:r>
+            <a:r>
+              <a:rPr lang="en-US" sz="2000" dirty="0" smtClean="0">
+                <a:cs typeface="Courier New" panose="02070309020205020404" pitchFamily="49" charset="0"/>
+              </a:rPr>
+              <a:t>an be passed as arguments to functions</a:t>
+            </a:r>
+          </a:p>
+          <a:p>
+            <a:pPr lvl="1">
+              <a:buFont typeface="Wingdings" panose="05000000000000000000" pitchFamily="2" charset="2"/>
+              <a:buChar char="§"/>
+            </a:pPr>
+            <a:r>
+              <a:rPr lang="en-US" sz="2000" dirty="0">
+                <a:cs typeface="Courier New" panose="02070309020205020404" pitchFamily="49" charset="0"/>
+              </a:rPr>
+              <a:t>c</a:t>
+            </a:r>
+            <a:r>
+              <a:rPr lang="en-US" sz="2000" dirty="0" smtClean="0">
+                <a:cs typeface="Courier New" panose="02070309020205020404" pitchFamily="49" charset="0"/>
+              </a:rPr>
+              <a:t>an be returned by functions</a:t>
+            </a:r>
+          </a:p>
+          <a:p>
+            <a:pPr lvl="1">
+              <a:buFont typeface="Wingdings" panose="05000000000000000000" pitchFamily="2" charset="2"/>
+              <a:buChar char="§"/>
+            </a:pPr>
+            <a:r>
+              <a:rPr lang="en-US" sz="2000" dirty="0" smtClean="0">
+                <a:cs typeface="Courier New" panose="02070309020205020404" pitchFamily="49" charset="0"/>
+              </a:rPr>
+              <a:t>function name can be omitted (e.g., omit </a:t>
+            </a:r>
+            <a:r>
+              <a:rPr lang="en-US" sz="1600" dirty="0" err="1" smtClean="0">
+                <a:latin typeface="Courier New" panose="02070309020205020404" pitchFamily="49" charset="0"/>
+                <a:cs typeface="Courier New" panose="02070309020205020404" pitchFamily="49" charset="0"/>
+              </a:rPr>
+              <a:t>theNameOfMyF</a:t>
+            </a:r>
+            <a:r>
+              <a:rPr lang="en-US" sz="2000" dirty="0">
+                <a:cs typeface="Courier New" panose="02070309020205020404" pitchFamily="49" charset="0"/>
+              </a:rPr>
+              <a:t>)</a:t>
+            </a:r>
+            <a:r>
+              <a:rPr lang="en-US" sz="2000" dirty="0" smtClean="0">
+                <a:cs typeface="Courier New" panose="02070309020205020404" pitchFamily="49" charset="0"/>
+              </a:rPr>
+              <a:t>, then the function can be invoked using the variable it is assigned to, like </a:t>
+            </a:r>
+            <a:r>
+              <a:rPr lang="en-US" sz="1600" dirty="0" err="1" smtClean="0">
+                <a:latin typeface="Courier New" panose="02070309020205020404" pitchFamily="49" charset="0"/>
+                <a:cs typeface="Courier New" panose="02070309020205020404" pitchFamily="49" charset="0"/>
+              </a:rPr>
+              <a:t>myF</a:t>
+            </a:r>
+            <a:r>
+              <a:rPr lang="en-US" sz="1600" dirty="0" smtClean="0">
+                <a:latin typeface="Courier New" panose="02070309020205020404" pitchFamily="49" charset="0"/>
+                <a:cs typeface="Courier New" panose="02070309020205020404" pitchFamily="49" charset="0"/>
+              </a:rPr>
+              <a:t>()</a:t>
+            </a:r>
+            <a:endParaRPr lang="en-US" sz="1800" dirty="0">
+              <a:latin typeface="Courier New" panose="02070309020205020404" pitchFamily="49" charset="0"/>
+              <a:cs typeface="Courier New" panose="02070309020205020404" pitchFamily="49" charset="0"/>
+            </a:endParaRPr>
+          </a:p>
+        </p:txBody>
+      </p:sp>
+      <p:sp>
+        <p:nvSpPr>
+          <p:cNvPr id="4" name="Slide Number Placeholder 3"/>
           <p:cNvSpPr>
             <a:spLocks noGrp="1"/>
           </p:cNvSpPr>
@@ -31541,12 +30854,12 @@
     </p:spTree>
     <p:extLst>
       <p:ext uri="{BB962C8B-B14F-4D97-AF65-F5344CB8AC3E}">
-        <p14:creationId xmlns:p14="http://schemas.microsoft.com/office/powerpoint/2010/main" val="3994687630"/>
+        <p14:creationId xmlns:p14="http://schemas.microsoft.com/office/powerpoint/2010/main" val="1550317787"/>
       </p:ext>
     </p:extLst>
   </p:cSld>
   <p:clrMapOvr>
-    <a:overrideClrMapping bg1="lt1" tx1="dk1" bg2="lt2" tx2="dk2" accent1="accent1" accent2="accent2" accent3="accent3" accent4="accent4" accent5="accent5" accent6="accent6" hlink="hlink" folHlink="folHlink"/>
+    <a:masterClrMapping/>
   </p:clrMapOvr>
 </p:sld>
 </file>
@@ -31570,7 +30883,7 @@
       </p:grpSpPr>
       <p:sp>
         <p:nvSpPr>
-          <p:cNvPr id="2" name="Title 1"/>
+          <p:cNvPr id="4" name="Title 3"/>
           <p:cNvSpPr>
             <a:spLocks noGrp="1"/>
           </p:cNvSpPr>
@@ -31583,83 +30896,41 @@
           <a:bodyPr/>
           <a:lstStyle/>
           <a:p>
-            <a:r>
-              <a:rPr lang="en-US" dirty="0" err="1" smtClean="0"/>
-              <a:t>SchellingSegregation</a:t>
-            </a:r>
-            <a:endParaRPr lang="en-US" dirty="0"/>
-          </a:p>
-        </p:txBody>
-      </p:sp>
-      <p:sp>
-        <p:nvSpPr>
-          <p:cNvPr id="3" name="Content Placeholder 2"/>
+            <a:pPr algn="ctr"/>
+            <a:r>
+              <a:rPr lang="en-US" b="1" dirty="0" smtClean="0"/>
+              <a:t>Other Model </a:t>
+            </a:r>
+            <a:r>
+              <a:rPr lang="en-US" b="1" dirty="0" smtClean="0"/>
+              <a:t>Configuration</a:t>
+            </a:r>
+            <a:endParaRPr lang="en-US" b="1" dirty="0"/>
+          </a:p>
+        </p:txBody>
+      </p:sp>
+      <p:sp>
+        <p:nvSpPr>
+          <p:cNvPr id="5" name="Text Placeholder 4"/>
           <p:cNvSpPr>
             <a:spLocks noGrp="1"/>
           </p:cNvSpPr>
           <p:nvPr>
-            <p:ph idx="1"/>
+            <p:ph type="body" idx="1"/>
           </p:nvPr>
         </p:nvSpPr>
         <p:spPr/>
         <p:txBody>
-          <a:bodyPr>
-            <a:normAutofit/>
-          </a:bodyPr>
-          <a:lstStyle/>
-          <a:p>
-            <a:r>
-              <a:rPr lang="en-US" dirty="0" smtClean="0"/>
-              <a:t>Residential segregation results from the behavior of residents as members of some group, being either satisfied or unsatisfied with their neighborhood depending on the number of residents of the same group in the neighborhood</a:t>
-            </a:r>
-          </a:p>
-          <a:p>
-            <a:r>
-              <a:rPr lang="en-US" dirty="0" smtClean="0"/>
-              <a:t>Periodically, all residents check if they are content with their neighborhood, based on their degree of tolerating neighbors of a different group</a:t>
-            </a:r>
-          </a:p>
-          <a:p>
-            <a:r>
-              <a:rPr lang="en-US" dirty="0" smtClean="0"/>
-              <a:t>If they are not satisfied, they move to a location where they are satisfied, or leave the area if they don't find such a location</a:t>
-            </a:r>
-          </a:p>
-        </p:txBody>
-      </p:sp>
-      <p:pic>
-        <p:nvPicPr>
-          <p:cNvPr id="4" name="Picture 3"/>
-          <p:cNvPicPr>
-            <a:picLocks noChangeAspect="1"/>
-          </p:cNvPicPr>
-          <p:nvPr/>
-        </p:nvPicPr>
-        <p:blipFill>
-          <a:blip r:embed="rId2">
-            <a:extLst>
-              <a:ext uri="{28A0092B-C50C-407E-A947-70E740481C1C}">
-                <a14:useLocalDpi xmlns:a14="http://schemas.microsoft.com/office/drawing/2010/main" val="0"/>
-              </a:ext>
-            </a:extLst>
-          </a:blip>
-          <a:stretch>
-            <a:fillRect/>
-          </a:stretch>
-        </p:blipFill>
-        <p:spPr>
-          <a:xfrm>
-            <a:off x="9879587" y="162859"/>
-            <a:ext cx="2029108" cy="2029108"/>
-          </a:xfrm>
-          <a:prstGeom prst="rect">
-            <a:avLst/>
-          </a:prstGeom>
-        </p:spPr>
-      </p:pic>
-      <p:sp>
-        <p:nvSpPr>
-          <p:cNvPr id="5" name="Slide Number Placeholder 4"/>
+          <a:bodyPr/>
+          <a:lstStyle/>
+          <a:p>
+            <a:endParaRPr lang="en-US"/>
+          </a:p>
+        </p:txBody>
+      </p:sp>
+      <p:sp>
+        <p:nvSpPr>
+          <p:cNvPr id="2" name="Slide Number Placeholder 1"/>
           <p:cNvSpPr>
             <a:spLocks noGrp="1"/>
           </p:cNvSpPr>
@@ -31683,7 +30954,7 @@
     </p:spTree>
     <p:extLst>
       <p:ext uri="{BB962C8B-B14F-4D97-AF65-F5344CB8AC3E}">
-        <p14:creationId xmlns:p14="http://schemas.microsoft.com/office/powerpoint/2010/main" val="1556696176"/>
+        <p14:creationId xmlns:p14="http://schemas.microsoft.com/office/powerpoint/2010/main" val="1122666375"/>
       </p:ext>
     </p:extLst>
   </p:cSld>
@@ -31727,7 +30998,7 @@
           <a:p>
             <a:r>
               <a:rPr lang="en-US" dirty="0" smtClean="0"/>
-              <a:t>Space Model</a:t>
+              <a:t>simulation.html</a:t>
             </a:r>
             <a:endParaRPr lang="en-US" dirty="0"/>
           </a:p>
@@ -31749,261 +31020,59 @@
           <a:lstStyle/>
           <a:p>
             <a:r>
-              <a:rPr lang="en-US" dirty="0" err="1" smtClean="0"/>
-              <a:t>OESjs</a:t>
-            </a:r>
-            <a:r>
-              <a:rPr lang="en-US" dirty="0" smtClean="0"/>
-              <a:t> allows to represent the space as a 2D-Grid</a:t>
-            </a:r>
-          </a:p>
-          <a:p>
-            <a:r>
-              <a:rPr lang="en-US" dirty="0" smtClean="0"/>
-              <a:t>The grid dimensions are defined by the </a:t>
-            </a:r>
-            <a:r>
-              <a:rPr lang="en-US" sz="1800" dirty="0" err="1" smtClean="0">
-                <a:latin typeface="Courier New" panose="02070309020205020404" pitchFamily="49" charset="0"/>
-                <a:cs typeface="Courier New" panose="02070309020205020404" pitchFamily="49" charset="0"/>
-              </a:rPr>
-              <a:t>sim.model.space</a:t>
-            </a:r>
-            <a:r>
-              <a:rPr lang="en-US" dirty="0"/>
-              <a:t> </a:t>
-            </a:r>
-            <a:r>
-              <a:rPr lang="en-US" dirty="0" smtClean="0"/>
-              <a:t>object</a:t>
-            </a:r>
+              <a:rPr lang="en-US" dirty="0" smtClean="0"/>
+              <a:t>Standard file that launches the simulation model, requires small changes</a:t>
+            </a:r>
+          </a:p>
+          <a:p>
+            <a:pPr lvl="1">
+              <a:spcBef>
+                <a:spcPts val="1200"/>
+              </a:spcBef>
+              <a:buFont typeface="Wingdings" panose="05000000000000000000" pitchFamily="2" charset="2"/>
+              <a:buChar char="§"/>
+            </a:pPr>
+            <a:r>
+              <a:rPr lang="en-US" dirty="0" smtClean="0"/>
+              <a:t>Tab title</a:t>
+            </a:r>
+          </a:p>
+          <a:p>
+            <a:pPr lvl="1">
+              <a:spcBef>
+                <a:spcPts val="1800"/>
+              </a:spcBef>
+              <a:buFont typeface="Wingdings" panose="05000000000000000000" pitchFamily="2" charset="2"/>
+              <a:buChar char="§"/>
+            </a:pPr>
             <a:endParaRPr lang="en-US" dirty="0"/>
           </a:p>
-        </p:txBody>
-      </p:sp>
-      <p:graphicFrame>
-        <p:nvGraphicFramePr>
-          <p:cNvPr id="4" name="Table 3"/>
-          <p:cNvGraphicFramePr>
-            <a:graphicFrameLocks noGrp="1"/>
-          </p:cNvGraphicFramePr>
-          <p:nvPr>
-            <p:extLst/>
-          </p:nvPr>
-        </p:nvGraphicFramePr>
-        <p:xfrm>
-          <a:off x="838200" y="3068541"/>
-          <a:ext cx="10236200" cy="1483360"/>
-        </p:xfrm>
-        <a:graphic>
-          <a:graphicData uri="http://schemas.openxmlformats.org/drawingml/2006/table">
-            <a:tbl>
-              <a:tblPr firstRow="1" bandRow="1">
-                <a:tableStyleId>{073A0DAA-6AF3-43AB-8588-CEC1D06C72B9}</a:tableStyleId>
-              </a:tblPr>
-              <a:tblGrid>
-                <a:gridCol w="3110271">
-                  <a:extLst>
-                    <a:ext uri="{9D8B030D-6E8A-4147-A177-3AD203B41FA5}">
-                      <a16:colId xmlns:a16="http://schemas.microsoft.com/office/drawing/2014/main" val="2126260877"/>
-                    </a:ext>
-                  </a:extLst>
-                </a:gridCol>
-                <a:gridCol w="7125929">
-                  <a:extLst>
-                    <a:ext uri="{9D8B030D-6E8A-4147-A177-3AD203B41FA5}">
-                      <a16:colId xmlns:a16="http://schemas.microsoft.com/office/drawing/2014/main" val="533787969"/>
-                    </a:ext>
-                  </a:extLst>
-                </a:gridCol>
-              </a:tblGrid>
-              <a:tr h="370840">
-                <a:tc>
-                  <a:txBody>
-                    <a:bodyPr/>
-                    <a:lstStyle/>
-                    <a:p>
-                      <a:r>
-                        <a:rPr lang="en-US" dirty="0" smtClean="0"/>
-                        <a:t>Property</a:t>
-                      </a:r>
-                      <a:endParaRPr lang="en-US" dirty="0"/>
-                    </a:p>
-                  </a:txBody>
-                  <a:tcPr/>
-                </a:tc>
-                <a:tc>
-                  <a:txBody>
-                    <a:bodyPr/>
-                    <a:lstStyle/>
-                    <a:p>
-                      <a:r>
-                        <a:rPr lang="en-US" dirty="0" smtClean="0"/>
-                        <a:t>Description</a:t>
-                      </a:r>
-                      <a:endParaRPr lang="en-US" dirty="0"/>
-                    </a:p>
-                  </a:txBody>
-                  <a:tcPr/>
-                </a:tc>
-                <a:extLst>
-                  <a:ext uri="{0D108BD9-81ED-4DB2-BD59-A6C34878D82A}">
-                    <a16:rowId xmlns:a16="http://schemas.microsoft.com/office/drawing/2014/main" val="3995793087"/>
-                  </a:ext>
-                </a:extLst>
-              </a:tr>
-              <a:tr h="370840">
-                <a:tc>
-                  <a:txBody>
-                    <a:bodyPr/>
-                    <a:lstStyle/>
-                    <a:p>
-                      <a:r>
-                        <a:rPr lang="en-US" sz="1400" dirty="0" err="1" smtClean="0">
-                          <a:latin typeface="Courier New" panose="02070309020205020404" pitchFamily="49" charset="0"/>
-                          <a:cs typeface="Courier New" panose="02070309020205020404" pitchFamily="49" charset="0"/>
-                        </a:rPr>
-                        <a:t>Sim.model.space.type</a:t>
-                      </a:r>
-                      <a:endParaRPr lang="en-US" sz="1400" dirty="0">
-                        <a:latin typeface="Courier New" panose="02070309020205020404" pitchFamily="49" charset="0"/>
-                        <a:cs typeface="Courier New" panose="02070309020205020404" pitchFamily="49" charset="0"/>
-                      </a:endParaRPr>
-                    </a:p>
-                  </a:txBody>
-                  <a:tcPr/>
-                </a:tc>
-                <a:tc>
-                  <a:txBody>
-                    <a:bodyPr/>
-                    <a:lstStyle/>
-                    <a:p>
-                      <a:r>
-                        <a:rPr lang="en-US" dirty="0" smtClean="0"/>
-                        <a:t>Define the type of space to be represented (</a:t>
-                      </a:r>
-                      <a:r>
-                        <a:rPr lang="en-US" sz="1400" dirty="0" err="1" smtClean="0">
-                          <a:latin typeface="Courier New" panose="02070309020205020404" pitchFamily="49" charset="0"/>
-                          <a:cs typeface="Courier New" panose="02070309020205020404" pitchFamily="49" charset="0"/>
-                        </a:rPr>
-                        <a:t>IntegerGrid</a:t>
-                      </a:r>
-                      <a:r>
-                        <a:rPr lang="en-US" dirty="0" smtClean="0"/>
-                        <a:t>)</a:t>
-                      </a:r>
-                      <a:endParaRPr lang="en-US" dirty="0"/>
-                    </a:p>
-                  </a:txBody>
-                  <a:tcPr/>
-                </a:tc>
-                <a:extLst>
-                  <a:ext uri="{0D108BD9-81ED-4DB2-BD59-A6C34878D82A}">
-                    <a16:rowId xmlns:a16="http://schemas.microsoft.com/office/drawing/2014/main" val="2828906007"/>
-                  </a:ext>
-                </a:extLst>
-              </a:tr>
-              <a:tr h="370840">
-                <a:tc>
-                  <a:txBody>
-                    <a:bodyPr/>
-                    <a:lstStyle/>
-                    <a:p>
-                      <a:r>
-                        <a:rPr lang="en-US" sz="1400" dirty="0" err="1" smtClean="0">
-                          <a:latin typeface="Courier New" panose="02070309020205020404" pitchFamily="49" charset="0"/>
-                          <a:cs typeface="Courier New" panose="02070309020205020404" pitchFamily="49" charset="0"/>
-                        </a:rPr>
-                        <a:t>sim.model.space.xMax</a:t>
-                      </a:r>
-                      <a:endParaRPr lang="en-US" sz="1400" dirty="0">
-                        <a:latin typeface="Courier New" panose="02070309020205020404" pitchFamily="49" charset="0"/>
-                        <a:cs typeface="Courier New" panose="02070309020205020404" pitchFamily="49" charset="0"/>
-                      </a:endParaRPr>
-                    </a:p>
-                  </a:txBody>
-                  <a:tcPr/>
-                </a:tc>
-                <a:tc>
-                  <a:txBody>
-                    <a:bodyPr/>
-                    <a:lstStyle/>
-                    <a:p>
-                      <a:r>
-                        <a:rPr lang="en-US" dirty="0" smtClean="0"/>
-                        <a:t>Width of the grid</a:t>
-                      </a:r>
-                      <a:endParaRPr lang="en-US" dirty="0"/>
-                    </a:p>
-                  </a:txBody>
-                  <a:tcPr/>
-                </a:tc>
-                <a:extLst>
-                  <a:ext uri="{0D108BD9-81ED-4DB2-BD59-A6C34878D82A}">
-                    <a16:rowId xmlns:a16="http://schemas.microsoft.com/office/drawing/2014/main" val="138860855"/>
-                  </a:ext>
-                </a:extLst>
-              </a:tr>
-              <a:tr h="370840">
-                <a:tc>
-                  <a:txBody>
-                    <a:bodyPr/>
-                    <a:lstStyle/>
-                    <a:p>
-                      <a:r>
-                        <a:rPr lang="en-US" sz="1400" dirty="0" err="1" smtClean="0">
-                          <a:latin typeface="Courier New" panose="02070309020205020404" pitchFamily="49" charset="0"/>
-                          <a:cs typeface="Courier New" panose="02070309020205020404" pitchFamily="49" charset="0"/>
-                        </a:rPr>
-                        <a:t>sim.model.space.yMax</a:t>
-                      </a:r>
-                      <a:endParaRPr lang="en-US" sz="1400" dirty="0">
-                        <a:latin typeface="Courier New" panose="02070309020205020404" pitchFamily="49" charset="0"/>
-                        <a:cs typeface="Courier New" panose="02070309020205020404" pitchFamily="49" charset="0"/>
-                      </a:endParaRPr>
-                    </a:p>
-                  </a:txBody>
-                  <a:tcPr/>
-                </a:tc>
-                <a:tc>
-                  <a:txBody>
-                    <a:bodyPr/>
-                    <a:lstStyle/>
-                    <a:p>
-                      <a:r>
-                        <a:rPr lang="en-US" dirty="0" smtClean="0"/>
-                        <a:t>Height</a:t>
-                      </a:r>
-                      <a:r>
-                        <a:rPr lang="en-US" baseline="0" dirty="0" smtClean="0"/>
-                        <a:t> of the grid</a:t>
-                      </a:r>
-                      <a:endParaRPr lang="en-US" dirty="0"/>
-                    </a:p>
-                  </a:txBody>
-                  <a:tcPr/>
-                </a:tc>
-                <a:extLst>
-                  <a:ext uri="{0D108BD9-81ED-4DB2-BD59-A6C34878D82A}">
-                    <a16:rowId xmlns:a16="http://schemas.microsoft.com/office/drawing/2014/main" val="571919532"/>
-                  </a:ext>
-                </a:extLst>
-              </a:tr>
-            </a:tbl>
-          </a:graphicData>
-        </a:graphic>
-      </p:graphicFrame>
-      <p:sp>
-        <p:nvSpPr>
-          <p:cNvPr id="5" name="Rectangle 4"/>
+          <a:p>
+            <a:pPr lvl="1">
+              <a:spcBef>
+                <a:spcPts val="3600"/>
+              </a:spcBef>
+              <a:buFont typeface="Wingdings" panose="05000000000000000000" pitchFamily="2" charset="2"/>
+              <a:buChar char="§"/>
+            </a:pPr>
+            <a:r>
+              <a:rPr lang="en-US" dirty="0" smtClean="0"/>
+              <a:t>Front title</a:t>
+            </a:r>
+            <a:endParaRPr lang="en-US" dirty="0"/>
+          </a:p>
+        </p:txBody>
+      </p:sp>
+      <p:sp>
+        <p:nvSpPr>
+          <p:cNvPr id="4" name="Rectangle 3"/>
           <p:cNvSpPr/>
           <p:nvPr/>
         </p:nvSpPr>
         <p:spPr>
           <a:xfrm>
-            <a:off x="838200" y="5111571"/>
-            <a:ext cx="6096000" cy="954107"/>
+            <a:off x="1634613" y="3127682"/>
+            <a:ext cx="6096000" cy="861774"/>
           </a:xfrm>
           <a:prstGeom prst="rect">
             <a:avLst/>
@@ -32021,75 +31090,205 @@
           <a:lstStyle/>
           <a:p>
             <a:r>
-              <a:rPr lang="en-US" sz="1400" dirty="0" smtClean="0">
-                <a:latin typeface="Courier New" panose="02070309020205020404" pitchFamily="49" charset="0"/>
-                <a:cs typeface="Courier New" panose="02070309020205020404" pitchFamily="49" charset="0"/>
-              </a:rPr>
-              <a:t>// Space model</a:t>
-            </a:r>
-          </a:p>
-          <a:p>
-            <a:r>
-              <a:rPr lang="en-US" sz="1400" dirty="0" err="1" smtClean="0">
-                <a:latin typeface="Courier New" panose="02070309020205020404" pitchFamily="49" charset="0"/>
-                <a:cs typeface="Courier New" panose="02070309020205020404" pitchFamily="49" charset="0"/>
-              </a:rPr>
-              <a:t>sim.model.space.type</a:t>
-            </a:r>
-            <a:r>
-              <a:rPr lang="en-US" sz="1400" dirty="0" smtClean="0">
-                <a:latin typeface="Courier New" panose="02070309020205020404" pitchFamily="49" charset="0"/>
-                <a:cs typeface="Courier New" panose="02070309020205020404" pitchFamily="49" charset="0"/>
-              </a:rPr>
-              <a:t> = "</a:t>
-            </a:r>
-            <a:r>
-              <a:rPr lang="en-US" sz="1400" dirty="0" err="1" smtClean="0">
-                <a:latin typeface="Courier New" panose="02070309020205020404" pitchFamily="49" charset="0"/>
-                <a:cs typeface="Courier New" panose="02070309020205020404" pitchFamily="49" charset="0"/>
-              </a:rPr>
-              <a:t>IntegerGrid</a:t>
-            </a:r>
-            <a:r>
-              <a:rPr lang="en-US" sz="1400" dirty="0" smtClean="0">
-                <a:latin typeface="Courier New" panose="02070309020205020404" pitchFamily="49" charset="0"/>
-                <a:cs typeface="Courier New" panose="02070309020205020404" pitchFamily="49" charset="0"/>
-              </a:rPr>
-              <a:t>";</a:t>
-            </a:r>
-          </a:p>
-          <a:p>
-            <a:r>
-              <a:rPr lang="en-US" sz="1400" dirty="0" err="1" smtClean="0">
-                <a:latin typeface="Courier New" panose="02070309020205020404" pitchFamily="49" charset="0"/>
-                <a:cs typeface="Courier New" panose="02070309020205020404" pitchFamily="49" charset="0"/>
-              </a:rPr>
-              <a:t>sim.model.space.xMax</a:t>
-            </a:r>
-            <a:r>
-              <a:rPr lang="en-US" sz="1400" dirty="0" smtClean="0">
-                <a:latin typeface="Courier New" panose="02070309020205020404" pitchFamily="49" charset="0"/>
-                <a:cs typeface="Courier New" panose="02070309020205020404" pitchFamily="49" charset="0"/>
-              </a:rPr>
-              <a:t> = 120;</a:t>
-            </a:r>
-          </a:p>
-          <a:p>
-            <a:r>
-              <a:rPr lang="en-US" sz="1400" dirty="0" err="1" smtClean="0">
-                <a:latin typeface="Courier New" panose="02070309020205020404" pitchFamily="49" charset="0"/>
-                <a:cs typeface="Courier New" panose="02070309020205020404" pitchFamily="49" charset="0"/>
-              </a:rPr>
-              <a:t>sim.model.space.yMax</a:t>
-            </a:r>
-            <a:r>
-              <a:rPr lang="en-US" sz="1400" dirty="0" smtClean="0">
-                <a:latin typeface="Courier New" panose="02070309020205020404" pitchFamily="49" charset="0"/>
-                <a:cs typeface="Courier New" panose="02070309020205020404" pitchFamily="49" charset="0"/>
-              </a:rPr>
-              <a:t> = 60;</a:t>
-            </a:r>
-            <a:endParaRPr lang="en-US" sz="1400" dirty="0">
+              <a:rPr lang="en-US" sz="1600" dirty="0" smtClean="0">
+                <a:latin typeface="Courier New" panose="02070309020205020404" pitchFamily="49" charset="0"/>
+                <a:cs typeface="Courier New" panose="02070309020205020404" pitchFamily="49" charset="0"/>
+              </a:rPr>
+              <a:t>&lt;head&gt;</a:t>
+            </a:r>
+          </a:p>
+          <a:p>
+            <a:r>
+              <a:rPr lang="en-US" sz="1600" dirty="0" smtClean="0">
+                <a:latin typeface="Courier New" panose="02070309020205020404" pitchFamily="49" charset="0"/>
+                <a:cs typeface="Courier New" panose="02070309020205020404" pitchFamily="49" charset="0"/>
+              </a:rPr>
+              <a:t>  &lt;meta charset="utf-8"/&gt;</a:t>
+            </a:r>
+          </a:p>
+          <a:p>
+            <a:r>
+              <a:rPr lang="en-US" sz="1600" b="1" dirty="0" smtClean="0">
+                <a:latin typeface="Courier New" panose="02070309020205020404" pitchFamily="49" charset="0"/>
+                <a:cs typeface="Courier New" panose="02070309020205020404" pitchFamily="49" charset="0"/>
+              </a:rPr>
+              <a:t>  &lt;title&gt;Purchasing Model (1)&lt;/title&gt;</a:t>
+            </a:r>
+            <a:endParaRPr lang="en-US" sz="1600" b="1" dirty="0">
+              <a:latin typeface="Courier New" panose="02070309020205020404" pitchFamily="49" charset="0"/>
+              <a:cs typeface="Courier New" panose="02070309020205020404" pitchFamily="49" charset="0"/>
+            </a:endParaRPr>
+          </a:p>
+        </p:txBody>
+      </p:sp>
+      <p:sp>
+        <p:nvSpPr>
+          <p:cNvPr id="5" name="Rectangle 4"/>
+          <p:cNvSpPr/>
+          <p:nvPr/>
+        </p:nvSpPr>
+        <p:spPr>
+          <a:xfrm>
+            <a:off x="1634613" y="4566603"/>
+            <a:ext cx="9446342" cy="1569660"/>
+          </a:xfrm>
+          <a:prstGeom prst="rect">
+            <a:avLst/>
+          </a:prstGeom>
+          <a:ln>
+            <a:solidFill>
+              <a:schemeClr val="tx1"/>
+            </a:solidFill>
+          </a:ln>
+        </p:spPr>
+        <p:txBody>
+          <a:bodyPr wrap="square">
+            <a:spAutoFit/>
+          </a:bodyPr>
+          <a:lstStyle/>
+          <a:p>
+            <a:r>
+              <a:rPr lang="en-US" sz="1600" dirty="0" smtClean="0">
+                <a:latin typeface="Courier New" panose="02070309020205020404" pitchFamily="49" charset="0"/>
+                <a:cs typeface="Courier New" panose="02070309020205020404" pitchFamily="49" charset="0"/>
+              </a:rPr>
+              <a:t>&lt;div id="</a:t>
+            </a:r>
+            <a:r>
+              <a:rPr lang="en-US" sz="1600" dirty="0" err="1" smtClean="0">
+                <a:latin typeface="Courier New" panose="02070309020205020404" pitchFamily="49" charset="0"/>
+                <a:cs typeface="Courier New" panose="02070309020205020404" pitchFamily="49" charset="0"/>
+              </a:rPr>
+              <a:t>frontMatter</a:t>
+            </a:r>
+            <a:r>
+              <a:rPr lang="en-US" sz="1600" dirty="0" smtClean="0">
+                <a:latin typeface="Courier New" panose="02070309020205020404" pitchFamily="49" charset="0"/>
+                <a:cs typeface="Courier New" panose="02070309020205020404" pitchFamily="49" charset="0"/>
+              </a:rPr>
+              <a:t>"&gt;</a:t>
+            </a:r>
+          </a:p>
+          <a:p>
+            <a:r>
+              <a:rPr lang="en-US" sz="1600" dirty="0" smtClean="0">
+                <a:latin typeface="Courier New" panose="02070309020205020404" pitchFamily="49" charset="0"/>
+                <a:cs typeface="Courier New" panose="02070309020205020404" pitchFamily="49" charset="0"/>
+              </a:rPr>
+              <a:t>  &lt;div id="sim4eduinfo"&gt;Created with the &lt;</a:t>
+            </a:r>
+            <a:r>
+              <a:rPr lang="en-US" sz="1600" dirty="0" err="1" smtClean="0">
+                <a:latin typeface="Courier New" panose="02070309020205020404" pitchFamily="49" charset="0"/>
+                <a:cs typeface="Courier New" panose="02070309020205020404" pitchFamily="49" charset="0"/>
+              </a:rPr>
+              <a:t>i</a:t>
+            </a:r>
+            <a:r>
+              <a:rPr lang="en-US" sz="1600" dirty="0" smtClean="0">
+                <a:latin typeface="Courier New" panose="02070309020205020404" pitchFamily="49" charset="0"/>
+                <a:cs typeface="Courier New" panose="02070309020205020404" pitchFamily="49" charset="0"/>
+              </a:rPr>
+              <a:t>&gt;Object Event Simulation (OES)&lt;/</a:t>
+            </a:r>
+            <a:r>
+              <a:rPr lang="en-US" sz="1600" dirty="0" err="1" smtClean="0">
+                <a:latin typeface="Courier New" panose="02070309020205020404" pitchFamily="49" charset="0"/>
+                <a:cs typeface="Courier New" panose="02070309020205020404" pitchFamily="49" charset="0"/>
+              </a:rPr>
+              <a:t>i</a:t>
+            </a:r>
+            <a:r>
+              <a:rPr lang="en-US" sz="1600" dirty="0" smtClean="0">
+                <a:latin typeface="Courier New" panose="02070309020205020404" pitchFamily="49" charset="0"/>
+                <a:cs typeface="Courier New" panose="02070309020205020404" pitchFamily="49" charset="0"/>
+              </a:rPr>
+              <a:t>&gt; framework &lt;b&gt;&lt;</a:t>
+            </a:r>
+            <a:r>
+              <a:rPr lang="en-US" sz="1600" dirty="0" err="1" smtClean="0">
+                <a:latin typeface="Courier New" panose="02070309020205020404" pitchFamily="49" charset="0"/>
+                <a:cs typeface="Courier New" panose="02070309020205020404" pitchFamily="49" charset="0"/>
+              </a:rPr>
+              <a:t>i</a:t>
+            </a:r>
+            <a:r>
+              <a:rPr lang="en-US" sz="1600" dirty="0" smtClean="0">
+                <a:latin typeface="Courier New" panose="02070309020205020404" pitchFamily="49" charset="0"/>
+                <a:cs typeface="Courier New" panose="02070309020205020404" pitchFamily="49" charset="0"/>
+              </a:rPr>
+              <a:t>&gt;</a:t>
+            </a:r>
+            <a:r>
+              <a:rPr lang="en-US" sz="1600" dirty="0" err="1" smtClean="0">
+                <a:latin typeface="Courier New" panose="02070309020205020404" pitchFamily="49" charset="0"/>
+                <a:cs typeface="Courier New" panose="02070309020205020404" pitchFamily="49" charset="0"/>
+              </a:rPr>
+              <a:t>OESjs</a:t>
+            </a:r>
+            <a:r>
+              <a:rPr lang="en-US" sz="1600" dirty="0" smtClean="0">
+                <a:latin typeface="Courier New" panose="02070309020205020404" pitchFamily="49" charset="0"/>
+                <a:cs typeface="Courier New" panose="02070309020205020404" pitchFamily="49" charset="0"/>
+              </a:rPr>
+              <a:t>&lt;/</a:t>
+            </a:r>
+            <a:r>
+              <a:rPr lang="en-US" sz="1600" dirty="0" err="1" smtClean="0">
+                <a:latin typeface="Courier New" panose="02070309020205020404" pitchFamily="49" charset="0"/>
+                <a:cs typeface="Courier New" panose="02070309020205020404" pitchFamily="49" charset="0"/>
+              </a:rPr>
+              <a:t>i</a:t>
+            </a:r>
+            <a:r>
+              <a:rPr lang="en-US" sz="1600" dirty="0" smtClean="0">
+                <a:latin typeface="Courier New" panose="02070309020205020404" pitchFamily="49" charset="0"/>
+                <a:cs typeface="Courier New" panose="02070309020205020404" pitchFamily="49" charset="0"/>
+              </a:rPr>
+              <a:t>&gt;&lt;/b&gt; available from</a:t>
+            </a:r>
+          </a:p>
+          <a:p>
+            <a:r>
+              <a:rPr lang="en-US" sz="1600" dirty="0" smtClean="0">
+                <a:latin typeface="Courier New" panose="02070309020205020404" pitchFamily="49" charset="0"/>
+                <a:cs typeface="Courier New" panose="02070309020205020404" pitchFamily="49" charset="0"/>
+              </a:rPr>
+              <a:t>    &lt;a </a:t>
+            </a:r>
+            <a:r>
+              <a:rPr lang="en-US" sz="1600" dirty="0" err="1" smtClean="0">
+                <a:latin typeface="Courier New" panose="02070309020205020404" pitchFamily="49" charset="0"/>
+                <a:cs typeface="Courier New" panose="02070309020205020404" pitchFamily="49" charset="0"/>
+              </a:rPr>
+              <a:t>href</a:t>
+            </a:r>
+            <a:r>
+              <a:rPr lang="en-US" sz="1600" dirty="0" smtClean="0">
+                <a:latin typeface="Courier New" panose="02070309020205020404" pitchFamily="49" charset="0"/>
+                <a:cs typeface="Courier New" panose="02070309020205020404" pitchFamily="49" charset="0"/>
+              </a:rPr>
+              <a:t>='https://sim4edu.com'&gt;sim4edu.com&lt;/a&gt;.&lt;/div&gt;</a:t>
+            </a:r>
+          </a:p>
+          <a:p>
+            <a:r>
+              <a:rPr lang="en-US" sz="1600" b="1" dirty="0" smtClean="0">
+                <a:latin typeface="Courier New" panose="02070309020205020404" pitchFamily="49" charset="0"/>
+                <a:cs typeface="Courier New" panose="02070309020205020404" pitchFamily="49" charset="0"/>
+              </a:rPr>
+              <a:t>  &lt;h1&gt;Purchasing Model (1)&lt;/h1&gt;</a:t>
+            </a:r>
+          </a:p>
+          <a:p>
+            <a:r>
+              <a:rPr lang="en-US" sz="1600" dirty="0" smtClean="0">
+                <a:latin typeface="Courier New" panose="02070309020205020404" pitchFamily="49" charset="0"/>
+                <a:cs typeface="Courier New" panose="02070309020205020404" pitchFamily="49" charset="0"/>
+              </a:rPr>
+              <a:t>&lt;/div&gt;</a:t>
+            </a:r>
+            <a:endParaRPr lang="en-US" sz="1600" dirty="0">
               <a:latin typeface="Courier New" panose="02070309020205020404" pitchFamily="49" charset="0"/>
               <a:cs typeface="Courier New" panose="02070309020205020404" pitchFamily="49" charset="0"/>
             </a:endParaRPr>
@@ -32122,7 +31321,7 @@
     </p:spTree>
     <p:extLst>
       <p:ext uri="{BB962C8B-B14F-4D97-AF65-F5344CB8AC3E}">
-        <p14:creationId xmlns:p14="http://schemas.microsoft.com/office/powerpoint/2010/main" val="65799278"/>
+        <p14:creationId xmlns:p14="http://schemas.microsoft.com/office/powerpoint/2010/main" val="4278202090"/>
       </p:ext>
     </p:extLst>
   </p:cSld>
@@ -32166,7 +31365,7 @@
           <a:p>
             <a:r>
               <a:rPr lang="en-US" dirty="0" smtClean="0"/>
-              <a:t>Grid Space</a:t>
+              <a:t>description.html</a:t>
             </a:r>
             <a:endParaRPr lang="en-US" dirty="0"/>
           </a:p>
@@ -32189,22 +31388,43 @@
           <a:p>
             <a:r>
               <a:rPr lang="en-US" dirty="0" smtClean="0"/>
-              <a:t>To access the content of the grid cells</a:t>
-            </a:r>
-          </a:p>
-          <a:p>
-            <a:endParaRPr lang="en-US" dirty="0" smtClean="0"/>
-          </a:p>
-          <a:p>
-            <a:endParaRPr lang="en-US" dirty="0" smtClean="0"/>
-          </a:p>
-          <a:p>
-            <a:endParaRPr lang="en-US" dirty="0" smtClean="0"/>
-          </a:p>
-          <a:p>
-            <a:r>
-              <a:rPr lang="en-US" dirty="0" smtClean="0"/>
-              <a:t>To loop over all cells of the grid</a:t>
+              <a:t>Standard file that contains the description of the simulation model</a:t>
+            </a:r>
+          </a:p>
+          <a:p>
+            <a:pPr lvl="1">
+              <a:spcBef>
+                <a:spcPts val="1200"/>
+              </a:spcBef>
+              <a:buFont typeface="Wingdings" panose="05000000000000000000" pitchFamily="2" charset="2"/>
+              <a:buChar char="§"/>
+            </a:pPr>
+            <a:r>
+              <a:rPr lang="en-US" dirty="0" smtClean="0"/>
+              <a:t>Tab title</a:t>
+            </a:r>
+          </a:p>
+          <a:p>
+            <a:pPr lvl="1">
+              <a:spcBef>
+                <a:spcPts val="1800"/>
+              </a:spcBef>
+              <a:buFont typeface="Wingdings" panose="05000000000000000000" pitchFamily="2" charset="2"/>
+              <a:buChar char="§"/>
+            </a:pPr>
+            <a:endParaRPr lang="en-US" dirty="0"/>
+          </a:p>
+          <a:p>
+            <a:pPr lvl="1">
+              <a:spcBef>
+                <a:spcPts val="3600"/>
+              </a:spcBef>
+              <a:buFont typeface="Wingdings" panose="05000000000000000000" pitchFamily="2" charset="2"/>
+              <a:buChar char="§"/>
+            </a:pPr>
+            <a:r>
+              <a:rPr lang="en-US" dirty="0" smtClean="0"/>
+              <a:t>Description</a:t>
             </a:r>
             <a:endParaRPr lang="en-US" dirty="0"/>
           </a:p>
@@ -32218,8 +31438,8 @@
         </p:nvSpPr>
         <p:spPr>
           <a:xfrm>
-            <a:off x="1157319" y="4464709"/>
-            <a:ext cx="7268926" cy="2031325"/>
+            <a:off x="1614948" y="2810022"/>
+            <a:ext cx="6096000" cy="738664"/>
           </a:xfrm>
           <a:prstGeom prst="rect">
             <a:avLst/>
@@ -32231,38 +31451,103 @@
           </a:ln>
         </p:spPr>
         <p:txBody>
+          <a:bodyPr>
+            <a:spAutoFit/>
+          </a:bodyPr>
+          <a:lstStyle/>
+          <a:p>
+            <a:r>
+              <a:rPr lang="en-US" sz="1400" dirty="0" smtClean="0">
+                <a:latin typeface="Courier New" panose="02070309020205020404" pitchFamily="49" charset="0"/>
+                <a:cs typeface="Courier New" panose="02070309020205020404" pitchFamily="49" charset="0"/>
+              </a:rPr>
+              <a:t>&lt;head&gt;</a:t>
+            </a:r>
+          </a:p>
+          <a:p>
+            <a:r>
+              <a:rPr lang="en-US" sz="1400" dirty="0" smtClean="0">
+                <a:latin typeface="Courier New" panose="02070309020205020404" pitchFamily="49" charset="0"/>
+                <a:cs typeface="Courier New" panose="02070309020205020404" pitchFamily="49" charset="0"/>
+              </a:rPr>
+              <a:t>  &lt;meta charset="utf-8"/&gt;</a:t>
+            </a:r>
+          </a:p>
+          <a:p>
+            <a:r>
+              <a:rPr lang="en-US" sz="1400" b="1" dirty="0" smtClean="0">
+                <a:latin typeface="Courier New" panose="02070309020205020404" pitchFamily="49" charset="0"/>
+                <a:cs typeface="Courier New" panose="02070309020205020404" pitchFamily="49" charset="0"/>
+              </a:rPr>
+              <a:t>  &lt;title&gt;Purchasing Model (1)&lt;/title&gt;</a:t>
+            </a:r>
+            <a:endParaRPr lang="en-US" sz="1400" b="1" dirty="0">
+              <a:latin typeface="Courier New" panose="02070309020205020404" pitchFamily="49" charset="0"/>
+              <a:cs typeface="Courier New" panose="02070309020205020404" pitchFamily="49" charset="0"/>
+            </a:endParaRPr>
+          </a:p>
+        </p:txBody>
+      </p:sp>
+      <p:sp>
+        <p:nvSpPr>
+          <p:cNvPr id="5" name="Rectangle 4"/>
+          <p:cNvSpPr/>
+          <p:nvPr/>
+        </p:nvSpPr>
+        <p:spPr>
+          <a:xfrm>
+            <a:off x="1614948" y="4128066"/>
+            <a:ext cx="10046110" cy="2246769"/>
+          </a:xfrm>
+          <a:prstGeom prst="rect">
+            <a:avLst/>
+          </a:prstGeom>
+          <a:ln>
+            <a:solidFill>
+              <a:schemeClr val="tx1"/>
+            </a:solidFill>
+          </a:ln>
+        </p:spPr>
+        <p:txBody>
           <a:bodyPr wrap="square">
             <a:spAutoFit/>
           </a:bodyPr>
           <a:lstStyle/>
           <a:p>
             <a:r>
+              <a:rPr lang="en-US" sz="1400" dirty="0" smtClean="0">
+                <a:latin typeface="Courier New" panose="02070309020205020404" pitchFamily="49" charset="0"/>
+                <a:cs typeface="Courier New" panose="02070309020205020404" pitchFamily="49" charset="0"/>
+              </a:rPr>
+              <a:t>&lt;body </a:t>
+            </a:r>
+            <a:r>
               <a:rPr lang="en-US" sz="1400" dirty="0" err="1" smtClean="0">
                 <a:latin typeface="Courier New" panose="02070309020205020404" pitchFamily="49" charset="0"/>
                 <a:cs typeface="Courier New" panose="02070309020205020404" pitchFamily="49" charset="0"/>
               </a:rPr>
-              <a:t>oes.space.grid.forAllCells</a:t>
+              <a:t>onload</a:t>
             </a:r>
             <a:r>
               <a:rPr lang="en-US" sz="1400" dirty="0" smtClean="0">
                 <a:latin typeface="Courier New" panose="02070309020205020404" pitchFamily="49" charset="0"/>
                 <a:cs typeface="Courier New" panose="02070309020205020404" pitchFamily="49" charset="0"/>
               </a:rPr>
-              <a:t>( function (</a:t>
+              <a:t>="</a:t>
             </a:r>
             <a:r>
               <a:rPr lang="en-US" sz="1400" dirty="0" err="1" smtClean="0">
                 <a:latin typeface="Courier New" panose="02070309020205020404" pitchFamily="49" charset="0"/>
                 <a:cs typeface="Courier New" panose="02070309020205020404" pitchFamily="49" charset="0"/>
               </a:rPr>
-              <a:t>x,y</a:t>
+              <a:t>oes.ui.setupDescription</a:t>
             </a:r>
             <a:r>
               <a:rPr lang="en-US" sz="1400" dirty="0" smtClean="0">
                 <a:latin typeface="Courier New" panose="02070309020205020404" pitchFamily="49" charset="0"/>
                 <a:cs typeface="Courier New" panose="02070309020205020404" pitchFamily="49" charset="0"/>
               </a:rPr>
-              <a:t>) {</a:t>
+              <a:t>()"&gt;</a:t>
             </a:r>
           </a:p>
           <a:p>
@@ -32271,56 +31556,111 @@
                 <a:latin typeface="Courier New" panose="02070309020205020404" pitchFamily="49" charset="0"/>
                 <a:cs typeface="Courier New" panose="02070309020205020404" pitchFamily="49" charset="0"/>
               </a:rPr>
+              <a:t>  &lt;div id="</a:t>
+            </a:r>
+            <a:r>
+              <a:rPr lang="en-US" sz="1400" dirty="0" err="1" smtClean="0">
+                <a:latin typeface="Courier New" panose="02070309020205020404" pitchFamily="49" charset="0"/>
+                <a:cs typeface="Courier New" panose="02070309020205020404" pitchFamily="49" charset="0"/>
+              </a:rPr>
+              <a:t>frontMatter</a:t>
+            </a:r>
+            <a:r>
+              <a:rPr lang="en-US" sz="1400" dirty="0" smtClean="0">
+                <a:latin typeface="Courier New" panose="02070309020205020404" pitchFamily="49" charset="0"/>
+                <a:cs typeface="Courier New" panose="02070309020205020404" pitchFamily="49" charset="0"/>
+              </a:rPr>
+              <a:t>"&gt;</a:t>
+            </a:r>
+          </a:p>
+          <a:p>
+            <a:r>
+              <a:rPr lang="en-US" sz="1400" dirty="0" smtClean="0">
+                <a:latin typeface="Courier New" panose="02070309020205020404" pitchFamily="49" charset="0"/>
+                <a:cs typeface="Courier New" panose="02070309020205020404" pitchFamily="49" charset="0"/>
+              </a:rPr>
               <a:t>    </a:t>
             </a:r>
             <a:r>
+              <a:rPr lang="en-US" sz="1400" b="1" dirty="0" smtClean="0">
+                <a:latin typeface="Courier New" panose="02070309020205020404" pitchFamily="49" charset="0"/>
+                <a:cs typeface="Courier New" panose="02070309020205020404" pitchFamily="49" charset="0"/>
+              </a:rPr>
+              <a:t>&lt;h1&gt;Purchasing Model&lt;/h1&gt;</a:t>
+            </a:r>
+          </a:p>
+          <a:p>
+            <a:r>
+              <a:rPr lang="en-US" sz="1400" dirty="0" smtClean="0">
+                <a:latin typeface="Courier New" panose="02070309020205020404" pitchFamily="49" charset="0"/>
+                <a:cs typeface="Courier New" panose="02070309020205020404" pitchFamily="49" charset="0"/>
+              </a:rPr>
+              <a:t>    </a:t>
+            </a:r>
+            <a:r>
+              <a:rPr lang="en-US" sz="1400" b="1" dirty="0" smtClean="0">
+                <a:latin typeface="Courier New" panose="02070309020205020404" pitchFamily="49" charset="0"/>
+                <a:cs typeface="Courier New" panose="02070309020205020404" pitchFamily="49" charset="0"/>
+              </a:rPr>
+              <a:t>&lt;p&gt;&lt;strong&gt;Classification tags&lt;/strong&gt;: business operations management, DES, next-event time progression&lt;/p&gt;</a:t>
+            </a:r>
+          </a:p>
+          <a:p>
+            <a:r>
+              <a:rPr lang="en-US" sz="1400" dirty="0" smtClean="0">
+                <a:latin typeface="Courier New" panose="02070309020205020404" pitchFamily="49" charset="0"/>
+                <a:cs typeface="Courier New" panose="02070309020205020404" pitchFamily="49" charset="0"/>
+              </a:rPr>
+              <a:t>    &lt;section id="</a:t>
+            </a:r>
+            <a:r>
               <a:rPr lang="en-US" sz="1400" dirty="0" err="1" smtClean="0">
                 <a:latin typeface="Courier New" panose="02070309020205020404" pitchFamily="49" charset="0"/>
                 <a:cs typeface="Courier New" panose="02070309020205020404" pitchFamily="49" charset="0"/>
               </a:rPr>
-              <a:t>var</a:t>
+              <a:t>shortDescription</a:t>
             </a:r>
             <a:r>
               <a:rPr lang="en-US" sz="1400" dirty="0" smtClean="0">
                 <a:latin typeface="Courier New" panose="02070309020205020404" pitchFamily="49" charset="0"/>
                 <a:cs typeface="Courier New" panose="02070309020205020404" pitchFamily="49" charset="0"/>
               </a:rPr>
-              <a:t> g = oes.space.grid.0.getCellValue(</a:t>
-            </a:r>
-            <a:r>
-              <a:rPr lang="en-US" sz="1400" dirty="0" err="1" smtClean="0">
-                <a:latin typeface="Courier New" panose="02070309020205020404" pitchFamily="49" charset="0"/>
-                <a:cs typeface="Courier New" panose="02070309020205020404" pitchFamily="49" charset="0"/>
-              </a:rPr>
-              <a:t>x,y</a:t>
-            </a:r>
+              <a:t>"&gt;</a:t>
+            </a:r>
+          </a:p>
+          <a:p>
             <a:r>
               <a:rPr lang="en-US" sz="1400" dirty="0" smtClean="0">
                 <a:latin typeface="Courier New" panose="02070309020205020404" pitchFamily="49" charset="0"/>
                 <a:cs typeface="Courier New" panose="02070309020205020404" pitchFamily="49" charset="0"/>
               </a:rPr>
-              <a:t>),  </a:t>
-            </a:r>
-            <a:r>
-              <a:rPr lang="en-US" sz="1400" dirty="0" err="1" smtClean="0">
-                <a:latin typeface="Courier New" panose="02070309020205020404" pitchFamily="49" charset="0"/>
-                <a:cs typeface="Courier New" panose="02070309020205020404" pitchFamily="49" charset="0"/>
-              </a:rPr>
-              <a:t>tol</a:t>
-            </a:r>
+              <a:t>    &lt;/section&gt;</a:t>
+            </a:r>
+          </a:p>
+          <a:p>
             <a:r>
               <a:rPr lang="en-US" sz="1400" dirty="0" smtClean="0">
                 <a:latin typeface="Courier New" panose="02070309020205020404" pitchFamily="49" charset="0"/>
                 <a:cs typeface="Courier New" panose="02070309020205020404" pitchFamily="49" charset="0"/>
               </a:rPr>
-              <a:t> = 0;</a:t>
-            </a:r>
-          </a:p>
-          <a:p>
-            <a:endParaRPr lang="en-US" sz="1400" dirty="0" smtClean="0">
-              <a:latin typeface="Courier New" panose="02070309020205020404" pitchFamily="49" charset="0"/>
-              <a:cs typeface="Courier New" panose="02070309020205020404" pitchFamily="49" charset="0"/>
-            </a:endParaRPr>
+              <a:t>  &lt;/div&gt;</a:t>
+            </a:r>
+          </a:p>
+          <a:p>
+            <a:r>
+              <a:rPr lang="en-US" sz="1400" dirty="0">
+                <a:latin typeface="Courier New" panose="02070309020205020404" pitchFamily="49" charset="0"/>
+                <a:cs typeface="Courier New" panose="02070309020205020404" pitchFamily="49" charset="0"/>
+              </a:rPr>
+              <a:t>	</a:t>
+            </a:r>
+            <a:r>
+              <a:rPr lang="en-US" sz="1400" b="1" dirty="0" smtClean="0">
+                <a:latin typeface="Courier New" panose="02070309020205020404" pitchFamily="49" charset="0"/>
+                <a:cs typeface="Courier New" panose="02070309020205020404" pitchFamily="49" charset="0"/>
+              </a:rPr>
+              <a:t>...</a:t>
+            </a:r>
           </a:p>
           <a:p>
             <a:r>
@@ -32328,150 +31668,7 @@
                 <a:latin typeface="Courier New" panose="02070309020205020404" pitchFamily="49" charset="0"/>
                 <a:cs typeface="Courier New" panose="02070309020205020404" pitchFamily="49" charset="0"/>
               </a:rPr>
-              <a:t>    if (g &gt; 0) {</a:t>
-            </a:r>
-          </a:p>
-          <a:p>
-            <a:r>
-              <a:rPr lang="en-US" sz="1400" dirty="0" smtClean="0">
-                <a:latin typeface="Courier New" panose="02070309020205020404" pitchFamily="49" charset="0"/>
-                <a:cs typeface="Courier New" panose="02070309020205020404" pitchFamily="49" charset="0"/>
-              </a:rPr>
-              <a:t>      </a:t>
-            </a:r>
-            <a:r>
-              <a:rPr lang="en-US" sz="1400" dirty="0" err="1" smtClean="0">
-                <a:latin typeface="Courier New" panose="02070309020205020404" pitchFamily="49" charset="0"/>
-                <a:cs typeface="Courier New" panose="02070309020205020404" pitchFamily="49" charset="0"/>
-              </a:rPr>
-              <a:t>tol</a:t>
-            </a:r>
-            <a:r>
-              <a:rPr lang="en-US" sz="1400" dirty="0" smtClean="0">
-                <a:latin typeface="Courier New" panose="02070309020205020404" pitchFamily="49" charset="0"/>
-                <a:cs typeface="Courier New" panose="02070309020205020404" pitchFamily="49" charset="0"/>
-              </a:rPr>
-              <a:t> = groups[String(g)].</a:t>
-            </a:r>
-            <a:r>
-              <a:rPr lang="en-US" sz="1400" dirty="0" err="1" smtClean="0">
-                <a:latin typeface="Courier New" panose="02070309020205020404" pitchFamily="49" charset="0"/>
-                <a:cs typeface="Courier New" panose="02070309020205020404" pitchFamily="49" charset="0"/>
-              </a:rPr>
-              <a:t>toleranceLevel</a:t>
-            </a:r>
-            <a:r>
-              <a:rPr lang="en-US" sz="1400" dirty="0" smtClean="0">
-                <a:latin typeface="Courier New" panose="02070309020205020404" pitchFamily="49" charset="0"/>
-                <a:cs typeface="Courier New" panose="02070309020205020404" pitchFamily="49" charset="0"/>
-              </a:rPr>
-              <a:t>;</a:t>
-            </a:r>
-          </a:p>
-          <a:p>
-            <a:r>
-              <a:rPr lang="en-US" sz="1400" dirty="0" smtClean="0">
-                <a:latin typeface="Courier New" panose="02070309020205020404" pitchFamily="49" charset="0"/>
-                <a:cs typeface="Courier New" panose="02070309020205020404" pitchFamily="49" charset="0"/>
-              </a:rPr>
-              <a:t>      if (</a:t>
-            </a:r>
-            <a:r>
-              <a:rPr lang="en-US" sz="1400" dirty="0" err="1" smtClean="0">
-                <a:latin typeface="Courier New" panose="02070309020205020404" pitchFamily="49" charset="0"/>
-                <a:cs typeface="Courier New" panose="02070309020205020404" pitchFamily="49" charset="0"/>
-              </a:rPr>
-              <a:t>neighbDiffLevel</a:t>
-            </a:r>
-            <a:r>
-              <a:rPr lang="en-US" sz="1400" dirty="0" smtClean="0">
-                <a:latin typeface="Courier New" panose="02070309020205020404" pitchFamily="49" charset="0"/>
-                <a:cs typeface="Courier New" panose="02070309020205020404" pitchFamily="49" charset="0"/>
-              </a:rPr>
-              <a:t>(</a:t>
-            </a:r>
-            <a:r>
-              <a:rPr lang="en-US" sz="1400" dirty="0" err="1" smtClean="0">
-                <a:latin typeface="Courier New" panose="02070309020205020404" pitchFamily="49" charset="0"/>
-                <a:cs typeface="Courier New" panose="02070309020205020404" pitchFamily="49" charset="0"/>
-              </a:rPr>
-              <a:t>x,y,g</a:t>
-            </a:r>
-            <a:r>
-              <a:rPr lang="en-US" sz="1400" dirty="0" smtClean="0">
-                <a:latin typeface="Courier New" panose="02070309020205020404" pitchFamily="49" charset="0"/>
-                <a:cs typeface="Courier New" panose="02070309020205020404" pitchFamily="49" charset="0"/>
-              </a:rPr>
-              <a:t>) &gt; </a:t>
-            </a:r>
-            <a:r>
-              <a:rPr lang="en-US" sz="1400" dirty="0" err="1" smtClean="0">
-                <a:latin typeface="Courier New" panose="02070309020205020404" pitchFamily="49" charset="0"/>
-                <a:cs typeface="Courier New" panose="02070309020205020404" pitchFamily="49" charset="0"/>
-              </a:rPr>
-              <a:t>tol</a:t>
-            </a:r>
-            <a:r>
-              <a:rPr lang="en-US" sz="1400" dirty="0" smtClean="0">
-                <a:latin typeface="Courier New" panose="02070309020205020404" pitchFamily="49" charset="0"/>
-                <a:cs typeface="Courier New" panose="02070309020205020404" pitchFamily="49" charset="0"/>
-              </a:rPr>
-              <a:t>) {</a:t>
-            </a:r>
-          </a:p>
-          <a:p>
-            <a:r>
-              <a:rPr lang="en-US" sz="1400" dirty="0" smtClean="0">
-                <a:latin typeface="Courier New" panose="02070309020205020404" pitchFamily="49" charset="0"/>
-                <a:cs typeface="Courier New" panose="02070309020205020404" pitchFamily="49" charset="0"/>
-              </a:rPr>
-              <a:t>        </a:t>
-            </a:r>
-            <a:r>
-              <a:rPr lang="en-US" sz="1400" dirty="0" err="1" smtClean="0">
-                <a:latin typeface="Courier New" panose="02070309020205020404" pitchFamily="49" charset="0"/>
-                <a:cs typeface="Courier New" panose="02070309020205020404" pitchFamily="49" charset="0"/>
-              </a:rPr>
-              <a:t>sim.v.uncontentResidents.push</a:t>
-            </a:r>
-            <a:r>
-              <a:rPr lang="en-US" sz="1400" dirty="0" smtClean="0">
-                <a:latin typeface="Courier New" panose="02070309020205020404" pitchFamily="49" charset="0"/>
-                <a:cs typeface="Courier New" panose="02070309020205020404" pitchFamily="49" charset="0"/>
-              </a:rPr>
-              <a:t>([</a:t>
-            </a:r>
-            <a:r>
-              <a:rPr lang="en-US" sz="1400" dirty="0" err="1" smtClean="0">
-                <a:latin typeface="Courier New" panose="02070309020205020404" pitchFamily="49" charset="0"/>
-                <a:cs typeface="Courier New" panose="02070309020205020404" pitchFamily="49" charset="0"/>
-              </a:rPr>
-              <a:t>x,y</a:t>
-            </a:r>
-            <a:r>
-              <a:rPr lang="en-US" sz="1400" dirty="0" smtClean="0">
-                <a:latin typeface="Courier New" panose="02070309020205020404" pitchFamily="49" charset="0"/>
-                <a:cs typeface="Courier New" panose="02070309020205020404" pitchFamily="49" charset="0"/>
-              </a:rPr>
-              <a:t>]);</a:t>
-            </a:r>
-          </a:p>
-          <a:p>
-            <a:r>
-              <a:rPr lang="en-US" sz="1400" dirty="0" smtClean="0">
-                <a:latin typeface="Courier New" panose="02070309020205020404" pitchFamily="49" charset="0"/>
-                <a:cs typeface="Courier New" panose="02070309020205020404" pitchFamily="49" charset="0"/>
-              </a:rPr>
-              <a:t>      }</a:t>
-            </a:r>
-          </a:p>
-          <a:p>
-            <a:r>
-              <a:rPr lang="en-US" sz="1400" dirty="0" smtClean="0">
-                <a:latin typeface="Courier New" panose="02070309020205020404" pitchFamily="49" charset="0"/>
-                <a:cs typeface="Courier New" panose="02070309020205020404" pitchFamily="49" charset="0"/>
-              </a:rPr>
-              <a:t>    }</a:t>
+              <a:t>&lt;/body&gt;</a:t>
             </a:r>
             <a:endParaRPr lang="en-US" sz="1400" dirty="0">
               <a:latin typeface="Courier New" panose="02070309020205020404" pitchFamily="49" charset="0"/>
@@ -32482,116 +31679,7 @@
       </p:sp>
       <p:sp>
         <p:nvSpPr>
-          <p:cNvPr id="5" name="Rectangle 4"/>
-          <p:cNvSpPr/>
-          <p:nvPr/>
-        </p:nvSpPr>
-        <p:spPr>
-          <a:xfrm>
-            <a:off x="1157319" y="2366387"/>
-            <a:ext cx="3621504" cy="307777"/>
-          </a:xfrm>
-          <a:prstGeom prst="rect">
-            <a:avLst/>
-          </a:prstGeom>
-        </p:spPr>
-        <p:txBody>
-          <a:bodyPr wrap="none">
-            <a:spAutoFit/>
-          </a:bodyPr>
-          <a:lstStyle/>
-          <a:p>
-            <a:r>
-              <a:rPr lang="en-US" sz="1400" b="1" dirty="0" err="1" smtClean="0">
-                <a:latin typeface="Courier New" panose="02070309020205020404" pitchFamily="49" charset="0"/>
-                <a:cs typeface="Courier New" panose="02070309020205020404" pitchFamily="49" charset="0"/>
-              </a:rPr>
-              <a:t>sim.space.grid</a:t>
-            </a:r>
-            <a:r>
-              <a:rPr lang="en-US" sz="1400" dirty="0" smtClean="0">
-                <a:latin typeface="Courier New" panose="02070309020205020404" pitchFamily="49" charset="0"/>
-                <a:cs typeface="Courier New" panose="02070309020205020404" pitchFamily="49" charset="0"/>
-              </a:rPr>
-              <a:t>[(y-1)*</a:t>
-            </a:r>
-            <a:r>
-              <a:rPr lang="en-US" sz="1400" dirty="0" err="1" smtClean="0">
-                <a:latin typeface="Courier New" panose="02070309020205020404" pitchFamily="49" charset="0"/>
-                <a:cs typeface="Courier New" panose="02070309020205020404" pitchFamily="49" charset="0"/>
-              </a:rPr>
-              <a:t>xMax</a:t>
-            </a:r>
-            <a:r>
-              <a:rPr lang="en-US" sz="1400" dirty="0" smtClean="0">
-                <a:latin typeface="Courier New" panose="02070309020205020404" pitchFamily="49" charset="0"/>
-                <a:cs typeface="Courier New" panose="02070309020205020404" pitchFamily="49" charset="0"/>
-              </a:rPr>
-              <a:t> + x-1]</a:t>
-            </a:r>
-            <a:endParaRPr lang="en-US" sz="1400" dirty="0">
-              <a:latin typeface="Courier New" panose="02070309020205020404" pitchFamily="49" charset="0"/>
-              <a:cs typeface="Courier New" panose="02070309020205020404" pitchFamily="49" charset="0"/>
-            </a:endParaRPr>
-          </a:p>
-        </p:txBody>
-      </p:sp>
-      <p:sp>
-        <p:nvSpPr>
-          <p:cNvPr id="6" name="Rectangle 5"/>
-          <p:cNvSpPr/>
-          <p:nvPr/>
-        </p:nvSpPr>
-        <p:spPr>
-          <a:xfrm>
-            <a:off x="1157319" y="2960501"/>
-            <a:ext cx="3836307" cy="307777"/>
-          </a:xfrm>
-          <a:prstGeom prst="rect">
-            <a:avLst/>
-          </a:prstGeom>
-        </p:spPr>
-        <p:txBody>
-          <a:bodyPr wrap="none">
-            <a:spAutoFit/>
-          </a:bodyPr>
-          <a:lstStyle/>
-          <a:p>
-            <a:r>
-              <a:rPr lang="en-US" sz="1400" b="1" dirty="0">
-                <a:latin typeface="Courier New" panose="02070309020205020404" pitchFamily="49" charset="0"/>
-                <a:cs typeface="Courier New" panose="02070309020205020404" pitchFamily="49" charset="0"/>
-              </a:rPr>
-              <a:t>oes.space.grid.0.getCellValue</a:t>
-            </a:r>
-            <a:r>
-              <a:rPr lang="en-US" sz="1400" dirty="0">
-                <a:latin typeface="Courier New" panose="02070309020205020404" pitchFamily="49" charset="0"/>
-                <a:cs typeface="Courier New" panose="02070309020205020404" pitchFamily="49" charset="0"/>
-              </a:rPr>
-              <a:t>(</a:t>
-            </a:r>
-            <a:r>
-              <a:rPr lang="en-US" sz="1400" dirty="0" err="1">
-                <a:latin typeface="Courier New" panose="02070309020205020404" pitchFamily="49" charset="0"/>
-                <a:cs typeface="Courier New" panose="02070309020205020404" pitchFamily="49" charset="0"/>
-              </a:rPr>
-              <a:t>x,y</a:t>
-            </a:r>
-            <a:r>
-              <a:rPr lang="en-US" sz="1400" dirty="0">
-                <a:latin typeface="Courier New" panose="02070309020205020404" pitchFamily="49" charset="0"/>
-                <a:cs typeface="Courier New" panose="02070309020205020404" pitchFamily="49" charset="0"/>
-              </a:rPr>
-              <a:t>)</a:t>
-            </a:r>
-            <a:endParaRPr lang="en-US" sz="1400" dirty="0"/>
-          </a:p>
-        </p:txBody>
-      </p:sp>
-      <p:sp>
-        <p:nvSpPr>
-          <p:cNvPr id="7" name="Slide Number Placeholder 6"/>
+          <p:cNvPr id="6" name="Slide Number Placeholder 5"/>
           <p:cNvSpPr>
             <a:spLocks noGrp="1"/>
           </p:cNvSpPr>
@@ -32615,7 +31703,7 @@
     </p:spTree>
     <p:extLst>
       <p:ext uri="{BB962C8B-B14F-4D97-AF65-F5344CB8AC3E}">
-        <p14:creationId xmlns:p14="http://schemas.microsoft.com/office/powerpoint/2010/main" val="279535463"/>
+        <p14:creationId xmlns:p14="http://schemas.microsoft.com/office/powerpoint/2010/main" val="583244921"/>
       </p:ext>
     </p:extLst>
   </p:cSld>
@@ -32644,102 +31732,6 @@
       </p:grpSpPr>
       <p:sp>
         <p:nvSpPr>
-          <p:cNvPr id="4" name="Title 3"/>
-          <p:cNvSpPr>
-            <a:spLocks noGrp="1"/>
-          </p:cNvSpPr>
-          <p:nvPr>
-            <p:ph type="title"/>
-          </p:nvPr>
-        </p:nvSpPr>
-        <p:spPr/>
-        <p:txBody>
-          <a:bodyPr/>
-          <a:lstStyle/>
-          <a:p>
-            <a:pPr algn="ctr"/>
-            <a:r>
-              <a:rPr lang="en-US" b="1" dirty="0" smtClean="0"/>
-              <a:t>Model Configuration</a:t>
-            </a:r>
-            <a:endParaRPr lang="en-US" b="1" dirty="0"/>
-          </a:p>
-        </p:txBody>
-      </p:sp>
-      <p:sp>
-        <p:nvSpPr>
-          <p:cNvPr id="5" name="Text Placeholder 4"/>
-          <p:cNvSpPr>
-            <a:spLocks noGrp="1"/>
-          </p:cNvSpPr>
-          <p:nvPr>
-            <p:ph type="body" idx="1"/>
-          </p:nvPr>
-        </p:nvSpPr>
-        <p:spPr/>
-        <p:txBody>
-          <a:bodyPr/>
-          <a:lstStyle/>
-          <a:p>
-            <a:endParaRPr lang="en-US"/>
-          </a:p>
-        </p:txBody>
-      </p:sp>
-      <p:sp>
-        <p:nvSpPr>
-          <p:cNvPr id="2" name="Slide Number Placeholder 1"/>
-          <p:cNvSpPr>
-            <a:spLocks noGrp="1"/>
-          </p:cNvSpPr>
-          <p:nvPr>
-            <p:ph type="sldNum" sz="quarter" idx="12"/>
-          </p:nvPr>
-        </p:nvSpPr>
-        <p:spPr/>
-        <p:txBody>
-          <a:bodyPr/>
-          <a:lstStyle/>
-          <a:p>
-            <a:fld id="{247FB092-A999-4510-8992-5DF87EBC3E9E}" type="slidenum">
-              <a:rPr lang="en-US" smtClean="0"/>
-              <a:t>85</a:t>
-            </a:fld>
-            <a:endParaRPr lang="en-US"/>
-          </a:p>
-        </p:txBody>
-      </p:sp>
-    </p:spTree>
-    <p:extLst>
-      <p:ext uri="{BB962C8B-B14F-4D97-AF65-F5344CB8AC3E}">
-        <p14:creationId xmlns:p14="http://schemas.microsoft.com/office/powerpoint/2010/main" val="1122666375"/>
-      </p:ext>
-    </p:extLst>
-  </p:cSld>
-  <p:clrMapOvr>
-    <a:masterClrMapping/>
-  </p:clrMapOvr>
-</p:sld>
-</file>
-
-<file path=ppt/slides/slide86.xml><?xml version="1.0" encoding="utf-8"?>
-<p:sld xmlns:a="http://schemas.openxmlformats.org/drawingml/2006/main" xmlns:r="http://schemas.openxmlformats.org/officeDocument/2006/relationships" xmlns:p="http://schemas.openxmlformats.org/presentationml/2006/main">
-  <p:cSld>
-    <p:spTree>
-      <p:nvGrpSpPr>
-        <p:cNvPr id="1" name=""/>
-        <p:cNvGrpSpPr/>
-        <p:nvPr/>
-      </p:nvGrpSpPr>
-      <p:grpSpPr>
-        <a:xfrm>
-          <a:off x="0" y="0"/>
-          <a:ext cx="0" cy="0"/>
-          <a:chOff x="0" y="0"/>
-          <a:chExt cx="0" cy="0"/>
-        </a:xfrm>
-      </p:grpSpPr>
-      <p:sp>
-        <p:nvSpPr>
           <p:cNvPr id="2" name="Title 1"/>
           <p:cNvSpPr>
             <a:spLocks noGrp="1"/>
@@ -32755,764 +31747,7 @@
           <a:p>
             <a:r>
               <a:rPr lang="en-US" dirty="0" smtClean="0"/>
-              <a:t>simulation.html</a:t>
-            </a:r>
-            <a:endParaRPr lang="en-US" dirty="0"/>
-          </a:p>
-        </p:txBody>
-      </p:sp>
-      <p:sp>
-        <p:nvSpPr>
-          <p:cNvPr id="3" name="Content Placeholder 2"/>
-          <p:cNvSpPr>
-            <a:spLocks noGrp="1"/>
-          </p:cNvSpPr>
-          <p:nvPr>
-            <p:ph idx="1"/>
-          </p:nvPr>
-        </p:nvSpPr>
-        <p:spPr/>
-        <p:txBody>
-          <a:bodyPr/>
-          <a:lstStyle/>
-          <a:p>
-            <a:r>
-              <a:rPr lang="en-US" dirty="0" smtClean="0"/>
-              <a:t>Standard file that launches the simulation model, requires small changes</a:t>
-            </a:r>
-          </a:p>
-          <a:p>
-            <a:pPr lvl="1">
-              <a:spcBef>
-                <a:spcPts val="1200"/>
-              </a:spcBef>
-              <a:buFont typeface="Wingdings" panose="05000000000000000000" pitchFamily="2" charset="2"/>
-              <a:buChar char="§"/>
-            </a:pPr>
-            <a:r>
-              <a:rPr lang="en-US" dirty="0" smtClean="0"/>
-              <a:t>Tab title</a:t>
-            </a:r>
-          </a:p>
-          <a:p>
-            <a:pPr lvl="1">
-              <a:spcBef>
-                <a:spcPts val="1800"/>
-              </a:spcBef>
-              <a:buFont typeface="Wingdings" panose="05000000000000000000" pitchFamily="2" charset="2"/>
-              <a:buChar char="§"/>
-            </a:pPr>
-            <a:endParaRPr lang="en-US" dirty="0"/>
-          </a:p>
-          <a:p>
-            <a:pPr lvl="1">
-              <a:spcBef>
-                <a:spcPts val="3600"/>
-              </a:spcBef>
-              <a:buFont typeface="Wingdings" panose="05000000000000000000" pitchFamily="2" charset="2"/>
-              <a:buChar char="§"/>
-            </a:pPr>
-            <a:r>
-              <a:rPr lang="en-US" dirty="0" smtClean="0"/>
-              <a:t>Front title</a:t>
-            </a:r>
-            <a:endParaRPr lang="en-US" dirty="0"/>
-          </a:p>
-        </p:txBody>
-      </p:sp>
-      <p:sp>
-        <p:nvSpPr>
-          <p:cNvPr id="4" name="Rectangle 3"/>
-          <p:cNvSpPr/>
-          <p:nvPr/>
-        </p:nvSpPr>
-        <p:spPr>
-          <a:xfrm>
-            <a:off x="1634613" y="3127682"/>
-            <a:ext cx="6096000" cy="861774"/>
-          </a:xfrm>
-          <a:prstGeom prst="rect">
-            <a:avLst/>
-          </a:prstGeom>
-          <a:ln>
-            <a:solidFill>
-              <a:schemeClr val="tx1"/>
-            </a:solidFill>
-          </a:ln>
-        </p:spPr>
-        <p:txBody>
-          <a:bodyPr>
-            <a:spAutoFit/>
-          </a:bodyPr>
-          <a:lstStyle/>
-          <a:p>
-            <a:r>
-              <a:rPr lang="en-US" sz="1600" dirty="0" smtClean="0">
-                <a:latin typeface="Courier New" panose="02070309020205020404" pitchFamily="49" charset="0"/>
-                <a:cs typeface="Courier New" panose="02070309020205020404" pitchFamily="49" charset="0"/>
-              </a:rPr>
-              <a:t>&lt;head&gt;</a:t>
-            </a:r>
-          </a:p>
-          <a:p>
-            <a:r>
-              <a:rPr lang="en-US" sz="1600" dirty="0" smtClean="0">
-                <a:latin typeface="Courier New" panose="02070309020205020404" pitchFamily="49" charset="0"/>
-                <a:cs typeface="Courier New" panose="02070309020205020404" pitchFamily="49" charset="0"/>
-              </a:rPr>
-              <a:t>  &lt;meta charset="utf-8"/&gt;</a:t>
-            </a:r>
-          </a:p>
-          <a:p>
-            <a:r>
-              <a:rPr lang="en-US" sz="1600" b="1" dirty="0" smtClean="0">
-                <a:latin typeface="Courier New" panose="02070309020205020404" pitchFamily="49" charset="0"/>
-                <a:cs typeface="Courier New" panose="02070309020205020404" pitchFamily="49" charset="0"/>
-              </a:rPr>
-              <a:t>  &lt;title&gt;Purchasing Model (1)&lt;/title&gt;</a:t>
-            </a:r>
-            <a:endParaRPr lang="en-US" sz="1600" b="1" dirty="0">
-              <a:latin typeface="Courier New" panose="02070309020205020404" pitchFamily="49" charset="0"/>
-              <a:cs typeface="Courier New" panose="02070309020205020404" pitchFamily="49" charset="0"/>
-            </a:endParaRPr>
-          </a:p>
-        </p:txBody>
-      </p:sp>
-      <p:sp>
-        <p:nvSpPr>
-          <p:cNvPr id="5" name="Rectangle 4"/>
-          <p:cNvSpPr/>
-          <p:nvPr/>
-        </p:nvSpPr>
-        <p:spPr>
-          <a:xfrm>
-            <a:off x="1634613" y="4566603"/>
-            <a:ext cx="9446342" cy="1569660"/>
-          </a:xfrm>
-          <a:prstGeom prst="rect">
-            <a:avLst/>
-          </a:prstGeom>
-          <a:ln>
-            <a:solidFill>
-              <a:schemeClr val="tx1"/>
-            </a:solidFill>
-          </a:ln>
-        </p:spPr>
-        <p:txBody>
-          <a:bodyPr wrap="square">
-            <a:spAutoFit/>
-          </a:bodyPr>
-          <a:lstStyle/>
-          <a:p>
-            <a:r>
-              <a:rPr lang="en-US" sz="1600" dirty="0" smtClean="0">
-                <a:latin typeface="Courier New" panose="02070309020205020404" pitchFamily="49" charset="0"/>
-                <a:cs typeface="Courier New" panose="02070309020205020404" pitchFamily="49" charset="0"/>
-              </a:rPr>
-              <a:t>&lt;div id="</a:t>
-            </a:r>
-            <a:r>
-              <a:rPr lang="en-US" sz="1600" dirty="0" err="1" smtClean="0">
-                <a:latin typeface="Courier New" panose="02070309020205020404" pitchFamily="49" charset="0"/>
-                <a:cs typeface="Courier New" panose="02070309020205020404" pitchFamily="49" charset="0"/>
-              </a:rPr>
-              <a:t>frontMatter</a:t>
-            </a:r>
-            <a:r>
-              <a:rPr lang="en-US" sz="1600" dirty="0" smtClean="0">
-                <a:latin typeface="Courier New" panose="02070309020205020404" pitchFamily="49" charset="0"/>
-                <a:cs typeface="Courier New" panose="02070309020205020404" pitchFamily="49" charset="0"/>
-              </a:rPr>
-              <a:t>"&gt;</a:t>
-            </a:r>
-          </a:p>
-          <a:p>
-            <a:r>
-              <a:rPr lang="en-US" sz="1600" dirty="0" smtClean="0">
-                <a:latin typeface="Courier New" panose="02070309020205020404" pitchFamily="49" charset="0"/>
-                <a:cs typeface="Courier New" panose="02070309020205020404" pitchFamily="49" charset="0"/>
-              </a:rPr>
-              <a:t>  &lt;div id="sim4eduinfo"&gt;Created with the &lt;</a:t>
-            </a:r>
-            <a:r>
-              <a:rPr lang="en-US" sz="1600" dirty="0" err="1" smtClean="0">
-                <a:latin typeface="Courier New" panose="02070309020205020404" pitchFamily="49" charset="0"/>
-                <a:cs typeface="Courier New" panose="02070309020205020404" pitchFamily="49" charset="0"/>
-              </a:rPr>
-              <a:t>i</a:t>
-            </a:r>
-            <a:r>
-              <a:rPr lang="en-US" sz="1600" dirty="0" smtClean="0">
-                <a:latin typeface="Courier New" panose="02070309020205020404" pitchFamily="49" charset="0"/>
-                <a:cs typeface="Courier New" panose="02070309020205020404" pitchFamily="49" charset="0"/>
-              </a:rPr>
-              <a:t>&gt;Object Event Simulation (OES)&lt;/</a:t>
-            </a:r>
-            <a:r>
-              <a:rPr lang="en-US" sz="1600" dirty="0" err="1" smtClean="0">
-                <a:latin typeface="Courier New" panose="02070309020205020404" pitchFamily="49" charset="0"/>
-                <a:cs typeface="Courier New" panose="02070309020205020404" pitchFamily="49" charset="0"/>
-              </a:rPr>
-              <a:t>i</a:t>
-            </a:r>
-            <a:r>
-              <a:rPr lang="en-US" sz="1600" dirty="0" smtClean="0">
-                <a:latin typeface="Courier New" panose="02070309020205020404" pitchFamily="49" charset="0"/>
-                <a:cs typeface="Courier New" panose="02070309020205020404" pitchFamily="49" charset="0"/>
-              </a:rPr>
-              <a:t>&gt; framework &lt;b&gt;&lt;</a:t>
-            </a:r>
-            <a:r>
-              <a:rPr lang="en-US" sz="1600" dirty="0" err="1" smtClean="0">
-                <a:latin typeface="Courier New" panose="02070309020205020404" pitchFamily="49" charset="0"/>
-                <a:cs typeface="Courier New" panose="02070309020205020404" pitchFamily="49" charset="0"/>
-              </a:rPr>
-              <a:t>i</a:t>
-            </a:r>
-            <a:r>
-              <a:rPr lang="en-US" sz="1600" dirty="0" smtClean="0">
-                <a:latin typeface="Courier New" panose="02070309020205020404" pitchFamily="49" charset="0"/>
-                <a:cs typeface="Courier New" panose="02070309020205020404" pitchFamily="49" charset="0"/>
-              </a:rPr>
-              <a:t>&gt;</a:t>
-            </a:r>
-            <a:r>
-              <a:rPr lang="en-US" sz="1600" dirty="0" err="1" smtClean="0">
-                <a:latin typeface="Courier New" panose="02070309020205020404" pitchFamily="49" charset="0"/>
-                <a:cs typeface="Courier New" panose="02070309020205020404" pitchFamily="49" charset="0"/>
-              </a:rPr>
-              <a:t>OESjs</a:t>
-            </a:r>
-            <a:r>
-              <a:rPr lang="en-US" sz="1600" dirty="0" smtClean="0">
-                <a:latin typeface="Courier New" panose="02070309020205020404" pitchFamily="49" charset="0"/>
-                <a:cs typeface="Courier New" panose="02070309020205020404" pitchFamily="49" charset="0"/>
-              </a:rPr>
-              <a:t>&lt;/</a:t>
-            </a:r>
-            <a:r>
-              <a:rPr lang="en-US" sz="1600" dirty="0" err="1" smtClean="0">
-                <a:latin typeface="Courier New" panose="02070309020205020404" pitchFamily="49" charset="0"/>
-                <a:cs typeface="Courier New" panose="02070309020205020404" pitchFamily="49" charset="0"/>
-              </a:rPr>
-              <a:t>i</a:t>
-            </a:r>
-            <a:r>
-              <a:rPr lang="en-US" sz="1600" dirty="0" smtClean="0">
-                <a:latin typeface="Courier New" panose="02070309020205020404" pitchFamily="49" charset="0"/>
-                <a:cs typeface="Courier New" panose="02070309020205020404" pitchFamily="49" charset="0"/>
-              </a:rPr>
-              <a:t>&gt;&lt;/b&gt; available from</a:t>
-            </a:r>
-          </a:p>
-          <a:p>
-            <a:r>
-              <a:rPr lang="en-US" sz="1600" dirty="0" smtClean="0">
-                <a:latin typeface="Courier New" panose="02070309020205020404" pitchFamily="49" charset="0"/>
-                <a:cs typeface="Courier New" panose="02070309020205020404" pitchFamily="49" charset="0"/>
-              </a:rPr>
-              <a:t>    &lt;a </a:t>
-            </a:r>
-            <a:r>
-              <a:rPr lang="en-US" sz="1600" dirty="0" err="1" smtClean="0">
-                <a:latin typeface="Courier New" panose="02070309020205020404" pitchFamily="49" charset="0"/>
-                <a:cs typeface="Courier New" panose="02070309020205020404" pitchFamily="49" charset="0"/>
-              </a:rPr>
-              <a:t>href</a:t>
-            </a:r>
-            <a:r>
-              <a:rPr lang="en-US" sz="1600" dirty="0" smtClean="0">
-                <a:latin typeface="Courier New" panose="02070309020205020404" pitchFamily="49" charset="0"/>
-                <a:cs typeface="Courier New" panose="02070309020205020404" pitchFamily="49" charset="0"/>
-              </a:rPr>
-              <a:t>='https://sim4edu.com'&gt;sim4edu.com&lt;/a&gt;.&lt;/div&gt;</a:t>
-            </a:r>
-          </a:p>
-          <a:p>
-            <a:r>
-              <a:rPr lang="en-US" sz="1600" b="1" dirty="0" smtClean="0">
-                <a:latin typeface="Courier New" panose="02070309020205020404" pitchFamily="49" charset="0"/>
-                <a:cs typeface="Courier New" panose="02070309020205020404" pitchFamily="49" charset="0"/>
-              </a:rPr>
-              <a:t>  &lt;h1&gt;Purchasing Model (1)&lt;/h1&gt;</a:t>
-            </a:r>
-          </a:p>
-          <a:p>
-            <a:r>
-              <a:rPr lang="en-US" sz="1600" dirty="0" smtClean="0">
-                <a:latin typeface="Courier New" panose="02070309020205020404" pitchFamily="49" charset="0"/>
-                <a:cs typeface="Courier New" panose="02070309020205020404" pitchFamily="49" charset="0"/>
-              </a:rPr>
-              <a:t>&lt;/div&gt;</a:t>
-            </a:r>
-            <a:endParaRPr lang="en-US" sz="1600" dirty="0">
-              <a:latin typeface="Courier New" panose="02070309020205020404" pitchFamily="49" charset="0"/>
-              <a:cs typeface="Courier New" panose="02070309020205020404" pitchFamily="49" charset="0"/>
-            </a:endParaRPr>
-          </a:p>
-        </p:txBody>
-      </p:sp>
-      <p:sp>
-        <p:nvSpPr>
-          <p:cNvPr id="6" name="Slide Number Placeholder 5"/>
-          <p:cNvSpPr>
-            <a:spLocks noGrp="1"/>
-          </p:cNvSpPr>
-          <p:nvPr>
-            <p:ph type="sldNum" sz="quarter" idx="12"/>
-          </p:nvPr>
-        </p:nvSpPr>
-        <p:spPr/>
-        <p:txBody>
-          <a:bodyPr/>
-          <a:lstStyle/>
-          <a:p>
-            <a:fld id="{247FB092-A999-4510-8992-5DF87EBC3E9E}" type="slidenum">
-              <a:rPr lang="en-US" smtClean="0"/>
-              <a:t>86</a:t>
-            </a:fld>
-            <a:endParaRPr lang="en-US"/>
-          </a:p>
-        </p:txBody>
-      </p:sp>
-    </p:spTree>
-    <p:extLst>
-      <p:ext uri="{BB962C8B-B14F-4D97-AF65-F5344CB8AC3E}">
-        <p14:creationId xmlns:p14="http://schemas.microsoft.com/office/powerpoint/2010/main" val="4278202090"/>
-      </p:ext>
-    </p:extLst>
-  </p:cSld>
-  <p:clrMapOvr>
-    <a:masterClrMapping/>
-  </p:clrMapOvr>
-</p:sld>
-</file>
-
-<file path=ppt/slides/slide87.xml><?xml version="1.0" encoding="utf-8"?>
-<p:sld xmlns:a="http://schemas.openxmlformats.org/drawingml/2006/main" xmlns:r="http://schemas.openxmlformats.org/officeDocument/2006/relationships" xmlns:p="http://schemas.openxmlformats.org/presentationml/2006/main">
-  <p:cSld>
-    <p:spTree>
-      <p:nvGrpSpPr>
-        <p:cNvPr id="1" name=""/>
-        <p:cNvGrpSpPr/>
-        <p:nvPr/>
-      </p:nvGrpSpPr>
-      <p:grpSpPr>
-        <a:xfrm>
-          <a:off x="0" y="0"/>
-          <a:ext cx="0" cy="0"/>
-          <a:chOff x="0" y="0"/>
-          <a:chExt cx="0" cy="0"/>
-        </a:xfrm>
-      </p:grpSpPr>
-      <p:sp>
-        <p:nvSpPr>
-          <p:cNvPr id="2" name="Title 1"/>
-          <p:cNvSpPr>
-            <a:spLocks noGrp="1"/>
-          </p:cNvSpPr>
-          <p:nvPr>
-            <p:ph type="title"/>
-          </p:nvPr>
-        </p:nvSpPr>
-        <p:spPr/>
-        <p:txBody>
-          <a:bodyPr/>
-          <a:lstStyle/>
-          <a:p>
-            <a:r>
-              <a:rPr lang="en-US" dirty="0" smtClean="0"/>
-              <a:t>description.html</a:t>
-            </a:r>
-            <a:endParaRPr lang="en-US" dirty="0"/>
-          </a:p>
-        </p:txBody>
-      </p:sp>
-      <p:sp>
-        <p:nvSpPr>
-          <p:cNvPr id="3" name="Content Placeholder 2"/>
-          <p:cNvSpPr>
-            <a:spLocks noGrp="1"/>
-          </p:cNvSpPr>
-          <p:nvPr>
-            <p:ph idx="1"/>
-          </p:nvPr>
-        </p:nvSpPr>
-        <p:spPr/>
-        <p:txBody>
-          <a:bodyPr/>
-          <a:lstStyle/>
-          <a:p>
-            <a:r>
-              <a:rPr lang="en-US" dirty="0" smtClean="0"/>
-              <a:t>Standard file that contains the description of the simulation model</a:t>
-            </a:r>
-          </a:p>
-          <a:p>
-            <a:pPr lvl="1">
-              <a:spcBef>
-                <a:spcPts val="1200"/>
-              </a:spcBef>
-              <a:buFont typeface="Wingdings" panose="05000000000000000000" pitchFamily="2" charset="2"/>
-              <a:buChar char="§"/>
-            </a:pPr>
-            <a:r>
-              <a:rPr lang="en-US" dirty="0" smtClean="0"/>
-              <a:t>Tab title</a:t>
-            </a:r>
-          </a:p>
-          <a:p>
-            <a:pPr lvl="1">
-              <a:spcBef>
-                <a:spcPts val="1800"/>
-              </a:spcBef>
-              <a:buFont typeface="Wingdings" panose="05000000000000000000" pitchFamily="2" charset="2"/>
-              <a:buChar char="§"/>
-            </a:pPr>
-            <a:endParaRPr lang="en-US" dirty="0"/>
-          </a:p>
-          <a:p>
-            <a:pPr lvl="1">
-              <a:spcBef>
-                <a:spcPts val="3600"/>
-              </a:spcBef>
-              <a:buFont typeface="Wingdings" panose="05000000000000000000" pitchFamily="2" charset="2"/>
-              <a:buChar char="§"/>
-            </a:pPr>
-            <a:r>
-              <a:rPr lang="en-US" dirty="0" smtClean="0"/>
-              <a:t>Description</a:t>
-            </a:r>
-            <a:endParaRPr lang="en-US" dirty="0"/>
-          </a:p>
-        </p:txBody>
-      </p:sp>
-      <p:sp>
-        <p:nvSpPr>
-          <p:cNvPr id="4" name="Rectangle 3"/>
-          <p:cNvSpPr/>
-          <p:nvPr/>
-        </p:nvSpPr>
-        <p:spPr>
-          <a:xfrm>
-            <a:off x="1614948" y="2810022"/>
-            <a:ext cx="6096000" cy="738664"/>
-          </a:xfrm>
-          <a:prstGeom prst="rect">
-            <a:avLst/>
-          </a:prstGeom>
-          <a:ln>
-            <a:solidFill>
-              <a:schemeClr val="tx1"/>
-            </a:solidFill>
-          </a:ln>
-        </p:spPr>
-        <p:txBody>
-          <a:bodyPr>
-            <a:spAutoFit/>
-          </a:bodyPr>
-          <a:lstStyle/>
-          <a:p>
-            <a:r>
-              <a:rPr lang="en-US" sz="1400" dirty="0" smtClean="0">
-                <a:latin typeface="Courier New" panose="02070309020205020404" pitchFamily="49" charset="0"/>
-                <a:cs typeface="Courier New" panose="02070309020205020404" pitchFamily="49" charset="0"/>
-              </a:rPr>
-              <a:t>&lt;head&gt;</a:t>
-            </a:r>
-          </a:p>
-          <a:p>
-            <a:r>
-              <a:rPr lang="en-US" sz="1400" dirty="0" smtClean="0">
-                <a:latin typeface="Courier New" panose="02070309020205020404" pitchFamily="49" charset="0"/>
-                <a:cs typeface="Courier New" panose="02070309020205020404" pitchFamily="49" charset="0"/>
-              </a:rPr>
-              <a:t>  &lt;meta charset="utf-8"/&gt;</a:t>
-            </a:r>
-          </a:p>
-          <a:p>
-            <a:r>
-              <a:rPr lang="en-US" sz="1400" b="1" dirty="0" smtClean="0">
-                <a:latin typeface="Courier New" panose="02070309020205020404" pitchFamily="49" charset="0"/>
-                <a:cs typeface="Courier New" panose="02070309020205020404" pitchFamily="49" charset="0"/>
-              </a:rPr>
-              <a:t>  &lt;title&gt;Purchasing Model (1)&lt;/title&gt;</a:t>
-            </a:r>
-            <a:endParaRPr lang="en-US" sz="1400" b="1" dirty="0">
-              <a:latin typeface="Courier New" panose="02070309020205020404" pitchFamily="49" charset="0"/>
-              <a:cs typeface="Courier New" panose="02070309020205020404" pitchFamily="49" charset="0"/>
-            </a:endParaRPr>
-          </a:p>
-        </p:txBody>
-      </p:sp>
-      <p:sp>
-        <p:nvSpPr>
-          <p:cNvPr id="5" name="Rectangle 4"/>
-          <p:cNvSpPr/>
-          <p:nvPr/>
-        </p:nvSpPr>
-        <p:spPr>
-          <a:xfrm>
-            <a:off x="1614948" y="4128066"/>
-            <a:ext cx="10046110" cy="2246769"/>
-          </a:xfrm>
-          <a:prstGeom prst="rect">
-            <a:avLst/>
-          </a:prstGeom>
-          <a:ln>
-            <a:solidFill>
-              <a:schemeClr val="tx1"/>
-            </a:solidFill>
-          </a:ln>
-        </p:spPr>
-        <p:txBody>
-          <a:bodyPr wrap="square">
-            <a:spAutoFit/>
-          </a:bodyPr>
-          <a:lstStyle/>
-          <a:p>
-            <a:r>
-              <a:rPr lang="en-US" sz="1400" dirty="0" smtClean="0">
-                <a:latin typeface="Courier New" panose="02070309020205020404" pitchFamily="49" charset="0"/>
-                <a:cs typeface="Courier New" panose="02070309020205020404" pitchFamily="49" charset="0"/>
-              </a:rPr>
-              <a:t>&lt;body </a:t>
-            </a:r>
-            <a:r>
-              <a:rPr lang="en-US" sz="1400" dirty="0" err="1" smtClean="0">
-                <a:latin typeface="Courier New" panose="02070309020205020404" pitchFamily="49" charset="0"/>
-                <a:cs typeface="Courier New" panose="02070309020205020404" pitchFamily="49" charset="0"/>
-              </a:rPr>
-              <a:t>onload</a:t>
-            </a:r>
-            <a:r>
-              <a:rPr lang="en-US" sz="1400" dirty="0" smtClean="0">
-                <a:latin typeface="Courier New" panose="02070309020205020404" pitchFamily="49" charset="0"/>
-                <a:cs typeface="Courier New" panose="02070309020205020404" pitchFamily="49" charset="0"/>
-              </a:rPr>
-              <a:t>="</a:t>
-            </a:r>
-            <a:r>
-              <a:rPr lang="en-US" sz="1400" dirty="0" err="1" smtClean="0">
-                <a:latin typeface="Courier New" panose="02070309020205020404" pitchFamily="49" charset="0"/>
-                <a:cs typeface="Courier New" panose="02070309020205020404" pitchFamily="49" charset="0"/>
-              </a:rPr>
-              <a:t>oes.ui.setupDescription</a:t>
-            </a:r>
-            <a:r>
-              <a:rPr lang="en-US" sz="1400" dirty="0" smtClean="0">
-                <a:latin typeface="Courier New" panose="02070309020205020404" pitchFamily="49" charset="0"/>
-                <a:cs typeface="Courier New" panose="02070309020205020404" pitchFamily="49" charset="0"/>
-              </a:rPr>
-              <a:t>()"&gt;</a:t>
-            </a:r>
-          </a:p>
-          <a:p>
-            <a:r>
-              <a:rPr lang="en-US" sz="1400" dirty="0" smtClean="0">
-                <a:latin typeface="Courier New" panose="02070309020205020404" pitchFamily="49" charset="0"/>
-                <a:cs typeface="Courier New" panose="02070309020205020404" pitchFamily="49" charset="0"/>
-              </a:rPr>
-              <a:t>  &lt;div id="</a:t>
-            </a:r>
-            <a:r>
-              <a:rPr lang="en-US" sz="1400" dirty="0" err="1" smtClean="0">
-                <a:latin typeface="Courier New" panose="02070309020205020404" pitchFamily="49" charset="0"/>
-                <a:cs typeface="Courier New" panose="02070309020205020404" pitchFamily="49" charset="0"/>
-              </a:rPr>
-              <a:t>frontMatter</a:t>
-            </a:r>
-            <a:r>
-              <a:rPr lang="en-US" sz="1400" dirty="0" smtClean="0">
-                <a:latin typeface="Courier New" panose="02070309020205020404" pitchFamily="49" charset="0"/>
-                <a:cs typeface="Courier New" panose="02070309020205020404" pitchFamily="49" charset="0"/>
-              </a:rPr>
-              <a:t>"&gt;</a:t>
-            </a:r>
-          </a:p>
-          <a:p>
-            <a:r>
-              <a:rPr lang="en-US" sz="1400" dirty="0" smtClean="0">
-                <a:latin typeface="Courier New" panose="02070309020205020404" pitchFamily="49" charset="0"/>
-                <a:cs typeface="Courier New" panose="02070309020205020404" pitchFamily="49" charset="0"/>
-              </a:rPr>
-              <a:t>    </a:t>
-            </a:r>
-            <a:r>
-              <a:rPr lang="en-US" sz="1400" b="1" dirty="0" smtClean="0">
-                <a:latin typeface="Courier New" panose="02070309020205020404" pitchFamily="49" charset="0"/>
-                <a:cs typeface="Courier New" panose="02070309020205020404" pitchFamily="49" charset="0"/>
-              </a:rPr>
-              <a:t>&lt;h1&gt;Purchasing Model&lt;/h1&gt;</a:t>
-            </a:r>
-          </a:p>
-          <a:p>
-            <a:r>
-              <a:rPr lang="en-US" sz="1400" dirty="0" smtClean="0">
-                <a:latin typeface="Courier New" panose="02070309020205020404" pitchFamily="49" charset="0"/>
-                <a:cs typeface="Courier New" panose="02070309020205020404" pitchFamily="49" charset="0"/>
-              </a:rPr>
-              <a:t>    </a:t>
-            </a:r>
-            <a:r>
-              <a:rPr lang="en-US" sz="1400" b="1" dirty="0" smtClean="0">
-                <a:latin typeface="Courier New" panose="02070309020205020404" pitchFamily="49" charset="0"/>
-                <a:cs typeface="Courier New" panose="02070309020205020404" pitchFamily="49" charset="0"/>
-              </a:rPr>
-              <a:t>&lt;p&gt;&lt;strong&gt;Classification tags&lt;/strong&gt;: business operations management, DES, next-event time progression&lt;/p&gt;</a:t>
-            </a:r>
-          </a:p>
-          <a:p>
-            <a:r>
-              <a:rPr lang="en-US" sz="1400" dirty="0" smtClean="0">
-                <a:latin typeface="Courier New" panose="02070309020205020404" pitchFamily="49" charset="0"/>
-                <a:cs typeface="Courier New" panose="02070309020205020404" pitchFamily="49" charset="0"/>
-              </a:rPr>
-              <a:t>    &lt;section id="</a:t>
-            </a:r>
-            <a:r>
-              <a:rPr lang="en-US" sz="1400" dirty="0" err="1" smtClean="0">
-                <a:latin typeface="Courier New" panose="02070309020205020404" pitchFamily="49" charset="0"/>
-                <a:cs typeface="Courier New" panose="02070309020205020404" pitchFamily="49" charset="0"/>
-              </a:rPr>
-              <a:t>shortDescription</a:t>
-            </a:r>
-            <a:r>
-              <a:rPr lang="en-US" sz="1400" dirty="0" smtClean="0">
-                <a:latin typeface="Courier New" panose="02070309020205020404" pitchFamily="49" charset="0"/>
-                <a:cs typeface="Courier New" panose="02070309020205020404" pitchFamily="49" charset="0"/>
-              </a:rPr>
-              <a:t>"&gt;</a:t>
-            </a:r>
-          </a:p>
-          <a:p>
-            <a:r>
-              <a:rPr lang="en-US" sz="1400" dirty="0" smtClean="0">
-                <a:latin typeface="Courier New" panose="02070309020205020404" pitchFamily="49" charset="0"/>
-                <a:cs typeface="Courier New" panose="02070309020205020404" pitchFamily="49" charset="0"/>
-              </a:rPr>
-              <a:t>    &lt;/section&gt;</a:t>
-            </a:r>
-          </a:p>
-          <a:p>
-            <a:r>
-              <a:rPr lang="en-US" sz="1400" dirty="0" smtClean="0">
-                <a:latin typeface="Courier New" panose="02070309020205020404" pitchFamily="49" charset="0"/>
-                <a:cs typeface="Courier New" panose="02070309020205020404" pitchFamily="49" charset="0"/>
-              </a:rPr>
-              <a:t>  &lt;/div&gt;</a:t>
-            </a:r>
-          </a:p>
-          <a:p>
-            <a:r>
-              <a:rPr lang="en-US" sz="1400" dirty="0">
-                <a:latin typeface="Courier New" panose="02070309020205020404" pitchFamily="49" charset="0"/>
-                <a:cs typeface="Courier New" panose="02070309020205020404" pitchFamily="49" charset="0"/>
-              </a:rPr>
-              <a:t>	</a:t>
-            </a:r>
-            <a:r>
-              <a:rPr lang="en-US" sz="1400" b="1" dirty="0" smtClean="0">
-                <a:latin typeface="Courier New" panose="02070309020205020404" pitchFamily="49" charset="0"/>
-                <a:cs typeface="Courier New" panose="02070309020205020404" pitchFamily="49" charset="0"/>
-              </a:rPr>
-              <a:t>...</a:t>
-            </a:r>
-          </a:p>
-          <a:p>
-            <a:r>
-              <a:rPr lang="en-US" sz="1400" dirty="0" smtClean="0">
-                <a:latin typeface="Courier New" panose="02070309020205020404" pitchFamily="49" charset="0"/>
-                <a:cs typeface="Courier New" panose="02070309020205020404" pitchFamily="49" charset="0"/>
-              </a:rPr>
-              <a:t>&lt;/body&gt;</a:t>
-            </a:r>
-            <a:endParaRPr lang="en-US" sz="1400" dirty="0">
-              <a:latin typeface="Courier New" panose="02070309020205020404" pitchFamily="49" charset="0"/>
-              <a:cs typeface="Courier New" panose="02070309020205020404" pitchFamily="49" charset="0"/>
-            </a:endParaRPr>
-          </a:p>
-        </p:txBody>
-      </p:sp>
-      <p:sp>
-        <p:nvSpPr>
-          <p:cNvPr id="6" name="Slide Number Placeholder 5"/>
-          <p:cNvSpPr>
-            <a:spLocks noGrp="1"/>
-          </p:cNvSpPr>
-          <p:nvPr>
-            <p:ph type="sldNum" sz="quarter" idx="12"/>
-          </p:nvPr>
-        </p:nvSpPr>
-        <p:spPr/>
-        <p:txBody>
-          <a:bodyPr/>
-          <a:lstStyle/>
-          <a:p>
-            <a:fld id="{247FB092-A999-4510-8992-5DF87EBC3E9E}" type="slidenum">
-              <a:rPr lang="en-US" smtClean="0"/>
-              <a:t>87</a:t>
-            </a:fld>
-            <a:endParaRPr lang="en-US"/>
-          </a:p>
-        </p:txBody>
-      </p:sp>
-    </p:spTree>
-    <p:extLst>
-      <p:ext uri="{BB962C8B-B14F-4D97-AF65-F5344CB8AC3E}">
-        <p14:creationId xmlns:p14="http://schemas.microsoft.com/office/powerpoint/2010/main" val="583244921"/>
-      </p:ext>
-    </p:extLst>
-  </p:cSld>
-  <p:clrMapOvr>
-    <a:masterClrMapping/>
-  </p:clrMapOvr>
-</p:sld>
-</file>
-
-<file path=ppt/slides/slide88.xml><?xml version="1.0" encoding="utf-8"?>
-<p:sld xmlns:a="http://schemas.openxmlformats.org/drawingml/2006/main" xmlns:r="http://schemas.openxmlformats.org/officeDocument/2006/relationships" xmlns:p="http://schemas.openxmlformats.org/presentationml/2006/main">
-  <p:cSld>
-    <p:spTree>
-      <p:nvGrpSpPr>
-        <p:cNvPr id="1" name=""/>
-        <p:cNvGrpSpPr/>
-        <p:nvPr/>
-      </p:nvGrpSpPr>
-      <p:grpSpPr>
-        <a:xfrm>
-          <a:off x="0" y="0"/>
-          <a:ext cx="0" cy="0"/>
-          <a:chOff x="0" y="0"/>
-          <a:chExt cx="0" cy="0"/>
-        </a:xfrm>
-      </p:grpSpPr>
-      <p:sp>
-        <p:nvSpPr>
-          <p:cNvPr id="2" name="Title 1"/>
-          <p:cNvSpPr>
-            <a:spLocks noGrp="1"/>
-          </p:cNvSpPr>
-          <p:nvPr>
-            <p:ph type="title"/>
-          </p:nvPr>
-        </p:nvSpPr>
-        <p:spPr/>
-        <p:txBody>
-          <a:bodyPr/>
-          <a:lstStyle/>
-          <a:p>
-            <a:r>
-              <a:rPr lang="en-US" dirty="0" smtClean="0"/>
-              <a:t>Simulation </a:t>
-            </a:r>
-            <a:r>
-              <a:rPr lang="en-US" dirty="0" smtClean="0"/>
-              <a:t>Model Configuration </a:t>
-            </a:r>
-            <a:r>
-              <a:rPr lang="en-US" dirty="0" smtClean="0"/>
-              <a:t>(simulation.js)</a:t>
+              <a:t>Simulation Model Configuration (simulation.js)</a:t>
             </a:r>
             <a:endParaRPr lang="en-US" dirty="0"/>
           </a:p>
@@ -33805,7 +32040,7 @@
           <a:p>
             <a:fld id="{247FB092-A999-4510-8992-5DF87EBC3E9E}" type="slidenum">
               <a:rPr lang="en-US" smtClean="0"/>
-              <a:t>88</a:t>
+              <a:t>85</a:t>
             </a:fld>
             <a:endParaRPr lang="en-US"/>
           </a:p>
@@ -33824,7 +32059,7 @@
 </p:sld>
 </file>
 
-<file path=ppt/slides/slide89.xml><?xml version="1.0" encoding="utf-8"?>
+<file path=ppt/slides/slide86.xml><?xml version="1.0" encoding="utf-8"?>
 <p:sld xmlns:a="http://schemas.openxmlformats.org/drawingml/2006/main" xmlns:r="http://schemas.openxmlformats.org/officeDocument/2006/relationships" xmlns:p="http://schemas.openxmlformats.org/presentationml/2006/main">
   <p:cSld>
     <p:spTree>
@@ -33858,11 +32093,7 @@
           <a:p>
             <a:r>
               <a:rPr lang="en-US" dirty="0" smtClean="0"/>
-              <a:t>Global Functions </a:t>
-            </a:r>
-            <a:r>
-              <a:rPr lang="en-US" dirty="0" smtClean="0"/>
-              <a:t>(simulation.js)</a:t>
+              <a:t>Global Functions (simulation.js)</a:t>
             </a:r>
             <a:endParaRPr lang="en-US" dirty="0"/>
           </a:p>
@@ -33908,14 +32139,7 @@
                 <a:latin typeface="Courier New" panose="02070309020205020404" pitchFamily="49" charset="0"/>
                 <a:cs typeface="Courier New" panose="02070309020205020404" pitchFamily="49" charset="0"/>
               </a:rPr>
-              <a:t>.&lt;name</a:t>
-            </a:r>
-            <a:r>
-              <a:rPr lang="en-US" sz="1600" dirty="0" smtClean="0">
-                <a:latin typeface="Courier New" panose="02070309020205020404" pitchFamily="49" charset="0"/>
-                <a:cs typeface="Courier New" panose="02070309020205020404" pitchFamily="49" charset="0"/>
-              </a:rPr>
-              <a:t>&gt;</a:t>
+              <a:t>.&lt;name&gt;</a:t>
             </a:r>
             <a:endParaRPr lang="en-US" dirty="0"/>
           </a:p>
@@ -33991,14 +32215,7 @@
                 <a:latin typeface="Courier New" panose="02070309020205020404" pitchFamily="49" charset="0"/>
                 <a:cs typeface="Courier New" panose="02070309020205020404" pitchFamily="49" charset="0"/>
               </a:rPr>
-              <a:t> </a:t>
-            </a:r>
-            <a:r>
-              <a:rPr lang="en-US" sz="1400" dirty="0" smtClean="0">
-                <a:latin typeface="Courier New" panose="02070309020205020404" pitchFamily="49" charset="0"/>
-                <a:cs typeface="Courier New" panose="02070309020205020404" pitchFamily="49" charset="0"/>
-              </a:rPr>
-              <a:t>+= </a:t>
+              <a:t> += </a:t>
             </a:r>
             <a:r>
               <a:rPr lang="en-US" sz="1400" dirty="0" err="1">
@@ -34079,7 +32296,7 @@
           <a:p>
             <a:fld id="{247FB092-A999-4510-8992-5DF87EBC3E9E}" type="slidenum">
               <a:rPr lang="en-US" smtClean="0"/>
-              <a:t>89</a:t>
+              <a:t>86</a:t>
             </a:fld>
             <a:endParaRPr lang="en-US"/>
           </a:p>
@@ -34089,6 +32306,954 @@
     <p:extLst>
       <p:ext uri="{BB962C8B-B14F-4D97-AF65-F5344CB8AC3E}">
         <p14:creationId xmlns:p14="http://schemas.microsoft.com/office/powerpoint/2010/main" val="3201180632"/>
+      </p:ext>
+    </p:extLst>
+  </p:cSld>
+  <p:clrMapOvr>
+    <a:masterClrMapping/>
+  </p:clrMapOvr>
+</p:sld>
+</file>
+
+<file path=ppt/slides/slide87.xml><?xml version="1.0" encoding="utf-8"?>
+<p:sld xmlns:a="http://schemas.openxmlformats.org/drawingml/2006/main" xmlns:r="http://schemas.openxmlformats.org/officeDocument/2006/relationships" xmlns:p="http://schemas.openxmlformats.org/presentationml/2006/main">
+  <p:cSld>
+    <p:spTree>
+      <p:nvGrpSpPr>
+        <p:cNvPr id="1" name=""/>
+        <p:cNvGrpSpPr/>
+        <p:nvPr/>
+      </p:nvGrpSpPr>
+      <p:grpSpPr>
+        <a:xfrm>
+          <a:off x="0" y="0"/>
+          <a:ext cx="0" cy="0"/>
+          <a:chOff x="0" y="0"/>
+          <a:chExt cx="0" cy="0"/>
+        </a:xfrm>
+      </p:grpSpPr>
+      <p:sp>
+        <p:nvSpPr>
+          <p:cNvPr id="2" name="Title 1"/>
+          <p:cNvSpPr>
+            <a:spLocks noGrp="1"/>
+          </p:cNvSpPr>
+          <p:nvPr>
+            <p:ph type="title"/>
+          </p:nvPr>
+        </p:nvSpPr>
+        <p:spPr/>
+        <p:txBody>
+          <a:bodyPr/>
+          <a:lstStyle/>
+          <a:p>
+            <a:r>
+              <a:rPr lang="en-US" dirty="0" smtClean="0"/>
+              <a:t>Space </a:t>
+            </a:r>
+            <a:r>
+              <a:rPr lang="en-US" dirty="0" smtClean="0"/>
+              <a:t>Configuration (simulation.js)</a:t>
+            </a:r>
+            <a:endParaRPr lang="en-US" dirty="0"/>
+          </a:p>
+        </p:txBody>
+      </p:sp>
+      <p:sp>
+        <p:nvSpPr>
+          <p:cNvPr id="3" name="Content Placeholder 2"/>
+          <p:cNvSpPr>
+            <a:spLocks noGrp="1"/>
+          </p:cNvSpPr>
+          <p:nvPr>
+            <p:ph idx="1"/>
+          </p:nvPr>
+        </p:nvSpPr>
+        <p:spPr/>
+        <p:txBody>
+          <a:bodyPr/>
+          <a:lstStyle/>
+          <a:p>
+            <a:r>
+              <a:rPr lang="en-US" dirty="0" err="1" smtClean="0"/>
+              <a:t>OESjs</a:t>
+            </a:r>
+            <a:r>
+              <a:rPr lang="en-US" dirty="0" smtClean="0"/>
+              <a:t> allows to represent the space as a 2D-Grid</a:t>
+            </a:r>
+          </a:p>
+          <a:p>
+            <a:r>
+              <a:rPr lang="en-US" dirty="0" smtClean="0"/>
+              <a:t>The grid dimensions are defined by the </a:t>
+            </a:r>
+            <a:r>
+              <a:rPr lang="en-US" sz="1800" dirty="0" err="1" smtClean="0">
+                <a:latin typeface="Courier New" panose="02070309020205020404" pitchFamily="49" charset="0"/>
+                <a:cs typeface="Courier New" panose="02070309020205020404" pitchFamily="49" charset="0"/>
+              </a:rPr>
+              <a:t>sim.model.space</a:t>
+            </a:r>
+            <a:r>
+              <a:rPr lang="en-US" dirty="0"/>
+              <a:t> </a:t>
+            </a:r>
+            <a:r>
+              <a:rPr lang="en-US" dirty="0" smtClean="0"/>
+              <a:t>object</a:t>
+            </a:r>
+            <a:endParaRPr lang="en-US" dirty="0"/>
+          </a:p>
+        </p:txBody>
+      </p:sp>
+      <p:graphicFrame>
+        <p:nvGraphicFramePr>
+          <p:cNvPr id="4" name="Table 3"/>
+          <p:cNvGraphicFramePr>
+            <a:graphicFrameLocks noGrp="1"/>
+          </p:cNvGraphicFramePr>
+          <p:nvPr>
+            <p:extLst/>
+          </p:nvPr>
+        </p:nvGraphicFramePr>
+        <p:xfrm>
+          <a:off x="838200" y="3068541"/>
+          <a:ext cx="10236200" cy="1483360"/>
+        </p:xfrm>
+        <a:graphic>
+          <a:graphicData uri="http://schemas.openxmlformats.org/drawingml/2006/table">
+            <a:tbl>
+              <a:tblPr firstRow="1" bandRow="1">
+                <a:tableStyleId>{073A0DAA-6AF3-43AB-8588-CEC1D06C72B9}</a:tableStyleId>
+              </a:tblPr>
+              <a:tblGrid>
+                <a:gridCol w="3110271">
+                  <a:extLst>
+                    <a:ext uri="{9D8B030D-6E8A-4147-A177-3AD203B41FA5}">
+                      <a16:colId xmlns:a16="http://schemas.microsoft.com/office/drawing/2014/main" val="2126260877"/>
+                    </a:ext>
+                  </a:extLst>
+                </a:gridCol>
+                <a:gridCol w="7125929">
+                  <a:extLst>
+                    <a:ext uri="{9D8B030D-6E8A-4147-A177-3AD203B41FA5}">
+                      <a16:colId xmlns:a16="http://schemas.microsoft.com/office/drawing/2014/main" val="533787969"/>
+                    </a:ext>
+                  </a:extLst>
+                </a:gridCol>
+              </a:tblGrid>
+              <a:tr h="370840">
+                <a:tc>
+                  <a:txBody>
+                    <a:bodyPr/>
+                    <a:lstStyle/>
+                    <a:p>
+                      <a:r>
+                        <a:rPr lang="en-US" dirty="0" smtClean="0"/>
+                        <a:t>Property</a:t>
+                      </a:r>
+                      <a:endParaRPr lang="en-US" dirty="0"/>
+                    </a:p>
+                  </a:txBody>
+                  <a:tcPr/>
+                </a:tc>
+                <a:tc>
+                  <a:txBody>
+                    <a:bodyPr/>
+                    <a:lstStyle/>
+                    <a:p>
+                      <a:r>
+                        <a:rPr lang="en-US" dirty="0" smtClean="0"/>
+                        <a:t>Description</a:t>
+                      </a:r>
+                      <a:endParaRPr lang="en-US" dirty="0"/>
+                    </a:p>
+                  </a:txBody>
+                  <a:tcPr/>
+                </a:tc>
+                <a:extLst>
+                  <a:ext uri="{0D108BD9-81ED-4DB2-BD59-A6C34878D82A}">
+                    <a16:rowId xmlns:a16="http://schemas.microsoft.com/office/drawing/2014/main" val="3995793087"/>
+                  </a:ext>
+                </a:extLst>
+              </a:tr>
+              <a:tr h="370840">
+                <a:tc>
+                  <a:txBody>
+                    <a:bodyPr/>
+                    <a:lstStyle/>
+                    <a:p>
+                      <a:r>
+                        <a:rPr lang="en-US" sz="1400" dirty="0" err="1" smtClean="0">
+                          <a:latin typeface="Courier New" panose="02070309020205020404" pitchFamily="49" charset="0"/>
+                          <a:cs typeface="Courier New" panose="02070309020205020404" pitchFamily="49" charset="0"/>
+                        </a:rPr>
+                        <a:t>Sim.model.space.type</a:t>
+                      </a:r>
+                      <a:endParaRPr lang="en-US" sz="1400" dirty="0">
+                        <a:latin typeface="Courier New" panose="02070309020205020404" pitchFamily="49" charset="0"/>
+                        <a:cs typeface="Courier New" panose="02070309020205020404" pitchFamily="49" charset="0"/>
+                      </a:endParaRPr>
+                    </a:p>
+                  </a:txBody>
+                  <a:tcPr/>
+                </a:tc>
+                <a:tc>
+                  <a:txBody>
+                    <a:bodyPr/>
+                    <a:lstStyle/>
+                    <a:p>
+                      <a:r>
+                        <a:rPr lang="en-US" dirty="0" smtClean="0"/>
+                        <a:t>Define the type of space to be represented (</a:t>
+                      </a:r>
+                      <a:r>
+                        <a:rPr lang="en-US" sz="1400" dirty="0" err="1" smtClean="0">
+                          <a:latin typeface="Courier New" panose="02070309020205020404" pitchFamily="49" charset="0"/>
+                          <a:cs typeface="Courier New" panose="02070309020205020404" pitchFamily="49" charset="0"/>
+                        </a:rPr>
+                        <a:t>IntegerGrid</a:t>
+                      </a:r>
+                      <a:r>
+                        <a:rPr lang="en-US" dirty="0" smtClean="0"/>
+                        <a:t>)</a:t>
+                      </a:r>
+                      <a:endParaRPr lang="en-US" dirty="0"/>
+                    </a:p>
+                  </a:txBody>
+                  <a:tcPr/>
+                </a:tc>
+                <a:extLst>
+                  <a:ext uri="{0D108BD9-81ED-4DB2-BD59-A6C34878D82A}">
+                    <a16:rowId xmlns:a16="http://schemas.microsoft.com/office/drawing/2014/main" val="2828906007"/>
+                  </a:ext>
+                </a:extLst>
+              </a:tr>
+              <a:tr h="370840">
+                <a:tc>
+                  <a:txBody>
+                    <a:bodyPr/>
+                    <a:lstStyle/>
+                    <a:p>
+                      <a:r>
+                        <a:rPr lang="en-US" sz="1400" dirty="0" err="1" smtClean="0">
+                          <a:latin typeface="Courier New" panose="02070309020205020404" pitchFamily="49" charset="0"/>
+                          <a:cs typeface="Courier New" panose="02070309020205020404" pitchFamily="49" charset="0"/>
+                        </a:rPr>
+                        <a:t>sim.model.space.xMax</a:t>
+                      </a:r>
+                      <a:endParaRPr lang="en-US" sz="1400" dirty="0">
+                        <a:latin typeface="Courier New" panose="02070309020205020404" pitchFamily="49" charset="0"/>
+                        <a:cs typeface="Courier New" panose="02070309020205020404" pitchFamily="49" charset="0"/>
+                      </a:endParaRPr>
+                    </a:p>
+                  </a:txBody>
+                  <a:tcPr/>
+                </a:tc>
+                <a:tc>
+                  <a:txBody>
+                    <a:bodyPr/>
+                    <a:lstStyle/>
+                    <a:p>
+                      <a:r>
+                        <a:rPr lang="en-US" dirty="0" smtClean="0"/>
+                        <a:t>Width of the grid</a:t>
+                      </a:r>
+                      <a:endParaRPr lang="en-US" dirty="0"/>
+                    </a:p>
+                  </a:txBody>
+                  <a:tcPr/>
+                </a:tc>
+                <a:extLst>
+                  <a:ext uri="{0D108BD9-81ED-4DB2-BD59-A6C34878D82A}">
+                    <a16:rowId xmlns:a16="http://schemas.microsoft.com/office/drawing/2014/main" val="138860855"/>
+                  </a:ext>
+                </a:extLst>
+              </a:tr>
+              <a:tr h="370840">
+                <a:tc>
+                  <a:txBody>
+                    <a:bodyPr/>
+                    <a:lstStyle/>
+                    <a:p>
+                      <a:r>
+                        <a:rPr lang="en-US" sz="1400" dirty="0" err="1" smtClean="0">
+                          <a:latin typeface="Courier New" panose="02070309020205020404" pitchFamily="49" charset="0"/>
+                          <a:cs typeface="Courier New" panose="02070309020205020404" pitchFamily="49" charset="0"/>
+                        </a:rPr>
+                        <a:t>sim.model.space.yMax</a:t>
+                      </a:r>
+                      <a:endParaRPr lang="en-US" sz="1400" dirty="0">
+                        <a:latin typeface="Courier New" panose="02070309020205020404" pitchFamily="49" charset="0"/>
+                        <a:cs typeface="Courier New" panose="02070309020205020404" pitchFamily="49" charset="0"/>
+                      </a:endParaRPr>
+                    </a:p>
+                  </a:txBody>
+                  <a:tcPr/>
+                </a:tc>
+                <a:tc>
+                  <a:txBody>
+                    <a:bodyPr/>
+                    <a:lstStyle/>
+                    <a:p>
+                      <a:r>
+                        <a:rPr lang="en-US" dirty="0" smtClean="0"/>
+                        <a:t>Height</a:t>
+                      </a:r>
+                      <a:r>
+                        <a:rPr lang="en-US" baseline="0" dirty="0" smtClean="0"/>
+                        <a:t> of the grid</a:t>
+                      </a:r>
+                      <a:endParaRPr lang="en-US" dirty="0"/>
+                    </a:p>
+                  </a:txBody>
+                  <a:tcPr/>
+                </a:tc>
+                <a:extLst>
+                  <a:ext uri="{0D108BD9-81ED-4DB2-BD59-A6C34878D82A}">
+                    <a16:rowId xmlns:a16="http://schemas.microsoft.com/office/drawing/2014/main" val="571919532"/>
+                  </a:ext>
+                </a:extLst>
+              </a:tr>
+            </a:tbl>
+          </a:graphicData>
+        </a:graphic>
+      </p:graphicFrame>
+      <p:sp>
+        <p:nvSpPr>
+          <p:cNvPr id="5" name="Rectangle 4"/>
+          <p:cNvSpPr/>
+          <p:nvPr/>
+        </p:nvSpPr>
+        <p:spPr>
+          <a:xfrm>
+            <a:off x="838200" y="5111571"/>
+            <a:ext cx="6096000" cy="954107"/>
+          </a:xfrm>
+          <a:prstGeom prst="rect">
+            <a:avLst/>
+          </a:prstGeom>
+          <a:ln>
+            <a:solidFill>
+              <a:schemeClr val="tx1"/>
+            </a:solidFill>
+          </a:ln>
+        </p:spPr>
+        <p:txBody>
+          <a:bodyPr>
+            <a:spAutoFit/>
+          </a:bodyPr>
+          <a:lstStyle/>
+          <a:p>
+            <a:r>
+              <a:rPr lang="en-US" sz="1400" dirty="0" smtClean="0">
+                <a:latin typeface="Courier New" panose="02070309020205020404" pitchFamily="49" charset="0"/>
+                <a:cs typeface="Courier New" panose="02070309020205020404" pitchFamily="49" charset="0"/>
+              </a:rPr>
+              <a:t>// Space model</a:t>
+            </a:r>
+          </a:p>
+          <a:p>
+            <a:r>
+              <a:rPr lang="en-US" sz="1400" dirty="0" err="1" smtClean="0">
+                <a:latin typeface="Courier New" panose="02070309020205020404" pitchFamily="49" charset="0"/>
+                <a:cs typeface="Courier New" panose="02070309020205020404" pitchFamily="49" charset="0"/>
+              </a:rPr>
+              <a:t>sim.model.space.type</a:t>
+            </a:r>
+            <a:r>
+              <a:rPr lang="en-US" sz="1400" dirty="0" smtClean="0">
+                <a:latin typeface="Courier New" panose="02070309020205020404" pitchFamily="49" charset="0"/>
+                <a:cs typeface="Courier New" panose="02070309020205020404" pitchFamily="49" charset="0"/>
+              </a:rPr>
+              <a:t> = "</a:t>
+            </a:r>
+            <a:r>
+              <a:rPr lang="en-US" sz="1400" dirty="0" err="1" smtClean="0">
+                <a:latin typeface="Courier New" panose="02070309020205020404" pitchFamily="49" charset="0"/>
+                <a:cs typeface="Courier New" panose="02070309020205020404" pitchFamily="49" charset="0"/>
+              </a:rPr>
+              <a:t>IntegerGrid</a:t>
+            </a:r>
+            <a:r>
+              <a:rPr lang="en-US" sz="1400" dirty="0" smtClean="0">
+                <a:latin typeface="Courier New" panose="02070309020205020404" pitchFamily="49" charset="0"/>
+                <a:cs typeface="Courier New" panose="02070309020205020404" pitchFamily="49" charset="0"/>
+              </a:rPr>
+              <a:t>";</a:t>
+            </a:r>
+          </a:p>
+          <a:p>
+            <a:r>
+              <a:rPr lang="en-US" sz="1400" dirty="0" err="1" smtClean="0">
+                <a:latin typeface="Courier New" panose="02070309020205020404" pitchFamily="49" charset="0"/>
+                <a:cs typeface="Courier New" panose="02070309020205020404" pitchFamily="49" charset="0"/>
+              </a:rPr>
+              <a:t>sim.model.space.xMax</a:t>
+            </a:r>
+            <a:r>
+              <a:rPr lang="en-US" sz="1400" dirty="0" smtClean="0">
+                <a:latin typeface="Courier New" panose="02070309020205020404" pitchFamily="49" charset="0"/>
+                <a:cs typeface="Courier New" panose="02070309020205020404" pitchFamily="49" charset="0"/>
+              </a:rPr>
+              <a:t> = 120;</a:t>
+            </a:r>
+          </a:p>
+          <a:p>
+            <a:r>
+              <a:rPr lang="en-US" sz="1400" dirty="0" err="1" smtClean="0">
+                <a:latin typeface="Courier New" panose="02070309020205020404" pitchFamily="49" charset="0"/>
+                <a:cs typeface="Courier New" panose="02070309020205020404" pitchFamily="49" charset="0"/>
+              </a:rPr>
+              <a:t>sim.model.space.yMax</a:t>
+            </a:r>
+            <a:r>
+              <a:rPr lang="en-US" sz="1400" dirty="0" smtClean="0">
+                <a:latin typeface="Courier New" panose="02070309020205020404" pitchFamily="49" charset="0"/>
+                <a:cs typeface="Courier New" panose="02070309020205020404" pitchFamily="49" charset="0"/>
+              </a:rPr>
+              <a:t> = 60;</a:t>
+            </a:r>
+            <a:endParaRPr lang="en-US" sz="1400" dirty="0">
+              <a:latin typeface="Courier New" panose="02070309020205020404" pitchFamily="49" charset="0"/>
+              <a:cs typeface="Courier New" panose="02070309020205020404" pitchFamily="49" charset="0"/>
+            </a:endParaRPr>
+          </a:p>
+        </p:txBody>
+      </p:sp>
+      <p:sp>
+        <p:nvSpPr>
+          <p:cNvPr id="6" name="Slide Number Placeholder 5"/>
+          <p:cNvSpPr>
+            <a:spLocks noGrp="1"/>
+          </p:cNvSpPr>
+          <p:nvPr>
+            <p:ph type="sldNum" sz="quarter" idx="12"/>
+          </p:nvPr>
+        </p:nvSpPr>
+        <p:spPr/>
+        <p:txBody>
+          <a:bodyPr/>
+          <a:lstStyle/>
+          <a:p>
+            <a:fld id="{247FB092-A999-4510-8992-5DF87EBC3E9E}" type="slidenum">
+              <a:rPr lang="en-US" smtClean="0"/>
+              <a:t>87</a:t>
+            </a:fld>
+            <a:endParaRPr lang="en-US"/>
+          </a:p>
+        </p:txBody>
+      </p:sp>
+    </p:spTree>
+    <p:extLst>
+      <p:ext uri="{BB962C8B-B14F-4D97-AF65-F5344CB8AC3E}">
+        <p14:creationId xmlns:p14="http://schemas.microsoft.com/office/powerpoint/2010/main" val="65799278"/>
+      </p:ext>
+    </p:extLst>
+  </p:cSld>
+  <p:clrMapOvr>
+    <a:masterClrMapping/>
+  </p:clrMapOvr>
+</p:sld>
+</file>
+
+<file path=ppt/slides/slide88.xml><?xml version="1.0" encoding="utf-8"?>
+<p:sld xmlns:a="http://schemas.openxmlformats.org/drawingml/2006/main" xmlns:r="http://schemas.openxmlformats.org/officeDocument/2006/relationships" xmlns:p="http://schemas.openxmlformats.org/presentationml/2006/main">
+  <p:cSld>
+    <p:spTree>
+      <p:nvGrpSpPr>
+        <p:cNvPr id="1" name=""/>
+        <p:cNvGrpSpPr/>
+        <p:nvPr/>
+      </p:nvGrpSpPr>
+      <p:grpSpPr>
+        <a:xfrm>
+          <a:off x="0" y="0"/>
+          <a:ext cx="0" cy="0"/>
+          <a:chOff x="0" y="0"/>
+          <a:chExt cx="0" cy="0"/>
+        </a:xfrm>
+      </p:grpSpPr>
+      <p:sp>
+        <p:nvSpPr>
+          <p:cNvPr id="2" name="Title 1"/>
+          <p:cNvSpPr>
+            <a:spLocks noGrp="1"/>
+          </p:cNvSpPr>
+          <p:nvPr>
+            <p:ph type="title"/>
+          </p:nvPr>
+        </p:nvSpPr>
+        <p:spPr/>
+        <p:txBody>
+          <a:bodyPr/>
+          <a:lstStyle/>
+          <a:p>
+            <a:r>
+              <a:rPr lang="en-US" dirty="0" smtClean="0"/>
+              <a:t>Grid </a:t>
+            </a:r>
+            <a:r>
+              <a:rPr lang="en-US" dirty="0"/>
+              <a:t>Space </a:t>
+            </a:r>
+            <a:r>
+              <a:rPr lang="en-US" dirty="0" smtClean="0"/>
+              <a:t>Configuration </a:t>
+            </a:r>
+            <a:r>
+              <a:rPr lang="en-US" dirty="0"/>
+              <a:t>(simulation.js)</a:t>
+            </a:r>
+            <a:endParaRPr lang="en-US" dirty="0"/>
+          </a:p>
+        </p:txBody>
+      </p:sp>
+      <p:sp>
+        <p:nvSpPr>
+          <p:cNvPr id="3" name="Content Placeholder 2"/>
+          <p:cNvSpPr>
+            <a:spLocks noGrp="1"/>
+          </p:cNvSpPr>
+          <p:nvPr>
+            <p:ph idx="1"/>
+          </p:nvPr>
+        </p:nvSpPr>
+        <p:spPr/>
+        <p:txBody>
+          <a:bodyPr/>
+          <a:lstStyle/>
+          <a:p>
+            <a:r>
+              <a:rPr lang="en-US" dirty="0" smtClean="0"/>
+              <a:t>To access the content of the grid cells</a:t>
+            </a:r>
+          </a:p>
+          <a:p>
+            <a:endParaRPr lang="en-US" dirty="0" smtClean="0"/>
+          </a:p>
+          <a:p>
+            <a:endParaRPr lang="en-US" dirty="0" smtClean="0"/>
+          </a:p>
+          <a:p>
+            <a:endParaRPr lang="en-US" dirty="0" smtClean="0"/>
+          </a:p>
+          <a:p>
+            <a:r>
+              <a:rPr lang="en-US" dirty="0" smtClean="0"/>
+              <a:t>To loop over all cells of the grid</a:t>
+            </a:r>
+            <a:endParaRPr lang="en-US" dirty="0"/>
+          </a:p>
+        </p:txBody>
+      </p:sp>
+      <p:sp>
+        <p:nvSpPr>
+          <p:cNvPr id="4" name="Rectangle 3"/>
+          <p:cNvSpPr/>
+          <p:nvPr/>
+        </p:nvSpPr>
+        <p:spPr>
+          <a:xfrm>
+            <a:off x="1157319" y="4464709"/>
+            <a:ext cx="7268926" cy="2031325"/>
+          </a:xfrm>
+          <a:prstGeom prst="rect">
+            <a:avLst/>
+          </a:prstGeom>
+          <a:ln>
+            <a:solidFill>
+              <a:schemeClr val="tx1"/>
+            </a:solidFill>
+          </a:ln>
+        </p:spPr>
+        <p:txBody>
+          <a:bodyPr wrap="square">
+            <a:spAutoFit/>
+          </a:bodyPr>
+          <a:lstStyle/>
+          <a:p>
+            <a:r>
+              <a:rPr lang="en-US" sz="1400" dirty="0" err="1" smtClean="0">
+                <a:latin typeface="Courier New" panose="02070309020205020404" pitchFamily="49" charset="0"/>
+                <a:cs typeface="Courier New" panose="02070309020205020404" pitchFamily="49" charset="0"/>
+              </a:rPr>
+              <a:t>oes.space.grid.forAllCells</a:t>
+            </a:r>
+            <a:r>
+              <a:rPr lang="en-US" sz="1400" dirty="0" smtClean="0">
+                <a:latin typeface="Courier New" panose="02070309020205020404" pitchFamily="49" charset="0"/>
+                <a:cs typeface="Courier New" panose="02070309020205020404" pitchFamily="49" charset="0"/>
+              </a:rPr>
+              <a:t>( function (</a:t>
+            </a:r>
+            <a:r>
+              <a:rPr lang="en-US" sz="1400" dirty="0" err="1" smtClean="0">
+                <a:latin typeface="Courier New" panose="02070309020205020404" pitchFamily="49" charset="0"/>
+                <a:cs typeface="Courier New" panose="02070309020205020404" pitchFamily="49" charset="0"/>
+              </a:rPr>
+              <a:t>x,y</a:t>
+            </a:r>
+            <a:r>
+              <a:rPr lang="en-US" sz="1400" dirty="0" smtClean="0">
+                <a:latin typeface="Courier New" panose="02070309020205020404" pitchFamily="49" charset="0"/>
+                <a:cs typeface="Courier New" panose="02070309020205020404" pitchFamily="49" charset="0"/>
+              </a:rPr>
+              <a:t>) {</a:t>
+            </a:r>
+          </a:p>
+          <a:p>
+            <a:r>
+              <a:rPr lang="en-US" sz="1400" dirty="0" smtClean="0">
+                <a:latin typeface="Courier New" panose="02070309020205020404" pitchFamily="49" charset="0"/>
+                <a:cs typeface="Courier New" panose="02070309020205020404" pitchFamily="49" charset="0"/>
+              </a:rPr>
+              <a:t>    </a:t>
+            </a:r>
+            <a:r>
+              <a:rPr lang="en-US" sz="1400" dirty="0" err="1" smtClean="0">
+                <a:latin typeface="Courier New" panose="02070309020205020404" pitchFamily="49" charset="0"/>
+                <a:cs typeface="Courier New" panose="02070309020205020404" pitchFamily="49" charset="0"/>
+              </a:rPr>
+              <a:t>var</a:t>
+            </a:r>
+            <a:r>
+              <a:rPr lang="en-US" sz="1400" dirty="0" smtClean="0">
+                <a:latin typeface="Courier New" panose="02070309020205020404" pitchFamily="49" charset="0"/>
+                <a:cs typeface="Courier New" panose="02070309020205020404" pitchFamily="49" charset="0"/>
+              </a:rPr>
+              <a:t> g = oes.space.grid.0.getCellValue(</a:t>
+            </a:r>
+            <a:r>
+              <a:rPr lang="en-US" sz="1400" dirty="0" err="1" smtClean="0">
+                <a:latin typeface="Courier New" panose="02070309020205020404" pitchFamily="49" charset="0"/>
+                <a:cs typeface="Courier New" panose="02070309020205020404" pitchFamily="49" charset="0"/>
+              </a:rPr>
+              <a:t>x,y</a:t>
+            </a:r>
+            <a:r>
+              <a:rPr lang="en-US" sz="1400" dirty="0" smtClean="0">
+                <a:latin typeface="Courier New" panose="02070309020205020404" pitchFamily="49" charset="0"/>
+                <a:cs typeface="Courier New" panose="02070309020205020404" pitchFamily="49" charset="0"/>
+              </a:rPr>
+              <a:t>),  </a:t>
+            </a:r>
+            <a:r>
+              <a:rPr lang="en-US" sz="1400" dirty="0" err="1" smtClean="0">
+                <a:latin typeface="Courier New" panose="02070309020205020404" pitchFamily="49" charset="0"/>
+                <a:cs typeface="Courier New" panose="02070309020205020404" pitchFamily="49" charset="0"/>
+              </a:rPr>
+              <a:t>tol</a:t>
+            </a:r>
+            <a:r>
+              <a:rPr lang="en-US" sz="1400" dirty="0" smtClean="0">
+                <a:latin typeface="Courier New" panose="02070309020205020404" pitchFamily="49" charset="0"/>
+                <a:cs typeface="Courier New" panose="02070309020205020404" pitchFamily="49" charset="0"/>
+              </a:rPr>
+              <a:t> = 0;</a:t>
+            </a:r>
+          </a:p>
+          <a:p>
+            <a:endParaRPr lang="en-US" sz="1400" dirty="0" smtClean="0">
+              <a:latin typeface="Courier New" panose="02070309020205020404" pitchFamily="49" charset="0"/>
+              <a:cs typeface="Courier New" panose="02070309020205020404" pitchFamily="49" charset="0"/>
+            </a:endParaRPr>
+          </a:p>
+          <a:p>
+            <a:r>
+              <a:rPr lang="en-US" sz="1400" dirty="0" smtClean="0">
+                <a:latin typeface="Courier New" panose="02070309020205020404" pitchFamily="49" charset="0"/>
+                <a:cs typeface="Courier New" panose="02070309020205020404" pitchFamily="49" charset="0"/>
+              </a:rPr>
+              <a:t>    if (g &gt; 0) {</a:t>
+            </a:r>
+          </a:p>
+          <a:p>
+            <a:r>
+              <a:rPr lang="en-US" sz="1400" dirty="0" smtClean="0">
+                <a:latin typeface="Courier New" panose="02070309020205020404" pitchFamily="49" charset="0"/>
+                <a:cs typeface="Courier New" panose="02070309020205020404" pitchFamily="49" charset="0"/>
+              </a:rPr>
+              <a:t>      </a:t>
+            </a:r>
+            <a:r>
+              <a:rPr lang="en-US" sz="1400" dirty="0" err="1" smtClean="0">
+                <a:latin typeface="Courier New" panose="02070309020205020404" pitchFamily="49" charset="0"/>
+                <a:cs typeface="Courier New" panose="02070309020205020404" pitchFamily="49" charset="0"/>
+              </a:rPr>
+              <a:t>tol</a:t>
+            </a:r>
+            <a:r>
+              <a:rPr lang="en-US" sz="1400" dirty="0" smtClean="0">
+                <a:latin typeface="Courier New" panose="02070309020205020404" pitchFamily="49" charset="0"/>
+                <a:cs typeface="Courier New" panose="02070309020205020404" pitchFamily="49" charset="0"/>
+              </a:rPr>
+              <a:t> = groups[String(g)].</a:t>
+            </a:r>
+            <a:r>
+              <a:rPr lang="en-US" sz="1400" dirty="0" err="1" smtClean="0">
+                <a:latin typeface="Courier New" panose="02070309020205020404" pitchFamily="49" charset="0"/>
+                <a:cs typeface="Courier New" panose="02070309020205020404" pitchFamily="49" charset="0"/>
+              </a:rPr>
+              <a:t>toleranceLevel</a:t>
+            </a:r>
+            <a:r>
+              <a:rPr lang="en-US" sz="1400" dirty="0" smtClean="0">
+                <a:latin typeface="Courier New" panose="02070309020205020404" pitchFamily="49" charset="0"/>
+                <a:cs typeface="Courier New" panose="02070309020205020404" pitchFamily="49" charset="0"/>
+              </a:rPr>
+              <a:t>;</a:t>
+            </a:r>
+          </a:p>
+          <a:p>
+            <a:r>
+              <a:rPr lang="en-US" sz="1400" dirty="0" smtClean="0">
+                <a:latin typeface="Courier New" panose="02070309020205020404" pitchFamily="49" charset="0"/>
+                <a:cs typeface="Courier New" panose="02070309020205020404" pitchFamily="49" charset="0"/>
+              </a:rPr>
+              <a:t>      if (</a:t>
+            </a:r>
+            <a:r>
+              <a:rPr lang="en-US" sz="1400" dirty="0" err="1" smtClean="0">
+                <a:latin typeface="Courier New" panose="02070309020205020404" pitchFamily="49" charset="0"/>
+                <a:cs typeface="Courier New" panose="02070309020205020404" pitchFamily="49" charset="0"/>
+              </a:rPr>
+              <a:t>neighbDiffLevel</a:t>
+            </a:r>
+            <a:r>
+              <a:rPr lang="en-US" sz="1400" dirty="0" smtClean="0">
+                <a:latin typeface="Courier New" panose="02070309020205020404" pitchFamily="49" charset="0"/>
+                <a:cs typeface="Courier New" panose="02070309020205020404" pitchFamily="49" charset="0"/>
+              </a:rPr>
+              <a:t>(</a:t>
+            </a:r>
+            <a:r>
+              <a:rPr lang="en-US" sz="1400" dirty="0" err="1" smtClean="0">
+                <a:latin typeface="Courier New" panose="02070309020205020404" pitchFamily="49" charset="0"/>
+                <a:cs typeface="Courier New" panose="02070309020205020404" pitchFamily="49" charset="0"/>
+              </a:rPr>
+              <a:t>x,y,g</a:t>
+            </a:r>
+            <a:r>
+              <a:rPr lang="en-US" sz="1400" dirty="0" smtClean="0">
+                <a:latin typeface="Courier New" panose="02070309020205020404" pitchFamily="49" charset="0"/>
+                <a:cs typeface="Courier New" panose="02070309020205020404" pitchFamily="49" charset="0"/>
+              </a:rPr>
+              <a:t>) &gt; </a:t>
+            </a:r>
+            <a:r>
+              <a:rPr lang="en-US" sz="1400" dirty="0" err="1" smtClean="0">
+                <a:latin typeface="Courier New" panose="02070309020205020404" pitchFamily="49" charset="0"/>
+                <a:cs typeface="Courier New" panose="02070309020205020404" pitchFamily="49" charset="0"/>
+              </a:rPr>
+              <a:t>tol</a:t>
+            </a:r>
+            <a:r>
+              <a:rPr lang="en-US" sz="1400" dirty="0" smtClean="0">
+                <a:latin typeface="Courier New" panose="02070309020205020404" pitchFamily="49" charset="0"/>
+                <a:cs typeface="Courier New" panose="02070309020205020404" pitchFamily="49" charset="0"/>
+              </a:rPr>
+              <a:t>) {</a:t>
+            </a:r>
+          </a:p>
+          <a:p>
+            <a:r>
+              <a:rPr lang="en-US" sz="1400" dirty="0" smtClean="0">
+                <a:latin typeface="Courier New" panose="02070309020205020404" pitchFamily="49" charset="0"/>
+                <a:cs typeface="Courier New" panose="02070309020205020404" pitchFamily="49" charset="0"/>
+              </a:rPr>
+              <a:t>        </a:t>
+            </a:r>
+            <a:r>
+              <a:rPr lang="en-US" sz="1400" dirty="0" err="1" smtClean="0">
+                <a:latin typeface="Courier New" panose="02070309020205020404" pitchFamily="49" charset="0"/>
+                <a:cs typeface="Courier New" panose="02070309020205020404" pitchFamily="49" charset="0"/>
+              </a:rPr>
+              <a:t>sim.v.uncontentResidents.push</a:t>
+            </a:r>
+            <a:r>
+              <a:rPr lang="en-US" sz="1400" dirty="0" smtClean="0">
+                <a:latin typeface="Courier New" panose="02070309020205020404" pitchFamily="49" charset="0"/>
+                <a:cs typeface="Courier New" panose="02070309020205020404" pitchFamily="49" charset="0"/>
+              </a:rPr>
+              <a:t>([</a:t>
+            </a:r>
+            <a:r>
+              <a:rPr lang="en-US" sz="1400" dirty="0" err="1" smtClean="0">
+                <a:latin typeface="Courier New" panose="02070309020205020404" pitchFamily="49" charset="0"/>
+                <a:cs typeface="Courier New" panose="02070309020205020404" pitchFamily="49" charset="0"/>
+              </a:rPr>
+              <a:t>x,y</a:t>
+            </a:r>
+            <a:r>
+              <a:rPr lang="en-US" sz="1400" dirty="0" smtClean="0">
+                <a:latin typeface="Courier New" panose="02070309020205020404" pitchFamily="49" charset="0"/>
+                <a:cs typeface="Courier New" panose="02070309020205020404" pitchFamily="49" charset="0"/>
+              </a:rPr>
+              <a:t>]);</a:t>
+            </a:r>
+          </a:p>
+          <a:p>
+            <a:r>
+              <a:rPr lang="en-US" sz="1400" dirty="0" smtClean="0">
+                <a:latin typeface="Courier New" panose="02070309020205020404" pitchFamily="49" charset="0"/>
+                <a:cs typeface="Courier New" panose="02070309020205020404" pitchFamily="49" charset="0"/>
+              </a:rPr>
+              <a:t>      }</a:t>
+            </a:r>
+          </a:p>
+          <a:p>
+            <a:r>
+              <a:rPr lang="en-US" sz="1400" dirty="0" smtClean="0">
+                <a:latin typeface="Courier New" panose="02070309020205020404" pitchFamily="49" charset="0"/>
+                <a:cs typeface="Courier New" panose="02070309020205020404" pitchFamily="49" charset="0"/>
+              </a:rPr>
+              <a:t>    }</a:t>
+            </a:r>
+            <a:endParaRPr lang="en-US" sz="1400" dirty="0">
+              <a:latin typeface="Courier New" panose="02070309020205020404" pitchFamily="49" charset="0"/>
+              <a:cs typeface="Courier New" panose="02070309020205020404" pitchFamily="49" charset="0"/>
+            </a:endParaRPr>
+          </a:p>
+        </p:txBody>
+      </p:sp>
+      <p:sp>
+        <p:nvSpPr>
+          <p:cNvPr id="5" name="Rectangle 4"/>
+          <p:cNvSpPr/>
+          <p:nvPr/>
+        </p:nvSpPr>
+        <p:spPr>
+          <a:xfrm>
+            <a:off x="1157319" y="2366387"/>
+            <a:ext cx="3621504" cy="307777"/>
+          </a:xfrm>
+          <a:prstGeom prst="rect">
+            <a:avLst/>
+          </a:prstGeom>
+        </p:spPr>
+        <p:txBody>
+          <a:bodyPr wrap="none">
+            <a:spAutoFit/>
+          </a:bodyPr>
+          <a:lstStyle/>
+          <a:p>
+            <a:r>
+              <a:rPr lang="en-US" sz="1400" b="1" dirty="0" err="1" smtClean="0">
+                <a:latin typeface="Courier New" panose="02070309020205020404" pitchFamily="49" charset="0"/>
+                <a:cs typeface="Courier New" panose="02070309020205020404" pitchFamily="49" charset="0"/>
+              </a:rPr>
+              <a:t>sim.space.grid</a:t>
+            </a:r>
+            <a:r>
+              <a:rPr lang="en-US" sz="1400" dirty="0" smtClean="0">
+                <a:latin typeface="Courier New" panose="02070309020205020404" pitchFamily="49" charset="0"/>
+                <a:cs typeface="Courier New" panose="02070309020205020404" pitchFamily="49" charset="0"/>
+              </a:rPr>
+              <a:t>[(y-1)*</a:t>
+            </a:r>
+            <a:r>
+              <a:rPr lang="en-US" sz="1400" dirty="0" err="1" smtClean="0">
+                <a:latin typeface="Courier New" panose="02070309020205020404" pitchFamily="49" charset="0"/>
+                <a:cs typeface="Courier New" panose="02070309020205020404" pitchFamily="49" charset="0"/>
+              </a:rPr>
+              <a:t>xMax</a:t>
+            </a:r>
+            <a:r>
+              <a:rPr lang="en-US" sz="1400" dirty="0" smtClean="0">
+                <a:latin typeface="Courier New" panose="02070309020205020404" pitchFamily="49" charset="0"/>
+                <a:cs typeface="Courier New" panose="02070309020205020404" pitchFamily="49" charset="0"/>
+              </a:rPr>
+              <a:t> + x-1]</a:t>
+            </a:r>
+            <a:endParaRPr lang="en-US" sz="1400" dirty="0">
+              <a:latin typeface="Courier New" panose="02070309020205020404" pitchFamily="49" charset="0"/>
+              <a:cs typeface="Courier New" panose="02070309020205020404" pitchFamily="49" charset="0"/>
+            </a:endParaRPr>
+          </a:p>
+        </p:txBody>
+      </p:sp>
+      <p:sp>
+        <p:nvSpPr>
+          <p:cNvPr id="6" name="Rectangle 5"/>
+          <p:cNvSpPr/>
+          <p:nvPr/>
+        </p:nvSpPr>
+        <p:spPr>
+          <a:xfrm>
+            <a:off x="1157319" y="2960501"/>
+            <a:ext cx="3836307" cy="307777"/>
+          </a:xfrm>
+          <a:prstGeom prst="rect">
+            <a:avLst/>
+          </a:prstGeom>
+        </p:spPr>
+        <p:txBody>
+          <a:bodyPr wrap="none">
+            <a:spAutoFit/>
+          </a:bodyPr>
+          <a:lstStyle/>
+          <a:p>
+            <a:r>
+              <a:rPr lang="en-US" sz="1400" b="1" dirty="0">
+                <a:latin typeface="Courier New" panose="02070309020205020404" pitchFamily="49" charset="0"/>
+                <a:cs typeface="Courier New" panose="02070309020205020404" pitchFamily="49" charset="0"/>
+              </a:rPr>
+              <a:t>oes.space.grid.0.getCellValue</a:t>
+            </a:r>
+            <a:r>
+              <a:rPr lang="en-US" sz="1400" dirty="0">
+                <a:latin typeface="Courier New" panose="02070309020205020404" pitchFamily="49" charset="0"/>
+                <a:cs typeface="Courier New" panose="02070309020205020404" pitchFamily="49" charset="0"/>
+              </a:rPr>
+              <a:t>(</a:t>
+            </a:r>
+            <a:r>
+              <a:rPr lang="en-US" sz="1400" dirty="0" err="1">
+                <a:latin typeface="Courier New" panose="02070309020205020404" pitchFamily="49" charset="0"/>
+                <a:cs typeface="Courier New" panose="02070309020205020404" pitchFamily="49" charset="0"/>
+              </a:rPr>
+              <a:t>x,y</a:t>
+            </a:r>
+            <a:r>
+              <a:rPr lang="en-US" sz="1400" dirty="0">
+                <a:latin typeface="Courier New" panose="02070309020205020404" pitchFamily="49" charset="0"/>
+                <a:cs typeface="Courier New" panose="02070309020205020404" pitchFamily="49" charset="0"/>
+              </a:rPr>
+              <a:t>)</a:t>
+            </a:r>
+            <a:endParaRPr lang="en-US" sz="1400" dirty="0"/>
+          </a:p>
+        </p:txBody>
+      </p:sp>
+      <p:sp>
+        <p:nvSpPr>
+          <p:cNvPr id="7" name="Slide Number Placeholder 6"/>
+          <p:cNvSpPr>
+            <a:spLocks noGrp="1"/>
+          </p:cNvSpPr>
+          <p:nvPr>
+            <p:ph type="sldNum" sz="quarter" idx="12"/>
+          </p:nvPr>
+        </p:nvSpPr>
+        <p:spPr/>
+        <p:txBody>
+          <a:bodyPr/>
+          <a:lstStyle/>
+          <a:p>
+            <a:fld id="{247FB092-A999-4510-8992-5DF87EBC3E9E}" type="slidenum">
+              <a:rPr lang="en-US" smtClean="0"/>
+              <a:t>88</a:t>
+            </a:fld>
+            <a:endParaRPr lang="en-US"/>
+          </a:p>
+        </p:txBody>
+      </p:sp>
+    </p:spTree>
+    <p:extLst>
+      <p:ext uri="{BB962C8B-B14F-4D97-AF65-F5344CB8AC3E}">
+        <p14:creationId xmlns:p14="http://schemas.microsoft.com/office/powerpoint/2010/main" val="279535463"/>
       </p:ext>
     </p:extLst>
   </p:cSld>
@@ -34177,7 +33342,6 @@
               <a:rPr lang="en-US" dirty="0" smtClean="0"/>
               <a:t> Cloud</a:t>
             </a:r>
-            <a:endParaRPr lang="en-US" dirty="0" smtClean="0"/>
           </a:p>
           <a:p>
             <a:pPr lvl="1">
@@ -34193,7 +33357,6 @@
               <a:rPr lang="en-US" dirty="0" smtClean="0"/>
               <a:t> Web</a:t>
             </a:r>
-            <a:endParaRPr lang="en-US" dirty="0" smtClean="0"/>
           </a:p>
           <a:p>
             <a:pPr lvl="1">
@@ -34776,47 +33939,4 @@
     </a:ext>
   </a:extLst>
 </a:theme>
-</file>
-
-<file path=ppt/theme/themeOverride1.xml><?xml version="1.0" encoding="utf-8"?>
-<a:themeOverride xmlns:a="http://schemas.openxmlformats.org/drawingml/2006/main">
-  <a:clrScheme name="Office">
-    <a:dk1>
-      <a:sysClr val="windowText" lastClr="000000"/>
-    </a:dk1>
-    <a:lt1>
-      <a:sysClr val="window" lastClr="FFFFFF"/>
-    </a:lt1>
-    <a:dk2>
-      <a:srgbClr val="44546A"/>
-    </a:dk2>
-    <a:lt2>
-      <a:srgbClr val="E7E6E6"/>
-    </a:lt2>
-    <a:accent1>
-      <a:srgbClr val="5B9BD5"/>
-    </a:accent1>
-    <a:accent2>
-      <a:srgbClr val="ED7D31"/>
-    </a:accent2>
-    <a:accent3>
-      <a:srgbClr val="A5A5A5"/>
-    </a:accent3>
-    <a:accent4>
-      <a:srgbClr val="FFC000"/>
-    </a:accent4>
-    <a:accent5>
-      <a:srgbClr val="4472C4"/>
-    </a:accent5>
-    <a:accent6>
-      <a:srgbClr val="70AD47"/>
-    </a:accent6>
-    <a:hlink>
-      <a:srgbClr val="0563C1"/>
-    </a:hlink>
-    <a:folHlink>
-      <a:srgbClr val="954F72"/>
-    </a:folHlink>
-  </a:clrScheme>
-</a:themeOverride>
 </file>